--- a/PrésentationMini-Projet.pptx
+++ b/PrésentationMini-Projet.pptx
@@ -2,10 +2,14 @@
 <file path=ppt/presentation.xml><?xml version="1.0" encoding="utf-8"?>
 <p:presentation xmlns:a="http://schemas.openxmlformats.org/drawingml/2006/main" xmlns:r="http://schemas.openxmlformats.org/officeDocument/2006/relationships" xmlns:p="http://schemas.openxmlformats.org/presentationml/2006/main" saveSubsetFonts="1">
   <p:sldMasterIdLst>
-    <p:sldMasterId id="2147483648" r:id="rId1"/>
+    <p:sldMasterId id="2147483673" r:id="rId1"/>
   </p:sldMasterIdLst>
   <p:sldIdLst>
     <p:sldId id="256" r:id="rId2"/>
+    <p:sldId id="257" r:id="rId3"/>
+    <p:sldId id="258" r:id="rId4"/>
+    <p:sldId id="259" r:id="rId5"/>
+    <p:sldId id="260" r:id="rId6"/>
   </p:sldIdLst>
   <p:sldSz cx="12192000" cy="6858000"/>
   <p:notesSz cx="6858000" cy="9144000"/>
@@ -104,12 +108,17 @@
       </a:defRPr>
     </a:lvl9pPr>
   </p:defaultTextStyle>
+  <p:extLst>
+    <p:ext uri="{EFAFB233-063F-42B5-8137-9DF3F51BA10A}">
+      <p15:sldGuideLst xmlns:p15="http://schemas.microsoft.com/office/powerpoint/2012/main"/>
+    </p:ext>
+  </p:extLst>
 </p:presentation>
 </file>
 
 <file path=ppt/slideLayouts/slideLayout1.xml><?xml version="1.0" encoding="utf-8"?>
 <p:sldLayout xmlns:a="http://schemas.openxmlformats.org/drawingml/2006/main" xmlns:r="http://schemas.openxmlformats.org/officeDocument/2006/relationships" xmlns:p="http://schemas.openxmlformats.org/presentationml/2006/main" type="title" preserve="1">
-  <p:cSld name="Diapositive de titre">
+  <p:cSld name="Title Slide">
     <p:spTree>
       <p:nvGrpSpPr>
         <p:cNvPr id="1" name=""/>
@@ -126,10 +135,10 @@
       </p:grpSpPr>
       <p:sp>
         <p:nvSpPr>
-          <p:cNvPr id="2" name="Titre 1">
-            <a:extLst>
-              <a:ext uri="{FF2B5EF4-FFF2-40B4-BE49-F238E27FC236}">
-                <a16:creationId xmlns:a16="http://schemas.microsoft.com/office/drawing/2014/main" id="{BCA01327-E9BB-339A-3877-4C74FF881068}"/>
+          <p:cNvPr id="2" name="Title 1">
+            <a:extLst>
+              <a:ext uri="{FF2B5EF4-FFF2-40B4-BE49-F238E27FC236}">
+                <a16:creationId xmlns:a16="http://schemas.microsoft.com/office/drawing/2014/main" id="{F6640AAD-80AF-40E7-BE3F-43D32FC68ED4}"/>
               </a:ext>
             </a:extLst>
           </p:cNvPr>
@@ -149,24 +158,24 @@
         <p:txBody>
           <a:bodyPr anchor="b"/>
           <a:lstStyle>
-            <a:lvl1pPr algn="ctr">
-              <a:defRPr sz="6000"/>
+            <a:lvl1pPr algn="l">
+              <a:defRPr sz="6000" b="1" i="0" cap="all" baseline="0"/>
             </a:lvl1pPr>
           </a:lstStyle>
           <a:p>
             <a:r>
-              <a:rPr lang="fr-FR"/>
-              <a:t>Modifiez le style du titre</a:t>
+              <a:rPr lang="en-US"/>
+              <a:t>Click to edit Master title style</a:t>
             </a:r>
           </a:p>
         </p:txBody>
       </p:sp>
       <p:sp>
         <p:nvSpPr>
-          <p:cNvPr id="3" name="Sous-titre 2">
-            <a:extLst>
-              <a:ext uri="{FF2B5EF4-FFF2-40B4-BE49-F238E27FC236}">
-                <a16:creationId xmlns:a16="http://schemas.microsoft.com/office/drawing/2014/main" id="{55FA0828-8274-113D-3298-8B91E9C6880F}"/>
+          <p:cNvPr id="3" name="Subtitle 2">
+            <a:extLst>
+              <a:ext uri="{FF2B5EF4-FFF2-40B4-BE49-F238E27FC236}">
+                <a16:creationId xmlns:a16="http://schemas.microsoft.com/office/drawing/2014/main" id="{EC80FBD9-0977-4B2B-9318-30774BB0947C}"/>
               </a:ext>
             </a:extLst>
           </p:cNvPr>
@@ -186,7 +195,7 @@
         <p:txBody>
           <a:bodyPr/>
           <a:lstStyle>
-            <a:lvl1pPr marL="0" indent="0" algn="ctr">
+            <a:lvl1pPr marL="0" indent="0" algn="l">
               <a:buNone/>
               <a:defRPr sz="2400"/>
             </a:lvl1pPr>
@@ -225,18 +234,18 @@
           </a:lstStyle>
           <a:p>
             <a:r>
-              <a:rPr lang="fr-FR"/>
-              <a:t>Modifiez le style des sous-titres du masque</a:t>
+              <a:rPr lang="en-US"/>
+              <a:t>Click to edit Master subtitle style</a:t>
             </a:r>
           </a:p>
         </p:txBody>
       </p:sp>
       <p:sp>
         <p:nvSpPr>
-          <p:cNvPr id="4" name="Espace réservé de la date 3">
-            <a:extLst>
-              <a:ext uri="{FF2B5EF4-FFF2-40B4-BE49-F238E27FC236}">
-                <a16:creationId xmlns:a16="http://schemas.microsoft.com/office/drawing/2014/main" id="{77EFDA78-CAE8-E3D0-9C5E-7ECCDFC88204}"/>
+          <p:cNvPr id="4" name="Date Placeholder 3">
+            <a:extLst>
+              <a:ext uri="{FF2B5EF4-FFF2-40B4-BE49-F238E27FC236}">
+                <a16:creationId xmlns:a16="http://schemas.microsoft.com/office/drawing/2014/main" id="{9CE66DA5-7751-4D3D-B753-58DF3B418763}"/>
               </a:ext>
             </a:extLst>
           </p:cNvPr>
@@ -252,20 +261,20 @@
           <a:bodyPr/>
           <a:lstStyle/>
           <a:p>
-            <a:fld id="{883E7F61-8997-4585-98CC-1F1728BDD087}" type="datetimeFigureOut">
-              <a:rPr lang="fr-FR" smtClean="0"/>
-              <a:t>08/03/2024</a:t>
+            <a:fld id="{6A4B53A7-3209-46A6-9454-F38EAC8F11E7}" type="datetimeFigureOut">
+              <a:rPr lang="en-US" smtClean="0"/>
+              <a:t>4/1/2024</a:t>
             </a:fld>
-            <a:endParaRPr lang="fr-FR"/>
+            <a:endParaRPr lang="en-US"/>
           </a:p>
         </p:txBody>
       </p:sp>
       <p:sp>
         <p:nvSpPr>
-          <p:cNvPr id="5" name="Espace réservé du pied de page 4">
-            <a:extLst>
-              <a:ext uri="{FF2B5EF4-FFF2-40B4-BE49-F238E27FC236}">
-                <a16:creationId xmlns:a16="http://schemas.microsoft.com/office/drawing/2014/main" id="{6CC4D637-64E8-4B3A-D9D9-B65A1B791817}"/>
+          <p:cNvPr id="5" name="Footer Placeholder 4">
+            <a:extLst>
+              <a:ext uri="{FF2B5EF4-FFF2-40B4-BE49-F238E27FC236}">
+                <a16:creationId xmlns:a16="http://schemas.microsoft.com/office/drawing/2014/main" id="{7F8C2A2A-62DB-40C0-8AE7-CB9B98649BB1}"/>
               </a:ext>
             </a:extLst>
           </p:cNvPr>
@@ -281,16 +290,16 @@
           <a:bodyPr/>
           <a:lstStyle/>
           <a:p>
-            <a:endParaRPr lang="fr-FR"/>
+            <a:endParaRPr lang="en-US"/>
           </a:p>
         </p:txBody>
       </p:sp>
       <p:sp>
         <p:nvSpPr>
-          <p:cNvPr id="6" name="Espace réservé du numéro de diapositive 5">
-            <a:extLst>
-              <a:ext uri="{FF2B5EF4-FFF2-40B4-BE49-F238E27FC236}">
-                <a16:creationId xmlns:a16="http://schemas.microsoft.com/office/drawing/2014/main" id="{01765CD1-9C16-5F62-8283-9CDC2E50C9A0}"/>
+          <p:cNvPr id="6" name="Slide Number Placeholder 5">
+            <a:extLst>
+              <a:ext uri="{FF2B5EF4-FFF2-40B4-BE49-F238E27FC236}">
+                <a16:creationId xmlns:a16="http://schemas.microsoft.com/office/drawing/2014/main" id="{A401EAA4-F44C-4C1F-B8E3-1A3005300F50}"/>
               </a:ext>
             </a:extLst>
           </p:cNvPr>
@@ -306,18 +315,71 @@
           <a:bodyPr/>
           <a:lstStyle/>
           <a:p>
-            <a:fld id="{4ED1808A-D98D-4560-9D14-45F5AA0C0FC3}" type="slidenum">
-              <a:rPr lang="fr-FR" smtClean="0"/>
+            <a:fld id="{27CE633F-9882-4A5C-83A2-1109D0C73261}" type="slidenum">
+              <a:rPr lang="en-US" smtClean="0"/>
               <a:t>‹N°›</a:t>
             </a:fld>
-            <a:endParaRPr lang="fr-FR"/>
-          </a:p>
-        </p:txBody>
-      </p:sp>
+            <a:endParaRPr lang="en-US"/>
+          </a:p>
+        </p:txBody>
+      </p:sp>
+      <p:cxnSp>
+        <p:nvCxnSpPr>
+          <p:cNvPr id="11" name="Straight Connector 10">
+            <a:extLst>
+              <a:ext uri="{FF2B5EF4-FFF2-40B4-BE49-F238E27FC236}">
+                <a16:creationId xmlns:a16="http://schemas.microsoft.com/office/drawing/2014/main" id="{D1B787A8-0D67-4B7E-9B48-86BD906AB6B5}"/>
+              </a:ext>
+            </a:extLst>
+          </p:cNvPr>
+          <p:cNvCxnSpPr>
+            <a:cxnSpLocks/>
+          </p:cNvCxnSpPr>
+          <p:nvPr/>
+        </p:nvCxnSpPr>
+        <p:spPr>
+          <a:xfrm>
+            <a:off x="715890" y="1114050"/>
+            <a:ext cx="0" cy="5735637"/>
+          </a:xfrm>
+          <a:prstGeom prst="line">
+            <a:avLst/>
+          </a:prstGeom>
+          <a:ln w="25400" cap="sq">
+            <a:gradFill flip="none" rotWithShape="1">
+              <a:gsLst>
+                <a:gs pos="0">
+                  <a:schemeClr val="accent2"/>
+                </a:gs>
+                <a:gs pos="100000">
+                  <a:schemeClr val="accent4"/>
+                </a:gs>
+              </a:gsLst>
+              <a:lin ang="16200000" scaled="1"/>
+              <a:tileRect/>
+            </a:gradFill>
+            <a:bevel/>
+          </a:ln>
+        </p:spPr>
+        <p:style>
+          <a:lnRef idx="1">
+            <a:schemeClr val="accent1"/>
+          </a:lnRef>
+          <a:fillRef idx="0">
+            <a:schemeClr val="accent1"/>
+          </a:fillRef>
+          <a:effectRef idx="0">
+            <a:schemeClr val="accent1"/>
+          </a:effectRef>
+          <a:fontRef idx="minor">
+            <a:schemeClr val="tx1"/>
+          </a:fontRef>
+        </p:style>
+      </p:cxnSp>
     </p:spTree>
     <p:extLst>
       <p:ext uri="{BB962C8B-B14F-4D97-AF65-F5344CB8AC3E}">
-        <p14:creationId xmlns:p14="http://schemas.microsoft.com/office/powerpoint/2010/main" val="3579583625"/>
+        <p14:creationId xmlns:p14="http://schemas.microsoft.com/office/powerpoint/2010/main" val="3978259282"/>
       </p:ext>
     </p:extLst>
   </p:cSld>
@@ -329,7 +391,7 @@
 
 <file path=ppt/slideLayouts/slideLayout10.xml><?xml version="1.0" encoding="utf-8"?>
 <p:sldLayout xmlns:a="http://schemas.openxmlformats.org/drawingml/2006/main" xmlns:r="http://schemas.openxmlformats.org/officeDocument/2006/relationships" xmlns:p="http://schemas.openxmlformats.org/presentationml/2006/main" type="vertTx" preserve="1">
-  <p:cSld name="Titre et texte vertical">
+  <p:cSld name="Title and Vertical Text">
     <p:spTree>
       <p:nvGrpSpPr>
         <p:cNvPr id="1" name=""/>
@@ -346,10 +408,10 @@
       </p:grpSpPr>
       <p:sp>
         <p:nvSpPr>
-          <p:cNvPr id="2" name="Titre 1">
-            <a:extLst>
-              <a:ext uri="{FF2B5EF4-FFF2-40B4-BE49-F238E27FC236}">
-                <a16:creationId xmlns:a16="http://schemas.microsoft.com/office/drawing/2014/main" id="{13716E93-BD0B-94DF-F6DB-29C7F0041640}"/>
+          <p:cNvPr id="2" name="Title 1">
+            <a:extLst>
+              <a:ext uri="{FF2B5EF4-FFF2-40B4-BE49-F238E27FC236}">
+                <a16:creationId xmlns:a16="http://schemas.microsoft.com/office/drawing/2014/main" id="{326AD429-654B-4F0E-94E9-6FEF8EC67EF3}"/>
               </a:ext>
             </a:extLst>
           </p:cNvPr>
@@ -366,18 +428,18 @@
           <a:lstStyle/>
           <a:p>
             <a:r>
-              <a:rPr lang="fr-FR"/>
-              <a:t>Modifiez le style du titre</a:t>
+              <a:rPr lang="en-US"/>
+              <a:t>Click to edit Master title style</a:t>
             </a:r>
           </a:p>
         </p:txBody>
       </p:sp>
       <p:sp>
         <p:nvSpPr>
-          <p:cNvPr id="3" name="Espace réservé du texte vertical 2">
-            <a:extLst>
-              <a:ext uri="{FF2B5EF4-FFF2-40B4-BE49-F238E27FC236}">
-                <a16:creationId xmlns:a16="http://schemas.microsoft.com/office/drawing/2014/main" id="{A5A4C01D-B9FB-E675-7738-7E95FAE7EA11}"/>
+          <p:cNvPr id="3" name="Vertical Text Placeholder 2">
+            <a:extLst>
+              <a:ext uri="{FF2B5EF4-FFF2-40B4-BE49-F238E27FC236}">
+                <a16:creationId xmlns:a16="http://schemas.microsoft.com/office/drawing/2014/main" id="{768D60B2-06F5-4567-BE1F-BBA5270537BE}"/>
               </a:ext>
             </a:extLst>
           </p:cNvPr>
@@ -395,46 +457,46 @@
           <a:p>
             <a:pPr lvl="0"/>
             <a:r>
-              <a:rPr lang="fr-FR"/>
-              <a:t>Cliquez pour modifier les styles du texte du masque</a:t>
+              <a:rPr lang="en-US"/>
+              <a:t>Click to edit Master text styles</a:t>
             </a:r>
           </a:p>
           <a:p>
             <a:pPr lvl="1"/>
             <a:r>
-              <a:rPr lang="fr-FR"/>
-              <a:t>Deuxième niveau</a:t>
+              <a:rPr lang="en-US"/>
+              <a:t>Second level</a:t>
             </a:r>
           </a:p>
           <a:p>
             <a:pPr lvl="2"/>
             <a:r>
-              <a:rPr lang="fr-FR"/>
-              <a:t>Troisième niveau</a:t>
+              <a:rPr lang="en-US"/>
+              <a:t>Third level</a:t>
             </a:r>
           </a:p>
           <a:p>
             <a:pPr lvl="3"/>
             <a:r>
-              <a:rPr lang="fr-FR"/>
-              <a:t>Quatrième niveau</a:t>
+              <a:rPr lang="en-US"/>
+              <a:t>Fourth level</a:t>
             </a:r>
           </a:p>
           <a:p>
             <a:pPr lvl="4"/>
             <a:r>
-              <a:rPr lang="fr-FR"/>
-              <a:t>Cinquième niveau</a:t>
+              <a:rPr lang="en-US"/>
+              <a:t>Fifth level</a:t>
             </a:r>
           </a:p>
         </p:txBody>
       </p:sp>
       <p:sp>
         <p:nvSpPr>
-          <p:cNvPr id="4" name="Espace réservé de la date 3">
-            <a:extLst>
-              <a:ext uri="{FF2B5EF4-FFF2-40B4-BE49-F238E27FC236}">
-                <a16:creationId xmlns:a16="http://schemas.microsoft.com/office/drawing/2014/main" id="{722B1026-7280-1D7D-EEA9-43F9BD4C495C}"/>
+          <p:cNvPr id="4" name="Date Placeholder 3">
+            <a:extLst>
+              <a:ext uri="{FF2B5EF4-FFF2-40B4-BE49-F238E27FC236}">
+                <a16:creationId xmlns:a16="http://schemas.microsoft.com/office/drawing/2014/main" id="{7216F6F2-8269-4B80-8EE3-81FEE0F9DFA6}"/>
               </a:ext>
             </a:extLst>
           </p:cNvPr>
@@ -450,20 +512,20 @@
           <a:bodyPr/>
           <a:lstStyle/>
           <a:p>
-            <a:fld id="{883E7F61-8997-4585-98CC-1F1728BDD087}" type="datetimeFigureOut">
-              <a:rPr lang="fr-FR" smtClean="0"/>
-              <a:t>08/03/2024</a:t>
+            <a:fld id="{6A4B53A7-3209-46A6-9454-F38EAC8F11E7}" type="datetimeFigureOut">
+              <a:rPr lang="en-US" smtClean="0"/>
+              <a:t>4/1/2024</a:t>
             </a:fld>
-            <a:endParaRPr lang="fr-FR"/>
+            <a:endParaRPr lang="en-US"/>
           </a:p>
         </p:txBody>
       </p:sp>
       <p:sp>
         <p:nvSpPr>
-          <p:cNvPr id="5" name="Espace réservé du pied de page 4">
-            <a:extLst>
-              <a:ext uri="{FF2B5EF4-FFF2-40B4-BE49-F238E27FC236}">
-                <a16:creationId xmlns:a16="http://schemas.microsoft.com/office/drawing/2014/main" id="{2A63FC3D-5343-A450-7CF7-A5D59803EBAB}"/>
+          <p:cNvPr id="5" name="Footer Placeholder 4">
+            <a:extLst>
+              <a:ext uri="{FF2B5EF4-FFF2-40B4-BE49-F238E27FC236}">
+                <a16:creationId xmlns:a16="http://schemas.microsoft.com/office/drawing/2014/main" id="{56BC86E4-3EDE-4EB4-B1A3-A1198AADD17D}"/>
               </a:ext>
             </a:extLst>
           </p:cNvPr>
@@ -479,16 +541,16 @@
           <a:bodyPr/>
           <a:lstStyle/>
           <a:p>
-            <a:endParaRPr lang="fr-FR"/>
+            <a:endParaRPr lang="en-US"/>
           </a:p>
         </p:txBody>
       </p:sp>
       <p:sp>
         <p:nvSpPr>
-          <p:cNvPr id="6" name="Espace réservé du numéro de diapositive 5">
-            <a:extLst>
-              <a:ext uri="{FF2B5EF4-FFF2-40B4-BE49-F238E27FC236}">
-                <a16:creationId xmlns:a16="http://schemas.microsoft.com/office/drawing/2014/main" id="{DBC46929-B086-CD01-FE68-0D880D6C3DF9}"/>
+          <p:cNvPr id="6" name="Slide Number Placeholder 5">
+            <a:extLst>
+              <a:ext uri="{FF2B5EF4-FFF2-40B4-BE49-F238E27FC236}">
+                <a16:creationId xmlns:a16="http://schemas.microsoft.com/office/drawing/2014/main" id="{F41752B0-ACEC-49EF-8131-FCF35BC5CD35}"/>
               </a:ext>
             </a:extLst>
           </p:cNvPr>
@@ -504,18 +566,71 @@
           <a:bodyPr/>
           <a:lstStyle/>
           <a:p>
-            <a:fld id="{4ED1808A-D98D-4560-9D14-45F5AA0C0FC3}" type="slidenum">
-              <a:rPr lang="fr-FR" smtClean="0"/>
+            <a:fld id="{27CE633F-9882-4A5C-83A2-1109D0C73261}" type="slidenum">
+              <a:rPr lang="en-US" smtClean="0"/>
               <a:t>‹N°›</a:t>
             </a:fld>
-            <a:endParaRPr lang="fr-FR"/>
-          </a:p>
-        </p:txBody>
-      </p:sp>
+            <a:endParaRPr lang="en-US"/>
+          </a:p>
+        </p:txBody>
+      </p:sp>
+      <p:cxnSp>
+        <p:nvCxnSpPr>
+          <p:cNvPr id="7" name="Straight Connector 6">
+            <a:extLst>
+              <a:ext uri="{FF2B5EF4-FFF2-40B4-BE49-F238E27FC236}">
+                <a16:creationId xmlns:a16="http://schemas.microsoft.com/office/drawing/2014/main" id="{1A0462E3-375D-4E76-8886-69E06985D069}"/>
+              </a:ext>
+            </a:extLst>
+          </p:cNvPr>
+          <p:cNvCxnSpPr>
+            <a:cxnSpLocks/>
+          </p:cNvCxnSpPr>
+          <p:nvPr/>
+        </p:nvCxnSpPr>
+        <p:spPr>
+          <a:xfrm>
+            <a:off x="715890" y="356812"/>
+            <a:ext cx="0" cy="6492875"/>
+          </a:xfrm>
+          <a:prstGeom prst="line">
+            <a:avLst/>
+          </a:prstGeom>
+          <a:ln w="25400" cap="sq">
+            <a:gradFill flip="none" rotWithShape="1">
+              <a:gsLst>
+                <a:gs pos="0">
+                  <a:schemeClr val="accent2"/>
+                </a:gs>
+                <a:gs pos="100000">
+                  <a:schemeClr val="accent4"/>
+                </a:gs>
+              </a:gsLst>
+              <a:lin ang="16200000" scaled="1"/>
+              <a:tileRect/>
+            </a:gradFill>
+            <a:bevel/>
+          </a:ln>
+        </p:spPr>
+        <p:style>
+          <a:lnRef idx="1">
+            <a:schemeClr val="accent1"/>
+          </a:lnRef>
+          <a:fillRef idx="0">
+            <a:schemeClr val="accent1"/>
+          </a:fillRef>
+          <a:effectRef idx="0">
+            <a:schemeClr val="accent1"/>
+          </a:effectRef>
+          <a:fontRef idx="minor">
+            <a:schemeClr val="tx1"/>
+          </a:fontRef>
+        </p:style>
+      </p:cxnSp>
     </p:spTree>
     <p:extLst>
       <p:ext uri="{BB962C8B-B14F-4D97-AF65-F5344CB8AC3E}">
-        <p14:creationId xmlns:p14="http://schemas.microsoft.com/office/powerpoint/2010/main" val="1151341468"/>
+        <p14:creationId xmlns:p14="http://schemas.microsoft.com/office/powerpoint/2010/main" val="3612267808"/>
       </p:ext>
     </p:extLst>
   </p:cSld>
@@ -527,7 +642,7 @@
 
 <file path=ppt/slideLayouts/slideLayout11.xml><?xml version="1.0" encoding="utf-8"?>
 <p:sldLayout xmlns:a="http://schemas.openxmlformats.org/drawingml/2006/main" xmlns:r="http://schemas.openxmlformats.org/officeDocument/2006/relationships" xmlns:p="http://schemas.openxmlformats.org/presentationml/2006/main" type="vertTitleAndTx" preserve="1">
-  <p:cSld name="Titre vertical et texte">
+  <p:cSld name="Vertical Title and Text">
     <p:spTree>
       <p:nvGrpSpPr>
         <p:cNvPr id="1" name=""/>
@@ -544,10 +659,10 @@
       </p:grpSpPr>
       <p:sp>
         <p:nvSpPr>
-          <p:cNvPr id="2" name="Titre vertical 1">
-            <a:extLst>
-              <a:ext uri="{FF2B5EF4-FFF2-40B4-BE49-F238E27FC236}">
-                <a16:creationId xmlns:a16="http://schemas.microsoft.com/office/drawing/2014/main" id="{21688207-0F5F-66C4-F17E-7ACC127175AA}"/>
+          <p:cNvPr id="2" name="Vertical Title 1">
+            <a:extLst>
+              <a:ext uri="{FF2B5EF4-FFF2-40B4-BE49-F238E27FC236}">
+                <a16:creationId xmlns:a16="http://schemas.microsoft.com/office/drawing/2014/main" id="{0423B094-F480-477B-901C-7181F88C076D}"/>
               </a:ext>
             </a:extLst>
           </p:cNvPr>
@@ -569,18 +684,18 @@
           <a:lstStyle/>
           <a:p>
             <a:r>
-              <a:rPr lang="fr-FR"/>
-              <a:t>Modifiez le style du titre</a:t>
+              <a:rPr lang="en-US"/>
+              <a:t>Click to edit Master title style</a:t>
             </a:r>
           </a:p>
         </p:txBody>
       </p:sp>
       <p:sp>
         <p:nvSpPr>
-          <p:cNvPr id="3" name="Espace réservé du texte vertical 2">
-            <a:extLst>
-              <a:ext uri="{FF2B5EF4-FFF2-40B4-BE49-F238E27FC236}">
-                <a16:creationId xmlns:a16="http://schemas.microsoft.com/office/drawing/2014/main" id="{C5E513D9-F124-31A3-13EA-6E8DC1D12EA5}"/>
+          <p:cNvPr id="3" name="Vertical Text Placeholder 2">
+            <a:extLst>
+              <a:ext uri="{FF2B5EF4-FFF2-40B4-BE49-F238E27FC236}">
+                <a16:creationId xmlns:a16="http://schemas.microsoft.com/office/drawing/2014/main" id="{1D052089-A920-4E52-98DC-8A5DC7B0ACCE}"/>
               </a:ext>
             </a:extLst>
           </p:cNvPr>
@@ -603,46 +718,46 @@
           <a:p>
             <a:pPr lvl="0"/>
             <a:r>
-              <a:rPr lang="fr-FR"/>
-              <a:t>Cliquez pour modifier les styles du texte du masque</a:t>
+              <a:rPr lang="en-US"/>
+              <a:t>Click to edit Master text styles</a:t>
             </a:r>
           </a:p>
           <a:p>
             <a:pPr lvl="1"/>
             <a:r>
-              <a:rPr lang="fr-FR"/>
-              <a:t>Deuxième niveau</a:t>
+              <a:rPr lang="en-US"/>
+              <a:t>Second level</a:t>
             </a:r>
           </a:p>
           <a:p>
             <a:pPr lvl="2"/>
             <a:r>
-              <a:rPr lang="fr-FR"/>
-              <a:t>Troisième niveau</a:t>
+              <a:rPr lang="en-US"/>
+              <a:t>Third level</a:t>
             </a:r>
           </a:p>
           <a:p>
             <a:pPr lvl="3"/>
             <a:r>
-              <a:rPr lang="fr-FR"/>
-              <a:t>Quatrième niveau</a:t>
+              <a:rPr lang="en-US"/>
+              <a:t>Fourth level</a:t>
             </a:r>
           </a:p>
           <a:p>
             <a:pPr lvl="4"/>
             <a:r>
-              <a:rPr lang="fr-FR"/>
-              <a:t>Cinquième niveau</a:t>
+              <a:rPr lang="en-US"/>
+              <a:t>Fifth level</a:t>
             </a:r>
           </a:p>
         </p:txBody>
       </p:sp>
       <p:sp>
         <p:nvSpPr>
-          <p:cNvPr id="4" name="Espace réservé de la date 3">
-            <a:extLst>
-              <a:ext uri="{FF2B5EF4-FFF2-40B4-BE49-F238E27FC236}">
-                <a16:creationId xmlns:a16="http://schemas.microsoft.com/office/drawing/2014/main" id="{F7A58D19-0BF2-E933-543C-8FC79EE2E882}"/>
+          <p:cNvPr id="4" name="Date Placeholder 3">
+            <a:extLst>
+              <a:ext uri="{FF2B5EF4-FFF2-40B4-BE49-F238E27FC236}">
+                <a16:creationId xmlns:a16="http://schemas.microsoft.com/office/drawing/2014/main" id="{94A074FE-F1B4-421F-A66E-FA351C8F99E9}"/>
               </a:ext>
             </a:extLst>
           </p:cNvPr>
@@ -658,20 +773,20 @@
           <a:bodyPr/>
           <a:lstStyle/>
           <a:p>
-            <a:fld id="{883E7F61-8997-4585-98CC-1F1728BDD087}" type="datetimeFigureOut">
-              <a:rPr lang="fr-FR" smtClean="0"/>
-              <a:t>08/03/2024</a:t>
+            <a:fld id="{6A4B53A7-3209-46A6-9454-F38EAC8F11E7}" type="datetimeFigureOut">
+              <a:rPr lang="en-US" smtClean="0"/>
+              <a:t>4/1/2024</a:t>
             </a:fld>
-            <a:endParaRPr lang="fr-FR"/>
+            <a:endParaRPr lang="en-US"/>
           </a:p>
         </p:txBody>
       </p:sp>
       <p:sp>
         <p:nvSpPr>
-          <p:cNvPr id="5" name="Espace réservé du pied de page 4">
-            <a:extLst>
-              <a:ext uri="{FF2B5EF4-FFF2-40B4-BE49-F238E27FC236}">
-                <a16:creationId xmlns:a16="http://schemas.microsoft.com/office/drawing/2014/main" id="{71CAF026-EDBA-63A7-A7DD-5A842B71DB95}"/>
+          <p:cNvPr id="5" name="Footer Placeholder 4">
+            <a:extLst>
+              <a:ext uri="{FF2B5EF4-FFF2-40B4-BE49-F238E27FC236}">
+                <a16:creationId xmlns:a16="http://schemas.microsoft.com/office/drawing/2014/main" id="{34D764BA-3AB2-45FD-ABCB-975B3FDDF275}"/>
               </a:ext>
             </a:extLst>
           </p:cNvPr>
@@ -687,16 +802,16 @@
           <a:bodyPr/>
           <a:lstStyle/>
           <a:p>
-            <a:endParaRPr lang="fr-FR"/>
+            <a:endParaRPr lang="en-US"/>
           </a:p>
         </p:txBody>
       </p:sp>
       <p:sp>
         <p:nvSpPr>
-          <p:cNvPr id="6" name="Espace réservé du numéro de diapositive 5">
-            <a:extLst>
-              <a:ext uri="{FF2B5EF4-FFF2-40B4-BE49-F238E27FC236}">
-                <a16:creationId xmlns:a16="http://schemas.microsoft.com/office/drawing/2014/main" id="{E11EF57C-128A-0278-C3DE-E810403DBE0A}"/>
+          <p:cNvPr id="6" name="Slide Number Placeholder 5">
+            <a:extLst>
+              <a:ext uri="{FF2B5EF4-FFF2-40B4-BE49-F238E27FC236}">
+                <a16:creationId xmlns:a16="http://schemas.microsoft.com/office/drawing/2014/main" id="{36FB3FEF-8252-49FD-82F2-3E5FABC65F9A}"/>
               </a:ext>
             </a:extLst>
           </p:cNvPr>
@@ -712,18 +827,71 @@
           <a:bodyPr/>
           <a:lstStyle/>
           <a:p>
-            <a:fld id="{4ED1808A-D98D-4560-9D14-45F5AA0C0FC3}" type="slidenum">
-              <a:rPr lang="fr-FR" smtClean="0"/>
+            <a:fld id="{27CE633F-9882-4A5C-83A2-1109D0C73261}" type="slidenum">
+              <a:rPr lang="en-US" smtClean="0"/>
               <a:t>‹N°›</a:t>
             </a:fld>
-            <a:endParaRPr lang="fr-FR"/>
-          </a:p>
-        </p:txBody>
-      </p:sp>
+            <a:endParaRPr lang="en-US"/>
+          </a:p>
+        </p:txBody>
+      </p:sp>
+      <p:cxnSp>
+        <p:nvCxnSpPr>
+          <p:cNvPr id="7" name="Straight Connector 6">
+            <a:extLst>
+              <a:ext uri="{FF2B5EF4-FFF2-40B4-BE49-F238E27FC236}">
+                <a16:creationId xmlns:a16="http://schemas.microsoft.com/office/drawing/2014/main" id="{0AEB5C65-83BB-4EBD-AD22-EDA8489D0F5D}"/>
+              </a:ext>
+            </a:extLst>
+          </p:cNvPr>
+          <p:cNvCxnSpPr>
+            <a:cxnSpLocks/>
+          </p:cNvCxnSpPr>
+          <p:nvPr/>
+        </p:nvCxnSpPr>
+        <p:spPr>
+          <a:xfrm flipV="1">
+            <a:off x="8313" y="261865"/>
+            <a:ext cx="11353802" cy="1"/>
+          </a:xfrm>
+          <a:prstGeom prst="line">
+            <a:avLst/>
+          </a:prstGeom>
+          <a:ln w="25400" cap="sq">
+            <a:gradFill flip="none" rotWithShape="1">
+              <a:gsLst>
+                <a:gs pos="0">
+                  <a:schemeClr val="accent2"/>
+                </a:gs>
+                <a:gs pos="100000">
+                  <a:schemeClr val="accent4"/>
+                </a:gs>
+              </a:gsLst>
+              <a:lin ang="0" scaled="1"/>
+              <a:tileRect/>
+            </a:gradFill>
+            <a:bevel/>
+          </a:ln>
+        </p:spPr>
+        <p:style>
+          <a:lnRef idx="1">
+            <a:schemeClr val="accent1"/>
+          </a:lnRef>
+          <a:fillRef idx="0">
+            <a:schemeClr val="accent1"/>
+          </a:fillRef>
+          <a:effectRef idx="0">
+            <a:schemeClr val="accent1"/>
+          </a:effectRef>
+          <a:fontRef idx="minor">
+            <a:schemeClr val="tx1"/>
+          </a:fontRef>
+        </p:style>
+      </p:cxnSp>
     </p:spTree>
     <p:extLst>
       <p:ext uri="{BB962C8B-B14F-4D97-AF65-F5344CB8AC3E}">
-        <p14:creationId xmlns:p14="http://schemas.microsoft.com/office/powerpoint/2010/main" val="1955276603"/>
+        <p14:creationId xmlns:p14="http://schemas.microsoft.com/office/powerpoint/2010/main" val="3028343074"/>
       </p:ext>
     </p:extLst>
   </p:cSld>
@@ -735,7 +903,7 @@
 
 <file path=ppt/slideLayouts/slideLayout2.xml><?xml version="1.0" encoding="utf-8"?>
 <p:sldLayout xmlns:a="http://schemas.openxmlformats.org/drawingml/2006/main" xmlns:r="http://schemas.openxmlformats.org/officeDocument/2006/relationships" xmlns:p="http://schemas.openxmlformats.org/presentationml/2006/main" type="obj" preserve="1">
-  <p:cSld name="Titre et contenu">
+  <p:cSld name="Title and Content">
     <p:spTree>
       <p:nvGrpSpPr>
         <p:cNvPr id="1" name=""/>
@@ -752,10 +920,10 @@
       </p:grpSpPr>
       <p:sp>
         <p:nvSpPr>
-          <p:cNvPr id="2" name="Titre 1">
-            <a:extLst>
-              <a:ext uri="{FF2B5EF4-FFF2-40B4-BE49-F238E27FC236}">
-                <a16:creationId xmlns:a16="http://schemas.microsoft.com/office/drawing/2014/main" id="{65A85AED-062E-349F-1272-3022D128D443}"/>
+          <p:cNvPr id="2" name="Title 1">
+            <a:extLst>
+              <a:ext uri="{FF2B5EF4-FFF2-40B4-BE49-F238E27FC236}">
+                <a16:creationId xmlns:a16="http://schemas.microsoft.com/office/drawing/2014/main" id="{9696CF8C-1EA0-4E47-AC60-CAC3B80A3C5D}"/>
               </a:ext>
             </a:extLst>
           </p:cNvPr>
@@ -772,18 +940,18 @@
           <a:lstStyle/>
           <a:p>
             <a:r>
-              <a:rPr lang="fr-FR"/>
-              <a:t>Modifiez le style du titre</a:t>
+              <a:rPr lang="en-US"/>
+              <a:t>Click to edit Master title style</a:t>
             </a:r>
           </a:p>
         </p:txBody>
       </p:sp>
       <p:sp>
         <p:nvSpPr>
-          <p:cNvPr id="3" name="Espace réservé du contenu 2">
-            <a:extLst>
-              <a:ext uri="{FF2B5EF4-FFF2-40B4-BE49-F238E27FC236}">
-                <a16:creationId xmlns:a16="http://schemas.microsoft.com/office/drawing/2014/main" id="{8FDC48E9-9A8B-B64F-987B-6FF2578955CE}"/>
+          <p:cNvPr id="3" name="Content Placeholder 2">
+            <a:extLst>
+              <a:ext uri="{FF2B5EF4-FFF2-40B4-BE49-F238E27FC236}">
+                <a16:creationId xmlns:a16="http://schemas.microsoft.com/office/drawing/2014/main" id="{628CABF8-19D8-4F3C-994F-4D35EC7A2C3E}"/>
               </a:ext>
             </a:extLst>
           </p:cNvPr>
@@ -801,46 +969,46 @@
           <a:p>
             <a:pPr lvl="0"/>
             <a:r>
-              <a:rPr lang="fr-FR"/>
-              <a:t>Cliquez pour modifier les styles du texte du masque</a:t>
+              <a:rPr lang="en-US"/>
+              <a:t>Click to edit Master text styles</a:t>
             </a:r>
           </a:p>
           <a:p>
             <a:pPr lvl="1"/>
             <a:r>
-              <a:rPr lang="fr-FR"/>
-              <a:t>Deuxième niveau</a:t>
+              <a:rPr lang="en-US"/>
+              <a:t>Second level</a:t>
             </a:r>
           </a:p>
           <a:p>
             <a:pPr lvl="2"/>
             <a:r>
-              <a:rPr lang="fr-FR"/>
-              <a:t>Troisième niveau</a:t>
+              <a:rPr lang="en-US"/>
+              <a:t>Third level</a:t>
             </a:r>
           </a:p>
           <a:p>
             <a:pPr lvl="3"/>
             <a:r>
-              <a:rPr lang="fr-FR"/>
-              <a:t>Quatrième niveau</a:t>
+              <a:rPr lang="en-US"/>
+              <a:t>Fourth level</a:t>
             </a:r>
           </a:p>
           <a:p>
             <a:pPr lvl="4"/>
             <a:r>
-              <a:rPr lang="fr-FR"/>
-              <a:t>Cinquième niveau</a:t>
+              <a:rPr lang="en-US"/>
+              <a:t>Fifth level</a:t>
             </a:r>
           </a:p>
         </p:txBody>
       </p:sp>
       <p:sp>
         <p:nvSpPr>
-          <p:cNvPr id="4" name="Espace réservé de la date 3">
-            <a:extLst>
-              <a:ext uri="{FF2B5EF4-FFF2-40B4-BE49-F238E27FC236}">
-                <a16:creationId xmlns:a16="http://schemas.microsoft.com/office/drawing/2014/main" id="{8F4015B8-9D45-8117-6EBB-43F3E832F365}"/>
+          <p:cNvPr id="4" name="Date Placeholder 3">
+            <a:extLst>
+              <a:ext uri="{FF2B5EF4-FFF2-40B4-BE49-F238E27FC236}">
+                <a16:creationId xmlns:a16="http://schemas.microsoft.com/office/drawing/2014/main" id="{D097BB2D-4E2C-4490-A2A3-4B68BCC5D2F9}"/>
               </a:ext>
             </a:extLst>
           </p:cNvPr>
@@ -856,20 +1024,20 @@
           <a:bodyPr/>
           <a:lstStyle/>
           <a:p>
-            <a:fld id="{883E7F61-8997-4585-98CC-1F1728BDD087}" type="datetimeFigureOut">
-              <a:rPr lang="fr-FR" smtClean="0"/>
-              <a:t>08/03/2024</a:t>
+            <a:fld id="{6A4B53A7-3209-46A6-9454-F38EAC8F11E7}" type="datetimeFigureOut">
+              <a:rPr lang="en-US" smtClean="0"/>
+              <a:t>4/1/2024</a:t>
             </a:fld>
-            <a:endParaRPr lang="fr-FR"/>
+            <a:endParaRPr lang="en-US"/>
           </a:p>
         </p:txBody>
       </p:sp>
       <p:sp>
         <p:nvSpPr>
-          <p:cNvPr id="5" name="Espace réservé du pied de page 4">
-            <a:extLst>
-              <a:ext uri="{FF2B5EF4-FFF2-40B4-BE49-F238E27FC236}">
-                <a16:creationId xmlns:a16="http://schemas.microsoft.com/office/drawing/2014/main" id="{4FF8BD4D-428A-5369-F799-D81DF5DAC88B}"/>
+          <p:cNvPr id="5" name="Footer Placeholder 4">
+            <a:extLst>
+              <a:ext uri="{FF2B5EF4-FFF2-40B4-BE49-F238E27FC236}">
+                <a16:creationId xmlns:a16="http://schemas.microsoft.com/office/drawing/2014/main" id="{6140F15D-DD72-46D5-BF0F-F5064710700E}"/>
               </a:ext>
             </a:extLst>
           </p:cNvPr>
@@ -885,16 +1053,16 @@
           <a:bodyPr/>
           <a:lstStyle/>
           <a:p>
-            <a:endParaRPr lang="fr-FR"/>
+            <a:endParaRPr lang="en-US"/>
           </a:p>
         </p:txBody>
       </p:sp>
       <p:sp>
         <p:nvSpPr>
-          <p:cNvPr id="6" name="Espace réservé du numéro de diapositive 5">
-            <a:extLst>
-              <a:ext uri="{FF2B5EF4-FFF2-40B4-BE49-F238E27FC236}">
-                <a16:creationId xmlns:a16="http://schemas.microsoft.com/office/drawing/2014/main" id="{E51B7F35-20C5-3154-E3C6-F25B56BAC5C8}"/>
+          <p:cNvPr id="6" name="Slide Number Placeholder 5">
+            <a:extLst>
+              <a:ext uri="{FF2B5EF4-FFF2-40B4-BE49-F238E27FC236}">
+                <a16:creationId xmlns:a16="http://schemas.microsoft.com/office/drawing/2014/main" id="{5266FD4D-815A-431C-ADEF-DE6F236F617F}"/>
               </a:ext>
             </a:extLst>
           </p:cNvPr>
@@ -910,18 +1078,71 @@
           <a:bodyPr/>
           <a:lstStyle/>
           <a:p>
-            <a:fld id="{4ED1808A-D98D-4560-9D14-45F5AA0C0FC3}" type="slidenum">
-              <a:rPr lang="fr-FR" smtClean="0"/>
+            <a:fld id="{27CE633F-9882-4A5C-83A2-1109D0C73261}" type="slidenum">
+              <a:rPr lang="en-US" smtClean="0"/>
               <a:t>‹N°›</a:t>
             </a:fld>
-            <a:endParaRPr lang="fr-FR"/>
-          </a:p>
-        </p:txBody>
-      </p:sp>
+            <a:endParaRPr lang="en-US"/>
+          </a:p>
+        </p:txBody>
+      </p:sp>
+      <p:cxnSp>
+        <p:nvCxnSpPr>
+          <p:cNvPr id="7" name="Straight Connector 6">
+            <a:extLst>
+              <a:ext uri="{FF2B5EF4-FFF2-40B4-BE49-F238E27FC236}">
+                <a16:creationId xmlns:a16="http://schemas.microsoft.com/office/drawing/2014/main" id="{5C05CAAB-DBA2-4548-AD5F-01BB97FBB207}"/>
+              </a:ext>
+            </a:extLst>
+          </p:cNvPr>
+          <p:cNvCxnSpPr>
+            <a:cxnSpLocks/>
+          </p:cNvCxnSpPr>
+          <p:nvPr/>
+        </p:nvCxnSpPr>
+        <p:spPr>
+          <a:xfrm>
+            <a:off x="715890" y="356812"/>
+            <a:ext cx="0" cy="6492875"/>
+          </a:xfrm>
+          <a:prstGeom prst="line">
+            <a:avLst/>
+          </a:prstGeom>
+          <a:ln w="25400" cap="sq">
+            <a:gradFill flip="none" rotWithShape="1">
+              <a:gsLst>
+                <a:gs pos="0">
+                  <a:schemeClr val="accent2"/>
+                </a:gs>
+                <a:gs pos="100000">
+                  <a:schemeClr val="accent4"/>
+                </a:gs>
+              </a:gsLst>
+              <a:lin ang="16200000" scaled="1"/>
+              <a:tileRect/>
+            </a:gradFill>
+            <a:bevel/>
+          </a:ln>
+        </p:spPr>
+        <p:style>
+          <a:lnRef idx="1">
+            <a:schemeClr val="accent1"/>
+          </a:lnRef>
+          <a:fillRef idx="0">
+            <a:schemeClr val="accent1"/>
+          </a:fillRef>
+          <a:effectRef idx="0">
+            <a:schemeClr val="accent1"/>
+          </a:effectRef>
+          <a:fontRef idx="minor">
+            <a:schemeClr val="tx1"/>
+          </a:fontRef>
+        </p:style>
+      </p:cxnSp>
     </p:spTree>
     <p:extLst>
       <p:ext uri="{BB962C8B-B14F-4D97-AF65-F5344CB8AC3E}">
-        <p14:creationId xmlns:p14="http://schemas.microsoft.com/office/powerpoint/2010/main" val="1493157504"/>
+        <p14:creationId xmlns:p14="http://schemas.microsoft.com/office/powerpoint/2010/main" val="2334976785"/>
       </p:ext>
     </p:extLst>
   </p:cSld>
@@ -933,7 +1154,7 @@
 
 <file path=ppt/slideLayouts/slideLayout3.xml><?xml version="1.0" encoding="utf-8"?>
 <p:sldLayout xmlns:a="http://schemas.openxmlformats.org/drawingml/2006/main" xmlns:r="http://schemas.openxmlformats.org/officeDocument/2006/relationships" xmlns:p="http://schemas.openxmlformats.org/presentationml/2006/main" type="secHead" preserve="1">
-  <p:cSld name="Titre de section">
+  <p:cSld name="Section Header">
     <p:spTree>
       <p:nvGrpSpPr>
         <p:cNvPr id="1" name=""/>
@@ -950,10 +1171,10 @@
       </p:grpSpPr>
       <p:sp>
         <p:nvSpPr>
-          <p:cNvPr id="2" name="Titre 1">
-            <a:extLst>
-              <a:ext uri="{FF2B5EF4-FFF2-40B4-BE49-F238E27FC236}">
-                <a16:creationId xmlns:a16="http://schemas.microsoft.com/office/drawing/2014/main" id="{E3A64338-DF0D-0A8C-4F59-51372CDF0C63}"/>
+          <p:cNvPr id="2" name="Title 1">
+            <a:extLst>
+              <a:ext uri="{FF2B5EF4-FFF2-40B4-BE49-F238E27FC236}">
+                <a16:creationId xmlns:a16="http://schemas.microsoft.com/office/drawing/2014/main" id="{245FC2D1-D3FE-4B37-8740-57444421FDBF}"/>
               </a:ext>
             </a:extLst>
           </p:cNvPr>
@@ -974,23 +1195,23 @@
           <a:bodyPr anchor="b"/>
           <a:lstStyle>
             <a:lvl1pPr>
-              <a:defRPr sz="6000"/>
+              <a:defRPr sz="6000" b="1" i="0" cap="all" baseline="0"/>
             </a:lvl1pPr>
           </a:lstStyle>
           <a:p>
             <a:r>
-              <a:rPr lang="fr-FR"/>
-              <a:t>Modifiez le style du titre</a:t>
+              <a:rPr lang="en-US"/>
+              <a:t>Click to edit Master title style</a:t>
             </a:r>
           </a:p>
         </p:txBody>
       </p:sp>
       <p:sp>
         <p:nvSpPr>
-          <p:cNvPr id="3" name="Espace réservé du texte 2">
-            <a:extLst>
-              <a:ext uri="{FF2B5EF4-FFF2-40B4-BE49-F238E27FC236}">
-                <a16:creationId xmlns:a16="http://schemas.microsoft.com/office/drawing/2014/main" id="{1143196F-C518-AC7A-B4FC-FC41EB69FEA6}"/>
+          <p:cNvPr id="3" name="Text Placeholder 2">
+            <a:extLst>
+              <a:ext uri="{FF2B5EF4-FFF2-40B4-BE49-F238E27FC236}">
+                <a16:creationId xmlns:a16="http://schemas.microsoft.com/office/drawing/2014/main" id="{BA5AF550-086C-426E-A374-85DB39570177}"/>
               </a:ext>
             </a:extLst>
           </p:cNvPr>
@@ -1015,7 +1236,7 @@
               <a:defRPr sz="2400">
                 <a:solidFill>
                   <a:schemeClr val="tx1">
-                    <a:tint val="82000"/>
+                    <a:tint val="75000"/>
                   </a:schemeClr>
                 </a:solidFill>
               </a:defRPr>
@@ -1025,7 +1246,7 @@
               <a:defRPr sz="2000">
                 <a:solidFill>
                   <a:schemeClr val="tx1">
-                    <a:tint val="82000"/>
+                    <a:tint val="75000"/>
                   </a:schemeClr>
                 </a:solidFill>
               </a:defRPr>
@@ -1035,7 +1256,7 @@
               <a:defRPr sz="1800">
                 <a:solidFill>
                   <a:schemeClr val="tx1">
-                    <a:tint val="82000"/>
+                    <a:tint val="75000"/>
                   </a:schemeClr>
                 </a:solidFill>
               </a:defRPr>
@@ -1045,7 +1266,7 @@
               <a:defRPr sz="1600">
                 <a:solidFill>
                   <a:schemeClr val="tx1">
-                    <a:tint val="82000"/>
+                    <a:tint val="75000"/>
                   </a:schemeClr>
                 </a:solidFill>
               </a:defRPr>
@@ -1055,7 +1276,7 @@
               <a:defRPr sz="1600">
                 <a:solidFill>
                   <a:schemeClr val="tx1">
-                    <a:tint val="82000"/>
+                    <a:tint val="75000"/>
                   </a:schemeClr>
                 </a:solidFill>
               </a:defRPr>
@@ -1065,7 +1286,7 @@
               <a:defRPr sz="1600">
                 <a:solidFill>
                   <a:schemeClr val="tx1">
-                    <a:tint val="82000"/>
+                    <a:tint val="75000"/>
                   </a:schemeClr>
                 </a:solidFill>
               </a:defRPr>
@@ -1075,7 +1296,7 @@
               <a:defRPr sz="1600">
                 <a:solidFill>
                   <a:schemeClr val="tx1">
-                    <a:tint val="82000"/>
+                    <a:tint val="75000"/>
                   </a:schemeClr>
                 </a:solidFill>
               </a:defRPr>
@@ -1085,7 +1306,7 @@
               <a:defRPr sz="1600">
                 <a:solidFill>
                   <a:schemeClr val="tx1">
-                    <a:tint val="82000"/>
+                    <a:tint val="75000"/>
                   </a:schemeClr>
                 </a:solidFill>
               </a:defRPr>
@@ -1095,7 +1316,7 @@
               <a:defRPr sz="1600">
                 <a:solidFill>
                   <a:schemeClr val="tx1">
-                    <a:tint val="82000"/>
+                    <a:tint val="75000"/>
                   </a:schemeClr>
                 </a:solidFill>
               </a:defRPr>
@@ -1104,18 +1325,18 @@
           <a:p>
             <a:pPr lvl="0"/>
             <a:r>
-              <a:rPr lang="fr-FR"/>
-              <a:t>Cliquez pour modifier les styles du texte du masque</a:t>
+              <a:rPr lang="en-US"/>
+              <a:t>Click to edit Master text styles</a:t>
             </a:r>
           </a:p>
         </p:txBody>
       </p:sp>
       <p:sp>
         <p:nvSpPr>
-          <p:cNvPr id="4" name="Espace réservé de la date 3">
-            <a:extLst>
-              <a:ext uri="{FF2B5EF4-FFF2-40B4-BE49-F238E27FC236}">
-                <a16:creationId xmlns:a16="http://schemas.microsoft.com/office/drawing/2014/main" id="{540EC997-010D-DB45-CD6E-D88264AF7F48}"/>
+          <p:cNvPr id="4" name="Date Placeholder 3">
+            <a:extLst>
+              <a:ext uri="{FF2B5EF4-FFF2-40B4-BE49-F238E27FC236}">
+                <a16:creationId xmlns:a16="http://schemas.microsoft.com/office/drawing/2014/main" id="{59A58988-AD39-4AE9-8E6A-0907F0BE2673}"/>
               </a:ext>
             </a:extLst>
           </p:cNvPr>
@@ -1131,20 +1352,20 @@
           <a:bodyPr/>
           <a:lstStyle/>
           <a:p>
-            <a:fld id="{883E7F61-8997-4585-98CC-1F1728BDD087}" type="datetimeFigureOut">
-              <a:rPr lang="fr-FR" smtClean="0"/>
-              <a:t>08/03/2024</a:t>
+            <a:fld id="{6A4B53A7-3209-46A6-9454-F38EAC8F11E7}" type="datetimeFigureOut">
+              <a:rPr lang="en-US" smtClean="0"/>
+              <a:t>4/1/2024</a:t>
             </a:fld>
-            <a:endParaRPr lang="fr-FR"/>
+            <a:endParaRPr lang="en-US"/>
           </a:p>
         </p:txBody>
       </p:sp>
       <p:sp>
         <p:nvSpPr>
-          <p:cNvPr id="5" name="Espace réservé du pied de page 4">
-            <a:extLst>
-              <a:ext uri="{FF2B5EF4-FFF2-40B4-BE49-F238E27FC236}">
-                <a16:creationId xmlns:a16="http://schemas.microsoft.com/office/drawing/2014/main" id="{D75994C9-2941-2763-B11D-E5EB07AA3EC2}"/>
+          <p:cNvPr id="5" name="Footer Placeholder 4">
+            <a:extLst>
+              <a:ext uri="{FF2B5EF4-FFF2-40B4-BE49-F238E27FC236}">
+                <a16:creationId xmlns:a16="http://schemas.microsoft.com/office/drawing/2014/main" id="{1D366319-82EE-408E-819F-8F8E6DBA7A59}"/>
               </a:ext>
             </a:extLst>
           </p:cNvPr>
@@ -1160,16 +1381,16 @@
           <a:bodyPr/>
           <a:lstStyle/>
           <a:p>
-            <a:endParaRPr lang="fr-FR"/>
+            <a:endParaRPr lang="en-US"/>
           </a:p>
         </p:txBody>
       </p:sp>
       <p:sp>
         <p:nvSpPr>
-          <p:cNvPr id="6" name="Espace réservé du numéro de diapositive 5">
-            <a:extLst>
-              <a:ext uri="{FF2B5EF4-FFF2-40B4-BE49-F238E27FC236}">
-                <a16:creationId xmlns:a16="http://schemas.microsoft.com/office/drawing/2014/main" id="{DC8692E6-0BF3-22EB-BEBC-729CF0E8908A}"/>
+          <p:cNvPr id="6" name="Slide Number Placeholder 5">
+            <a:extLst>
+              <a:ext uri="{FF2B5EF4-FFF2-40B4-BE49-F238E27FC236}">
+                <a16:creationId xmlns:a16="http://schemas.microsoft.com/office/drawing/2014/main" id="{FF21C8A6-777F-496D-8620-AE52BFC33FC4}"/>
               </a:ext>
             </a:extLst>
           </p:cNvPr>
@@ -1185,18 +1406,71 @@
           <a:bodyPr/>
           <a:lstStyle/>
           <a:p>
-            <a:fld id="{4ED1808A-D98D-4560-9D14-45F5AA0C0FC3}" type="slidenum">
-              <a:rPr lang="fr-FR" smtClean="0"/>
+            <a:fld id="{27CE633F-9882-4A5C-83A2-1109D0C73261}" type="slidenum">
+              <a:rPr lang="en-US" smtClean="0"/>
               <a:t>‹N°›</a:t>
             </a:fld>
-            <a:endParaRPr lang="fr-FR"/>
-          </a:p>
-        </p:txBody>
-      </p:sp>
+            <a:endParaRPr lang="en-US"/>
+          </a:p>
+        </p:txBody>
+      </p:sp>
+      <p:cxnSp>
+        <p:nvCxnSpPr>
+          <p:cNvPr id="9" name="Straight Connector 8">
+            <a:extLst>
+              <a:ext uri="{FF2B5EF4-FFF2-40B4-BE49-F238E27FC236}">
+                <a16:creationId xmlns:a16="http://schemas.microsoft.com/office/drawing/2014/main" id="{C031F83B-57A8-4533-981C-D1FFAD2B6B6F}"/>
+              </a:ext>
+            </a:extLst>
+          </p:cNvPr>
+          <p:cNvCxnSpPr>
+            <a:cxnSpLocks/>
+          </p:cNvCxnSpPr>
+          <p:nvPr/>
+        </p:nvCxnSpPr>
+        <p:spPr>
+          <a:xfrm>
+            <a:off x="715890" y="1701425"/>
+            <a:ext cx="0" cy="5148262"/>
+          </a:xfrm>
+          <a:prstGeom prst="line">
+            <a:avLst/>
+          </a:prstGeom>
+          <a:ln w="25400" cap="sq">
+            <a:gradFill flip="none" rotWithShape="1">
+              <a:gsLst>
+                <a:gs pos="0">
+                  <a:schemeClr val="accent2"/>
+                </a:gs>
+                <a:gs pos="100000">
+                  <a:schemeClr val="accent4"/>
+                </a:gs>
+              </a:gsLst>
+              <a:lin ang="16200000" scaled="1"/>
+              <a:tileRect/>
+            </a:gradFill>
+            <a:bevel/>
+          </a:ln>
+        </p:spPr>
+        <p:style>
+          <a:lnRef idx="1">
+            <a:schemeClr val="accent1"/>
+          </a:lnRef>
+          <a:fillRef idx="0">
+            <a:schemeClr val="accent1"/>
+          </a:fillRef>
+          <a:effectRef idx="0">
+            <a:schemeClr val="accent1"/>
+          </a:effectRef>
+          <a:fontRef idx="minor">
+            <a:schemeClr val="tx1"/>
+          </a:fontRef>
+        </p:style>
+      </p:cxnSp>
     </p:spTree>
     <p:extLst>
       <p:ext uri="{BB962C8B-B14F-4D97-AF65-F5344CB8AC3E}">
-        <p14:creationId xmlns:p14="http://schemas.microsoft.com/office/powerpoint/2010/main" val="640195366"/>
+        <p14:creationId xmlns:p14="http://schemas.microsoft.com/office/powerpoint/2010/main" val="3450901577"/>
       </p:ext>
     </p:extLst>
   </p:cSld>
@@ -1208,7 +1482,7 @@
 
 <file path=ppt/slideLayouts/slideLayout4.xml><?xml version="1.0" encoding="utf-8"?>
 <p:sldLayout xmlns:a="http://schemas.openxmlformats.org/drawingml/2006/main" xmlns:r="http://schemas.openxmlformats.org/officeDocument/2006/relationships" xmlns:p="http://schemas.openxmlformats.org/presentationml/2006/main" type="twoObj" preserve="1">
-  <p:cSld name="Deux contenus">
+  <p:cSld name="Two Content">
     <p:spTree>
       <p:nvGrpSpPr>
         <p:cNvPr id="1" name=""/>
@@ -1225,10 +1499,10 @@
       </p:grpSpPr>
       <p:sp>
         <p:nvSpPr>
-          <p:cNvPr id="2" name="Titre 1">
-            <a:extLst>
-              <a:ext uri="{FF2B5EF4-FFF2-40B4-BE49-F238E27FC236}">
-                <a16:creationId xmlns:a16="http://schemas.microsoft.com/office/drawing/2014/main" id="{97A93AFB-852E-D434-912E-EADAC3A7A68D}"/>
+          <p:cNvPr id="2" name="Title 1">
+            <a:extLst>
+              <a:ext uri="{FF2B5EF4-FFF2-40B4-BE49-F238E27FC236}">
+                <a16:creationId xmlns:a16="http://schemas.microsoft.com/office/drawing/2014/main" id="{E9257166-6921-4546-BA2C-99E464681F40}"/>
               </a:ext>
             </a:extLst>
           </p:cNvPr>
@@ -1245,18 +1519,18 @@
           <a:lstStyle/>
           <a:p>
             <a:r>
-              <a:rPr lang="fr-FR"/>
-              <a:t>Modifiez le style du titre</a:t>
+              <a:rPr lang="en-US"/>
+              <a:t>Click to edit Master title style</a:t>
             </a:r>
           </a:p>
         </p:txBody>
       </p:sp>
       <p:sp>
         <p:nvSpPr>
-          <p:cNvPr id="3" name="Espace réservé du contenu 2">
-            <a:extLst>
-              <a:ext uri="{FF2B5EF4-FFF2-40B4-BE49-F238E27FC236}">
-                <a16:creationId xmlns:a16="http://schemas.microsoft.com/office/drawing/2014/main" id="{D02BBC0E-1D6A-EDA6-9BF3-90C982051EC7}"/>
+          <p:cNvPr id="3" name="Content Placeholder 2">
+            <a:extLst>
+              <a:ext uri="{FF2B5EF4-FFF2-40B4-BE49-F238E27FC236}">
+                <a16:creationId xmlns:a16="http://schemas.microsoft.com/office/drawing/2014/main" id="{695B9122-6371-4049-B57A-33DED7DA2F76}"/>
               </a:ext>
             </a:extLst>
           </p:cNvPr>
@@ -1279,46 +1553,46 @@
           <a:p>
             <a:pPr lvl="0"/>
             <a:r>
-              <a:rPr lang="fr-FR"/>
-              <a:t>Cliquez pour modifier les styles du texte du masque</a:t>
+              <a:rPr lang="en-US"/>
+              <a:t>Click to edit Master text styles</a:t>
             </a:r>
           </a:p>
           <a:p>
             <a:pPr lvl="1"/>
             <a:r>
-              <a:rPr lang="fr-FR"/>
-              <a:t>Deuxième niveau</a:t>
+              <a:rPr lang="en-US"/>
+              <a:t>Second level</a:t>
             </a:r>
           </a:p>
           <a:p>
             <a:pPr lvl="2"/>
             <a:r>
-              <a:rPr lang="fr-FR"/>
-              <a:t>Troisième niveau</a:t>
+              <a:rPr lang="en-US"/>
+              <a:t>Third level</a:t>
             </a:r>
           </a:p>
           <a:p>
             <a:pPr lvl="3"/>
             <a:r>
-              <a:rPr lang="fr-FR"/>
-              <a:t>Quatrième niveau</a:t>
+              <a:rPr lang="en-US"/>
+              <a:t>Fourth level</a:t>
             </a:r>
           </a:p>
           <a:p>
             <a:pPr lvl="4"/>
             <a:r>
-              <a:rPr lang="fr-FR"/>
-              <a:t>Cinquième niveau</a:t>
+              <a:rPr lang="en-US"/>
+              <a:t>Fifth level</a:t>
             </a:r>
           </a:p>
         </p:txBody>
       </p:sp>
       <p:sp>
         <p:nvSpPr>
-          <p:cNvPr id="4" name="Espace réservé du contenu 3">
-            <a:extLst>
-              <a:ext uri="{FF2B5EF4-FFF2-40B4-BE49-F238E27FC236}">
-                <a16:creationId xmlns:a16="http://schemas.microsoft.com/office/drawing/2014/main" id="{B0CBA5E7-25CE-3C46-131A-79697E94BD97}"/>
+          <p:cNvPr id="4" name="Content Placeholder 3">
+            <a:extLst>
+              <a:ext uri="{FF2B5EF4-FFF2-40B4-BE49-F238E27FC236}">
+                <a16:creationId xmlns:a16="http://schemas.microsoft.com/office/drawing/2014/main" id="{BA14555D-0753-4312-A26B-2338813F9BB1}"/>
               </a:ext>
             </a:extLst>
           </p:cNvPr>
@@ -1341,46 +1615,46 @@
           <a:p>
             <a:pPr lvl="0"/>
             <a:r>
-              <a:rPr lang="fr-FR"/>
-              <a:t>Cliquez pour modifier les styles du texte du masque</a:t>
+              <a:rPr lang="en-US"/>
+              <a:t>Click to edit Master text styles</a:t>
             </a:r>
           </a:p>
           <a:p>
             <a:pPr lvl="1"/>
             <a:r>
-              <a:rPr lang="fr-FR"/>
-              <a:t>Deuxième niveau</a:t>
+              <a:rPr lang="en-US"/>
+              <a:t>Second level</a:t>
             </a:r>
           </a:p>
           <a:p>
             <a:pPr lvl="2"/>
             <a:r>
-              <a:rPr lang="fr-FR"/>
-              <a:t>Troisième niveau</a:t>
+              <a:rPr lang="en-US"/>
+              <a:t>Third level</a:t>
             </a:r>
           </a:p>
           <a:p>
             <a:pPr lvl="3"/>
             <a:r>
-              <a:rPr lang="fr-FR"/>
-              <a:t>Quatrième niveau</a:t>
+              <a:rPr lang="en-US"/>
+              <a:t>Fourth level</a:t>
             </a:r>
           </a:p>
           <a:p>
             <a:pPr lvl="4"/>
             <a:r>
-              <a:rPr lang="fr-FR"/>
-              <a:t>Cinquième niveau</a:t>
+              <a:rPr lang="en-US"/>
+              <a:t>Fifth level</a:t>
             </a:r>
           </a:p>
         </p:txBody>
       </p:sp>
       <p:sp>
         <p:nvSpPr>
-          <p:cNvPr id="5" name="Espace réservé de la date 4">
-            <a:extLst>
-              <a:ext uri="{FF2B5EF4-FFF2-40B4-BE49-F238E27FC236}">
-                <a16:creationId xmlns:a16="http://schemas.microsoft.com/office/drawing/2014/main" id="{D5486274-B249-1546-2738-BCE775491A3D}"/>
+          <p:cNvPr id="5" name="Date Placeholder 4">
+            <a:extLst>
+              <a:ext uri="{FF2B5EF4-FFF2-40B4-BE49-F238E27FC236}">
+                <a16:creationId xmlns:a16="http://schemas.microsoft.com/office/drawing/2014/main" id="{03D8FDCB-69DA-4A8F-8B91-5CFF77897C27}"/>
               </a:ext>
             </a:extLst>
           </p:cNvPr>
@@ -1396,20 +1670,20 @@
           <a:bodyPr/>
           <a:lstStyle/>
           <a:p>
-            <a:fld id="{883E7F61-8997-4585-98CC-1F1728BDD087}" type="datetimeFigureOut">
-              <a:rPr lang="fr-FR" smtClean="0"/>
-              <a:t>08/03/2024</a:t>
+            <a:fld id="{6A4B53A7-3209-46A6-9454-F38EAC8F11E7}" type="datetimeFigureOut">
+              <a:rPr lang="en-US" smtClean="0"/>
+              <a:t>4/1/2024</a:t>
             </a:fld>
-            <a:endParaRPr lang="fr-FR"/>
+            <a:endParaRPr lang="en-US"/>
           </a:p>
         </p:txBody>
       </p:sp>
       <p:sp>
         <p:nvSpPr>
-          <p:cNvPr id="6" name="Espace réservé du pied de page 5">
-            <a:extLst>
-              <a:ext uri="{FF2B5EF4-FFF2-40B4-BE49-F238E27FC236}">
-                <a16:creationId xmlns:a16="http://schemas.microsoft.com/office/drawing/2014/main" id="{AB6FAAE3-79D0-7D3E-2D2A-4D3E2B05E78E}"/>
+          <p:cNvPr id="6" name="Footer Placeholder 5">
+            <a:extLst>
+              <a:ext uri="{FF2B5EF4-FFF2-40B4-BE49-F238E27FC236}">
+                <a16:creationId xmlns:a16="http://schemas.microsoft.com/office/drawing/2014/main" id="{91AC8C07-E0D3-4464-AE3C-25730D75C8E6}"/>
               </a:ext>
             </a:extLst>
           </p:cNvPr>
@@ -1425,16 +1699,16 @@
           <a:bodyPr/>
           <a:lstStyle/>
           <a:p>
-            <a:endParaRPr lang="fr-FR"/>
+            <a:endParaRPr lang="en-US"/>
           </a:p>
         </p:txBody>
       </p:sp>
       <p:sp>
         <p:nvSpPr>
-          <p:cNvPr id="7" name="Espace réservé du numéro de diapositive 6">
-            <a:extLst>
-              <a:ext uri="{FF2B5EF4-FFF2-40B4-BE49-F238E27FC236}">
-                <a16:creationId xmlns:a16="http://schemas.microsoft.com/office/drawing/2014/main" id="{030D9ADC-F099-1CD3-18AE-B879537CF4DA}"/>
+          <p:cNvPr id="7" name="Slide Number Placeholder 6">
+            <a:extLst>
+              <a:ext uri="{FF2B5EF4-FFF2-40B4-BE49-F238E27FC236}">
+                <a16:creationId xmlns:a16="http://schemas.microsoft.com/office/drawing/2014/main" id="{5C2596A6-734E-4AE0-BFB8-3089137BF8E8}"/>
               </a:ext>
             </a:extLst>
           </p:cNvPr>
@@ -1450,18 +1724,71 @@
           <a:bodyPr/>
           <a:lstStyle/>
           <a:p>
-            <a:fld id="{4ED1808A-D98D-4560-9D14-45F5AA0C0FC3}" type="slidenum">
-              <a:rPr lang="fr-FR" smtClean="0"/>
+            <a:fld id="{27CE633F-9882-4A5C-83A2-1109D0C73261}" type="slidenum">
+              <a:rPr lang="en-US" smtClean="0"/>
               <a:t>‹N°›</a:t>
             </a:fld>
-            <a:endParaRPr lang="fr-FR"/>
-          </a:p>
-        </p:txBody>
-      </p:sp>
+            <a:endParaRPr lang="en-US"/>
+          </a:p>
+        </p:txBody>
+      </p:sp>
+      <p:cxnSp>
+        <p:nvCxnSpPr>
+          <p:cNvPr id="8" name="Straight Connector 7">
+            <a:extLst>
+              <a:ext uri="{FF2B5EF4-FFF2-40B4-BE49-F238E27FC236}">
+                <a16:creationId xmlns:a16="http://schemas.microsoft.com/office/drawing/2014/main" id="{3FB7E8F4-3FB3-45AB-A381-9093CA95AAEE}"/>
+              </a:ext>
+            </a:extLst>
+          </p:cNvPr>
+          <p:cNvCxnSpPr>
+            <a:cxnSpLocks/>
+          </p:cNvCxnSpPr>
+          <p:nvPr/>
+        </p:nvCxnSpPr>
+        <p:spPr>
+          <a:xfrm>
+            <a:off x="715890" y="356812"/>
+            <a:ext cx="0" cy="6492875"/>
+          </a:xfrm>
+          <a:prstGeom prst="line">
+            <a:avLst/>
+          </a:prstGeom>
+          <a:ln w="25400" cap="sq">
+            <a:gradFill flip="none" rotWithShape="1">
+              <a:gsLst>
+                <a:gs pos="0">
+                  <a:schemeClr val="accent2"/>
+                </a:gs>
+                <a:gs pos="100000">
+                  <a:schemeClr val="accent4"/>
+                </a:gs>
+              </a:gsLst>
+              <a:lin ang="16200000" scaled="1"/>
+              <a:tileRect/>
+            </a:gradFill>
+            <a:bevel/>
+          </a:ln>
+        </p:spPr>
+        <p:style>
+          <a:lnRef idx="1">
+            <a:schemeClr val="accent1"/>
+          </a:lnRef>
+          <a:fillRef idx="0">
+            <a:schemeClr val="accent1"/>
+          </a:fillRef>
+          <a:effectRef idx="0">
+            <a:schemeClr val="accent1"/>
+          </a:effectRef>
+          <a:fontRef idx="minor">
+            <a:schemeClr val="tx1"/>
+          </a:fontRef>
+        </p:style>
+      </p:cxnSp>
     </p:spTree>
     <p:extLst>
       <p:ext uri="{BB962C8B-B14F-4D97-AF65-F5344CB8AC3E}">
-        <p14:creationId xmlns:p14="http://schemas.microsoft.com/office/powerpoint/2010/main" val="1064148499"/>
+        <p14:creationId xmlns:p14="http://schemas.microsoft.com/office/powerpoint/2010/main" val="3425009754"/>
       </p:ext>
     </p:extLst>
   </p:cSld>
@@ -1473,7 +1800,7 @@
 
 <file path=ppt/slideLayouts/slideLayout5.xml><?xml version="1.0" encoding="utf-8"?>
 <p:sldLayout xmlns:a="http://schemas.openxmlformats.org/drawingml/2006/main" xmlns:r="http://schemas.openxmlformats.org/officeDocument/2006/relationships" xmlns:p="http://schemas.openxmlformats.org/presentationml/2006/main" type="twoTxTwoObj" preserve="1">
-  <p:cSld name="Comparaison">
+  <p:cSld name="Comparison">
     <p:spTree>
       <p:nvGrpSpPr>
         <p:cNvPr id="1" name=""/>
@@ -1490,10 +1817,10 @@
       </p:grpSpPr>
       <p:sp>
         <p:nvSpPr>
-          <p:cNvPr id="2" name="Titre 1">
-            <a:extLst>
-              <a:ext uri="{FF2B5EF4-FFF2-40B4-BE49-F238E27FC236}">
-                <a16:creationId xmlns:a16="http://schemas.microsoft.com/office/drawing/2014/main" id="{4F33AFFC-1FE8-0C3E-1743-5A128944E446}"/>
+          <p:cNvPr id="2" name="Title 1">
+            <a:extLst>
+              <a:ext uri="{FF2B5EF4-FFF2-40B4-BE49-F238E27FC236}">
+                <a16:creationId xmlns:a16="http://schemas.microsoft.com/office/drawing/2014/main" id="{B5F057AE-3B3B-4261-B912-BF9EB9A58C36}"/>
               </a:ext>
             </a:extLst>
           </p:cNvPr>
@@ -1515,18 +1842,18 @@
           <a:lstStyle/>
           <a:p>
             <a:r>
-              <a:rPr lang="fr-FR"/>
-              <a:t>Modifiez le style du titre</a:t>
+              <a:rPr lang="en-US"/>
+              <a:t>Click to edit Master title style</a:t>
             </a:r>
           </a:p>
         </p:txBody>
       </p:sp>
       <p:sp>
         <p:nvSpPr>
-          <p:cNvPr id="3" name="Espace réservé du texte 2">
-            <a:extLst>
-              <a:ext uri="{FF2B5EF4-FFF2-40B4-BE49-F238E27FC236}">
-                <a16:creationId xmlns:a16="http://schemas.microsoft.com/office/drawing/2014/main" id="{6D2AFC99-663A-170D-2C06-9C59CDE0736F}"/>
+          <p:cNvPr id="3" name="Text Placeholder 2">
+            <a:extLst>
+              <a:ext uri="{FF2B5EF4-FFF2-40B4-BE49-F238E27FC236}">
+                <a16:creationId xmlns:a16="http://schemas.microsoft.com/office/drawing/2014/main" id="{72A2D237-A706-4712-90CA-B04517CBBE05}"/>
               </a:ext>
             </a:extLst>
           </p:cNvPr>
@@ -1586,18 +1913,18 @@
           <a:p>
             <a:pPr lvl="0"/>
             <a:r>
-              <a:rPr lang="fr-FR"/>
-              <a:t>Cliquez pour modifier les styles du texte du masque</a:t>
+              <a:rPr lang="en-US"/>
+              <a:t>Click to edit Master text styles</a:t>
             </a:r>
           </a:p>
         </p:txBody>
       </p:sp>
       <p:sp>
         <p:nvSpPr>
-          <p:cNvPr id="4" name="Espace réservé du contenu 3">
-            <a:extLst>
-              <a:ext uri="{FF2B5EF4-FFF2-40B4-BE49-F238E27FC236}">
-                <a16:creationId xmlns:a16="http://schemas.microsoft.com/office/drawing/2014/main" id="{46F98A39-2727-46C3-BA3C-03D5C3E90914}"/>
+          <p:cNvPr id="4" name="Content Placeholder 3">
+            <a:extLst>
+              <a:ext uri="{FF2B5EF4-FFF2-40B4-BE49-F238E27FC236}">
+                <a16:creationId xmlns:a16="http://schemas.microsoft.com/office/drawing/2014/main" id="{8DE39CA1-2B6D-427E-9688-9093D5865CB7}"/>
               </a:ext>
             </a:extLst>
           </p:cNvPr>
@@ -1620,46 +1947,46 @@
           <a:p>
             <a:pPr lvl="0"/>
             <a:r>
-              <a:rPr lang="fr-FR"/>
-              <a:t>Cliquez pour modifier les styles du texte du masque</a:t>
+              <a:rPr lang="en-US"/>
+              <a:t>Click to edit Master text styles</a:t>
             </a:r>
           </a:p>
           <a:p>
             <a:pPr lvl="1"/>
             <a:r>
-              <a:rPr lang="fr-FR"/>
-              <a:t>Deuxième niveau</a:t>
+              <a:rPr lang="en-US"/>
+              <a:t>Second level</a:t>
             </a:r>
           </a:p>
           <a:p>
             <a:pPr lvl="2"/>
             <a:r>
-              <a:rPr lang="fr-FR"/>
-              <a:t>Troisième niveau</a:t>
+              <a:rPr lang="en-US"/>
+              <a:t>Third level</a:t>
             </a:r>
           </a:p>
           <a:p>
             <a:pPr lvl="3"/>
             <a:r>
-              <a:rPr lang="fr-FR"/>
-              <a:t>Quatrième niveau</a:t>
+              <a:rPr lang="en-US"/>
+              <a:t>Fourth level</a:t>
             </a:r>
           </a:p>
           <a:p>
             <a:pPr lvl="4"/>
             <a:r>
-              <a:rPr lang="fr-FR"/>
-              <a:t>Cinquième niveau</a:t>
+              <a:rPr lang="en-US"/>
+              <a:t>Fifth level</a:t>
             </a:r>
           </a:p>
         </p:txBody>
       </p:sp>
       <p:sp>
         <p:nvSpPr>
-          <p:cNvPr id="5" name="Espace réservé du texte 4">
-            <a:extLst>
-              <a:ext uri="{FF2B5EF4-FFF2-40B4-BE49-F238E27FC236}">
-                <a16:creationId xmlns:a16="http://schemas.microsoft.com/office/drawing/2014/main" id="{DC481710-61E0-6971-96E7-88373A15060C}"/>
+          <p:cNvPr id="5" name="Text Placeholder 4">
+            <a:extLst>
+              <a:ext uri="{FF2B5EF4-FFF2-40B4-BE49-F238E27FC236}">
+                <a16:creationId xmlns:a16="http://schemas.microsoft.com/office/drawing/2014/main" id="{F3D53357-616B-47F4-944B-F979FE96635D}"/>
               </a:ext>
             </a:extLst>
           </p:cNvPr>
@@ -1719,18 +2046,18 @@
           <a:p>
             <a:pPr lvl="0"/>
             <a:r>
-              <a:rPr lang="fr-FR"/>
-              <a:t>Cliquez pour modifier les styles du texte du masque</a:t>
+              <a:rPr lang="en-US"/>
+              <a:t>Click to edit Master text styles</a:t>
             </a:r>
           </a:p>
         </p:txBody>
       </p:sp>
       <p:sp>
         <p:nvSpPr>
-          <p:cNvPr id="6" name="Espace réservé du contenu 5">
-            <a:extLst>
-              <a:ext uri="{FF2B5EF4-FFF2-40B4-BE49-F238E27FC236}">
-                <a16:creationId xmlns:a16="http://schemas.microsoft.com/office/drawing/2014/main" id="{56FB437C-B8C4-1F40-DE5E-0339BC4BD590}"/>
+          <p:cNvPr id="6" name="Content Placeholder 5">
+            <a:extLst>
+              <a:ext uri="{FF2B5EF4-FFF2-40B4-BE49-F238E27FC236}">
+                <a16:creationId xmlns:a16="http://schemas.microsoft.com/office/drawing/2014/main" id="{BD7EA593-3036-4FB5-94B4-D9431DF04871}"/>
               </a:ext>
             </a:extLst>
           </p:cNvPr>
@@ -1753,46 +2080,46 @@
           <a:p>
             <a:pPr lvl="0"/>
             <a:r>
-              <a:rPr lang="fr-FR"/>
-              <a:t>Cliquez pour modifier les styles du texte du masque</a:t>
+              <a:rPr lang="en-US"/>
+              <a:t>Click to edit Master text styles</a:t>
             </a:r>
           </a:p>
           <a:p>
             <a:pPr lvl="1"/>
             <a:r>
-              <a:rPr lang="fr-FR"/>
-              <a:t>Deuxième niveau</a:t>
+              <a:rPr lang="en-US"/>
+              <a:t>Second level</a:t>
             </a:r>
           </a:p>
           <a:p>
             <a:pPr lvl="2"/>
             <a:r>
-              <a:rPr lang="fr-FR"/>
-              <a:t>Troisième niveau</a:t>
+              <a:rPr lang="en-US"/>
+              <a:t>Third level</a:t>
             </a:r>
           </a:p>
           <a:p>
             <a:pPr lvl="3"/>
             <a:r>
-              <a:rPr lang="fr-FR"/>
-              <a:t>Quatrième niveau</a:t>
+              <a:rPr lang="en-US"/>
+              <a:t>Fourth level</a:t>
             </a:r>
           </a:p>
           <a:p>
             <a:pPr lvl="4"/>
             <a:r>
-              <a:rPr lang="fr-FR"/>
-              <a:t>Cinquième niveau</a:t>
+              <a:rPr lang="en-US"/>
+              <a:t>Fifth level</a:t>
             </a:r>
           </a:p>
         </p:txBody>
       </p:sp>
       <p:sp>
         <p:nvSpPr>
-          <p:cNvPr id="7" name="Espace réservé de la date 6">
-            <a:extLst>
-              <a:ext uri="{FF2B5EF4-FFF2-40B4-BE49-F238E27FC236}">
-                <a16:creationId xmlns:a16="http://schemas.microsoft.com/office/drawing/2014/main" id="{EF5D1497-76F0-33E7-7E39-186B95DAB944}"/>
+          <p:cNvPr id="7" name="Date Placeholder 6">
+            <a:extLst>
+              <a:ext uri="{FF2B5EF4-FFF2-40B4-BE49-F238E27FC236}">
+                <a16:creationId xmlns:a16="http://schemas.microsoft.com/office/drawing/2014/main" id="{E86B3EF2-2C04-480F-A570-14E520DD00DE}"/>
               </a:ext>
             </a:extLst>
           </p:cNvPr>
@@ -1808,20 +2135,20 @@
           <a:bodyPr/>
           <a:lstStyle/>
           <a:p>
-            <a:fld id="{883E7F61-8997-4585-98CC-1F1728BDD087}" type="datetimeFigureOut">
-              <a:rPr lang="fr-FR" smtClean="0"/>
-              <a:t>08/03/2024</a:t>
+            <a:fld id="{6A4B53A7-3209-46A6-9454-F38EAC8F11E7}" type="datetimeFigureOut">
+              <a:rPr lang="en-US" smtClean="0"/>
+              <a:t>4/1/2024</a:t>
             </a:fld>
-            <a:endParaRPr lang="fr-FR"/>
+            <a:endParaRPr lang="en-US"/>
           </a:p>
         </p:txBody>
       </p:sp>
       <p:sp>
         <p:nvSpPr>
-          <p:cNvPr id="8" name="Espace réservé du pied de page 7">
-            <a:extLst>
-              <a:ext uri="{FF2B5EF4-FFF2-40B4-BE49-F238E27FC236}">
-                <a16:creationId xmlns:a16="http://schemas.microsoft.com/office/drawing/2014/main" id="{6DC92BD1-4841-1DCA-BD89-E1504F9E21A3}"/>
+          <p:cNvPr id="8" name="Footer Placeholder 7">
+            <a:extLst>
+              <a:ext uri="{FF2B5EF4-FFF2-40B4-BE49-F238E27FC236}">
+                <a16:creationId xmlns:a16="http://schemas.microsoft.com/office/drawing/2014/main" id="{1CF5783E-3073-4F4D-8B9C-C5B18DDA5A35}"/>
               </a:ext>
             </a:extLst>
           </p:cNvPr>
@@ -1837,16 +2164,16 @@
           <a:bodyPr/>
           <a:lstStyle/>
           <a:p>
-            <a:endParaRPr lang="fr-FR"/>
+            <a:endParaRPr lang="en-US"/>
           </a:p>
         </p:txBody>
       </p:sp>
       <p:sp>
         <p:nvSpPr>
-          <p:cNvPr id="9" name="Espace réservé du numéro de diapositive 8">
-            <a:extLst>
-              <a:ext uri="{FF2B5EF4-FFF2-40B4-BE49-F238E27FC236}">
-                <a16:creationId xmlns:a16="http://schemas.microsoft.com/office/drawing/2014/main" id="{F3550D43-81B0-B3F6-BC8C-8A6728DA8C88}"/>
+          <p:cNvPr id="9" name="Slide Number Placeholder 8">
+            <a:extLst>
+              <a:ext uri="{FF2B5EF4-FFF2-40B4-BE49-F238E27FC236}">
+                <a16:creationId xmlns:a16="http://schemas.microsoft.com/office/drawing/2014/main" id="{F1A75FE3-6719-4790-AA00-251BC2A6E5AF}"/>
               </a:ext>
             </a:extLst>
           </p:cNvPr>
@@ -1862,18 +2189,71 @@
           <a:bodyPr/>
           <a:lstStyle/>
           <a:p>
-            <a:fld id="{4ED1808A-D98D-4560-9D14-45F5AA0C0FC3}" type="slidenum">
-              <a:rPr lang="fr-FR" smtClean="0"/>
+            <a:fld id="{27CE633F-9882-4A5C-83A2-1109D0C73261}" type="slidenum">
+              <a:rPr lang="en-US" smtClean="0"/>
               <a:t>‹N°›</a:t>
             </a:fld>
-            <a:endParaRPr lang="fr-FR"/>
-          </a:p>
-        </p:txBody>
-      </p:sp>
+            <a:endParaRPr lang="en-US"/>
+          </a:p>
+        </p:txBody>
+      </p:sp>
+      <p:cxnSp>
+        <p:nvCxnSpPr>
+          <p:cNvPr id="10" name="Straight Connector 9">
+            <a:extLst>
+              <a:ext uri="{FF2B5EF4-FFF2-40B4-BE49-F238E27FC236}">
+                <a16:creationId xmlns:a16="http://schemas.microsoft.com/office/drawing/2014/main" id="{160F34ED-DA60-4CC2-B735-B0EC5D9FEA35}"/>
+              </a:ext>
+            </a:extLst>
+          </p:cNvPr>
+          <p:cNvCxnSpPr>
+            <a:cxnSpLocks/>
+          </p:cNvCxnSpPr>
+          <p:nvPr/>
+        </p:nvCxnSpPr>
+        <p:spPr>
+          <a:xfrm>
+            <a:off x="715890" y="356812"/>
+            <a:ext cx="0" cy="6492875"/>
+          </a:xfrm>
+          <a:prstGeom prst="line">
+            <a:avLst/>
+          </a:prstGeom>
+          <a:ln w="25400" cap="sq">
+            <a:gradFill flip="none" rotWithShape="1">
+              <a:gsLst>
+                <a:gs pos="0">
+                  <a:schemeClr val="accent2"/>
+                </a:gs>
+                <a:gs pos="100000">
+                  <a:schemeClr val="accent4"/>
+                </a:gs>
+              </a:gsLst>
+              <a:lin ang="16200000" scaled="1"/>
+              <a:tileRect/>
+            </a:gradFill>
+            <a:bevel/>
+          </a:ln>
+        </p:spPr>
+        <p:style>
+          <a:lnRef idx="1">
+            <a:schemeClr val="accent1"/>
+          </a:lnRef>
+          <a:fillRef idx="0">
+            <a:schemeClr val="accent1"/>
+          </a:fillRef>
+          <a:effectRef idx="0">
+            <a:schemeClr val="accent1"/>
+          </a:effectRef>
+          <a:fontRef idx="minor">
+            <a:schemeClr val="tx1"/>
+          </a:fontRef>
+        </p:style>
+      </p:cxnSp>
     </p:spTree>
     <p:extLst>
       <p:ext uri="{BB962C8B-B14F-4D97-AF65-F5344CB8AC3E}">
-        <p14:creationId xmlns:p14="http://schemas.microsoft.com/office/powerpoint/2010/main" val="4095401342"/>
+        <p14:creationId xmlns:p14="http://schemas.microsoft.com/office/powerpoint/2010/main" val="2349893320"/>
       </p:ext>
     </p:extLst>
   </p:cSld>
@@ -1885,7 +2265,7 @@
 
 <file path=ppt/slideLayouts/slideLayout6.xml><?xml version="1.0" encoding="utf-8"?>
 <p:sldLayout xmlns:a="http://schemas.openxmlformats.org/drawingml/2006/main" xmlns:r="http://schemas.openxmlformats.org/officeDocument/2006/relationships" xmlns:p="http://schemas.openxmlformats.org/presentationml/2006/main" type="titleOnly" preserve="1">
-  <p:cSld name="Titre seul">
+  <p:cSld name="Title Only">
     <p:spTree>
       <p:nvGrpSpPr>
         <p:cNvPr id="1" name=""/>
@@ -1902,10 +2282,10 @@
       </p:grpSpPr>
       <p:sp>
         <p:nvSpPr>
-          <p:cNvPr id="2" name="Titre 1">
-            <a:extLst>
-              <a:ext uri="{FF2B5EF4-FFF2-40B4-BE49-F238E27FC236}">
-                <a16:creationId xmlns:a16="http://schemas.microsoft.com/office/drawing/2014/main" id="{F92F844D-1972-7636-46CD-8A42298D4835}"/>
+          <p:cNvPr id="2" name="Title 1">
+            <a:extLst>
+              <a:ext uri="{FF2B5EF4-FFF2-40B4-BE49-F238E27FC236}">
+                <a16:creationId xmlns:a16="http://schemas.microsoft.com/office/drawing/2014/main" id="{E969F227-D21C-48B3-828A-6BFA9585E82F}"/>
               </a:ext>
             </a:extLst>
           </p:cNvPr>
@@ -1922,18 +2302,18 @@
           <a:lstStyle/>
           <a:p>
             <a:r>
-              <a:rPr lang="fr-FR"/>
-              <a:t>Modifiez le style du titre</a:t>
+              <a:rPr lang="en-US"/>
+              <a:t>Click to edit Master title style</a:t>
             </a:r>
           </a:p>
         </p:txBody>
       </p:sp>
       <p:sp>
         <p:nvSpPr>
-          <p:cNvPr id="3" name="Espace réservé de la date 2">
-            <a:extLst>
-              <a:ext uri="{FF2B5EF4-FFF2-40B4-BE49-F238E27FC236}">
-                <a16:creationId xmlns:a16="http://schemas.microsoft.com/office/drawing/2014/main" id="{E7B63E0C-CA03-9BE2-EE3E-D1B5B4574315}"/>
+          <p:cNvPr id="3" name="Date Placeholder 2">
+            <a:extLst>
+              <a:ext uri="{FF2B5EF4-FFF2-40B4-BE49-F238E27FC236}">
+                <a16:creationId xmlns:a16="http://schemas.microsoft.com/office/drawing/2014/main" id="{8DF1DFFF-E5C5-43DF-B71C-7270DB97372C}"/>
               </a:ext>
             </a:extLst>
           </p:cNvPr>
@@ -1949,20 +2329,20 @@
           <a:bodyPr/>
           <a:lstStyle/>
           <a:p>
-            <a:fld id="{883E7F61-8997-4585-98CC-1F1728BDD087}" type="datetimeFigureOut">
-              <a:rPr lang="fr-FR" smtClean="0"/>
-              <a:t>08/03/2024</a:t>
+            <a:fld id="{6A4B53A7-3209-46A6-9454-F38EAC8F11E7}" type="datetimeFigureOut">
+              <a:rPr lang="en-US" smtClean="0"/>
+              <a:t>4/1/2024</a:t>
             </a:fld>
-            <a:endParaRPr lang="fr-FR"/>
+            <a:endParaRPr lang="en-US"/>
           </a:p>
         </p:txBody>
       </p:sp>
       <p:sp>
         <p:nvSpPr>
-          <p:cNvPr id="4" name="Espace réservé du pied de page 3">
-            <a:extLst>
-              <a:ext uri="{FF2B5EF4-FFF2-40B4-BE49-F238E27FC236}">
-                <a16:creationId xmlns:a16="http://schemas.microsoft.com/office/drawing/2014/main" id="{98D13B5D-AED0-6BA9-C0DA-3A72442F9BC9}"/>
+          <p:cNvPr id="4" name="Footer Placeholder 3">
+            <a:extLst>
+              <a:ext uri="{FF2B5EF4-FFF2-40B4-BE49-F238E27FC236}">
+                <a16:creationId xmlns:a16="http://schemas.microsoft.com/office/drawing/2014/main" id="{7EBC03C0-6EB7-4633-967C-12C35768BB58}"/>
               </a:ext>
             </a:extLst>
           </p:cNvPr>
@@ -1978,16 +2358,16 @@
           <a:bodyPr/>
           <a:lstStyle/>
           <a:p>
-            <a:endParaRPr lang="fr-FR"/>
+            <a:endParaRPr lang="en-US"/>
           </a:p>
         </p:txBody>
       </p:sp>
       <p:sp>
         <p:nvSpPr>
-          <p:cNvPr id="5" name="Espace réservé du numéro de diapositive 4">
-            <a:extLst>
-              <a:ext uri="{FF2B5EF4-FFF2-40B4-BE49-F238E27FC236}">
-                <a16:creationId xmlns:a16="http://schemas.microsoft.com/office/drawing/2014/main" id="{2FE4455D-36F9-9243-771A-A6E01E4EF358}"/>
+          <p:cNvPr id="5" name="Slide Number Placeholder 4">
+            <a:extLst>
+              <a:ext uri="{FF2B5EF4-FFF2-40B4-BE49-F238E27FC236}">
+                <a16:creationId xmlns:a16="http://schemas.microsoft.com/office/drawing/2014/main" id="{30FF4306-91CD-4B7B-8A53-34BE8F997581}"/>
               </a:ext>
             </a:extLst>
           </p:cNvPr>
@@ -2003,18 +2383,71 @@
           <a:bodyPr/>
           <a:lstStyle/>
           <a:p>
-            <a:fld id="{4ED1808A-D98D-4560-9D14-45F5AA0C0FC3}" type="slidenum">
-              <a:rPr lang="fr-FR" smtClean="0"/>
+            <a:fld id="{27CE633F-9882-4A5C-83A2-1109D0C73261}" type="slidenum">
+              <a:rPr lang="en-US" smtClean="0"/>
               <a:t>‹N°›</a:t>
             </a:fld>
-            <a:endParaRPr lang="fr-FR"/>
-          </a:p>
-        </p:txBody>
-      </p:sp>
+            <a:endParaRPr lang="en-US"/>
+          </a:p>
+        </p:txBody>
+      </p:sp>
+      <p:cxnSp>
+        <p:nvCxnSpPr>
+          <p:cNvPr id="6" name="Straight Connector 5">
+            <a:extLst>
+              <a:ext uri="{FF2B5EF4-FFF2-40B4-BE49-F238E27FC236}">
+                <a16:creationId xmlns:a16="http://schemas.microsoft.com/office/drawing/2014/main" id="{57596AF9-469C-436D-B7D2-77952EF1825E}"/>
+              </a:ext>
+            </a:extLst>
+          </p:cNvPr>
+          <p:cNvCxnSpPr>
+            <a:cxnSpLocks/>
+          </p:cNvCxnSpPr>
+          <p:nvPr/>
+        </p:nvCxnSpPr>
+        <p:spPr>
+          <a:xfrm>
+            <a:off x="715890" y="356812"/>
+            <a:ext cx="0" cy="6492875"/>
+          </a:xfrm>
+          <a:prstGeom prst="line">
+            <a:avLst/>
+          </a:prstGeom>
+          <a:ln w="25400" cap="sq">
+            <a:gradFill flip="none" rotWithShape="1">
+              <a:gsLst>
+                <a:gs pos="0">
+                  <a:schemeClr val="accent2"/>
+                </a:gs>
+                <a:gs pos="100000">
+                  <a:schemeClr val="accent4"/>
+                </a:gs>
+              </a:gsLst>
+              <a:lin ang="16200000" scaled="1"/>
+              <a:tileRect/>
+            </a:gradFill>
+            <a:bevel/>
+          </a:ln>
+        </p:spPr>
+        <p:style>
+          <a:lnRef idx="1">
+            <a:schemeClr val="accent1"/>
+          </a:lnRef>
+          <a:fillRef idx="0">
+            <a:schemeClr val="accent1"/>
+          </a:fillRef>
+          <a:effectRef idx="0">
+            <a:schemeClr val="accent1"/>
+          </a:effectRef>
+          <a:fontRef idx="minor">
+            <a:schemeClr val="tx1"/>
+          </a:fontRef>
+        </p:style>
+      </p:cxnSp>
     </p:spTree>
     <p:extLst>
       <p:ext uri="{BB962C8B-B14F-4D97-AF65-F5344CB8AC3E}">
-        <p14:creationId xmlns:p14="http://schemas.microsoft.com/office/powerpoint/2010/main" val="2582086751"/>
+        <p14:creationId xmlns:p14="http://schemas.microsoft.com/office/powerpoint/2010/main" val="616047278"/>
       </p:ext>
     </p:extLst>
   </p:cSld>
@@ -2026,7 +2459,7 @@
 
 <file path=ppt/slideLayouts/slideLayout7.xml><?xml version="1.0" encoding="utf-8"?>
 <p:sldLayout xmlns:a="http://schemas.openxmlformats.org/drawingml/2006/main" xmlns:r="http://schemas.openxmlformats.org/officeDocument/2006/relationships" xmlns:p="http://schemas.openxmlformats.org/presentationml/2006/main" type="blank" preserve="1">
-  <p:cSld name="Vide">
+  <p:cSld name="Blank">
     <p:spTree>
       <p:nvGrpSpPr>
         <p:cNvPr id="1" name=""/>
@@ -2043,10 +2476,10 @@
       </p:grpSpPr>
       <p:sp>
         <p:nvSpPr>
-          <p:cNvPr id="2" name="Espace réservé de la date 1">
-            <a:extLst>
-              <a:ext uri="{FF2B5EF4-FFF2-40B4-BE49-F238E27FC236}">
-                <a16:creationId xmlns:a16="http://schemas.microsoft.com/office/drawing/2014/main" id="{0855DF56-5664-FC14-FC0C-52BA3F501196}"/>
+          <p:cNvPr id="2" name="Date Placeholder 1">
+            <a:extLst>
+              <a:ext uri="{FF2B5EF4-FFF2-40B4-BE49-F238E27FC236}">
+                <a16:creationId xmlns:a16="http://schemas.microsoft.com/office/drawing/2014/main" id="{FDFF36D6-399B-43E3-84DD-9FC5119ECCE9}"/>
               </a:ext>
             </a:extLst>
           </p:cNvPr>
@@ -2062,20 +2495,20 @@
           <a:bodyPr/>
           <a:lstStyle/>
           <a:p>
-            <a:fld id="{883E7F61-8997-4585-98CC-1F1728BDD087}" type="datetimeFigureOut">
-              <a:rPr lang="fr-FR" smtClean="0"/>
-              <a:t>08/03/2024</a:t>
+            <a:fld id="{6A4B53A7-3209-46A6-9454-F38EAC8F11E7}" type="datetimeFigureOut">
+              <a:rPr lang="en-US" smtClean="0"/>
+              <a:t>4/1/2024</a:t>
             </a:fld>
-            <a:endParaRPr lang="fr-FR"/>
+            <a:endParaRPr lang="en-US"/>
           </a:p>
         </p:txBody>
       </p:sp>
       <p:sp>
         <p:nvSpPr>
-          <p:cNvPr id="3" name="Espace réservé du pied de page 2">
-            <a:extLst>
-              <a:ext uri="{FF2B5EF4-FFF2-40B4-BE49-F238E27FC236}">
-                <a16:creationId xmlns:a16="http://schemas.microsoft.com/office/drawing/2014/main" id="{3BA92292-7554-59BA-252F-B0B141826EF9}"/>
+          <p:cNvPr id="3" name="Footer Placeholder 2">
+            <a:extLst>
+              <a:ext uri="{FF2B5EF4-FFF2-40B4-BE49-F238E27FC236}">
+                <a16:creationId xmlns:a16="http://schemas.microsoft.com/office/drawing/2014/main" id="{50234AB7-3B85-4028-A500-5A1BDBF45C56}"/>
               </a:ext>
             </a:extLst>
           </p:cNvPr>
@@ -2091,16 +2524,16 @@
           <a:bodyPr/>
           <a:lstStyle/>
           <a:p>
-            <a:endParaRPr lang="fr-FR"/>
+            <a:endParaRPr lang="en-US"/>
           </a:p>
         </p:txBody>
       </p:sp>
       <p:sp>
         <p:nvSpPr>
-          <p:cNvPr id="4" name="Espace réservé du numéro de diapositive 3">
-            <a:extLst>
-              <a:ext uri="{FF2B5EF4-FFF2-40B4-BE49-F238E27FC236}">
-                <a16:creationId xmlns:a16="http://schemas.microsoft.com/office/drawing/2014/main" id="{E49B03FC-B481-DB9E-0D85-54110F254C59}"/>
+          <p:cNvPr id="4" name="Slide Number Placeholder 3">
+            <a:extLst>
+              <a:ext uri="{FF2B5EF4-FFF2-40B4-BE49-F238E27FC236}">
+                <a16:creationId xmlns:a16="http://schemas.microsoft.com/office/drawing/2014/main" id="{AC1F40F0-9909-442F-BBA4-409D061ED027}"/>
               </a:ext>
             </a:extLst>
           </p:cNvPr>
@@ -2116,18 +2549,71 @@
           <a:bodyPr/>
           <a:lstStyle/>
           <a:p>
-            <a:fld id="{4ED1808A-D98D-4560-9D14-45F5AA0C0FC3}" type="slidenum">
-              <a:rPr lang="fr-FR" smtClean="0"/>
+            <a:fld id="{27CE633F-9882-4A5C-83A2-1109D0C73261}" type="slidenum">
+              <a:rPr lang="en-US" smtClean="0"/>
               <a:t>‹N°›</a:t>
             </a:fld>
-            <a:endParaRPr lang="fr-FR"/>
-          </a:p>
-        </p:txBody>
-      </p:sp>
+            <a:endParaRPr lang="en-US"/>
+          </a:p>
+        </p:txBody>
+      </p:sp>
+      <p:cxnSp>
+        <p:nvCxnSpPr>
+          <p:cNvPr id="5" name="Straight Connector 4">
+            <a:extLst>
+              <a:ext uri="{FF2B5EF4-FFF2-40B4-BE49-F238E27FC236}">
+                <a16:creationId xmlns:a16="http://schemas.microsoft.com/office/drawing/2014/main" id="{353C1207-D1C8-49E3-8837-E2B89D366FAE}"/>
+              </a:ext>
+            </a:extLst>
+          </p:cNvPr>
+          <p:cNvCxnSpPr>
+            <a:cxnSpLocks/>
+          </p:cNvCxnSpPr>
+          <p:nvPr/>
+        </p:nvCxnSpPr>
+        <p:spPr>
+          <a:xfrm>
+            <a:off x="715890" y="356812"/>
+            <a:ext cx="0" cy="6492875"/>
+          </a:xfrm>
+          <a:prstGeom prst="line">
+            <a:avLst/>
+          </a:prstGeom>
+          <a:ln w="25400" cap="sq">
+            <a:gradFill flip="none" rotWithShape="1">
+              <a:gsLst>
+                <a:gs pos="0">
+                  <a:schemeClr val="accent2"/>
+                </a:gs>
+                <a:gs pos="100000">
+                  <a:schemeClr val="accent4"/>
+                </a:gs>
+              </a:gsLst>
+              <a:lin ang="16200000" scaled="1"/>
+              <a:tileRect/>
+            </a:gradFill>
+            <a:bevel/>
+          </a:ln>
+        </p:spPr>
+        <p:style>
+          <a:lnRef idx="1">
+            <a:schemeClr val="accent1"/>
+          </a:lnRef>
+          <a:fillRef idx="0">
+            <a:schemeClr val="accent1"/>
+          </a:fillRef>
+          <a:effectRef idx="0">
+            <a:schemeClr val="accent1"/>
+          </a:effectRef>
+          <a:fontRef idx="minor">
+            <a:schemeClr val="tx1"/>
+          </a:fontRef>
+        </p:style>
+      </p:cxnSp>
     </p:spTree>
     <p:extLst>
       <p:ext uri="{BB962C8B-B14F-4D97-AF65-F5344CB8AC3E}">
-        <p14:creationId xmlns:p14="http://schemas.microsoft.com/office/powerpoint/2010/main" val="3167632098"/>
+        <p14:creationId xmlns:p14="http://schemas.microsoft.com/office/powerpoint/2010/main" val="1589222499"/>
       </p:ext>
     </p:extLst>
   </p:cSld>
@@ -2139,7 +2625,7 @@
 
 <file path=ppt/slideLayouts/slideLayout8.xml><?xml version="1.0" encoding="utf-8"?>
 <p:sldLayout xmlns:a="http://schemas.openxmlformats.org/drawingml/2006/main" xmlns:r="http://schemas.openxmlformats.org/officeDocument/2006/relationships" xmlns:p="http://schemas.openxmlformats.org/presentationml/2006/main" type="objTx" preserve="1">
-  <p:cSld name="Contenu avec légende">
+  <p:cSld name="Content with Caption">
     <p:spTree>
       <p:nvGrpSpPr>
         <p:cNvPr id="1" name=""/>
@@ -2156,10 +2642,10 @@
       </p:grpSpPr>
       <p:sp>
         <p:nvSpPr>
-          <p:cNvPr id="2" name="Titre 1">
-            <a:extLst>
-              <a:ext uri="{FF2B5EF4-FFF2-40B4-BE49-F238E27FC236}">
-                <a16:creationId xmlns:a16="http://schemas.microsoft.com/office/drawing/2014/main" id="{33B82C2A-191D-5E7B-3995-F9D95CDC6D29}"/>
+          <p:cNvPr id="2" name="Title 1">
+            <a:extLst>
+              <a:ext uri="{FF2B5EF4-FFF2-40B4-BE49-F238E27FC236}">
+                <a16:creationId xmlns:a16="http://schemas.microsoft.com/office/drawing/2014/main" id="{A540F214-646F-4D81-AD12-65628EC987DC}"/>
               </a:ext>
             </a:extLst>
           </p:cNvPr>
@@ -2185,18 +2671,18 @@
           </a:lstStyle>
           <a:p>
             <a:r>
-              <a:rPr lang="fr-FR"/>
-              <a:t>Modifiez le style du titre</a:t>
+              <a:rPr lang="en-US"/>
+              <a:t>Click to edit Master title style</a:t>
             </a:r>
           </a:p>
         </p:txBody>
       </p:sp>
       <p:sp>
         <p:nvSpPr>
-          <p:cNvPr id="3" name="Espace réservé du contenu 2">
-            <a:extLst>
-              <a:ext uri="{FF2B5EF4-FFF2-40B4-BE49-F238E27FC236}">
-                <a16:creationId xmlns:a16="http://schemas.microsoft.com/office/drawing/2014/main" id="{27B458EA-8D4B-71AA-5C90-8BB04ED3C782}"/>
+          <p:cNvPr id="3" name="Content Placeholder 2">
+            <a:extLst>
+              <a:ext uri="{FF2B5EF4-FFF2-40B4-BE49-F238E27FC236}">
+                <a16:creationId xmlns:a16="http://schemas.microsoft.com/office/drawing/2014/main" id="{4EF71768-C3FA-49EF-99EF-06E6C3B2846F}"/>
               </a:ext>
             </a:extLst>
           </p:cNvPr>
@@ -2247,46 +2733,46 @@
           <a:p>
             <a:pPr lvl="0"/>
             <a:r>
-              <a:rPr lang="fr-FR"/>
-              <a:t>Cliquez pour modifier les styles du texte du masque</a:t>
+              <a:rPr lang="en-US"/>
+              <a:t>Click to edit Master text styles</a:t>
             </a:r>
           </a:p>
           <a:p>
             <a:pPr lvl="1"/>
             <a:r>
-              <a:rPr lang="fr-FR"/>
-              <a:t>Deuxième niveau</a:t>
+              <a:rPr lang="en-US"/>
+              <a:t>Second level</a:t>
             </a:r>
           </a:p>
           <a:p>
             <a:pPr lvl="2"/>
             <a:r>
-              <a:rPr lang="fr-FR"/>
-              <a:t>Troisième niveau</a:t>
+              <a:rPr lang="en-US"/>
+              <a:t>Third level</a:t>
             </a:r>
           </a:p>
           <a:p>
             <a:pPr lvl="3"/>
             <a:r>
-              <a:rPr lang="fr-FR"/>
-              <a:t>Quatrième niveau</a:t>
+              <a:rPr lang="en-US"/>
+              <a:t>Fourth level</a:t>
             </a:r>
           </a:p>
           <a:p>
             <a:pPr lvl="4"/>
             <a:r>
-              <a:rPr lang="fr-FR"/>
-              <a:t>Cinquième niveau</a:t>
+              <a:rPr lang="en-US"/>
+              <a:t>Fifth level</a:t>
             </a:r>
           </a:p>
         </p:txBody>
       </p:sp>
       <p:sp>
         <p:nvSpPr>
-          <p:cNvPr id="4" name="Espace réservé du texte 3">
-            <a:extLst>
-              <a:ext uri="{FF2B5EF4-FFF2-40B4-BE49-F238E27FC236}">
-                <a16:creationId xmlns:a16="http://schemas.microsoft.com/office/drawing/2014/main" id="{B91ECEAA-DAE7-BEC8-4083-C64C2D12CAA2}"/>
+          <p:cNvPr id="4" name="Text Placeholder 3">
+            <a:extLst>
+              <a:ext uri="{FF2B5EF4-FFF2-40B4-BE49-F238E27FC236}">
+                <a16:creationId xmlns:a16="http://schemas.microsoft.com/office/drawing/2014/main" id="{92DA6F24-ED6C-4D12-A9D6-EE37FBD68693}"/>
               </a:ext>
             </a:extLst>
           </p:cNvPr>
@@ -2346,18 +2832,18 @@
           <a:p>
             <a:pPr lvl="0"/>
             <a:r>
-              <a:rPr lang="fr-FR"/>
-              <a:t>Cliquez pour modifier les styles du texte du masque</a:t>
+              <a:rPr lang="en-US"/>
+              <a:t>Click to edit Master text styles</a:t>
             </a:r>
           </a:p>
         </p:txBody>
       </p:sp>
       <p:sp>
         <p:nvSpPr>
-          <p:cNvPr id="5" name="Espace réservé de la date 4">
-            <a:extLst>
-              <a:ext uri="{FF2B5EF4-FFF2-40B4-BE49-F238E27FC236}">
-                <a16:creationId xmlns:a16="http://schemas.microsoft.com/office/drawing/2014/main" id="{08086B96-1398-DB73-576A-B5AD46D54F32}"/>
+          <p:cNvPr id="5" name="Date Placeholder 4">
+            <a:extLst>
+              <a:ext uri="{FF2B5EF4-FFF2-40B4-BE49-F238E27FC236}">
+                <a16:creationId xmlns:a16="http://schemas.microsoft.com/office/drawing/2014/main" id="{38E6AACE-FAFB-4934-8E3C-AB5B216353D8}"/>
               </a:ext>
             </a:extLst>
           </p:cNvPr>
@@ -2373,20 +2859,20 @@
           <a:bodyPr/>
           <a:lstStyle/>
           <a:p>
-            <a:fld id="{883E7F61-8997-4585-98CC-1F1728BDD087}" type="datetimeFigureOut">
-              <a:rPr lang="fr-FR" smtClean="0"/>
-              <a:t>08/03/2024</a:t>
+            <a:fld id="{6A4B53A7-3209-46A6-9454-F38EAC8F11E7}" type="datetimeFigureOut">
+              <a:rPr lang="en-US" smtClean="0"/>
+              <a:t>4/1/2024</a:t>
             </a:fld>
-            <a:endParaRPr lang="fr-FR"/>
+            <a:endParaRPr lang="en-US"/>
           </a:p>
         </p:txBody>
       </p:sp>
       <p:sp>
         <p:nvSpPr>
-          <p:cNvPr id="6" name="Espace réservé du pied de page 5">
-            <a:extLst>
-              <a:ext uri="{FF2B5EF4-FFF2-40B4-BE49-F238E27FC236}">
-                <a16:creationId xmlns:a16="http://schemas.microsoft.com/office/drawing/2014/main" id="{426E6878-6F84-539E-AD22-FFF3BCBA7DC6}"/>
+          <p:cNvPr id="6" name="Footer Placeholder 5">
+            <a:extLst>
+              <a:ext uri="{FF2B5EF4-FFF2-40B4-BE49-F238E27FC236}">
+                <a16:creationId xmlns:a16="http://schemas.microsoft.com/office/drawing/2014/main" id="{181533EA-D0F8-4C79-8721-F190DE2D2DC0}"/>
               </a:ext>
             </a:extLst>
           </p:cNvPr>
@@ -2402,16 +2888,16 @@
           <a:bodyPr/>
           <a:lstStyle/>
           <a:p>
-            <a:endParaRPr lang="fr-FR"/>
+            <a:endParaRPr lang="en-US"/>
           </a:p>
         </p:txBody>
       </p:sp>
       <p:sp>
         <p:nvSpPr>
-          <p:cNvPr id="7" name="Espace réservé du numéro de diapositive 6">
-            <a:extLst>
-              <a:ext uri="{FF2B5EF4-FFF2-40B4-BE49-F238E27FC236}">
-                <a16:creationId xmlns:a16="http://schemas.microsoft.com/office/drawing/2014/main" id="{D6B2F03E-45F0-6777-C479-77C66874A8EE}"/>
+          <p:cNvPr id="7" name="Slide Number Placeholder 6">
+            <a:extLst>
+              <a:ext uri="{FF2B5EF4-FFF2-40B4-BE49-F238E27FC236}">
+                <a16:creationId xmlns:a16="http://schemas.microsoft.com/office/drawing/2014/main" id="{A059BAC9-F101-4394-BBA4-3D21A3497126}"/>
               </a:ext>
             </a:extLst>
           </p:cNvPr>
@@ -2427,18 +2913,71 @@
           <a:bodyPr/>
           <a:lstStyle/>
           <a:p>
-            <a:fld id="{4ED1808A-D98D-4560-9D14-45F5AA0C0FC3}" type="slidenum">
-              <a:rPr lang="fr-FR" smtClean="0"/>
+            <a:fld id="{27CE633F-9882-4A5C-83A2-1109D0C73261}" type="slidenum">
+              <a:rPr lang="en-US" smtClean="0"/>
               <a:t>‹N°›</a:t>
             </a:fld>
-            <a:endParaRPr lang="fr-FR"/>
-          </a:p>
-        </p:txBody>
-      </p:sp>
+            <a:endParaRPr lang="en-US"/>
+          </a:p>
+        </p:txBody>
+      </p:sp>
+      <p:cxnSp>
+        <p:nvCxnSpPr>
+          <p:cNvPr id="8" name="Straight Connector 7">
+            <a:extLst>
+              <a:ext uri="{FF2B5EF4-FFF2-40B4-BE49-F238E27FC236}">
+                <a16:creationId xmlns:a16="http://schemas.microsoft.com/office/drawing/2014/main" id="{0F3A79C9-7EDC-44F6-AC48-5DD98A7695AD}"/>
+              </a:ext>
+            </a:extLst>
+          </p:cNvPr>
+          <p:cNvCxnSpPr>
+            <a:cxnSpLocks/>
+          </p:cNvCxnSpPr>
+          <p:nvPr/>
+        </p:nvCxnSpPr>
+        <p:spPr>
+          <a:xfrm>
+            <a:off x="715890" y="356812"/>
+            <a:ext cx="0" cy="6492875"/>
+          </a:xfrm>
+          <a:prstGeom prst="line">
+            <a:avLst/>
+          </a:prstGeom>
+          <a:ln w="25400" cap="sq">
+            <a:gradFill flip="none" rotWithShape="1">
+              <a:gsLst>
+                <a:gs pos="0">
+                  <a:schemeClr val="accent2"/>
+                </a:gs>
+                <a:gs pos="100000">
+                  <a:schemeClr val="accent4"/>
+                </a:gs>
+              </a:gsLst>
+              <a:lin ang="16200000" scaled="1"/>
+              <a:tileRect/>
+            </a:gradFill>
+            <a:bevel/>
+          </a:ln>
+        </p:spPr>
+        <p:style>
+          <a:lnRef idx="1">
+            <a:schemeClr val="accent1"/>
+          </a:lnRef>
+          <a:fillRef idx="0">
+            <a:schemeClr val="accent1"/>
+          </a:fillRef>
+          <a:effectRef idx="0">
+            <a:schemeClr val="accent1"/>
+          </a:effectRef>
+          <a:fontRef idx="minor">
+            <a:schemeClr val="tx1"/>
+          </a:fontRef>
+        </p:style>
+      </p:cxnSp>
     </p:spTree>
     <p:extLst>
       <p:ext uri="{BB962C8B-B14F-4D97-AF65-F5344CB8AC3E}">
-        <p14:creationId xmlns:p14="http://schemas.microsoft.com/office/powerpoint/2010/main" val="1696653950"/>
+        <p14:creationId xmlns:p14="http://schemas.microsoft.com/office/powerpoint/2010/main" val="2945959498"/>
       </p:ext>
     </p:extLst>
   </p:cSld>
@@ -2450,7 +2989,7 @@
 
 <file path=ppt/slideLayouts/slideLayout9.xml><?xml version="1.0" encoding="utf-8"?>
 <p:sldLayout xmlns:a="http://schemas.openxmlformats.org/drawingml/2006/main" xmlns:r="http://schemas.openxmlformats.org/officeDocument/2006/relationships" xmlns:p="http://schemas.openxmlformats.org/presentationml/2006/main" type="picTx" preserve="1">
-  <p:cSld name="Image avec légende">
+  <p:cSld name="Picture with Caption">
     <p:spTree>
       <p:nvGrpSpPr>
         <p:cNvPr id="1" name=""/>
@@ -2467,10 +3006,10 @@
       </p:grpSpPr>
       <p:sp>
         <p:nvSpPr>
-          <p:cNvPr id="2" name="Titre 1">
-            <a:extLst>
-              <a:ext uri="{FF2B5EF4-FFF2-40B4-BE49-F238E27FC236}">
-                <a16:creationId xmlns:a16="http://schemas.microsoft.com/office/drawing/2014/main" id="{26643D95-DD73-5D09-69BE-5865DFD3D7B4}"/>
+          <p:cNvPr id="2" name="Title 1">
+            <a:extLst>
+              <a:ext uri="{FF2B5EF4-FFF2-40B4-BE49-F238E27FC236}">
+                <a16:creationId xmlns:a16="http://schemas.microsoft.com/office/drawing/2014/main" id="{284CB71F-B6C2-4866-BC97-304F78816E4F}"/>
               </a:ext>
             </a:extLst>
           </p:cNvPr>
@@ -2496,18 +3035,18 @@
           </a:lstStyle>
           <a:p>
             <a:r>
-              <a:rPr lang="fr-FR"/>
-              <a:t>Modifiez le style du titre</a:t>
+              <a:rPr lang="en-US"/>
+              <a:t>Click to edit Master title style</a:t>
             </a:r>
           </a:p>
         </p:txBody>
       </p:sp>
       <p:sp>
         <p:nvSpPr>
-          <p:cNvPr id="3" name="Espace réservé pour une image  2">
-            <a:extLst>
-              <a:ext uri="{FF2B5EF4-FFF2-40B4-BE49-F238E27FC236}">
-                <a16:creationId xmlns:a16="http://schemas.microsoft.com/office/drawing/2014/main" id="{B3069340-7348-E7DE-0426-37FC1EFF3BA8}"/>
+          <p:cNvPr id="3" name="Picture Placeholder 2">
+            <a:extLst>
+              <a:ext uri="{FF2B5EF4-FFF2-40B4-BE49-F238E27FC236}">
+                <a16:creationId xmlns:a16="http://schemas.microsoft.com/office/drawing/2014/main" id="{C55ED73B-8413-478D-80D7-B78B69763B69}"/>
               </a:ext>
             </a:extLst>
           </p:cNvPr>
@@ -2565,16 +3104,19 @@
             </a:lvl9pPr>
           </a:lstStyle>
           <a:p>
-            <a:endParaRPr lang="fr-FR"/>
+            <a:r>
+              <a:rPr lang="en-US"/>
+              <a:t>Click icon to add picture</a:t>
+            </a:r>
           </a:p>
         </p:txBody>
       </p:sp>
       <p:sp>
         <p:nvSpPr>
-          <p:cNvPr id="4" name="Espace réservé du texte 3">
-            <a:extLst>
-              <a:ext uri="{FF2B5EF4-FFF2-40B4-BE49-F238E27FC236}">
-                <a16:creationId xmlns:a16="http://schemas.microsoft.com/office/drawing/2014/main" id="{C1650D13-B826-CA03-F416-8A9CBF84B0A0}"/>
+          <p:cNvPr id="4" name="Text Placeholder 3">
+            <a:extLst>
+              <a:ext uri="{FF2B5EF4-FFF2-40B4-BE49-F238E27FC236}">
+                <a16:creationId xmlns:a16="http://schemas.microsoft.com/office/drawing/2014/main" id="{91BDF226-1B94-4D2D-98B3-7B932FB17DAA}"/>
               </a:ext>
             </a:extLst>
           </p:cNvPr>
@@ -2634,18 +3176,18 @@
           <a:p>
             <a:pPr lvl="0"/>
             <a:r>
-              <a:rPr lang="fr-FR"/>
-              <a:t>Cliquez pour modifier les styles du texte du masque</a:t>
+              <a:rPr lang="en-US"/>
+              <a:t>Click to edit Master text styles</a:t>
             </a:r>
           </a:p>
         </p:txBody>
       </p:sp>
       <p:sp>
         <p:nvSpPr>
-          <p:cNvPr id="5" name="Espace réservé de la date 4">
-            <a:extLst>
-              <a:ext uri="{FF2B5EF4-FFF2-40B4-BE49-F238E27FC236}">
-                <a16:creationId xmlns:a16="http://schemas.microsoft.com/office/drawing/2014/main" id="{46E5DADF-09A7-731F-F4F9-BB26A48D1945}"/>
+          <p:cNvPr id="5" name="Date Placeholder 4">
+            <a:extLst>
+              <a:ext uri="{FF2B5EF4-FFF2-40B4-BE49-F238E27FC236}">
+                <a16:creationId xmlns:a16="http://schemas.microsoft.com/office/drawing/2014/main" id="{100C4E9A-CA29-4CCD-ACFA-B29F80FBA163}"/>
               </a:ext>
             </a:extLst>
           </p:cNvPr>
@@ -2661,20 +3203,20 @@
           <a:bodyPr/>
           <a:lstStyle/>
           <a:p>
-            <a:fld id="{883E7F61-8997-4585-98CC-1F1728BDD087}" type="datetimeFigureOut">
-              <a:rPr lang="fr-FR" smtClean="0"/>
-              <a:t>08/03/2024</a:t>
+            <a:fld id="{6A4B53A7-3209-46A6-9454-F38EAC8F11E7}" type="datetimeFigureOut">
+              <a:rPr lang="en-US" smtClean="0"/>
+              <a:t>4/1/2024</a:t>
             </a:fld>
-            <a:endParaRPr lang="fr-FR"/>
+            <a:endParaRPr lang="en-US"/>
           </a:p>
         </p:txBody>
       </p:sp>
       <p:sp>
         <p:nvSpPr>
-          <p:cNvPr id="6" name="Espace réservé du pied de page 5">
-            <a:extLst>
-              <a:ext uri="{FF2B5EF4-FFF2-40B4-BE49-F238E27FC236}">
-                <a16:creationId xmlns:a16="http://schemas.microsoft.com/office/drawing/2014/main" id="{44A156D7-DC48-7A5D-BA16-1C454C7DA746}"/>
+          <p:cNvPr id="6" name="Footer Placeholder 5">
+            <a:extLst>
+              <a:ext uri="{FF2B5EF4-FFF2-40B4-BE49-F238E27FC236}">
+                <a16:creationId xmlns:a16="http://schemas.microsoft.com/office/drawing/2014/main" id="{71A5B7BE-3F1B-4FF3-B1D7-6E39B99D07BD}"/>
               </a:ext>
             </a:extLst>
           </p:cNvPr>
@@ -2690,16 +3232,16 @@
           <a:bodyPr/>
           <a:lstStyle/>
           <a:p>
-            <a:endParaRPr lang="fr-FR"/>
+            <a:endParaRPr lang="en-US"/>
           </a:p>
         </p:txBody>
       </p:sp>
       <p:sp>
         <p:nvSpPr>
-          <p:cNvPr id="7" name="Espace réservé du numéro de diapositive 6">
-            <a:extLst>
-              <a:ext uri="{FF2B5EF4-FFF2-40B4-BE49-F238E27FC236}">
-                <a16:creationId xmlns:a16="http://schemas.microsoft.com/office/drawing/2014/main" id="{1115FBB9-470A-1674-2842-9CD2412B6F7E}"/>
+          <p:cNvPr id="7" name="Slide Number Placeholder 6">
+            <a:extLst>
+              <a:ext uri="{FF2B5EF4-FFF2-40B4-BE49-F238E27FC236}">
+                <a16:creationId xmlns:a16="http://schemas.microsoft.com/office/drawing/2014/main" id="{142F18F1-E27E-470E-AE13-4755DEE63A32}"/>
               </a:ext>
             </a:extLst>
           </p:cNvPr>
@@ -2715,18 +3257,71 @@
           <a:bodyPr/>
           <a:lstStyle/>
           <a:p>
-            <a:fld id="{4ED1808A-D98D-4560-9D14-45F5AA0C0FC3}" type="slidenum">
-              <a:rPr lang="fr-FR" smtClean="0"/>
+            <a:fld id="{27CE633F-9882-4A5C-83A2-1109D0C73261}" type="slidenum">
+              <a:rPr lang="en-US" smtClean="0"/>
               <a:t>‹N°›</a:t>
             </a:fld>
-            <a:endParaRPr lang="fr-FR"/>
-          </a:p>
-        </p:txBody>
-      </p:sp>
+            <a:endParaRPr lang="en-US"/>
+          </a:p>
+        </p:txBody>
+      </p:sp>
+      <p:cxnSp>
+        <p:nvCxnSpPr>
+          <p:cNvPr id="8" name="Straight Connector 7">
+            <a:extLst>
+              <a:ext uri="{FF2B5EF4-FFF2-40B4-BE49-F238E27FC236}">
+                <a16:creationId xmlns:a16="http://schemas.microsoft.com/office/drawing/2014/main" id="{00F08750-B7F2-4119-B151-68DE77481335}"/>
+              </a:ext>
+            </a:extLst>
+          </p:cNvPr>
+          <p:cNvCxnSpPr>
+            <a:cxnSpLocks/>
+          </p:cNvCxnSpPr>
+          <p:nvPr/>
+        </p:nvCxnSpPr>
+        <p:spPr>
+          <a:xfrm>
+            <a:off x="715890" y="356812"/>
+            <a:ext cx="0" cy="6492875"/>
+          </a:xfrm>
+          <a:prstGeom prst="line">
+            <a:avLst/>
+          </a:prstGeom>
+          <a:ln w="25400" cap="sq">
+            <a:gradFill flip="none" rotWithShape="1">
+              <a:gsLst>
+                <a:gs pos="0">
+                  <a:schemeClr val="accent2"/>
+                </a:gs>
+                <a:gs pos="100000">
+                  <a:schemeClr val="accent4"/>
+                </a:gs>
+              </a:gsLst>
+              <a:lin ang="16200000" scaled="1"/>
+              <a:tileRect/>
+            </a:gradFill>
+            <a:bevel/>
+          </a:ln>
+        </p:spPr>
+        <p:style>
+          <a:lnRef idx="1">
+            <a:schemeClr val="accent1"/>
+          </a:lnRef>
+          <a:fillRef idx="0">
+            <a:schemeClr val="accent1"/>
+          </a:fillRef>
+          <a:effectRef idx="0">
+            <a:schemeClr val="accent1"/>
+          </a:effectRef>
+          <a:fontRef idx="minor">
+            <a:schemeClr val="tx1"/>
+          </a:fontRef>
+        </p:style>
+      </p:cxnSp>
     </p:spTree>
     <p:extLst>
       <p:ext uri="{BB962C8B-B14F-4D97-AF65-F5344CB8AC3E}">
-        <p14:creationId xmlns:p14="http://schemas.microsoft.com/office/powerpoint/2010/main" val="1522626077"/>
+        <p14:creationId xmlns:p14="http://schemas.microsoft.com/office/powerpoint/2010/main" val="641760647"/>
       </p:ext>
     </p:extLst>
   </p:cSld>
@@ -2760,10 +3355,10 @@
       </p:grpSpPr>
       <p:sp>
         <p:nvSpPr>
-          <p:cNvPr id="2" name="Espace réservé du titre 1">
-            <a:extLst>
-              <a:ext uri="{FF2B5EF4-FFF2-40B4-BE49-F238E27FC236}">
-                <a16:creationId xmlns:a16="http://schemas.microsoft.com/office/drawing/2014/main" id="{62862168-1B7C-5A77-4CBE-782E97C32BC2}"/>
+          <p:cNvPr id="2" name="Title Placeholder 1">
+            <a:extLst>
+              <a:ext uri="{FF2B5EF4-FFF2-40B4-BE49-F238E27FC236}">
+                <a16:creationId xmlns:a16="http://schemas.microsoft.com/office/drawing/2014/main" id="{0FDA4224-F4E4-47A4-ACF7-2317493908AE}"/>
               </a:ext>
             </a:extLst>
           </p:cNvPr>
@@ -2790,18 +3385,18 @@
           <a:lstStyle/>
           <a:p>
             <a:r>
-              <a:rPr lang="fr-FR"/>
-              <a:t>Modifiez le style du titre</a:t>
+              <a:rPr lang="en-US"/>
+              <a:t>Click to edit Master title style</a:t>
             </a:r>
           </a:p>
         </p:txBody>
       </p:sp>
       <p:sp>
         <p:nvSpPr>
-          <p:cNvPr id="3" name="Espace réservé du texte 2">
-            <a:extLst>
-              <a:ext uri="{FF2B5EF4-FFF2-40B4-BE49-F238E27FC236}">
-                <a16:creationId xmlns:a16="http://schemas.microsoft.com/office/drawing/2014/main" id="{083601A0-B5CB-FB8B-CB80-1BE02E3CCB35}"/>
+          <p:cNvPr id="3" name="Text Placeholder 2">
+            <a:extLst>
+              <a:ext uri="{FF2B5EF4-FFF2-40B4-BE49-F238E27FC236}">
+                <a16:creationId xmlns:a16="http://schemas.microsoft.com/office/drawing/2014/main" id="{31679907-DC49-4B86-A34C-C97DBC26A938}"/>
               </a:ext>
             </a:extLst>
           </p:cNvPr>
@@ -2829,46 +3424,46 @@
           <a:p>
             <a:pPr lvl="0"/>
             <a:r>
-              <a:rPr lang="fr-FR"/>
-              <a:t>Cliquez pour modifier les styles du texte du masque</a:t>
+              <a:rPr lang="en-US"/>
+              <a:t>Click to edit Master text styles</a:t>
             </a:r>
           </a:p>
           <a:p>
             <a:pPr lvl="1"/>
             <a:r>
-              <a:rPr lang="fr-FR"/>
-              <a:t>Deuxième niveau</a:t>
+              <a:rPr lang="en-US"/>
+              <a:t>Second level</a:t>
             </a:r>
           </a:p>
           <a:p>
             <a:pPr lvl="2"/>
             <a:r>
-              <a:rPr lang="fr-FR"/>
-              <a:t>Troisième niveau</a:t>
+              <a:rPr lang="en-US"/>
+              <a:t>Third level</a:t>
             </a:r>
           </a:p>
           <a:p>
             <a:pPr lvl="3"/>
             <a:r>
-              <a:rPr lang="fr-FR"/>
-              <a:t>Quatrième niveau</a:t>
+              <a:rPr lang="en-US"/>
+              <a:t>Fourth level</a:t>
             </a:r>
           </a:p>
           <a:p>
             <a:pPr lvl="4"/>
             <a:r>
-              <a:rPr lang="fr-FR"/>
-              <a:t>Cinquième niveau</a:t>
+              <a:rPr lang="en-US"/>
+              <a:t>Fifth level</a:t>
             </a:r>
           </a:p>
         </p:txBody>
       </p:sp>
       <p:sp>
         <p:nvSpPr>
-          <p:cNvPr id="4" name="Espace réservé de la date 3">
-            <a:extLst>
-              <a:ext uri="{FF2B5EF4-FFF2-40B4-BE49-F238E27FC236}">
-                <a16:creationId xmlns:a16="http://schemas.microsoft.com/office/drawing/2014/main" id="{691AD658-DB0A-1A41-24DC-809F763F6058}"/>
+          <p:cNvPr id="4" name="Date Placeholder 3">
+            <a:extLst>
+              <a:ext uri="{FF2B5EF4-FFF2-40B4-BE49-F238E27FC236}">
+                <a16:creationId xmlns:a16="http://schemas.microsoft.com/office/drawing/2014/main" id="{25DBC8A0-34FC-4B6E-B42B-A721267D890E}"/>
               </a:ext>
             </a:extLst>
           </p:cNvPr>
@@ -2892,30 +3487,31 @@
           <a:bodyPr vert="horz" lIns="91440" tIns="45720" rIns="91440" bIns="45720" rtlCol="0" anchor="ctr"/>
           <a:lstStyle>
             <a:lvl1pPr algn="l">
-              <a:defRPr sz="1200">
+              <a:defRPr sz="1200" b="1" i="0" cap="all" spc="100" baseline="0">
                 <a:solidFill>
                   <a:schemeClr val="tx1">
-                    <a:tint val="82000"/>
+                    <a:tint val="75000"/>
                   </a:schemeClr>
                 </a:solidFill>
               </a:defRPr>
             </a:lvl1pPr>
           </a:lstStyle>
           <a:p>
-            <a:fld id="{883E7F61-8997-4585-98CC-1F1728BDD087}" type="datetimeFigureOut">
-              <a:rPr lang="fr-FR" smtClean="0"/>
-              <a:t>08/03/2024</a:t>
+            <a:fld id="{6A4B53A7-3209-46A6-9454-F38EAC8F11E7}" type="datetimeFigureOut">
+              <a:rPr lang="en-US" smtClean="0"/>
+              <a:pPr/>
+              <a:t>4/1/2024</a:t>
             </a:fld>
-            <a:endParaRPr lang="fr-FR"/>
+            <a:endParaRPr lang="en-US" dirty="0"/>
           </a:p>
         </p:txBody>
       </p:sp>
       <p:sp>
         <p:nvSpPr>
-          <p:cNvPr id="5" name="Espace réservé du pied de page 4">
-            <a:extLst>
-              <a:ext uri="{FF2B5EF4-FFF2-40B4-BE49-F238E27FC236}">
-                <a16:creationId xmlns:a16="http://schemas.microsoft.com/office/drawing/2014/main" id="{4E198207-4CFB-13A5-0077-F641CB28D87F}"/>
+          <p:cNvPr id="5" name="Footer Placeholder 4">
+            <a:extLst>
+              <a:ext uri="{FF2B5EF4-FFF2-40B4-BE49-F238E27FC236}">
+                <a16:creationId xmlns:a16="http://schemas.microsoft.com/office/drawing/2014/main" id="{609AC0B6-4CC4-4E41-8A4D-F62E17F28576}"/>
               </a:ext>
             </a:extLst>
           </p:cNvPr>
@@ -2939,26 +3535,26 @@
           <a:bodyPr vert="horz" lIns="91440" tIns="45720" rIns="91440" bIns="45720" rtlCol="0" anchor="ctr"/>
           <a:lstStyle>
             <a:lvl1pPr algn="ctr">
-              <a:defRPr sz="1200">
+              <a:defRPr sz="1200" b="1" i="0" cap="all" spc="100" baseline="0">
                 <a:solidFill>
                   <a:schemeClr val="tx1">
-                    <a:tint val="82000"/>
+                    <a:tint val="75000"/>
                   </a:schemeClr>
                 </a:solidFill>
               </a:defRPr>
             </a:lvl1pPr>
           </a:lstStyle>
           <a:p>
-            <a:endParaRPr lang="fr-FR"/>
+            <a:endParaRPr lang="en-US"/>
           </a:p>
         </p:txBody>
       </p:sp>
       <p:sp>
         <p:nvSpPr>
-          <p:cNvPr id="6" name="Espace réservé du numéro de diapositive 5">
-            <a:extLst>
-              <a:ext uri="{FF2B5EF4-FFF2-40B4-BE49-F238E27FC236}">
-                <a16:creationId xmlns:a16="http://schemas.microsoft.com/office/drawing/2014/main" id="{66077767-9AD6-EA2F-C612-1EC765EF6936}"/>
+          <p:cNvPr id="6" name="Slide Number Placeholder 5">
+            <a:extLst>
+              <a:ext uri="{FF2B5EF4-FFF2-40B4-BE49-F238E27FC236}">
+                <a16:creationId xmlns:a16="http://schemas.microsoft.com/office/drawing/2014/main" id="{F6C0E9BD-90BD-46AE-8A0D-06796ADB760A}"/>
               </a:ext>
             </a:extLst>
           </p:cNvPr>
@@ -2982,44 +3578,45 @@
           <a:bodyPr vert="horz" lIns="91440" tIns="45720" rIns="91440" bIns="45720" rtlCol="0" anchor="ctr"/>
           <a:lstStyle>
             <a:lvl1pPr algn="r">
-              <a:defRPr sz="1200">
+              <a:defRPr sz="1200" b="1" i="0" cap="all" spc="100" baseline="0">
                 <a:solidFill>
                   <a:schemeClr val="tx1">
-                    <a:tint val="82000"/>
+                    <a:tint val="75000"/>
                   </a:schemeClr>
                 </a:solidFill>
               </a:defRPr>
             </a:lvl1pPr>
           </a:lstStyle>
           <a:p>
-            <a:fld id="{4ED1808A-D98D-4560-9D14-45F5AA0C0FC3}" type="slidenum">
-              <a:rPr lang="fr-FR" smtClean="0"/>
+            <a:fld id="{27CE633F-9882-4A5C-83A2-1109D0C73261}" type="slidenum">
+              <a:rPr lang="en-US" smtClean="0"/>
+              <a:pPr/>
               <a:t>‹N°›</a:t>
             </a:fld>
-            <a:endParaRPr lang="fr-FR"/>
+            <a:endParaRPr lang="en-US"/>
           </a:p>
         </p:txBody>
       </p:sp>
     </p:spTree>
     <p:extLst>
       <p:ext uri="{BB962C8B-B14F-4D97-AF65-F5344CB8AC3E}">
-        <p14:creationId xmlns:p14="http://schemas.microsoft.com/office/powerpoint/2010/main" val="3353881542"/>
+        <p14:creationId xmlns:p14="http://schemas.microsoft.com/office/powerpoint/2010/main" val="3915667827"/>
       </p:ext>
     </p:extLst>
   </p:cSld>
   <p:clrMap bg1="lt1" tx1="dk1" bg2="lt2" tx2="dk2" accent1="accent1" accent2="accent2" accent3="accent3" accent4="accent4" accent5="accent5" accent6="accent6" hlink="hlink" folHlink="folHlink"/>
   <p:sldLayoutIdLst>
-    <p:sldLayoutId id="2147483649" r:id="rId1"/>
-    <p:sldLayoutId id="2147483650" r:id="rId2"/>
-    <p:sldLayoutId id="2147483651" r:id="rId3"/>
-    <p:sldLayoutId id="2147483652" r:id="rId4"/>
-    <p:sldLayoutId id="2147483653" r:id="rId5"/>
-    <p:sldLayoutId id="2147483654" r:id="rId6"/>
-    <p:sldLayoutId id="2147483655" r:id="rId7"/>
-    <p:sldLayoutId id="2147483656" r:id="rId8"/>
-    <p:sldLayoutId id="2147483657" r:id="rId9"/>
-    <p:sldLayoutId id="2147483658" r:id="rId10"/>
-    <p:sldLayoutId id="2147483659" r:id="rId11"/>
+    <p:sldLayoutId id="2147483662" r:id="rId1"/>
+    <p:sldLayoutId id="2147483663" r:id="rId2"/>
+    <p:sldLayoutId id="2147483664" r:id="rId3"/>
+    <p:sldLayoutId id="2147483665" r:id="rId4"/>
+    <p:sldLayoutId id="2147483666" r:id="rId5"/>
+    <p:sldLayoutId id="2147483667" r:id="rId6"/>
+    <p:sldLayoutId id="2147483672" r:id="rId7"/>
+    <p:sldLayoutId id="2147483668" r:id="rId8"/>
+    <p:sldLayoutId id="2147483669" r:id="rId9"/>
+    <p:sldLayoutId id="2147483670" r:id="rId10"/>
+    <p:sldLayoutId id="2147483671" r:id="rId11"/>
   </p:sldLayoutIdLst>
   <p:txStyles>
     <p:titleStyle>
@@ -3031,7 +3628,7 @@
           <a:spcPct val="0"/>
         </a:spcBef>
         <a:buNone/>
-        <a:defRPr sz="4400" kern="1200">
+        <a:defRPr sz="4800" kern="1200">
           <a:solidFill>
             <a:schemeClr val="tx1"/>
           </a:solidFill>
@@ -3051,7 +3648,7 @@
         </a:spcBef>
         <a:buFont typeface="Arial" panose="020B0604020202020204" pitchFamily="34" charset="0"/>
         <a:buChar char="•"/>
-        <a:defRPr sz="2800" kern="1200">
+        <a:defRPr sz="3200" kern="1200">
           <a:solidFill>
             <a:schemeClr val="tx1"/>
           </a:solidFill>
@@ -3069,7 +3666,7 @@
         </a:spcBef>
         <a:buFont typeface="Arial" panose="020B0604020202020204" pitchFamily="34" charset="0"/>
         <a:buChar char="•"/>
-        <a:defRPr sz="2400" kern="1200">
+        <a:defRPr sz="2800" kern="1200">
           <a:solidFill>
             <a:schemeClr val="tx1"/>
           </a:solidFill>
@@ -3087,7 +3684,7 @@
         </a:spcBef>
         <a:buFont typeface="Arial" panose="020B0604020202020204" pitchFamily="34" charset="0"/>
         <a:buChar char="•"/>
-        <a:defRPr sz="2000" kern="1200">
+        <a:defRPr sz="2400" kern="1200">
           <a:solidFill>
             <a:schemeClr val="tx1"/>
           </a:solidFill>
@@ -3105,7 +3702,7 @@
         </a:spcBef>
         <a:buFont typeface="Arial" panose="020B0604020202020204" pitchFamily="34" charset="0"/>
         <a:buChar char="•"/>
-        <a:defRPr sz="1800" kern="1200">
+        <a:defRPr sz="2000" kern="1200">
           <a:solidFill>
             <a:schemeClr val="tx1"/>
           </a:solidFill>
@@ -3123,7 +3720,7 @@
         </a:spcBef>
         <a:buFont typeface="Arial" panose="020B0604020202020204" pitchFamily="34" charset="0"/>
         <a:buChar char="•"/>
-        <a:defRPr sz="1800" kern="1200">
+        <a:defRPr sz="2000" kern="1200">
           <a:solidFill>
             <a:schemeClr val="tx1"/>
           </a:solidFill>
@@ -3207,7 +3804,7 @@
     </p:bodyStyle>
     <p:otherStyle>
       <a:defPPr>
-        <a:defRPr lang="fr-FR"/>
+        <a:defRPr lang="en-US"/>
       </a:defPPr>
       <a:lvl1pPr marL="0" algn="l" defTabSz="914400" rtl="0" eaLnBrk="1" latinLnBrk="0" hangingPunct="1">
         <a:defRPr sz="1800" kern="1200">
@@ -3307,6 +3904,1240 @@
 <file path=ppt/slides/slide1.xml><?xml version="1.0" encoding="utf-8"?>
 <p:sld xmlns:a="http://schemas.openxmlformats.org/drawingml/2006/main" xmlns:r="http://schemas.openxmlformats.org/officeDocument/2006/relationships" xmlns:p="http://schemas.openxmlformats.org/presentationml/2006/main">
   <p:cSld>
+    <p:bg>
+      <p:bgPr>
+        <a:solidFill>
+          <a:schemeClr val="bg1"/>
+        </a:solidFill>
+        <a:effectLst/>
+      </p:bgPr>
+    </p:bg>
+    <p:spTree>
+      <p:nvGrpSpPr>
+        <p:cNvPr id="1" name=""/>
+        <p:cNvGrpSpPr/>
+        <p:nvPr/>
+      </p:nvGrpSpPr>
+      <p:grpSpPr>
+        <a:xfrm>
+          <a:off x="0" y="0"/>
+          <a:ext cx="0" cy="0"/>
+          <a:chOff x="0" y="0"/>
+          <a:chExt cx="0" cy="0"/>
+        </a:xfrm>
+      </p:grpSpPr>
+      <p:sp useBgFill="1">
+        <p:nvSpPr>
+          <p:cNvPr id="9" name="Rectangle 8">
+            <a:extLst>
+              <a:ext uri="{FF2B5EF4-FFF2-40B4-BE49-F238E27FC236}">
+                <a16:creationId xmlns:a16="http://schemas.microsoft.com/office/drawing/2014/main" id="{C17278C5-34E8-4293-BE47-73B18483AF7B}"/>
+              </a:ext>
+              <a:ext uri="{C183D7F6-B498-43B3-948B-1728B52AA6E4}">
+                <adec:decorative xmlns:adec="http://schemas.microsoft.com/office/drawing/2017/decorative" val="1"/>
+              </a:ext>
+            </a:extLst>
+          </p:cNvPr>
+          <p:cNvSpPr>
+            <a:spLocks noGrp="1" noRot="1" noChangeAspect="1" noMove="1" noResize="1" noEditPoints="1" noAdjustHandles="1" noChangeArrowheads="1" noChangeShapeType="1" noTextEdit="1"/>
+          </p:cNvSpPr>
+          <p:nvPr>
+            <p:extLst>
+              <p:ext uri="{386F3935-93C4-4BCD-93E2-E3B085C9AB24}">
+                <p16:designElem xmlns:p16="http://schemas.microsoft.com/office/powerpoint/2015/main" val="1"/>
+              </p:ext>
+            </p:extLst>
+          </p:nvPr>
+        </p:nvSpPr>
+        <p:spPr>
+          <a:xfrm>
+            <a:off x="0" y="0"/>
+            <a:ext cx="12192000" cy="6858000"/>
+          </a:xfrm>
+          <a:prstGeom prst="rect">
+            <a:avLst/>
+          </a:prstGeom>
+          <a:ln w="12700" cap="flat" cmpd="sng" algn="ctr">
+            <a:noFill/>
+            <a:prstDash val="solid"/>
+            <a:miter lim="800000"/>
+          </a:ln>
+          <a:effectLst/>
+          <a:extLst>
+            <a:ext uri="{91240B29-F687-4F45-9708-019B960494DF}">
+              <a14:hiddenLine xmlns:a14="http://schemas.microsoft.com/office/drawing/2010/main" w="12700" cap="flat" cmpd="sng" algn="ctr">
+                <a:solidFill>
+                  <a:schemeClr val="accent1">
+                    <a:shade val="50000"/>
+                  </a:schemeClr>
+                </a:solidFill>
+                <a:prstDash val="solid"/>
+                <a:miter lim="800000"/>
+              </a14:hiddenLine>
+            </a:ext>
+          </a:extLst>
+        </p:spPr>
+        <p:style>
+          <a:lnRef idx="2">
+            <a:schemeClr val="accent1">
+              <a:shade val="50000"/>
+            </a:schemeClr>
+          </a:lnRef>
+          <a:fillRef idx="1">
+            <a:schemeClr val="accent1"/>
+          </a:fillRef>
+          <a:effectRef idx="0">
+            <a:schemeClr val="accent1"/>
+          </a:effectRef>
+          <a:fontRef idx="minor">
+            <a:schemeClr val="lt1"/>
+          </a:fontRef>
+        </p:style>
+        <p:txBody>
+          <a:bodyPr rtlCol="0" anchor="ctr"/>
+          <a:lstStyle/>
+          <a:p>
+            <a:pPr algn="ctr"/>
+            <a:endParaRPr lang="en-US"/>
+          </a:p>
+        </p:txBody>
+      </p:sp>
+      <p:sp>
+        <p:nvSpPr>
+          <p:cNvPr id="11" name="!!Rectangle">
+            <a:extLst>
+              <a:ext uri="{FF2B5EF4-FFF2-40B4-BE49-F238E27FC236}">
+                <a16:creationId xmlns:a16="http://schemas.microsoft.com/office/drawing/2014/main" id="{9A3F5928-D955-456A-97B5-AA390B8CE9D5}"/>
+              </a:ext>
+              <a:ext uri="{C183D7F6-B498-43B3-948B-1728B52AA6E4}">
+                <adec:decorative xmlns:adec="http://schemas.microsoft.com/office/drawing/2017/decorative" val="1"/>
+              </a:ext>
+            </a:extLst>
+          </p:cNvPr>
+          <p:cNvSpPr>
+            <a:spLocks noGrp="1" noRot="1" noChangeAspect="1" noMove="1" noResize="1" noEditPoints="1" noAdjustHandles="1" noChangeArrowheads="1" noChangeShapeType="1" noTextEdit="1"/>
+          </p:cNvSpPr>
+          <p:nvPr>
+            <p:extLst>
+              <p:ext uri="{386F3935-93C4-4BCD-93E2-E3B085C9AB24}">
+                <p16:designElem xmlns:p16="http://schemas.microsoft.com/office/powerpoint/2015/main" val="1"/>
+              </p:ext>
+            </p:extLst>
+          </p:nvPr>
+        </p:nvSpPr>
+        <p:spPr>
+          <a:xfrm>
+            <a:off x="0" y="0"/>
+            <a:ext cx="12192000" cy="6858000"/>
+          </a:xfrm>
+          <a:prstGeom prst="rect">
+            <a:avLst/>
+          </a:prstGeom>
+          <a:gradFill flip="none" rotWithShape="1">
+            <a:gsLst>
+              <a:gs pos="100000">
+                <a:schemeClr val="accent4"/>
+              </a:gs>
+              <a:gs pos="0">
+                <a:schemeClr val="accent2"/>
+              </a:gs>
+            </a:gsLst>
+            <a:lin ang="18900000" scaled="1"/>
+            <a:tileRect/>
+          </a:gradFill>
+          <a:ln>
+            <a:noFill/>
+          </a:ln>
+        </p:spPr>
+        <p:style>
+          <a:lnRef idx="2">
+            <a:schemeClr val="accent1">
+              <a:shade val="50000"/>
+            </a:schemeClr>
+          </a:lnRef>
+          <a:fillRef idx="1">
+            <a:schemeClr val="accent1"/>
+          </a:fillRef>
+          <a:effectRef idx="0">
+            <a:schemeClr val="accent1"/>
+          </a:effectRef>
+          <a:fontRef idx="minor">
+            <a:schemeClr val="lt1"/>
+          </a:fontRef>
+        </p:style>
+        <p:txBody>
+          <a:bodyPr rtlCol="0" anchor="ctr"/>
+          <a:lstStyle/>
+          <a:p>
+            <a:pPr marL="0" marR="0" lvl="0" indent="0" algn="ctr" defTabSz="914400" rtl="0" eaLnBrk="1" fontAlgn="auto" latinLnBrk="0" hangingPunct="1">
+              <a:lnSpc>
+                <a:spcPct val="100000"/>
+              </a:lnSpc>
+              <a:spcBef>
+                <a:spcPts val="0"/>
+              </a:spcBef>
+              <a:spcAft>
+                <a:spcPts val="0"/>
+              </a:spcAft>
+              <a:buClrTx/>
+              <a:buSzTx/>
+              <a:buFontTx/>
+              <a:buNone/>
+              <a:tabLst/>
+              <a:defRPr/>
+            </a:pPr>
+            <a:endParaRPr kumimoji="0" lang="en-US" sz="1800" b="0" i="0" u="none" strike="noStrike" kern="1200" cap="none" spc="0" normalizeH="0" baseline="0" noProof="0">
+              <a:ln>
+                <a:noFill/>
+              </a:ln>
+              <a:solidFill>
+                <a:prstClr val="white"/>
+              </a:solidFill>
+              <a:effectLst/>
+              <a:uLnTx/>
+              <a:uFillTx/>
+              <a:latin typeface="Univers"/>
+              <a:ea typeface="+mn-ea"/>
+              <a:cs typeface="+mn-cs"/>
+            </a:endParaRPr>
+          </a:p>
+        </p:txBody>
+      </p:sp>
+      <p:pic>
+        <p:nvPicPr>
+          <p:cNvPr id="4" name="Picture 3" descr="101010 lignes de données vers l’infini">
+            <a:extLst>
+              <a:ext uri="{FF2B5EF4-FFF2-40B4-BE49-F238E27FC236}">
+                <a16:creationId xmlns:a16="http://schemas.microsoft.com/office/drawing/2014/main" id="{32A50412-259F-3801-8A3C-D57D1578CD6D}"/>
+              </a:ext>
+            </a:extLst>
+          </p:cNvPr>
+          <p:cNvPicPr>
+            <a:picLocks noChangeAspect="1"/>
+          </p:cNvPicPr>
+          <p:nvPr/>
+        </p:nvPicPr>
+        <p:blipFill rotWithShape="1">
+          <a:blip r:embed="rId2">
+            <a:duotone>
+              <a:schemeClr val="accent1">
+                <a:shade val="45000"/>
+                <a:satMod val="135000"/>
+              </a:schemeClr>
+              <a:prstClr val="white"/>
+            </a:duotone>
+            <a:alphaModFix amt="35000"/>
+          </a:blip>
+          <a:srcRect t="13127"/>
+          <a:stretch/>
+        </p:blipFill>
+        <p:spPr>
+          <a:xfrm>
+            <a:off x="20" y="-8877"/>
+            <a:ext cx="12191980" cy="6858000"/>
+          </a:xfrm>
+          <a:prstGeom prst="rect">
+            <a:avLst/>
+          </a:prstGeom>
+        </p:spPr>
+      </p:pic>
+      <p:sp>
+        <p:nvSpPr>
+          <p:cNvPr id="2" name="Titre 1">
+            <a:extLst>
+              <a:ext uri="{FF2B5EF4-FFF2-40B4-BE49-F238E27FC236}">
+                <a16:creationId xmlns:a16="http://schemas.microsoft.com/office/drawing/2014/main" id="{7406680A-63D1-C972-65B5-2333DA2C3153}"/>
+              </a:ext>
+            </a:extLst>
+          </p:cNvPr>
+          <p:cNvSpPr>
+            <a:spLocks noGrp="1"/>
+          </p:cNvSpPr>
+          <p:nvPr>
+            <p:ph type="ctrTitle"/>
+          </p:nvPr>
+        </p:nvSpPr>
+        <p:spPr>
+          <a:xfrm>
+            <a:off x="80618" y="565538"/>
+            <a:ext cx="9679449" cy="1576415"/>
+          </a:xfrm>
+        </p:spPr>
+        <p:txBody>
+          <a:bodyPr anchor="b">
+            <a:normAutofit/>
+          </a:bodyPr>
+          <a:lstStyle/>
+          <a:p>
+            <a:r>
+              <a:rPr lang="fr-FR" sz="7200" dirty="0">
+                <a:solidFill>
+                  <a:srgbClr val="FFFFFF"/>
+                </a:solidFill>
+              </a:rPr>
+              <a:t>Codage </a:t>
+            </a:r>
+            <a:r>
+              <a:rPr lang="fr-FR" sz="7200" dirty="0" err="1">
+                <a:solidFill>
+                  <a:srgbClr val="FFFFFF"/>
+                </a:solidFill>
+              </a:rPr>
+              <a:t>Huffman</a:t>
+            </a:r>
+            <a:endParaRPr lang="fr-FR" sz="7200" dirty="0">
+              <a:solidFill>
+                <a:srgbClr val="FFFFFF"/>
+              </a:solidFill>
+            </a:endParaRPr>
+          </a:p>
+        </p:txBody>
+      </p:sp>
+      <p:sp>
+        <p:nvSpPr>
+          <p:cNvPr id="3" name="Sous-titre 2">
+            <a:extLst>
+              <a:ext uri="{FF2B5EF4-FFF2-40B4-BE49-F238E27FC236}">
+                <a16:creationId xmlns:a16="http://schemas.microsoft.com/office/drawing/2014/main" id="{1C08C6AC-9582-453C-546F-2139ED4B5983}"/>
+              </a:ext>
+            </a:extLst>
+          </p:cNvPr>
+          <p:cNvSpPr>
+            <a:spLocks noGrp="1"/>
+          </p:cNvSpPr>
+          <p:nvPr>
+            <p:ph type="subTitle" idx="1"/>
+          </p:nvPr>
+        </p:nvSpPr>
+        <p:spPr>
+          <a:xfrm>
+            <a:off x="302730" y="4157961"/>
+            <a:ext cx="9679449" cy="750259"/>
+          </a:xfrm>
+        </p:spPr>
+        <p:txBody>
+          <a:bodyPr anchor="ctr">
+            <a:normAutofit lnSpcReduction="10000"/>
+          </a:bodyPr>
+          <a:lstStyle/>
+          <a:p>
+            <a:r>
+              <a:rPr lang="fr-FR" sz="2000" dirty="0">
+                <a:solidFill>
+                  <a:srgbClr val="FFFFFF"/>
+                </a:solidFill>
+              </a:rPr>
+              <a:t>Git : https://github.com/Mathieu-Lin/Huffman-Codage</a:t>
+            </a:r>
+          </a:p>
+          <a:p>
+            <a:r>
+              <a:rPr lang="fr-FR" sz="2000" dirty="0">
+                <a:solidFill>
+                  <a:srgbClr val="FFFFFF"/>
+                </a:solidFill>
+              </a:rPr>
+              <a:t>LIN Mathieu IDU-3</a:t>
+            </a:r>
+          </a:p>
+        </p:txBody>
+      </p:sp>
+      <p:cxnSp>
+        <p:nvCxnSpPr>
+          <p:cNvPr id="13" name="Straight Connector 12">
+            <a:extLst>
+              <a:ext uri="{FF2B5EF4-FFF2-40B4-BE49-F238E27FC236}">
+                <a16:creationId xmlns:a16="http://schemas.microsoft.com/office/drawing/2014/main" id="{56020367-4FD5-4596-8E10-C5F095CD8DBF}"/>
+              </a:ext>
+              <a:ext uri="{C183D7F6-B498-43B3-948B-1728B52AA6E4}">
+                <adec:decorative xmlns:adec="http://schemas.microsoft.com/office/drawing/2017/decorative" val="1"/>
+              </a:ext>
+            </a:extLst>
+          </p:cNvPr>
+          <p:cNvCxnSpPr>
+            <a:cxnSpLocks noGrp="1" noRot="1" noChangeAspect="1" noMove="1" noResize="1" noEditPoints="1" noAdjustHandles="1" noChangeArrowheads="1" noChangeShapeType="1"/>
+          </p:cNvCxnSpPr>
+          <p:nvPr>
+            <p:extLst>
+              <p:ext uri="{386F3935-93C4-4BCD-93E2-E3B085C9AB24}">
+                <p16:designElem xmlns:p16="http://schemas.microsoft.com/office/powerpoint/2015/main" val="1"/>
+              </p:ext>
+            </p:extLst>
+          </p:nvPr>
+        </p:nvCxnSpPr>
+        <p:spPr>
+          <a:xfrm>
+            <a:off x="8878" y="806470"/>
+            <a:ext cx="8453437" cy="0"/>
+          </a:xfrm>
+          <a:prstGeom prst="line">
+            <a:avLst/>
+          </a:prstGeom>
+          <a:ln w="25400" cap="sq">
+            <a:solidFill>
+              <a:srgbClr val="FFFFFF"/>
+            </a:solidFill>
+            <a:bevel/>
+          </a:ln>
+        </p:spPr>
+        <p:style>
+          <a:lnRef idx="1">
+            <a:schemeClr val="accent1"/>
+          </a:lnRef>
+          <a:fillRef idx="0">
+            <a:schemeClr val="accent1"/>
+          </a:fillRef>
+          <a:effectRef idx="0">
+            <a:schemeClr val="accent1"/>
+          </a:effectRef>
+          <a:fontRef idx="minor">
+            <a:schemeClr val="tx1"/>
+          </a:fontRef>
+        </p:style>
+      </p:cxnSp>
+      <p:sp>
+        <p:nvSpPr>
+          <p:cNvPr id="15" name="Graphic 13">
+            <a:extLst>
+              <a:ext uri="{FF2B5EF4-FFF2-40B4-BE49-F238E27FC236}">
+                <a16:creationId xmlns:a16="http://schemas.microsoft.com/office/drawing/2014/main" id="{C5CB530E-515E-412C-9DF1-5F8FFBD6F383}"/>
+              </a:ext>
+              <a:ext uri="{C183D7F6-B498-43B3-948B-1728B52AA6E4}">
+                <adec:decorative xmlns:adec="http://schemas.microsoft.com/office/drawing/2017/decorative" val="1"/>
+              </a:ext>
+            </a:extLst>
+          </p:cNvPr>
+          <p:cNvSpPr>
+            <a:spLocks noGrp="1" noRot="1" noChangeAspect="1" noMove="1" noResize="1" noEditPoints="1" noAdjustHandles="1" noChangeArrowheads="1" noChangeShapeType="1" noTextEdit="1"/>
+          </p:cNvSpPr>
+          <p:nvPr>
+            <p:extLst>
+              <p:ext uri="{386F3935-93C4-4BCD-93E2-E3B085C9AB24}">
+                <p16:designElem xmlns:p16="http://schemas.microsoft.com/office/powerpoint/2015/main" val="1"/>
+              </p:ext>
+            </p:extLst>
+          </p:nvPr>
+        </p:nvSpPr>
+        <p:spPr>
+          <a:xfrm>
+            <a:off x="544954" y="2875093"/>
+            <a:ext cx="139039" cy="139039"/>
+          </a:xfrm>
+          <a:custGeom>
+            <a:avLst/>
+            <a:gdLst>
+              <a:gd name="connsiteX0" fmla="*/ 129602 w 139039"/>
+              <a:gd name="connsiteY0" fmla="*/ 60082 h 139039"/>
+              <a:gd name="connsiteX1" fmla="*/ 78957 w 139039"/>
+              <a:gd name="connsiteY1" fmla="*/ 60082 h 139039"/>
+              <a:gd name="connsiteX2" fmla="*/ 78957 w 139039"/>
+              <a:gd name="connsiteY2" fmla="*/ 9437 h 139039"/>
+              <a:gd name="connsiteX3" fmla="*/ 69520 w 139039"/>
+              <a:gd name="connsiteY3" fmla="*/ 0 h 139039"/>
+              <a:gd name="connsiteX4" fmla="*/ 60082 w 139039"/>
+              <a:gd name="connsiteY4" fmla="*/ 9437 h 139039"/>
+              <a:gd name="connsiteX5" fmla="*/ 60082 w 139039"/>
+              <a:gd name="connsiteY5" fmla="*/ 60082 h 139039"/>
+              <a:gd name="connsiteX6" fmla="*/ 9437 w 139039"/>
+              <a:gd name="connsiteY6" fmla="*/ 60082 h 139039"/>
+              <a:gd name="connsiteX7" fmla="*/ 0 w 139039"/>
+              <a:gd name="connsiteY7" fmla="*/ 69520 h 139039"/>
+              <a:gd name="connsiteX8" fmla="*/ 9437 w 139039"/>
+              <a:gd name="connsiteY8" fmla="*/ 78957 h 139039"/>
+              <a:gd name="connsiteX9" fmla="*/ 60082 w 139039"/>
+              <a:gd name="connsiteY9" fmla="*/ 78957 h 139039"/>
+              <a:gd name="connsiteX10" fmla="*/ 60082 w 139039"/>
+              <a:gd name="connsiteY10" fmla="*/ 129602 h 139039"/>
+              <a:gd name="connsiteX11" fmla="*/ 69520 w 139039"/>
+              <a:gd name="connsiteY11" fmla="*/ 139039 h 139039"/>
+              <a:gd name="connsiteX12" fmla="*/ 78957 w 139039"/>
+              <a:gd name="connsiteY12" fmla="*/ 129602 h 139039"/>
+              <a:gd name="connsiteX13" fmla="*/ 78957 w 139039"/>
+              <a:gd name="connsiteY13" fmla="*/ 78957 h 139039"/>
+              <a:gd name="connsiteX14" fmla="*/ 129602 w 139039"/>
+              <a:gd name="connsiteY14" fmla="*/ 78957 h 139039"/>
+              <a:gd name="connsiteX15" fmla="*/ 139039 w 139039"/>
+              <a:gd name="connsiteY15" fmla="*/ 69520 h 139039"/>
+              <a:gd name="connsiteX16" fmla="*/ 129602 w 139039"/>
+              <a:gd name="connsiteY16" fmla="*/ 60082 h 139039"/>
+            </a:gdLst>
+            <a:ahLst/>
+            <a:cxnLst>
+              <a:cxn ang="0">
+                <a:pos x="connsiteX0" y="connsiteY0"/>
+              </a:cxn>
+              <a:cxn ang="0">
+                <a:pos x="connsiteX1" y="connsiteY1"/>
+              </a:cxn>
+              <a:cxn ang="0">
+                <a:pos x="connsiteX2" y="connsiteY2"/>
+              </a:cxn>
+              <a:cxn ang="0">
+                <a:pos x="connsiteX3" y="connsiteY3"/>
+              </a:cxn>
+              <a:cxn ang="0">
+                <a:pos x="connsiteX4" y="connsiteY4"/>
+              </a:cxn>
+              <a:cxn ang="0">
+                <a:pos x="connsiteX5" y="connsiteY5"/>
+              </a:cxn>
+              <a:cxn ang="0">
+                <a:pos x="connsiteX6" y="connsiteY6"/>
+              </a:cxn>
+              <a:cxn ang="0">
+                <a:pos x="connsiteX7" y="connsiteY7"/>
+              </a:cxn>
+              <a:cxn ang="0">
+                <a:pos x="connsiteX8" y="connsiteY8"/>
+              </a:cxn>
+              <a:cxn ang="0">
+                <a:pos x="connsiteX9" y="connsiteY9"/>
+              </a:cxn>
+              <a:cxn ang="0">
+                <a:pos x="connsiteX10" y="connsiteY10"/>
+              </a:cxn>
+              <a:cxn ang="0">
+                <a:pos x="connsiteX11" y="connsiteY11"/>
+              </a:cxn>
+              <a:cxn ang="0">
+                <a:pos x="connsiteX12" y="connsiteY12"/>
+              </a:cxn>
+              <a:cxn ang="0">
+                <a:pos x="connsiteX13" y="connsiteY13"/>
+              </a:cxn>
+              <a:cxn ang="0">
+                <a:pos x="connsiteX14" y="connsiteY14"/>
+              </a:cxn>
+              <a:cxn ang="0">
+                <a:pos x="connsiteX15" y="connsiteY15"/>
+              </a:cxn>
+              <a:cxn ang="0">
+                <a:pos x="connsiteX16" y="connsiteY16"/>
+              </a:cxn>
+            </a:cxnLst>
+            <a:rect l="l" t="t" r="r" b="b"/>
+            <a:pathLst>
+              <a:path w="139039" h="139039">
+                <a:moveTo>
+                  <a:pt x="129602" y="60082"/>
+                </a:moveTo>
+                <a:lnTo>
+                  <a:pt x="78957" y="60082"/>
+                </a:lnTo>
+                <a:lnTo>
+                  <a:pt x="78957" y="9437"/>
+                </a:lnTo>
+                <a:cubicBezTo>
+                  <a:pt x="78957" y="4225"/>
+                  <a:pt x="74731" y="0"/>
+                  <a:pt x="69520" y="0"/>
+                </a:cubicBezTo>
+                <a:cubicBezTo>
+                  <a:pt x="64308" y="0"/>
+                  <a:pt x="60082" y="4225"/>
+                  <a:pt x="60082" y="9437"/>
+                </a:cubicBezTo>
+                <a:lnTo>
+                  <a:pt x="60082" y="60082"/>
+                </a:lnTo>
+                <a:lnTo>
+                  <a:pt x="9437" y="60082"/>
+                </a:lnTo>
+                <a:cubicBezTo>
+                  <a:pt x="4225" y="60082"/>
+                  <a:pt x="0" y="64308"/>
+                  <a:pt x="0" y="69520"/>
+                </a:cubicBezTo>
+                <a:cubicBezTo>
+                  <a:pt x="0" y="74731"/>
+                  <a:pt x="4225" y="78957"/>
+                  <a:pt x="9437" y="78957"/>
+                </a:cubicBezTo>
+                <a:lnTo>
+                  <a:pt x="60082" y="78957"/>
+                </a:lnTo>
+                <a:lnTo>
+                  <a:pt x="60082" y="129602"/>
+                </a:lnTo>
+                <a:cubicBezTo>
+                  <a:pt x="60082" y="134814"/>
+                  <a:pt x="64308" y="139039"/>
+                  <a:pt x="69520" y="139039"/>
+                </a:cubicBezTo>
+                <a:cubicBezTo>
+                  <a:pt x="74731" y="139039"/>
+                  <a:pt x="78957" y="134814"/>
+                  <a:pt x="78957" y="129602"/>
+                </a:cubicBezTo>
+                <a:lnTo>
+                  <a:pt x="78957" y="78957"/>
+                </a:lnTo>
+                <a:lnTo>
+                  <a:pt x="129602" y="78957"/>
+                </a:lnTo>
+                <a:cubicBezTo>
+                  <a:pt x="134814" y="78957"/>
+                  <a:pt x="139039" y="74731"/>
+                  <a:pt x="139039" y="69520"/>
+                </a:cubicBezTo>
+                <a:cubicBezTo>
+                  <a:pt x="139039" y="64308"/>
+                  <a:pt x="134814" y="60082"/>
+                  <a:pt x="129602" y="60082"/>
+                </a:cubicBezTo>
+                <a:close/>
+              </a:path>
+            </a:pathLst>
+          </a:custGeom>
+          <a:solidFill>
+            <a:srgbClr val="FFFFFF"/>
+          </a:solidFill>
+          <a:ln w="603" cap="flat">
+            <a:noFill/>
+            <a:prstDash val="solid"/>
+            <a:miter/>
+          </a:ln>
+        </p:spPr>
+        <p:txBody>
+          <a:bodyPr rtlCol="0" anchor="ctr"/>
+          <a:lstStyle/>
+          <a:p>
+            <a:pPr marL="0" marR="0" lvl="0" indent="0" algn="l" defTabSz="914400" rtl="0" eaLnBrk="1" fontAlgn="auto" latinLnBrk="0" hangingPunct="1">
+              <a:lnSpc>
+                <a:spcPct val="100000"/>
+              </a:lnSpc>
+              <a:spcBef>
+                <a:spcPts val="0"/>
+              </a:spcBef>
+              <a:spcAft>
+                <a:spcPts val="0"/>
+              </a:spcAft>
+              <a:buClrTx/>
+              <a:buSzTx/>
+              <a:buFontTx/>
+              <a:buNone/>
+              <a:tabLst/>
+              <a:defRPr/>
+            </a:pPr>
+            <a:endParaRPr kumimoji="0" lang="en-US" sz="1800" b="0" i="0" u="none" strike="noStrike" kern="1200" cap="none" spc="0" normalizeH="0" baseline="0" noProof="0">
+              <a:ln>
+                <a:noFill/>
+              </a:ln>
+              <a:solidFill>
+                <a:prstClr val="black"/>
+              </a:solidFill>
+              <a:effectLst/>
+              <a:uLnTx/>
+              <a:uFillTx/>
+              <a:latin typeface="Univers"/>
+              <a:ea typeface="+mn-ea"/>
+              <a:cs typeface="+mn-cs"/>
+            </a:endParaRPr>
+          </a:p>
+        </p:txBody>
+      </p:sp>
+      <p:sp>
+        <p:nvSpPr>
+          <p:cNvPr id="17" name="Graphic 12">
+            <a:extLst>
+              <a:ext uri="{FF2B5EF4-FFF2-40B4-BE49-F238E27FC236}">
+                <a16:creationId xmlns:a16="http://schemas.microsoft.com/office/drawing/2014/main" id="{712D4376-A578-4FF1-94FC-245E7A6A489F}"/>
+              </a:ext>
+              <a:ext uri="{C183D7F6-B498-43B3-948B-1728B52AA6E4}">
+                <adec:decorative xmlns:adec="http://schemas.microsoft.com/office/drawing/2017/decorative" val="1"/>
+              </a:ext>
+            </a:extLst>
+          </p:cNvPr>
+          <p:cNvSpPr>
+            <a:spLocks noGrp="1" noRot="1" noChangeAspect="1" noMove="1" noResize="1" noEditPoints="1" noAdjustHandles="1" noChangeArrowheads="1" noChangeShapeType="1" noTextEdit="1"/>
+          </p:cNvSpPr>
+          <p:nvPr>
+            <p:extLst>
+              <p:ext uri="{386F3935-93C4-4BCD-93E2-E3B085C9AB24}">
+                <p16:designElem xmlns:p16="http://schemas.microsoft.com/office/powerpoint/2015/main" val="1"/>
+              </p:ext>
+            </p:extLst>
+          </p:nvPr>
+        </p:nvSpPr>
+        <p:spPr>
+          <a:xfrm>
+            <a:off x="903734" y="3104388"/>
+            <a:ext cx="91138" cy="91138"/>
+          </a:xfrm>
+          <a:custGeom>
+            <a:avLst/>
+            <a:gdLst>
+              <a:gd name="connsiteX0" fmla="*/ 91138 w 91138"/>
+              <a:gd name="connsiteY0" fmla="*/ 45569 h 91138"/>
+              <a:gd name="connsiteX1" fmla="*/ 45569 w 91138"/>
+              <a:gd name="connsiteY1" fmla="*/ 91138 h 91138"/>
+              <a:gd name="connsiteX2" fmla="*/ 0 w 91138"/>
+              <a:gd name="connsiteY2" fmla="*/ 45569 h 91138"/>
+              <a:gd name="connsiteX3" fmla="*/ 45569 w 91138"/>
+              <a:gd name="connsiteY3" fmla="*/ 0 h 91138"/>
+              <a:gd name="connsiteX4" fmla="*/ 91138 w 91138"/>
+              <a:gd name="connsiteY4" fmla="*/ 45569 h 91138"/>
+            </a:gdLst>
+            <a:ahLst/>
+            <a:cxnLst>
+              <a:cxn ang="0">
+                <a:pos x="connsiteX0" y="connsiteY0"/>
+              </a:cxn>
+              <a:cxn ang="0">
+                <a:pos x="connsiteX1" y="connsiteY1"/>
+              </a:cxn>
+              <a:cxn ang="0">
+                <a:pos x="connsiteX2" y="connsiteY2"/>
+              </a:cxn>
+              <a:cxn ang="0">
+                <a:pos x="connsiteX3" y="connsiteY3"/>
+              </a:cxn>
+              <a:cxn ang="0">
+                <a:pos x="connsiteX4" y="connsiteY4"/>
+              </a:cxn>
+            </a:cxnLst>
+            <a:rect l="l" t="t" r="r" b="b"/>
+            <a:pathLst>
+              <a:path w="91138" h="91138">
+                <a:moveTo>
+                  <a:pt x="91138" y="45569"/>
+                </a:moveTo>
+                <a:cubicBezTo>
+                  <a:pt x="91138" y="70736"/>
+                  <a:pt x="70736" y="91138"/>
+                  <a:pt x="45569" y="91138"/>
+                </a:cubicBezTo>
+                <a:cubicBezTo>
+                  <a:pt x="20402" y="91138"/>
+                  <a:pt x="0" y="70736"/>
+                  <a:pt x="0" y="45569"/>
+                </a:cubicBezTo>
+                <a:cubicBezTo>
+                  <a:pt x="0" y="20402"/>
+                  <a:pt x="20402" y="0"/>
+                  <a:pt x="45569" y="0"/>
+                </a:cubicBezTo>
+                <a:cubicBezTo>
+                  <a:pt x="70736" y="0"/>
+                  <a:pt x="91138" y="20402"/>
+                  <a:pt x="91138" y="45569"/>
+                </a:cubicBezTo>
+                <a:close/>
+              </a:path>
+            </a:pathLst>
+          </a:custGeom>
+          <a:solidFill>
+            <a:srgbClr val="FFFFFF"/>
+          </a:solidFill>
+          <a:ln w="422" cap="flat">
+            <a:noFill/>
+            <a:prstDash val="solid"/>
+            <a:miter/>
+          </a:ln>
+        </p:spPr>
+        <p:txBody>
+          <a:bodyPr rtlCol="0" anchor="ctr"/>
+          <a:lstStyle/>
+          <a:p>
+            <a:pPr marL="0" marR="0" lvl="0" indent="0" algn="l" defTabSz="914400" rtl="0" eaLnBrk="1" fontAlgn="auto" latinLnBrk="0" hangingPunct="1">
+              <a:lnSpc>
+                <a:spcPct val="100000"/>
+              </a:lnSpc>
+              <a:spcBef>
+                <a:spcPts val="0"/>
+              </a:spcBef>
+              <a:spcAft>
+                <a:spcPts val="0"/>
+              </a:spcAft>
+              <a:buClrTx/>
+              <a:buSzTx/>
+              <a:buFontTx/>
+              <a:buNone/>
+              <a:tabLst/>
+              <a:defRPr/>
+            </a:pPr>
+            <a:endParaRPr kumimoji="0" lang="en-US" sz="1800" b="0" i="0" u="none" strike="noStrike" kern="1200" cap="none" spc="0" normalizeH="0" baseline="0" noProof="0">
+              <a:ln>
+                <a:noFill/>
+              </a:ln>
+              <a:solidFill>
+                <a:prstClr val="black"/>
+              </a:solidFill>
+              <a:effectLst/>
+              <a:uLnTx/>
+              <a:uFillTx/>
+              <a:latin typeface="Univers"/>
+              <a:ea typeface="+mn-ea"/>
+              <a:cs typeface="+mn-cs"/>
+            </a:endParaRPr>
+          </a:p>
+        </p:txBody>
+      </p:sp>
+      <p:sp>
+        <p:nvSpPr>
+          <p:cNvPr id="19" name="Graphic 15">
+            <a:extLst>
+              <a:ext uri="{FF2B5EF4-FFF2-40B4-BE49-F238E27FC236}">
+                <a16:creationId xmlns:a16="http://schemas.microsoft.com/office/drawing/2014/main" id="{AEA7509D-F04F-40CB-A0B3-EEF16499CC9F}"/>
+              </a:ext>
+              <a:ext uri="{C183D7F6-B498-43B3-948B-1728B52AA6E4}">
+                <adec:decorative xmlns:adec="http://schemas.microsoft.com/office/drawing/2017/decorative" val="1"/>
+              </a:ext>
+            </a:extLst>
+          </p:cNvPr>
+          <p:cNvSpPr>
+            <a:spLocks noGrp="1" noRot="1" noChangeAspect="1" noMove="1" noResize="1" noEditPoints="1" noAdjustHandles="1" noChangeArrowheads="1" noChangeShapeType="1" noTextEdit="1"/>
+          </p:cNvSpPr>
+          <p:nvPr>
+            <p:extLst>
+              <p:ext uri="{386F3935-93C4-4BCD-93E2-E3B085C9AB24}">
+                <p16:designElem xmlns:p16="http://schemas.microsoft.com/office/powerpoint/2015/main" val="1"/>
+              </p:ext>
+            </p:extLst>
+          </p:nvPr>
+        </p:nvSpPr>
+        <p:spPr>
+          <a:xfrm>
+            <a:off x="529414" y="3619532"/>
+            <a:ext cx="127714" cy="127714"/>
+          </a:xfrm>
+          <a:custGeom>
+            <a:avLst/>
+            <a:gdLst>
+              <a:gd name="connsiteX0" fmla="*/ 63857 w 127714"/>
+              <a:gd name="connsiteY0" fmla="*/ 18874 h 127714"/>
+              <a:gd name="connsiteX1" fmla="*/ 108840 w 127714"/>
+              <a:gd name="connsiteY1" fmla="*/ 63857 h 127714"/>
+              <a:gd name="connsiteX2" fmla="*/ 63857 w 127714"/>
+              <a:gd name="connsiteY2" fmla="*/ 108840 h 127714"/>
+              <a:gd name="connsiteX3" fmla="*/ 18874 w 127714"/>
+              <a:gd name="connsiteY3" fmla="*/ 63857 h 127714"/>
+              <a:gd name="connsiteX4" fmla="*/ 63857 w 127714"/>
+              <a:gd name="connsiteY4" fmla="*/ 18874 h 127714"/>
+              <a:gd name="connsiteX5" fmla="*/ 63857 w 127714"/>
+              <a:gd name="connsiteY5" fmla="*/ 0 h 127714"/>
+              <a:gd name="connsiteX6" fmla="*/ 0 w 127714"/>
+              <a:gd name="connsiteY6" fmla="*/ 63857 h 127714"/>
+              <a:gd name="connsiteX7" fmla="*/ 63857 w 127714"/>
+              <a:gd name="connsiteY7" fmla="*/ 127714 h 127714"/>
+              <a:gd name="connsiteX8" fmla="*/ 127714 w 127714"/>
+              <a:gd name="connsiteY8" fmla="*/ 63857 h 127714"/>
+              <a:gd name="connsiteX9" fmla="*/ 63857 w 127714"/>
+              <a:gd name="connsiteY9" fmla="*/ 0 h 127714"/>
+            </a:gdLst>
+            <a:ahLst/>
+            <a:cxnLst>
+              <a:cxn ang="0">
+                <a:pos x="connsiteX0" y="connsiteY0"/>
+              </a:cxn>
+              <a:cxn ang="0">
+                <a:pos x="connsiteX1" y="connsiteY1"/>
+              </a:cxn>
+              <a:cxn ang="0">
+                <a:pos x="connsiteX2" y="connsiteY2"/>
+              </a:cxn>
+              <a:cxn ang="0">
+                <a:pos x="connsiteX3" y="connsiteY3"/>
+              </a:cxn>
+              <a:cxn ang="0">
+                <a:pos x="connsiteX4" y="connsiteY4"/>
+              </a:cxn>
+              <a:cxn ang="0">
+                <a:pos x="connsiteX5" y="connsiteY5"/>
+              </a:cxn>
+              <a:cxn ang="0">
+                <a:pos x="connsiteX6" y="connsiteY6"/>
+              </a:cxn>
+              <a:cxn ang="0">
+                <a:pos x="connsiteX7" y="connsiteY7"/>
+              </a:cxn>
+              <a:cxn ang="0">
+                <a:pos x="connsiteX8" y="connsiteY8"/>
+              </a:cxn>
+              <a:cxn ang="0">
+                <a:pos x="connsiteX9" y="connsiteY9"/>
+              </a:cxn>
+            </a:cxnLst>
+            <a:rect l="l" t="t" r="r" b="b"/>
+            <a:pathLst>
+              <a:path w="127714" h="127714">
+                <a:moveTo>
+                  <a:pt x="63857" y="18874"/>
+                </a:moveTo>
+                <a:cubicBezTo>
+                  <a:pt x="88700" y="18874"/>
+                  <a:pt x="108840" y="39014"/>
+                  <a:pt x="108840" y="63857"/>
+                </a:cubicBezTo>
+                <a:cubicBezTo>
+                  <a:pt x="108840" y="88700"/>
+                  <a:pt x="88700" y="108840"/>
+                  <a:pt x="63857" y="108840"/>
+                </a:cubicBezTo>
+                <a:cubicBezTo>
+                  <a:pt x="39014" y="108840"/>
+                  <a:pt x="18874" y="88700"/>
+                  <a:pt x="18874" y="63857"/>
+                </a:cubicBezTo>
+                <a:cubicBezTo>
+                  <a:pt x="18898" y="39024"/>
+                  <a:pt x="39024" y="18898"/>
+                  <a:pt x="63857" y="18874"/>
+                </a:cubicBezTo>
+                <a:moveTo>
+                  <a:pt x="63857" y="0"/>
+                </a:moveTo>
+                <a:cubicBezTo>
+                  <a:pt x="28590" y="0"/>
+                  <a:pt x="0" y="28590"/>
+                  <a:pt x="0" y="63857"/>
+                </a:cubicBezTo>
+                <a:cubicBezTo>
+                  <a:pt x="0" y="99124"/>
+                  <a:pt x="28590" y="127714"/>
+                  <a:pt x="63857" y="127714"/>
+                </a:cubicBezTo>
+                <a:cubicBezTo>
+                  <a:pt x="99124" y="127714"/>
+                  <a:pt x="127714" y="99124"/>
+                  <a:pt x="127714" y="63857"/>
+                </a:cubicBezTo>
+                <a:cubicBezTo>
+                  <a:pt x="127714" y="28590"/>
+                  <a:pt x="99124" y="0"/>
+                  <a:pt x="63857" y="0"/>
+                </a:cubicBezTo>
+                <a:close/>
+              </a:path>
+            </a:pathLst>
+          </a:custGeom>
+          <a:solidFill>
+            <a:srgbClr val="FFFFFF"/>
+          </a:solidFill>
+          <a:ln w="610" cap="flat">
+            <a:noFill/>
+            <a:prstDash val="solid"/>
+            <a:miter/>
+          </a:ln>
+        </p:spPr>
+        <p:txBody>
+          <a:bodyPr rtlCol="0" anchor="ctr"/>
+          <a:lstStyle/>
+          <a:p>
+            <a:pPr marL="0" marR="0" lvl="0" indent="0" algn="l" defTabSz="914400" rtl="0" eaLnBrk="1" fontAlgn="auto" latinLnBrk="0" hangingPunct="1">
+              <a:lnSpc>
+                <a:spcPct val="100000"/>
+              </a:lnSpc>
+              <a:spcBef>
+                <a:spcPts val="0"/>
+              </a:spcBef>
+              <a:spcAft>
+                <a:spcPts val="0"/>
+              </a:spcAft>
+              <a:buClrTx/>
+              <a:buSzTx/>
+              <a:buFontTx/>
+              <a:buNone/>
+              <a:tabLst/>
+              <a:defRPr/>
+            </a:pPr>
+            <a:endParaRPr kumimoji="0" lang="en-US" sz="1800" b="0" i="0" u="none" strike="noStrike" kern="1200" cap="none" spc="0" normalizeH="0" baseline="0" noProof="0">
+              <a:ln>
+                <a:noFill/>
+              </a:ln>
+              <a:solidFill>
+                <a:prstClr val="black"/>
+              </a:solidFill>
+              <a:effectLst/>
+              <a:uLnTx/>
+              <a:uFillTx/>
+              <a:latin typeface="Univers"/>
+              <a:ea typeface="+mn-ea"/>
+              <a:cs typeface="+mn-cs"/>
+            </a:endParaRPr>
+          </a:p>
+        </p:txBody>
+      </p:sp>
+      <p:sp>
+        <p:nvSpPr>
+          <p:cNvPr id="7" name="Rectangle 6">
+            <a:extLst>
+              <a:ext uri="{FF2B5EF4-FFF2-40B4-BE49-F238E27FC236}">
+                <a16:creationId xmlns:a16="http://schemas.microsoft.com/office/drawing/2014/main" id="{93E08A74-F877-56BE-828A-818B896F12B1}"/>
+              </a:ext>
+            </a:extLst>
+          </p:cNvPr>
+          <p:cNvSpPr/>
+          <p:nvPr/>
+        </p:nvSpPr>
+        <p:spPr>
+          <a:xfrm>
+            <a:off x="-21" y="5158550"/>
+            <a:ext cx="12192000" cy="1695012"/>
+          </a:xfrm>
+          <a:prstGeom prst="rect">
+            <a:avLst/>
+          </a:prstGeom>
+          <a:ln>
+            <a:solidFill>
+              <a:schemeClr val="bg1"/>
+            </a:solidFill>
+          </a:ln>
+        </p:spPr>
+        <p:style>
+          <a:lnRef idx="2">
+            <a:schemeClr val="accent6"/>
+          </a:lnRef>
+          <a:fillRef idx="1">
+            <a:schemeClr val="lt1"/>
+          </a:fillRef>
+          <a:effectRef idx="0">
+            <a:schemeClr val="accent6"/>
+          </a:effectRef>
+          <a:fontRef idx="minor">
+            <a:schemeClr val="dk1"/>
+          </a:fontRef>
+        </p:style>
+        <p:txBody>
+          <a:bodyPr rtlCol="0" anchor="ctr"/>
+          <a:lstStyle/>
+          <a:p>
+            <a:endParaRPr lang="fr-FR" dirty="0"/>
+          </a:p>
+        </p:txBody>
+      </p:sp>
+      <p:pic>
+        <p:nvPicPr>
+          <p:cNvPr id="6" name="Image 5" descr="Une image contenant Police, Graphique, texte, logo&#10;&#10;Description générée automatiquement">
+            <a:extLst>
+              <a:ext uri="{FF2B5EF4-FFF2-40B4-BE49-F238E27FC236}">
+                <a16:creationId xmlns:a16="http://schemas.microsoft.com/office/drawing/2014/main" id="{8D63ACFC-B90A-B50D-D832-30767B246FCC}"/>
+              </a:ext>
+            </a:extLst>
+          </p:cNvPr>
+          <p:cNvPicPr>
+            <a:picLocks noChangeAspect="1"/>
+          </p:cNvPicPr>
+          <p:nvPr/>
+        </p:nvPicPr>
+        <p:blipFill>
+          <a:blip r:embed="rId3">
+            <a:extLst>
+              <a:ext uri="{28A0092B-C50C-407E-A947-70E740481C1C}">
+                <a14:useLocalDpi xmlns:a14="http://schemas.microsoft.com/office/drawing/2010/main" val="0"/>
+              </a:ext>
+            </a:extLst>
+          </a:blip>
+          <a:stretch>
+            <a:fillRect/>
+          </a:stretch>
+        </p:blipFill>
+        <p:spPr>
+          <a:xfrm>
+            <a:off x="7417189" y="5295819"/>
+            <a:ext cx="4343400" cy="1286054"/>
+          </a:xfrm>
+          <a:prstGeom prst="rect">
+            <a:avLst/>
+          </a:prstGeom>
+        </p:spPr>
+      </p:pic>
+      <p:sp>
+        <p:nvSpPr>
+          <p:cNvPr id="8" name="Rectangle 7">
+            <a:extLst>
+              <a:ext uri="{FF2B5EF4-FFF2-40B4-BE49-F238E27FC236}">
+                <a16:creationId xmlns:a16="http://schemas.microsoft.com/office/drawing/2014/main" id="{A115DCB3-BA03-C453-7D17-E4ECF2278646}"/>
+              </a:ext>
+            </a:extLst>
+          </p:cNvPr>
+          <p:cNvSpPr/>
+          <p:nvPr/>
+        </p:nvSpPr>
+        <p:spPr>
+          <a:xfrm>
+            <a:off x="5853403" y="6067959"/>
+            <a:ext cx="485192" cy="642858"/>
+          </a:xfrm>
+          <a:prstGeom prst="rect">
+            <a:avLst/>
+          </a:prstGeom>
+          <a:ln>
+            <a:solidFill>
+              <a:schemeClr val="bg1"/>
+            </a:solidFill>
+          </a:ln>
+        </p:spPr>
+        <p:style>
+          <a:lnRef idx="2">
+            <a:schemeClr val="accent6"/>
+          </a:lnRef>
+          <a:fillRef idx="1">
+            <a:schemeClr val="lt1"/>
+          </a:fillRef>
+          <a:effectRef idx="0">
+            <a:schemeClr val="accent6"/>
+          </a:effectRef>
+          <a:fontRef idx="minor">
+            <a:schemeClr val="dk1"/>
+          </a:fontRef>
+        </p:style>
+        <p:txBody>
+          <a:bodyPr rtlCol="0" anchor="ctr"/>
+          <a:lstStyle/>
+          <a:p>
+            <a:pPr algn="ctr"/>
+            <a:r>
+              <a:rPr lang="fr-FR" dirty="0"/>
+              <a:t>1</a:t>
+            </a:r>
+          </a:p>
+        </p:txBody>
+      </p:sp>
+      <p:pic>
+        <p:nvPicPr>
+          <p:cNvPr id="12" name="Image 11" descr="Une image contenant Graphique, Police, graphisme, affiche&#10;&#10;Description générée automatiquement">
+            <a:extLst>
+              <a:ext uri="{FF2B5EF4-FFF2-40B4-BE49-F238E27FC236}">
+                <a16:creationId xmlns:a16="http://schemas.microsoft.com/office/drawing/2014/main" id="{D88CBDCA-F42A-B88B-5810-D917E4F8A95B}"/>
+              </a:ext>
+            </a:extLst>
+          </p:cNvPr>
+          <p:cNvPicPr>
+            <a:picLocks noChangeAspect="1"/>
+          </p:cNvPicPr>
+          <p:nvPr/>
+        </p:nvPicPr>
+        <p:blipFill>
+          <a:blip r:embed="rId4">
+            <a:extLst>
+              <a:ext uri="{28A0092B-C50C-407E-A947-70E740481C1C}">
+                <a14:useLocalDpi xmlns:a14="http://schemas.microsoft.com/office/drawing/2010/main" val="0"/>
+              </a:ext>
+            </a:extLst>
+          </a:blip>
+          <a:stretch>
+            <a:fillRect/>
+          </a:stretch>
+        </p:blipFill>
+        <p:spPr>
+          <a:xfrm>
+            <a:off x="994872" y="5156329"/>
+            <a:ext cx="910407" cy="1695013"/>
+          </a:xfrm>
+          <a:prstGeom prst="rect">
+            <a:avLst/>
+          </a:prstGeom>
+        </p:spPr>
+      </p:pic>
+    </p:spTree>
+    <p:extLst>
+      <p:ext uri="{BB962C8B-B14F-4D97-AF65-F5344CB8AC3E}">
+        <p14:creationId xmlns:p14="http://schemas.microsoft.com/office/powerpoint/2010/main" val="4099815530"/>
+      </p:ext>
+    </p:extLst>
+  </p:cSld>
+  <p:clrMapOvr>
+    <a:masterClrMapping/>
+  </p:clrMapOvr>
+  <p:timing>
+    <p:tnLst>
+      <p:par>
+        <p:cTn id="1" dur="indefinite" restart="never" nodeType="tmRoot">
+          <p:childTnLst>
+            <p:seq concurrent="1" nextAc="seek">
+              <p:cTn id="2" dur="indefinite" nodeType="mainSeq">
+                <p:childTnLst>
+                  <p:par>
+                    <p:cTn id="3" fill="hold">
+                      <p:stCondLst>
+                        <p:cond delay="indefinite"/>
+                        <p:cond evt="onBegin" delay="0">
+                          <p:tn val="2"/>
+                        </p:cond>
+                      </p:stCondLst>
+                      <p:childTnLst>
+                        <p:par>
+                          <p:cTn id="4" fill="hold">
+                            <p:stCondLst>
+                              <p:cond delay="0"/>
+                            </p:stCondLst>
+                            <p:childTnLst>
+                              <p:par>
+                                <p:cTn id="5" presetID="10" presetClass="entr" presetSubtype="0" fill="hold" grpId="0" nodeType="withEffect">
+                                  <p:stCondLst>
+                                    <p:cond delay="1000"/>
+                                  </p:stCondLst>
+                                  <p:iterate>
+                                    <p:tmPct val="10000"/>
+                                  </p:iterate>
+                                  <p:childTnLst>
+                                    <p:set>
+                                      <p:cBhvr>
+                                        <p:cTn id="6" dur="1" fill="hold">
+                                          <p:stCondLst>
+                                            <p:cond delay="0"/>
+                                          </p:stCondLst>
+                                        </p:cTn>
+                                        <p:tgtEl>
+                                          <p:spTgt spid="2"/>
+                                        </p:tgtEl>
+                                        <p:attrNameLst>
+                                          <p:attrName>style.visibility</p:attrName>
+                                        </p:attrNameLst>
+                                      </p:cBhvr>
+                                      <p:to>
+                                        <p:strVal val="visible"/>
+                                      </p:to>
+                                    </p:set>
+                                    <p:animEffect transition="in" filter="fade">
+                                      <p:cBhvr>
+                                        <p:cTn id="7" dur="700"/>
+                                        <p:tgtEl>
+                                          <p:spTgt spid="2"/>
+                                        </p:tgtEl>
+                                      </p:cBhvr>
+                                    </p:animEffect>
+                                  </p:childTnLst>
+                                </p:cTn>
+                              </p:par>
+                            </p:childTnLst>
+                          </p:cTn>
+                        </p:par>
+                      </p:childTnLst>
+                    </p:cTn>
+                  </p:par>
+                </p:childTnLst>
+              </p:cTn>
+              <p:prevCondLst>
+                <p:cond evt="onPrev" delay="0">
+                  <p:tgtEl>
+                    <p:sldTgt/>
+                  </p:tgtEl>
+                </p:cond>
+              </p:prevCondLst>
+              <p:nextCondLst>
+                <p:cond evt="onNext" delay="0">
+                  <p:tgtEl>
+                    <p:sldTgt/>
+                  </p:tgtEl>
+                </p:cond>
+              </p:nextCondLst>
+            </p:seq>
+          </p:childTnLst>
+        </p:cTn>
+      </p:par>
+    </p:tnLst>
+    <p:bldLst>
+      <p:bldP spid="2" grpId="0"/>
+    </p:bldLst>
+  </p:timing>
+</p:sld>
+</file>
+
+<file path=ppt/slides/slide2.xml><?xml version="1.0" encoding="utf-8"?>
+<p:sld xmlns:a="http://schemas.openxmlformats.org/drawingml/2006/main" xmlns:r="http://schemas.openxmlformats.org/officeDocument/2006/relationships" xmlns:p="http://schemas.openxmlformats.org/presentationml/2006/main">
+  <p:cSld>
     <p:spTree>
       <p:nvGrpSpPr>
         <p:cNvPr id="1" name=""/>
@@ -3326,7 +5157,7 @@
           <p:cNvPr id="2" name="Titre 1">
             <a:extLst>
               <a:ext uri="{FF2B5EF4-FFF2-40B4-BE49-F238E27FC236}">
-                <a16:creationId xmlns:a16="http://schemas.microsoft.com/office/drawing/2014/main" id="{7406680A-63D1-C972-65B5-2333DA2C3153}"/>
+                <a16:creationId xmlns:a16="http://schemas.microsoft.com/office/drawing/2014/main" id="{FB59C4A0-406D-506A-4F56-5DC4117CE9A4}"/>
               </a:ext>
             </a:extLst>
           </p:cNvPr>
@@ -3334,201 +5165,4829 @@
             <a:spLocks noGrp="1"/>
           </p:cNvSpPr>
           <p:nvPr>
-            <p:ph type="ctrTitle"/>
+            <p:ph type="title"/>
           </p:nvPr>
         </p:nvSpPr>
         <p:spPr/>
         <p:txBody>
-          <a:bodyPr/>
+          <a:bodyPr>
+            <a:normAutofit fontScale="90000"/>
+          </a:bodyPr>
           <a:lstStyle/>
           <a:p>
+            <a:r>
+              <a:rPr lang="fr-FR" dirty="0"/>
+              <a:t>Décomposition fonctionnelle du programme</a:t>
+            </a:r>
+          </a:p>
+        </p:txBody>
+      </p:sp>
+      <p:sp>
+        <p:nvSpPr>
+          <p:cNvPr id="4" name="Rectangle 3">
+            <a:extLst>
+              <a:ext uri="{FF2B5EF4-FFF2-40B4-BE49-F238E27FC236}">
+                <a16:creationId xmlns:a16="http://schemas.microsoft.com/office/drawing/2014/main" id="{37AA2F7C-2C3E-8965-FE8D-157217866AEE}"/>
+              </a:ext>
+            </a:extLst>
+          </p:cNvPr>
+          <p:cNvSpPr/>
+          <p:nvPr/>
+        </p:nvSpPr>
+        <p:spPr>
+          <a:xfrm>
+            <a:off x="5853403" y="6067959"/>
+            <a:ext cx="485192" cy="642858"/>
+          </a:xfrm>
+          <a:prstGeom prst="rect">
+            <a:avLst/>
+          </a:prstGeom>
+          <a:ln>
+            <a:solidFill>
+              <a:schemeClr val="bg1"/>
+            </a:solidFill>
+          </a:ln>
+        </p:spPr>
+        <p:style>
+          <a:lnRef idx="2">
+            <a:schemeClr val="accent6"/>
+          </a:lnRef>
+          <a:fillRef idx="1">
+            <a:schemeClr val="lt1"/>
+          </a:fillRef>
+          <a:effectRef idx="0">
+            <a:schemeClr val="accent6"/>
+          </a:effectRef>
+          <a:fontRef idx="minor">
+            <a:schemeClr val="dk1"/>
+          </a:fontRef>
+        </p:style>
+        <p:txBody>
+          <a:bodyPr rtlCol="0" anchor="ctr"/>
+          <a:lstStyle/>
+          <a:p>
+            <a:pPr algn="ctr"/>
+            <a:r>
+              <a:rPr lang="fr-FR" dirty="0"/>
+              <a:t>2</a:t>
+            </a:r>
+          </a:p>
+        </p:txBody>
+      </p:sp>
+      <p:grpSp>
+        <p:nvGrpSpPr>
+          <p:cNvPr id="8" name="Groupe 7">
+            <a:extLst>
+              <a:ext uri="{FF2B5EF4-FFF2-40B4-BE49-F238E27FC236}">
+                <a16:creationId xmlns:a16="http://schemas.microsoft.com/office/drawing/2014/main" id="{25279B9C-C4E4-0E33-E2F1-2C3669D366BF}"/>
+              </a:ext>
+            </a:extLst>
+          </p:cNvPr>
+          <p:cNvGrpSpPr/>
+          <p:nvPr/>
+        </p:nvGrpSpPr>
+        <p:grpSpPr>
+          <a:xfrm>
+            <a:off x="303296" y="3515365"/>
+            <a:ext cx="2286829" cy="2552594"/>
+            <a:chOff x="1150374" y="2369574"/>
+            <a:chExt cx="2035278" cy="2290917"/>
+          </a:xfrm>
+        </p:grpSpPr>
+        <p:sp>
+          <p:nvSpPr>
+            <p:cNvPr id="5" name="Rectangle 4">
+              <a:extLst>
+                <a:ext uri="{FF2B5EF4-FFF2-40B4-BE49-F238E27FC236}">
+                  <a16:creationId xmlns:a16="http://schemas.microsoft.com/office/drawing/2014/main" id="{E698756B-1F71-7802-1C93-26120C51579B}"/>
+                </a:ext>
+              </a:extLst>
+            </p:cNvPr>
+            <p:cNvSpPr/>
+            <p:nvPr/>
+          </p:nvSpPr>
+          <p:spPr>
+            <a:xfrm>
+              <a:off x="1150374" y="2369574"/>
+              <a:ext cx="2035278" cy="265471"/>
+            </a:xfrm>
+            <a:prstGeom prst="rect">
+              <a:avLst/>
+            </a:prstGeom>
+            <a:ln>
+              <a:solidFill>
+                <a:schemeClr val="tx1"/>
+              </a:solidFill>
+            </a:ln>
+          </p:spPr>
+          <p:style>
+            <a:lnRef idx="2">
+              <a:schemeClr val="accent6"/>
+            </a:lnRef>
+            <a:fillRef idx="1">
+              <a:schemeClr val="lt1"/>
+            </a:fillRef>
+            <a:effectRef idx="0">
+              <a:schemeClr val="accent6"/>
+            </a:effectRef>
+            <a:fontRef idx="minor">
+              <a:schemeClr val="dk1"/>
+            </a:fontRef>
+          </p:style>
+          <p:txBody>
+            <a:bodyPr rtlCol="0" anchor="ctr"/>
+            <a:lstStyle/>
+            <a:p>
+              <a:pPr algn="ctr"/>
+              <a:r>
+                <a:rPr lang="fr-FR" dirty="0"/>
+                <a:t>Reader</a:t>
+              </a:r>
+            </a:p>
+          </p:txBody>
+        </p:sp>
+        <p:sp>
+          <p:nvSpPr>
+            <p:cNvPr id="6" name="Rectangle 5">
+              <a:extLst>
+                <a:ext uri="{FF2B5EF4-FFF2-40B4-BE49-F238E27FC236}">
+                  <a16:creationId xmlns:a16="http://schemas.microsoft.com/office/drawing/2014/main" id="{1B74FA81-9879-3301-8D22-AC20F965AA6A}"/>
+                </a:ext>
+              </a:extLst>
+            </p:cNvPr>
+            <p:cNvSpPr/>
+            <p:nvPr/>
+          </p:nvSpPr>
+          <p:spPr>
+            <a:xfrm>
+              <a:off x="1150374" y="2635045"/>
+              <a:ext cx="2035278" cy="1012723"/>
+            </a:xfrm>
+            <a:prstGeom prst="rect">
+              <a:avLst/>
+            </a:prstGeom>
+            <a:ln>
+              <a:solidFill>
+                <a:schemeClr val="tx1"/>
+              </a:solidFill>
+            </a:ln>
+          </p:spPr>
+          <p:style>
+            <a:lnRef idx="2">
+              <a:schemeClr val="accent6"/>
+            </a:lnRef>
+            <a:fillRef idx="1">
+              <a:schemeClr val="lt1"/>
+            </a:fillRef>
+            <a:effectRef idx="0">
+              <a:schemeClr val="accent6"/>
+            </a:effectRef>
+            <a:fontRef idx="minor">
+              <a:schemeClr val="dk1"/>
+            </a:fontRef>
+          </p:style>
+          <p:txBody>
+            <a:bodyPr rtlCol="0" anchor="ctr"/>
+            <a:lstStyle/>
+            <a:p>
+              <a:r>
+                <a:rPr lang="fr-FR" sz="1300" dirty="0"/>
+                <a:t>- </a:t>
+              </a:r>
+              <a:r>
+                <a:rPr lang="fr-FR" sz="1300" dirty="0" err="1"/>
+                <a:t>nomFichier</a:t>
+              </a:r>
+              <a:r>
+                <a:rPr lang="fr-FR" sz="1300" dirty="0"/>
+                <a:t> : String</a:t>
+              </a:r>
+            </a:p>
+            <a:p>
+              <a:r>
+                <a:rPr lang="fr-FR" sz="1300" dirty="0"/>
+                <a:t>-contenu : </a:t>
+              </a:r>
+              <a:r>
+                <a:rPr lang="fr-FR" sz="1300" dirty="0" err="1"/>
+                <a:t>ArrayList</a:t>
+              </a:r>
+              <a:r>
+                <a:rPr lang="fr-FR" sz="1300" dirty="0"/>
+                <a:t>&lt;String&gt;</a:t>
+              </a:r>
+            </a:p>
+            <a:p>
+              <a:r>
+                <a:rPr lang="fr-FR" sz="1300" dirty="0"/>
+                <a:t>- </a:t>
+              </a:r>
+              <a:r>
+                <a:rPr lang="fr-FR" sz="1300" dirty="0" err="1"/>
+                <a:t>texteBrut</a:t>
+              </a:r>
+              <a:r>
+                <a:rPr lang="fr-FR" sz="1300" dirty="0"/>
+                <a:t> : String</a:t>
+              </a:r>
+            </a:p>
+          </p:txBody>
+        </p:sp>
+        <p:sp>
+          <p:nvSpPr>
+            <p:cNvPr id="7" name="Rectangle 6">
+              <a:extLst>
+                <a:ext uri="{FF2B5EF4-FFF2-40B4-BE49-F238E27FC236}">
+                  <a16:creationId xmlns:a16="http://schemas.microsoft.com/office/drawing/2014/main" id="{2AAD35DD-64DF-FF23-80F7-6F49197432B7}"/>
+                </a:ext>
+              </a:extLst>
+            </p:cNvPr>
+            <p:cNvSpPr/>
+            <p:nvPr/>
+          </p:nvSpPr>
+          <p:spPr>
+            <a:xfrm>
+              <a:off x="1150374" y="3647768"/>
+              <a:ext cx="2035278" cy="1012723"/>
+            </a:xfrm>
+            <a:prstGeom prst="rect">
+              <a:avLst/>
+            </a:prstGeom>
+            <a:ln>
+              <a:solidFill>
+                <a:schemeClr val="tx1"/>
+              </a:solidFill>
+            </a:ln>
+          </p:spPr>
+          <p:style>
+            <a:lnRef idx="2">
+              <a:schemeClr val="accent6"/>
+            </a:lnRef>
+            <a:fillRef idx="1">
+              <a:schemeClr val="lt1"/>
+            </a:fillRef>
+            <a:effectRef idx="0">
+              <a:schemeClr val="accent6"/>
+            </a:effectRef>
+            <a:fontRef idx="minor">
+              <a:schemeClr val="dk1"/>
+            </a:fontRef>
+          </p:style>
+          <p:txBody>
+            <a:bodyPr rtlCol="0" anchor="ctr"/>
+            <a:lstStyle/>
+            <a:p>
+              <a:endParaRPr lang="fr-FR" dirty="0"/>
+            </a:p>
+          </p:txBody>
+        </p:sp>
+      </p:grpSp>
+      <p:grpSp>
+        <p:nvGrpSpPr>
+          <p:cNvPr id="9" name="Groupe 8">
+            <a:extLst>
+              <a:ext uri="{FF2B5EF4-FFF2-40B4-BE49-F238E27FC236}">
+                <a16:creationId xmlns:a16="http://schemas.microsoft.com/office/drawing/2014/main" id="{90E83AD5-8FE9-27E2-7118-1F2AE52D1777}"/>
+              </a:ext>
+            </a:extLst>
+          </p:cNvPr>
+          <p:cNvGrpSpPr/>
+          <p:nvPr/>
+        </p:nvGrpSpPr>
+        <p:grpSpPr>
+          <a:xfrm>
+            <a:off x="2821858" y="1293335"/>
+            <a:ext cx="3874865" cy="3430344"/>
+            <a:chOff x="1150374" y="2369574"/>
+            <a:chExt cx="2035278" cy="2217302"/>
+          </a:xfrm>
+        </p:grpSpPr>
+        <p:sp>
+          <p:nvSpPr>
+            <p:cNvPr id="10" name="Rectangle 9">
+              <a:extLst>
+                <a:ext uri="{FF2B5EF4-FFF2-40B4-BE49-F238E27FC236}">
+                  <a16:creationId xmlns:a16="http://schemas.microsoft.com/office/drawing/2014/main" id="{C1AE631B-A475-6A7C-74E7-CD9EB7EF2109}"/>
+                </a:ext>
+              </a:extLst>
+            </p:cNvPr>
+            <p:cNvSpPr/>
+            <p:nvPr/>
+          </p:nvSpPr>
+          <p:spPr>
+            <a:xfrm>
+              <a:off x="1150374" y="2369574"/>
+              <a:ext cx="2035278" cy="265471"/>
+            </a:xfrm>
+            <a:prstGeom prst="rect">
+              <a:avLst/>
+            </a:prstGeom>
+            <a:ln>
+              <a:solidFill>
+                <a:schemeClr val="tx1"/>
+              </a:solidFill>
+            </a:ln>
+          </p:spPr>
+          <p:style>
+            <a:lnRef idx="2">
+              <a:schemeClr val="accent6"/>
+            </a:lnRef>
+            <a:fillRef idx="1">
+              <a:schemeClr val="lt1"/>
+            </a:fillRef>
+            <a:effectRef idx="0">
+              <a:schemeClr val="accent6"/>
+            </a:effectRef>
+            <a:fontRef idx="minor">
+              <a:schemeClr val="dk1"/>
+            </a:fontRef>
+          </p:style>
+          <p:txBody>
+            <a:bodyPr rtlCol="0" anchor="ctr"/>
+            <a:lstStyle/>
+            <a:p>
+              <a:pPr algn="ctr"/>
+              <a:r>
+                <a:rPr lang="fr-FR" dirty="0" err="1"/>
+                <a:t>HuffmanCodage</a:t>
+              </a:r>
+              <a:endParaRPr lang="fr-FR" dirty="0"/>
+            </a:p>
+          </p:txBody>
+        </p:sp>
+        <p:sp>
+          <p:nvSpPr>
+            <p:cNvPr id="11" name="Rectangle 10">
+              <a:extLst>
+                <a:ext uri="{FF2B5EF4-FFF2-40B4-BE49-F238E27FC236}">
+                  <a16:creationId xmlns:a16="http://schemas.microsoft.com/office/drawing/2014/main" id="{3E9EF4F5-66FB-34B9-DCD0-2938B58DD7EE}"/>
+                </a:ext>
+              </a:extLst>
+            </p:cNvPr>
+            <p:cNvSpPr/>
+            <p:nvPr/>
+          </p:nvSpPr>
+          <p:spPr>
+            <a:xfrm>
+              <a:off x="1150374" y="2635045"/>
+              <a:ext cx="2035278" cy="716240"/>
+            </a:xfrm>
+            <a:prstGeom prst="rect">
+              <a:avLst/>
+            </a:prstGeom>
+            <a:ln>
+              <a:solidFill>
+                <a:schemeClr val="tx1"/>
+              </a:solidFill>
+            </a:ln>
+          </p:spPr>
+          <p:style>
+            <a:lnRef idx="2">
+              <a:schemeClr val="accent6"/>
+            </a:lnRef>
+            <a:fillRef idx="1">
+              <a:schemeClr val="lt1"/>
+            </a:fillRef>
+            <a:effectRef idx="0">
+              <a:schemeClr val="accent6"/>
+            </a:effectRef>
+            <a:fontRef idx="minor">
+              <a:schemeClr val="dk1"/>
+            </a:fontRef>
+          </p:style>
+          <p:txBody>
+            <a:bodyPr rtlCol="0" anchor="ctr"/>
+            <a:lstStyle/>
+            <a:p>
+              <a:r>
+                <a:rPr lang="fr-FR" sz="1300" dirty="0"/>
+                <a:t> - </a:t>
+              </a:r>
+              <a:r>
+                <a:rPr lang="fr-FR" sz="1300" dirty="0" err="1"/>
+                <a:t>list_uncompressed_data</a:t>
+              </a:r>
+              <a:r>
+                <a:rPr lang="fr-FR" sz="1300" dirty="0"/>
+                <a:t> : </a:t>
+              </a:r>
+              <a:r>
+                <a:rPr lang="fr-FR" sz="1300" dirty="0" err="1"/>
+                <a:t>ArrayList</a:t>
+              </a:r>
+              <a:r>
+                <a:rPr lang="fr-FR" sz="1300" dirty="0"/>
+                <a:t>&lt;String&gt;</a:t>
+              </a:r>
+            </a:p>
+            <a:p>
+              <a:r>
+                <a:rPr lang="fr-FR" sz="1300" dirty="0"/>
+                <a:t> - </a:t>
+              </a:r>
+              <a:r>
+                <a:rPr lang="fr-FR" sz="1300" dirty="0" err="1"/>
+                <a:t>list_compressed_data</a:t>
+              </a:r>
+              <a:r>
+                <a:rPr lang="fr-FR" sz="1300" dirty="0"/>
+                <a:t> : </a:t>
+              </a:r>
+              <a:r>
+                <a:rPr lang="fr-FR" sz="1300" dirty="0" err="1"/>
+                <a:t>Map</a:t>
+              </a:r>
+              <a:r>
+                <a:rPr lang="fr-FR" sz="1300" dirty="0"/>
+                <a:t>&lt;String, Integer&gt;</a:t>
+              </a:r>
+            </a:p>
+            <a:p>
+              <a:r>
+                <a:rPr lang="fr-FR" sz="1300" dirty="0"/>
+                <a:t> - </a:t>
+              </a:r>
+              <a:r>
+                <a:rPr lang="fr-FR" sz="1300" dirty="0" err="1"/>
+                <a:t>brutText</a:t>
+              </a:r>
+              <a:r>
+                <a:rPr lang="fr-FR" sz="1300" dirty="0"/>
+                <a:t> : String</a:t>
+              </a:r>
+            </a:p>
+            <a:p>
+              <a:r>
+                <a:rPr lang="fr-FR" sz="1300" dirty="0"/>
+                <a:t> - </a:t>
+              </a:r>
+              <a:r>
+                <a:rPr lang="fr-FR" sz="1300" dirty="0" err="1"/>
+                <a:t>compressedText</a:t>
+              </a:r>
+              <a:r>
+                <a:rPr lang="fr-FR" sz="1300" dirty="0"/>
+                <a:t> : String </a:t>
+              </a:r>
+            </a:p>
+            <a:p>
+              <a:r>
+                <a:rPr lang="fr-FR" sz="1300" dirty="0"/>
+                <a:t> - taille : </a:t>
+              </a:r>
+              <a:r>
+                <a:rPr lang="fr-FR" sz="1300" dirty="0" err="1"/>
+                <a:t>int</a:t>
+              </a:r>
+              <a:r>
+                <a:rPr lang="fr-FR" sz="1300" dirty="0"/>
+                <a:t> </a:t>
+              </a:r>
+            </a:p>
+          </p:txBody>
+        </p:sp>
+        <p:sp>
+          <p:nvSpPr>
+            <p:cNvPr id="12" name="Rectangle 11">
+              <a:extLst>
+                <a:ext uri="{FF2B5EF4-FFF2-40B4-BE49-F238E27FC236}">
+                  <a16:creationId xmlns:a16="http://schemas.microsoft.com/office/drawing/2014/main" id="{1A77DCD6-C66E-A040-EC8B-CA7523605493}"/>
+                </a:ext>
+              </a:extLst>
+            </p:cNvPr>
+            <p:cNvSpPr/>
+            <p:nvPr/>
+          </p:nvSpPr>
+          <p:spPr>
+            <a:xfrm>
+              <a:off x="1150374" y="3351285"/>
+              <a:ext cx="2035278" cy="1235591"/>
+            </a:xfrm>
+            <a:prstGeom prst="rect">
+              <a:avLst/>
+            </a:prstGeom>
+            <a:ln>
+              <a:solidFill>
+                <a:schemeClr val="tx1"/>
+              </a:solidFill>
+            </a:ln>
+          </p:spPr>
+          <p:style>
+            <a:lnRef idx="2">
+              <a:schemeClr val="accent6"/>
+            </a:lnRef>
+            <a:fillRef idx="1">
+              <a:schemeClr val="lt1"/>
+            </a:fillRef>
+            <a:effectRef idx="0">
+              <a:schemeClr val="accent6"/>
+            </a:effectRef>
+            <a:fontRef idx="minor">
+              <a:schemeClr val="dk1"/>
+            </a:fontRef>
+          </p:style>
+          <p:txBody>
+            <a:bodyPr rtlCol="0" anchor="ctr"/>
+            <a:lstStyle/>
+            <a:p>
+              <a:r>
+                <a:rPr lang="fr-FR" sz="1300" dirty="0"/>
+                <a:t>+ </a:t>
+              </a:r>
+              <a:r>
+                <a:rPr lang="fr-FR" sz="1300" dirty="0" err="1"/>
+                <a:t>moveKeyToLast</a:t>
+              </a:r>
+              <a:r>
+                <a:rPr lang="fr-FR" sz="1300" dirty="0"/>
+                <a:t> (String key) : </a:t>
+              </a:r>
+              <a:r>
+                <a:rPr lang="fr-FR" sz="1300" dirty="0" err="1"/>
+                <a:t>void</a:t>
+              </a:r>
+              <a:endParaRPr lang="fr-FR" sz="1300" dirty="0"/>
+            </a:p>
+            <a:p>
+              <a:r>
+                <a:rPr lang="fr-FR" sz="1300" dirty="0"/>
+                <a:t>+ </a:t>
+              </a:r>
+              <a:r>
+                <a:rPr lang="fr-FR" sz="1300" dirty="0" err="1"/>
+                <a:t>transformData</a:t>
+              </a:r>
+              <a:r>
+                <a:rPr lang="fr-FR" sz="1300" dirty="0"/>
+                <a:t>() : </a:t>
+              </a:r>
+              <a:r>
+                <a:rPr lang="fr-FR" sz="1300" dirty="0" err="1"/>
+                <a:t>Map</a:t>
+              </a:r>
+              <a:r>
+                <a:rPr lang="fr-FR" sz="1300" dirty="0"/>
+                <a:t>&lt;String, Integer&gt;</a:t>
+              </a:r>
+            </a:p>
+            <a:p>
+              <a:r>
+                <a:rPr lang="fr-FR" sz="1300" dirty="0"/>
+                <a:t>+ </a:t>
+              </a:r>
+              <a:r>
+                <a:rPr lang="fr-FR" sz="1300" dirty="0" err="1"/>
+                <a:t>displayListCompressedData</a:t>
+              </a:r>
+              <a:r>
+                <a:rPr lang="fr-FR" sz="1300" dirty="0"/>
+                <a:t>() : </a:t>
+              </a:r>
+              <a:r>
+                <a:rPr lang="fr-FR" sz="1300" dirty="0" err="1"/>
+                <a:t>void</a:t>
+              </a:r>
+              <a:endParaRPr lang="fr-FR" sz="1300" dirty="0"/>
+            </a:p>
+            <a:p>
+              <a:r>
+                <a:rPr lang="fr-FR" sz="1300" dirty="0"/>
+                <a:t>+ </a:t>
+              </a:r>
+              <a:r>
+                <a:rPr lang="fr-FR" sz="1300" dirty="0" err="1"/>
+                <a:t>mapToArray</a:t>
+              </a:r>
+              <a:r>
+                <a:rPr lang="fr-FR" sz="1300" dirty="0"/>
+                <a:t>() : </a:t>
+              </a:r>
+              <a:r>
+                <a:rPr lang="fr-FR" sz="1300" dirty="0" err="1"/>
+                <a:t>void</a:t>
+              </a:r>
+              <a:endParaRPr lang="fr-FR" sz="1300" dirty="0"/>
+            </a:p>
+            <a:p>
+              <a:r>
+                <a:rPr lang="fr-FR" sz="1300" dirty="0"/>
+                <a:t>+ </a:t>
+              </a:r>
+              <a:r>
+                <a:rPr lang="fr-FR" sz="1300" dirty="0" err="1"/>
+                <a:t>triArray</a:t>
+              </a:r>
+              <a:r>
+                <a:rPr lang="fr-FR" sz="1300" dirty="0"/>
+                <a:t>() : </a:t>
+              </a:r>
+              <a:r>
+                <a:rPr lang="fr-FR" sz="1300" dirty="0" err="1"/>
+                <a:t>void</a:t>
+              </a:r>
+              <a:endParaRPr lang="fr-FR" sz="1300" dirty="0"/>
+            </a:p>
+            <a:p>
+              <a:r>
+                <a:rPr lang="fr-FR" sz="1300" dirty="0"/>
+                <a:t>+ </a:t>
+              </a:r>
+              <a:r>
+                <a:rPr lang="fr-FR" sz="1300" dirty="0" err="1"/>
+                <a:t>buildTree</a:t>
+              </a:r>
+              <a:r>
+                <a:rPr lang="fr-FR" sz="1300" dirty="0"/>
+                <a:t>() : Node</a:t>
+              </a:r>
+            </a:p>
+            <a:p>
+              <a:r>
+                <a:rPr lang="fr-FR" sz="1300" dirty="0"/>
+                <a:t>+ </a:t>
+              </a:r>
+              <a:r>
+                <a:rPr lang="fr-FR" sz="1300" dirty="0" err="1"/>
+                <a:t>encodeText</a:t>
+              </a:r>
+              <a:r>
+                <a:rPr lang="fr-FR" sz="1300" dirty="0"/>
+                <a:t> (</a:t>
+              </a:r>
+              <a:r>
+                <a:rPr lang="fr-FR" sz="1300" dirty="0" err="1"/>
+                <a:t>Map</a:t>
+              </a:r>
+              <a:r>
+                <a:rPr lang="fr-FR" sz="1300" dirty="0"/>
+                <a:t>&lt;String , String&gt; codes) : String</a:t>
+              </a:r>
+            </a:p>
+            <a:p>
+              <a:r>
+                <a:rPr lang="fr-FR" sz="1300" dirty="0"/>
+                <a:t>+ </a:t>
+              </a:r>
+              <a:r>
+                <a:rPr lang="fr-FR" sz="1300" dirty="0" err="1"/>
+                <a:t>bitsToBytes</a:t>
+              </a:r>
+              <a:r>
+                <a:rPr lang="fr-FR" sz="1300" dirty="0"/>
+                <a:t>(String bits) : byte  </a:t>
+              </a:r>
+              <a:r>
+                <a:rPr lang="fr-FR" sz="1800" u="sng" dirty="0">
+                  <a:solidFill>
+                    <a:srgbClr val="000000"/>
+                  </a:solidFill>
+                  <a:latin typeface="Courier New" panose="02070309020205020404" pitchFamily="49" charset="0"/>
+                </a:rPr>
+                <a:t>[</a:t>
+              </a:r>
+              <a:r>
+                <a:rPr lang="fr-FR" sz="1300" dirty="0"/>
+                <a:t>]</a:t>
+              </a:r>
+            </a:p>
+            <a:p>
+              <a:r>
+                <a:rPr lang="fr-FR" sz="1300" dirty="0"/>
+                <a:t>…</a:t>
+              </a:r>
+            </a:p>
+          </p:txBody>
+        </p:sp>
+      </p:grpSp>
+      <p:grpSp>
+        <p:nvGrpSpPr>
+          <p:cNvPr id="13" name="Groupe 12">
+            <a:extLst>
+              <a:ext uri="{FF2B5EF4-FFF2-40B4-BE49-F238E27FC236}">
+                <a16:creationId xmlns:a16="http://schemas.microsoft.com/office/drawing/2014/main" id="{8931EA41-B472-C32C-992E-D6BC54AA2513}"/>
+              </a:ext>
+            </a:extLst>
+          </p:cNvPr>
+          <p:cNvGrpSpPr/>
+          <p:nvPr/>
+        </p:nvGrpSpPr>
+        <p:grpSpPr>
+          <a:xfrm>
+            <a:off x="6948274" y="1498687"/>
+            <a:ext cx="2190136" cy="2567589"/>
+            <a:chOff x="1150374" y="2369574"/>
+            <a:chExt cx="2035278" cy="2567589"/>
+          </a:xfrm>
+        </p:grpSpPr>
+        <p:sp>
+          <p:nvSpPr>
+            <p:cNvPr id="14" name="Rectangle 13">
+              <a:extLst>
+                <a:ext uri="{FF2B5EF4-FFF2-40B4-BE49-F238E27FC236}">
+                  <a16:creationId xmlns:a16="http://schemas.microsoft.com/office/drawing/2014/main" id="{6D049F7C-4F59-6137-7584-36F48BC3CB30}"/>
+                </a:ext>
+              </a:extLst>
+            </p:cNvPr>
+            <p:cNvSpPr/>
+            <p:nvPr/>
+          </p:nvSpPr>
+          <p:spPr>
+            <a:xfrm>
+              <a:off x="1150374" y="2369574"/>
+              <a:ext cx="2035278" cy="265471"/>
+            </a:xfrm>
+            <a:prstGeom prst="rect">
+              <a:avLst/>
+            </a:prstGeom>
+            <a:ln>
+              <a:solidFill>
+                <a:schemeClr val="tx1"/>
+              </a:solidFill>
+            </a:ln>
+          </p:spPr>
+          <p:style>
+            <a:lnRef idx="2">
+              <a:schemeClr val="accent6"/>
+            </a:lnRef>
+            <a:fillRef idx="1">
+              <a:schemeClr val="lt1"/>
+            </a:fillRef>
+            <a:effectRef idx="0">
+              <a:schemeClr val="accent6"/>
+            </a:effectRef>
+            <a:fontRef idx="minor">
+              <a:schemeClr val="dk1"/>
+            </a:fontRef>
+          </p:style>
+          <p:txBody>
+            <a:bodyPr rtlCol="0" anchor="ctr"/>
+            <a:lstStyle/>
+            <a:p>
+              <a:pPr algn="ctr"/>
+              <a:r>
+                <a:rPr lang="fr-FR" dirty="0"/>
+                <a:t>Node</a:t>
+              </a:r>
+            </a:p>
+          </p:txBody>
+        </p:sp>
+        <p:sp>
+          <p:nvSpPr>
+            <p:cNvPr id="15" name="Rectangle 14">
+              <a:extLst>
+                <a:ext uri="{FF2B5EF4-FFF2-40B4-BE49-F238E27FC236}">
+                  <a16:creationId xmlns:a16="http://schemas.microsoft.com/office/drawing/2014/main" id="{D26BF589-64AB-E17B-EAF2-E8014A22579E}"/>
+                </a:ext>
+              </a:extLst>
+            </p:cNvPr>
+            <p:cNvSpPr/>
+            <p:nvPr/>
+          </p:nvSpPr>
+          <p:spPr>
+            <a:xfrm>
+              <a:off x="1150374" y="2635045"/>
+              <a:ext cx="2035278" cy="1012723"/>
+            </a:xfrm>
+            <a:prstGeom prst="rect">
+              <a:avLst/>
+            </a:prstGeom>
+            <a:ln>
+              <a:solidFill>
+                <a:schemeClr val="tx1"/>
+              </a:solidFill>
+            </a:ln>
+          </p:spPr>
+          <p:style>
+            <a:lnRef idx="2">
+              <a:schemeClr val="accent6"/>
+            </a:lnRef>
+            <a:fillRef idx="1">
+              <a:schemeClr val="lt1"/>
+            </a:fillRef>
+            <a:effectRef idx="0">
+              <a:schemeClr val="accent6"/>
+            </a:effectRef>
+            <a:fontRef idx="minor">
+              <a:schemeClr val="dk1"/>
+            </a:fontRef>
+          </p:style>
+          <p:txBody>
+            <a:bodyPr rtlCol="0" anchor="ctr"/>
+            <a:lstStyle/>
+            <a:p>
+              <a:r>
+                <a:rPr lang="fr-FR" sz="1300" dirty="0"/>
+                <a:t>- key : String</a:t>
+              </a:r>
+            </a:p>
+            <a:p>
+              <a:r>
+                <a:rPr lang="fr-FR" sz="1300" dirty="0"/>
+                <a:t>- </a:t>
+              </a:r>
+              <a:r>
+                <a:rPr lang="fr-FR" sz="1300" dirty="0" err="1"/>
+                <a:t>frequency</a:t>
+              </a:r>
+              <a:r>
+                <a:rPr lang="fr-FR" sz="1300" dirty="0"/>
+                <a:t> : </a:t>
+              </a:r>
+              <a:r>
+                <a:rPr lang="fr-FR" sz="1300" dirty="0" err="1"/>
+                <a:t>int</a:t>
+              </a:r>
+              <a:endParaRPr lang="fr-FR" sz="1300" dirty="0"/>
+            </a:p>
+            <a:p>
+              <a:r>
+                <a:rPr lang="fr-FR" sz="1300" dirty="0"/>
+                <a:t>- </a:t>
+              </a:r>
+              <a:r>
+                <a:rPr lang="fr-FR" sz="1300" dirty="0" err="1"/>
+                <a:t>left</a:t>
+              </a:r>
+              <a:r>
+                <a:rPr lang="fr-FR" sz="1300" dirty="0"/>
+                <a:t> : Node</a:t>
+              </a:r>
+            </a:p>
+            <a:p>
+              <a:r>
+                <a:rPr lang="fr-FR" sz="1300" dirty="0"/>
+                <a:t>- right : Node</a:t>
+              </a:r>
+            </a:p>
+          </p:txBody>
+        </p:sp>
+        <p:sp>
+          <p:nvSpPr>
+            <p:cNvPr id="16" name="Rectangle 15">
+              <a:extLst>
+                <a:ext uri="{FF2B5EF4-FFF2-40B4-BE49-F238E27FC236}">
+                  <a16:creationId xmlns:a16="http://schemas.microsoft.com/office/drawing/2014/main" id="{A3404655-7D7F-A300-FB5E-2B6ECA402347}"/>
+                </a:ext>
+              </a:extLst>
+            </p:cNvPr>
+            <p:cNvSpPr/>
+            <p:nvPr/>
+          </p:nvSpPr>
+          <p:spPr>
+            <a:xfrm>
+              <a:off x="1150374" y="3647768"/>
+              <a:ext cx="2035278" cy="1289395"/>
+            </a:xfrm>
+            <a:prstGeom prst="rect">
+              <a:avLst/>
+            </a:prstGeom>
+            <a:ln>
+              <a:solidFill>
+                <a:schemeClr val="tx1"/>
+              </a:solidFill>
+            </a:ln>
+          </p:spPr>
+          <p:style>
+            <a:lnRef idx="2">
+              <a:schemeClr val="accent6"/>
+            </a:lnRef>
+            <a:fillRef idx="1">
+              <a:schemeClr val="lt1"/>
+            </a:fillRef>
+            <a:effectRef idx="0">
+              <a:schemeClr val="accent6"/>
+            </a:effectRef>
+            <a:fontRef idx="minor">
+              <a:schemeClr val="dk1"/>
+            </a:fontRef>
+          </p:style>
+          <p:txBody>
+            <a:bodyPr rtlCol="0" anchor="ctr"/>
+            <a:lstStyle/>
+            <a:p>
+              <a:r>
+                <a:rPr lang="fr-FR" dirty="0"/>
+                <a:t>+ </a:t>
+              </a:r>
+              <a:r>
+                <a:rPr lang="fr-FR" sz="1300" dirty="0" err="1"/>
+                <a:t>depthCode</a:t>
+              </a:r>
+              <a:r>
+                <a:rPr lang="fr-FR" sz="1300" dirty="0"/>
+                <a:t>(Node </a:t>
+              </a:r>
+              <a:r>
+                <a:rPr lang="fr-FR" sz="1300" dirty="0" err="1"/>
+                <a:t>node</a:t>
+              </a:r>
+              <a:r>
+                <a:rPr lang="fr-FR" sz="1300" dirty="0"/>
+                <a:t>, String code, </a:t>
+              </a:r>
+              <a:r>
+                <a:rPr lang="fr-FR" sz="1300" dirty="0" err="1"/>
+                <a:t>Map</a:t>
+              </a:r>
+              <a:r>
+                <a:rPr lang="fr-FR" sz="1300" dirty="0"/>
+                <a:t>&lt;</a:t>
+              </a:r>
+              <a:r>
+                <a:rPr lang="fr-FR" sz="1300" dirty="0" err="1"/>
+                <a:t>String,Integer</a:t>
+              </a:r>
+              <a:r>
+                <a:rPr lang="fr-FR" sz="1300" dirty="0"/>
+                <a:t>&gt; codes : </a:t>
+              </a:r>
+              <a:r>
+                <a:rPr lang="fr-FR" sz="1300" dirty="0" err="1"/>
+                <a:t>void</a:t>
+              </a:r>
+              <a:endParaRPr lang="fr-FR" sz="1300" dirty="0"/>
+            </a:p>
+            <a:p>
+              <a:r>
+                <a:rPr lang="fr-FR" sz="1300" dirty="0"/>
+                <a:t>+ </a:t>
+              </a:r>
+              <a:r>
+                <a:rPr lang="fr-FR" sz="1300" dirty="0" err="1"/>
+                <a:t>printTree</a:t>
+              </a:r>
+              <a:r>
+                <a:rPr lang="fr-FR" sz="1300" dirty="0"/>
+                <a:t> (String </a:t>
+              </a:r>
+              <a:r>
+                <a:rPr lang="fr-FR" sz="1300" dirty="0" err="1"/>
+                <a:t>prefix</a:t>
+              </a:r>
+              <a:r>
+                <a:rPr lang="fr-FR" sz="1300" dirty="0"/>
+                <a:t>, </a:t>
+              </a:r>
+              <a:r>
+                <a:rPr lang="fr-FR" sz="1300" dirty="0" err="1"/>
+                <a:t>boolean</a:t>
+              </a:r>
+              <a:r>
+                <a:rPr lang="fr-FR" sz="1300" dirty="0"/>
+                <a:t> </a:t>
+              </a:r>
+              <a:r>
+                <a:rPr lang="fr-FR" sz="1300" dirty="0" err="1"/>
+                <a:t>isTail</a:t>
+              </a:r>
+              <a:r>
+                <a:rPr lang="fr-FR" sz="1300" dirty="0"/>
+                <a:t>) : </a:t>
+              </a:r>
+              <a:r>
+                <a:rPr lang="fr-FR" sz="1300" dirty="0" err="1"/>
+                <a:t>void</a:t>
+              </a:r>
+              <a:endParaRPr lang="fr-FR" sz="1300" dirty="0"/>
+            </a:p>
+          </p:txBody>
+        </p:sp>
+      </p:grpSp>
+      <p:grpSp>
+        <p:nvGrpSpPr>
+          <p:cNvPr id="17" name="Groupe 16">
+            <a:extLst>
+              <a:ext uri="{FF2B5EF4-FFF2-40B4-BE49-F238E27FC236}">
+                <a16:creationId xmlns:a16="http://schemas.microsoft.com/office/drawing/2014/main" id="{6DEF19F4-B0E3-60C1-F947-BDEFC6091C1F}"/>
+              </a:ext>
+            </a:extLst>
+          </p:cNvPr>
+          <p:cNvGrpSpPr/>
+          <p:nvPr/>
+        </p:nvGrpSpPr>
+        <p:grpSpPr>
+          <a:xfrm>
+            <a:off x="9370142" y="3178426"/>
+            <a:ext cx="2821858" cy="2290917"/>
+            <a:chOff x="1150374" y="2369574"/>
+            <a:chExt cx="2035278" cy="2290917"/>
+          </a:xfrm>
+        </p:grpSpPr>
+        <p:sp>
+          <p:nvSpPr>
+            <p:cNvPr id="18" name="Rectangle 17">
+              <a:extLst>
+                <a:ext uri="{FF2B5EF4-FFF2-40B4-BE49-F238E27FC236}">
+                  <a16:creationId xmlns:a16="http://schemas.microsoft.com/office/drawing/2014/main" id="{685BE061-1D7D-D647-2B2C-B37C6303D6EC}"/>
+                </a:ext>
+              </a:extLst>
+            </p:cNvPr>
+            <p:cNvSpPr/>
+            <p:nvPr/>
+          </p:nvSpPr>
+          <p:spPr>
+            <a:xfrm>
+              <a:off x="1150374" y="2369574"/>
+              <a:ext cx="2035278" cy="265471"/>
+            </a:xfrm>
+            <a:prstGeom prst="rect">
+              <a:avLst/>
+            </a:prstGeom>
+            <a:ln>
+              <a:solidFill>
+                <a:schemeClr val="tx1"/>
+              </a:solidFill>
+            </a:ln>
+          </p:spPr>
+          <p:style>
+            <a:lnRef idx="2">
+              <a:schemeClr val="accent6"/>
+            </a:lnRef>
+            <a:fillRef idx="1">
+              <a:schemeClr val="lt1"/>
+            </a:fillRef>
+            <a:effectRef idx="0">
+              <a:schemeClr val="accent6"/>
+            </a:effectRef>
+            <a:fontRef idx="minor">
+              <a:schemeClr val="dk1"/>
+            </a:fontRef>
+          </p:style>
+          <p:txBody>
+            <a:bodyPr rtlCol="0" anchor="ctr"/>
+            <a:lstStyle/>
+            <a:p>
+              <a:pPr algn="ctr"/>
+              <a:r>
+                <a:rPr lang="fr-FR" dirty="0"/>
+                <a:t>Logger</a:t>
+              </a:r>
+            </a:p>
+          </p:txBody>
+        </p:sp>
+        <p:sp>
+          <p:nvSpPr>
+            <p:cNvPr id="19" name="Rectangle 18">
+              <a:extLst>
+                <a:ext uri="{FF2B5EF4-FFF2-40B4-BE49-F238E27FC236}">
+                  <a16:creationId xmlns:a16="http://schemas.microsoft.com/office/drawing/2014/main" id="{B412CC3D-C0A4-6519-A988-611DCB0495BC}"/>
+                </a:ext>
+              </a:extLst>
+            </p:cNvPr>
+            <p:cNvSpPr/>
+            <p:nvPr/>
+          </p:nvSpPr>
+          <p:spPr>
+            <a:xfrm>
+              <a:off x="1150374" y="2635045"/>
+              <a:ext cx="2035278" cy="1012723"/>
+            </a:xfrm>
+            <a:prstGeom prst="rect">
+              <a:avLst/>
+            </a:prstGeom>
+            <a:ln>
+              <a:solidFill>
+                <a:schemeClr val="tx1"/>
+              </a:solidFill>
+            </a:ln>
+          </p:spPr>
+          <p:style>
+            <a:lnRef idx="2">
+              <a:schemeClr val="accent6"/>
+            </a:lnRef>
+            <a:fillRef idx="1">
+              <a:schemeClr val="lt1"/>
+            </a:fillRef>
+            <a:effectRef idx="0">
+              <a:schemeClr val="accent6"/>
+            </a:effectRef>
+            <a:fontRef idx="minor">
+              <a:schemeClr val="dk1"/>
+            </a:fontRef>
+          </p:style>
+          <p:txBody>
+            <a:bodyPr rtlCol="0" anchor="ctr"/>
+            <a:lstStyle/>
+            <a:p>
+              <a:r>
+                <a:rPr lang="fr-FR" sz="1300" dirty="0"/>
+                <a:t>- </a:t>
+              </a:r>
+              <a:r>
+                <a:rPr lang="fr-FR" sz="1300" dirty="0" err="1"/>
+                <a:t>sortieTxt</a:t>
+              </a:r>
+              <a:r>
+                <a:rPr lang="fr-FR" sz="1300" dirty="0"/>
+                <a:t> : </a:t>
+              </a:r>
+              <a:r>
+                <a:rPr lang="fr-FR" sz="1300" dirty="0" err="1"/>
+                <a:t>PrintWriter</a:t>
+              </a:r>
+              <a:endParaRPr lang="fr-FR" sz="1300" dirty="0"/>
+            </a:p>
+            <a:p>
+              <a:r>
+                <a:rPr lang="fr-FR" sz="1300" dirty="0"/>
+                <a:t>- </a:t>
+              </a:r>
+              <a:r>
+                <a:rPr lang="fr-FR" sz="1300" dirty="0" err="1"/>
+                <a:t>sortieBin</a:t>
+              </a:r>
+              <a:r>
+                <a:rPr lang="fr-FR" sz="1300" dirty="0"/>
+                <a:t> : </a:t>
+              </a:r>
+              <a:r>
+                <a:rPr lang="fr-FR" sz="1300" dirty="0" err="1"/>
+                <a:t>BufferedOutputStream</a:t>
+              </a:r>
+              <a:endParaRPr lang="fr-FR" sz="1300" dirty="0"/>
+            </a:p>
+            <a:p>
+              <a:r>
+                <a:rPr lang="fr-FR" sz="1300" dirty="0"/>
+                <a:t>- </a:t>
+              </a:r>
+              <a:r>
+                <a:rPr lang="fr-FR" sz="1300" dirty="0" err="1"/>
+                <a:t>cheminBase</a:t>
+              </a:r>
+              <a:r>
+                <a:rPr lang="fr-FR" sz="1300" dirty="0"/>
+                <a:t> : String</a:t>
+              </a:r>
+            </a:p>
+            <a:p>
+              <a:endParaRPr lang="fr-FR" sz="1300" dirty="0"/>
+            </a:p>
+          </p:txBody>
+        </p:sp>
+        <p:sp>
+          <p:nvSpPr>
+            <p:cNvPr id="20" name="Rectangle 19">
+              <a:extLst>
+                <a:ext uri="{FF2B5EF4-FFF2-40B4-BE49-F238E27FC236}">
+                  <a16:creationId xmlns:a16="http://schemas.microsoft.com/office/drawing/2014/main" id="{9241E6D8-86F9-4235-26D6-7301786BB915}"/>
+                </a:ext>
+              </a:extLst>
+            </p:cNvPr>
+            <p:cNvSpPr/>
+            <p:nvPr/>
+          </p:nvSpPr>
+          <p:spPr>
+            <a:xfrm>
+              <a:off x="1150374" y="3647768"/>
+              <a:ext cx="2035278" cy="1012723"/>
+            </a:xfrm>
+            <a:prstGeom prst="rect">
+              <a:avLst/>
+            </a:prstGeom>
+            <a:ln>
+              <a:solidFill>
+                <a:schemeClr val="tx1"/>
+              </a:solidFill>
+            </a:ln>
+          </p:spPr>
+          <p:style>
+            <a:lnRef idx="2">
+              <a:schemeClr val="accent6"/>
+            </a:lnRef>
+            <a:fillRef idx="1">
+              <a:schemeClr val="lt1"/>
+            </a:fillRef>
+            <a:effectRef idx="0">
+              <a:schemeClr val="accent6"/>
+            </a:effectRef>
+            <a:fontRef idx="minor">
+              <a:schemeClr val="dk1"/>
+            </a:fontRef>
+          </p:style>
+          <p:txBody>
+            <a:bodyPr rtlCol="0" anchor="ctr"/>
+            <a:lstStyle/>
+            <a:p>
+              <a:r>
+                <a:rPr lang="fr-FR" sz="1300" dirty="0"/>
+                <a:t>+ </a:t>
+              </a:r>
+              <a:r>
+                <a:rPr lang="fr-FR" sz="1300" dirty="0" err="1"/>
+                <a:t>LogTxt</a:t>
+              </a:r>
+              <a:r>
+                <a:rPr lang="fr-FR" sz="1300" dirty="0"/>
+                <a:t> (</a:t>
+              </a:r>
+              <a:r>
+                <a:rPr lang="fr-FR" sz="1300" dirty="0" err="1"/>
+                <a:t>int</a:t>
+              </a:r>
+              <a:r>
+                <a:rPr lang="fr-FR" sz="1300" dirty="0"/>
+                <a:t> taille, </a:t>
+              </a:r>
+              <a:r>
+                <a:rPr lang="fr-FR" sz="1300" dirty="0" err="1"/>
+                <a:t>Map</a:t>
+              </a:r>
+              <a:r>
+                <a:rPr lang="fr-FR" sz="1300" dirty="0"/>
+                <a:t>&lt;String, Integer&gt; message) :</a:t>
+              </a:r>
+              <a:r>
+                <a:rPr lang="fr-FR" sz="1300" dirty="0" err="1"/>
+                <a:t>void</a:t>
+              </a:r>
+              <a:r>
+                <a:rPr lang="fr-FR" sz="1300" dirty="0"/>
+                <a:t> </a:t>
+              </a:r>
+            </a:p>
+            <a:p>
+              <a:r>
+                <a:rPr lang="fr-FR" sz="1300" dirty="0"/>
+                <a:t>+ </a:t>
+              </a:r>
+              <a:r>
+                <a:rPr lang="fr-FR" sz="1300" dirty="0" err="1"/>
+                <a:t>logBin</a:t>
+              </a:r>
+              <a:r>
+                <a:rPr lang="fr-FR" sz="1300" dirty="0"/>
+                <a:t>(byte </a:t>
+              </a:r>
+              <a:r>
+                <a:rPr lang="fr-FR" sz="1800" u="sng" dirty="0">
+                  <a:solidFill>
+                    <a:srgbClr val="000000"/>
+                  </a:solidFill>
+                  <a:latin typeface="Courier New" panose="02070309020205020404" pitchFamily="49" charset="0"/>
+                </a:rPr>
+                <a:t>[</a:t>
+              </a:r>
+              <a:r>
+                <a:rPr lang="fr-FR" sz="1300" dirty="0"/>
+                <a:t>]): </a:t>
+              </a:r>
+              <a:r>
+                <a:rPr lang="fr-FR" sz="1300" dirty="0" err="1"/>
+                <a:t>void</a:t>
+              </a:r>
+              <a:endParaRPr lang="fr-FR" sz="1300" dirty="0"/>
+            </a:p>
+            <a:p>
+              <a:r>
+                <a:rPr lang="fr-FR" sz="1300" dirty="0"/>
+                <a:t>+ close() : </a:t>
+              </a:r>
+              <a:r>
+                <a:rPr lang="fr-FR" sz="1300" dirty="0" err="1"/>
+                <a:t>void</a:t>
+              </a:r>
+              <a:endParaRPr lang="fr-FR" sz="1300" dirty="0"/>
+            </a:p>
+          </p:txBody>
+        </p:sp>
+      </p:grpSp>
+      <p:sp>
+        <p:nvSpPr>
+          <p:cNvPr id="21" name="Ellipse 20">
+            <a:extLst>
+              <a:ext uri="{FF2B5EF4-FFF2-40B4-BE49-F238E27FC236}">
+                <a16:creationId xmlns:a16="http://schemas.microsoft.com/office/drawing/2014/main" id="{6451AB21-659F-3E9C-8E26-8BB435ECE828}"/>
+              </a:ext>
+            </a:extLst>
+          </p:cNvPr>
+          <p:cNvSpPr/>
+          <p:nvPr/>
+        </p:nvSpPr>
+        <p:spPr>
+          <a:xfrm>
+            <a:off x="6306438" y="5714669"/>
+            <a:ext cx="3392129" cy="1092836"/>
+          </a:xfrm>
+          <a:prstGeom prst="ellipse">
+            <a:avLst/>
+          </a:prstGeom>
+          <a:ln>
+            <a:solidFill>
+              <a:schemeClr val="tx1"/>
+            </a:solidFill>
+          </a:ln>
+        </p:spPr>
+        <p:style>
+          <a:lnRef idx="2">
+            <a:schemeClr val="accent6"/>
+          </a:lnRef>
+          <a:fillRef idx="1">
+            <a:schemeClr val="lt1"/>
+          </a:fillRef>
+          <a:effectRef idx="0">
+            <a:schemeClr val="accent6"/>
+          </a:effectRef>
+          <a:fontRef idx="minor">
+            <a:schemeClr val="dk1"/>
+          </a:fontRef>
+        </p:style>
+        <p:txBody>
+          <a:bodyPr rtlCol="0" anchor="ctr"/>
+          <a:lstStyle/>
+          <a:p>
+            <a:pPr algn="ctr"/>
+            <a:r>
+              <a:rPr lang="fr-FR" dirty="0"/>
+              <a:t>Interface</a:t>
+            </a:r>
+          </a:p>
+        </p:txBody>
+      </p:sp>
+      <p:sp>
+        <p:nvSpPr>
+          <p:cNvPr id="22" name="ZoneTexte 21">
+            <a:extLst>
+              <a:ext uri="{FF2B5EF4-FFF2-40B4-BE49-F238E27FC236}">
+                <a16:creationId xmlns:a16="http://schemas.microsoft.com/office/drawing/2014/main" id="{8BDEEE08-52AD-ED7A-9CC8-EC7271A3EC22}"/>
+              </a:ext>
+            </a:extLst>
+          </p:cNvPr>
+          <p:cNvSpPr txBox="1"/>
+          <p:nvPr/>
+        </p:nvSpPr>
+        <p:spPr>
+          <a:xfrm>
+            <a:off x="838200" y="1437656"/>
+            <a:ext cx="1903085" cy="369332"/>
+          </a:xfrm>
+          <a:prstGeom prst="rect">
+            <a:avLst/>
+          </a:prstGeom>
+          <a:noFill/>
+        </p:spPr>
+        <p:txBody>
+          <a:bodyPr wrap="none" rtlCol="0">
+            <a:spAutoFit/>
+          </a:bodyPr>
+          <a:lstStyle/>
+          <a:p>
+            <a:r>
+              <a:rPr lang="fr-FR" dirty="0"/>
+              <a:t>Diagramme UML :</a:t>
+            </a:r>
+          </a:p>
+        </p:txBody>
+      </p:sp>
+      <p:cxnSp>
+        <p:nvCxnSpPr>
+          <p:cNvPr id="23" name="Connecteur droit 22">
+            <a:extLst>
+              <a:ext uri="{FF2B5EF4-FFF2-40B4-BE49-F238E27FC236}">
+                <a16:creationId xmlns:a16="http://schemas.microsoft.com/office/drawing/2014/main" id="{3F5149FB-0D3B-072A-2752-8F3FF70B70A7}"/>
+              </a:ext>
+            </a:extLst>
+          </p:cNvPr>
+          <p:cNvCxnSpPr>
+            <a:stCxn id="16" idx="2"/>
+          </p:cNvCxnSpPr>
+          <p:nvPr/>
+        </p:nvCxnSpPr>
+        <p:spPr>
+          <a:xfrm flipH="1">
+            <a:off x="8042787" y="4066276"/>
+            <a:ext cx="555" cy="390344"/>
+          </a:xfrm>
+          <a:prstGeom prst="line">
+            <a:avLst/>
+          </a:prstGeom>
+          <a:ln w="12700">
+            <a:solidFill>
+              <a:schemeClr val="tx1"/>
+            </a:solidFill>
+          </a:ln>
+        </p:spPr>
+        <p:style>
+          <a:lnRef idx="1">
+            <a:schemeClr val="dk1"/>
+          </a:lnRef>
+          <a:fillRef idx="0">
+            <a:schemeClr val="dk1"/>
+          </a:fillRef>
+          <a:effectRef idx="0">
+            <a:schemeClr val="dk1"/>
+          </a:effectRef>
+          <a:fontRef idx="minor">
+            <a:schemeClr val="tx1"/>
+          </a:fontRef>
+        </p:style>
+      </p:cxnSp>
+      <p:cxnSp>
+        <p:nvCxnSpPr>
+          <p:cNvPr id="24" name="Connecteur droit 23">
+            <a:extLst>
+              <a:ext uri="{FF2B5EF4-FFF2-40B4-BE49-F238E27FC236}">
+                <a16:creationId xmlns:a16="http://schemas.microsoft.com/office/drawing/2014/main" id="{B165A616-8672-0914-EBC4-1A9DBC829DA7}"/>
+              </a:ext>
+            </a:extLst>
+          </p:cNvPr>
+          <p:cNvCxnSpPr>
+            <a:cxnSpLocks/>
+          </p:cNvCxnSpPr>
+          <p:nvPr/>
+        </p:nvCxnSpPr>
+        <p:spPr>
+          <a:xfrm flipH="1">
+            <a:off x="6696723" y="4456620"/>
+            <a:ext cx="1346064" cy="0"/>
+          </a:xfrm>
+          <a:prstGeom prst="line">
+            <a:avLst/>
+          </a:prstGeom>
+          <a:ln w="12700">
+            <a:solidFill>
+              <a:schemeClr val="tx1"/>
+            </a:solidFill>
+          </a:ln>
+        </p:spPr>
+        <p:style>
+          <a:lnRef idx="1">
+            <a:schemeClr val="dk1"/>
+          </a:lnRef>
+          <a:fillRef idx="0">
+            <a:schemeClr val="dk1"/>
+          </a:fillRef>
+          <a:effectRef idx="0">
+            <a:schemeClr val="dk1"/>
+          </a:effectRef>
+          <a:fontRef idx="minor">
+            <a:schemeClr val="tx1"/>
+          </a:fontRef>
+        </p:style>
+      </p:cxnSp>
+      <p:sp>
+        <p:nvSpPr>
+          <p:cNvPr id="27" name="Rectangle 26">
+            <a:extLst>
+              <a:ext uri="{FF2B5EF4-FFF2-40B4-BE49-F238E27FC236}">
+                <a16:creationId xmlns:a16="http://schemas.microsoft.com/office/drawing/2014/main" id="{D4A46EB9-7EAD-4A94-7C86-5E36F718ADE1}"/>
+              </a:ext>
+            </a:extLst>
+          </p:cNvPr>
+          <p:cNvSpPr/>
+          <p:nvPr/>
+        </p:nvSpPr>
+        <p:spPr>
+          <a:xfrm rot="18925365">
+            <a:off x="6788290" y="4268418"/>
+            <a:ext cx="383458" cy="363793"/>
+          </a:xfrm>
+          <a:prstGeom prst="rect">
+            <a:avLst/>
+          </a:prstGeom>
+          <a:ln w="38100">
+            <a:solidFill>
+              <a:schemeClr val="tx1"/>
+            </a:solidFill>
+          </a:ln>
+        </p:spPr>
+        <p:style>
+          <a:lnRef idx="2">
+            <a:schemeClr val="accent6"/>
+          </a:lnRef>
+          <a:fillRef idx="1">
+            <a:schemeClr val="lt1"/>
+          </a:fillRef>
+          <a:effectRef idx="0">
+            <a:schemeClr val="accent6"/>
+          </a:effectRef>
+          <a:fontRef idx="minor">
+            <a:schemeClr val="dk1"/>
+          </a:fontRef>
+        </p:style>
+        <p:txBody>
+          <a:bodyPr rtlCol="0" anchor="ctr"/>
+          <a:lstStyle/>
+          <a:p>
+            <a:pPr algn="ctr"/>
             <a:endParaRPr lang="fr-FR"/>
           </a:p>
         </p:txBody>
       </p:sp>
       <p:sp>
         <p:nvSpPr>
-          <p:cNvPr id="3" name="Sous-titre 2">
-            <a:extLst>
-              <a:ext uri="{FF2B5EF4-FFF2-40B4-BE49-F238E27FC236}">
-                <a16:creationId xmlns:a16="http://schemas.microsoft.com/office/drawing/2014/main" id="{1C08C6AC-9582-453C-546F-2139ED4B5983}"/>
-              </a:ext>
-            </a:extLst>
-          </p:cNvPr>
-          <p:cNvSpPr>
-            <a:spLocks noGrp="1"/>
-          </p:cNvSpPr>
-          <p:nvPr>
-            <p:ph type="subTitle" idx="1"/>
-          </p:nvPr>
-        </p:nvSpPr>
-        <p:spPr/>
-        <p:txBody>
-          <a:bodyPr/>
+          <p:cNvPr id="28" name="ZoneTexte 27">
+            <a:extLst>
+              <a:ext uri="{FF2B5EF4-FFF2-40B4-BE49-F238E27FC236}">
+                <a16:creationId xmlns:a16="http://schemas.microsoft.com/office/drawing/2014/main" id="{87DF5C6F-BEEB-1715-8853-D9C4E7F7A8B8}"/>
+              </a:ext>
+            </a:extLst>
+          </p:cNvPr>
+          <p:cNvSpPr txBox="1"/>
+          <p:nvPr/>
+        </p:nvSpPr>
+        <p:spPr>
+          <a:xfrm>
+            <a:off x="8018208" y="4065380"/>
+            <a:ext cx="491609" cy="492443"/>
+          </a:xfrm>
+          <a:prstGeom prst="rect">
+            <a:avLst/>
+          </a:prstGeom>
+          <a:noFill/>
+        </p:spPr>
+        <p:txBody>
+          <a:bodyPr wrap="none" rtlCol="0">
+            <a:spAutoFit/>
+          </a:bodyPr>
           <a:lstStyle/>
           <a:p>
-            <a:endParaRPr lang="fr-FR"/>
-          </a:p>
-        </p:txBody>
-      </p:sp>
+            <a:r>
+              <a:rPr lang="fr-FR" sz="1300" dirty="0" err="1"/>
+              <a:t>Tree</a:t>
+            </a:r>
+            <a:endParaRPr lang="fr-FR" sz="1300" dirty="0"/>
+          </a:p>
+          <a:p>
+            <a:r>
+              <a:rPr lang="fr-FR" sz="1300" dirty="0"/>
+              <a:t>0..n</a:t>
+            </a:r>
+          </a:p>
+        </p:txBody>
+      </p:sp>
+      <p:cxnSp>
+        <p:nvCxnSpPr>
+          <p:cNvPr id="29" name="Connecteur droit 28">
+            <a:extLst>
+              <a:ext uri="{FF2B5EF4-FFF2-40B4-BE49-F238E27FC236}">
+                <a16:creationId xmlns:a16="http://schemas.microsoft.com/office/drawing/2014/main" id="{FD65286E-69CE-297D-6F66-B7B242FBC87F}"/>
+              </a:ext>
+            </a:extLst>
+          </p:cNvPr>
+          <p:cNvCxnSpPr>
+            <a:cxnSpLocks/>
+            <a:stCxn id="21" idx="1"/>
+            <a:endCxn id="7" idx="3"/>
+          </p:cNvCxnSpPr>
+          <p:nvPr/>
+        </p:nvCxnSpPr>
+        <p:spPr>
+          <a:xfrm flipH="1" flipV="1">
+            <a:off x="2590125" y="5503759"/>
+            <a:ext cx="4213079" cy="370952"/>
+          </a:xfrm>
+          <a:prstGeom prst="line">
+            <a:avLst/>
+          </a:prstGeom>
+          <a:ln w="12700">
+            <a:solidFill>
+              <a:schemeClr val="tx1"/>
+            </a:solidFill>
+          </a:ln>
+        </p:spPr>
+        <p:style>
+          <a:lnRef idx="1">
+            <a:schemeClr val="dk1"/>
+          </a:lnRef>
+          <a:fillRef idx="0">
+            <a:schemeClr val="dk1"/>
+          </a:fillRef>
+          <a:effectRef idx="0">
+            <a:schemeClr val="dk1"/>
+          </a:effectRef>
+          <a:fontRef idx="minor">
+            <a:schemeClr val="tx1"/>
+          </a:fontRef>
+        </p:style>
+      </p:cxnSp>
+      <p:cxnSp>
+        <p:nvCxnSpPr>
+          <p:cNvPr id="31" name="Connecteur droit 30">
+            <a:extLst>
+              <a:ext uri="{FF2B5EF4-FFF2-40B4-BE49-F238E27FC236}">
+                <a16:creationId xmlns:a16="http://schemas.microsoft.com/office/drawing/2014/main" id="{EFC656C6-1DCA-E90E-3841-C842D5EA3977}"/>
+              </a:ext>
+            </a:extLst>
+          </p:cNvPr>
+          <p:cNvCxnSpPr>
+            <a:cxnSpLocks/>
+            <a:stCxn id="12" idx="2"/>
+            <a:endCxn id="7" idx="3"/>
+          </p:cNvCxnSpPr>
+          <p:nvPr/>
+        </p:nvCxnSpPr>
+        <p:spPr>
+          <a:xfrm flipH="1">
+            <a:off x="2590125" y="4723679"/>
+            <a:ext cx="2169166" cy="780080"/>
+          </a:xfrm>
+          <a:prstGeom prst="line">
+            <a:avLst/>
+          </a:prstGeom>
+          <a:ln w="12700">
+            <a:solidFill>
+              <a:schemeClr val="tx1"/>
+            </a:solidFill>
+          </a:ln>
+        </p:spPr>
+        <p:style>
+          <a:lnRef idx="1">
+            <a:schemeClr val="dk1"/>
+          </a:lnRef>
+          <a:fillRef idx="0">
+            <a:schemeClr val="dk1"/>
+          </a:fillRef>
+          <a:effectRef idx="0">
+            <a:schemeClr val="dk1"/>
+          </a:effectRef>
+          <a:fontRef idx="minor">
+            <a:schemeClr val="tx1"/>
+          </a:fontRef>
+        </p:style>
+      </p:cxnSp>
+      <p:cxnSp>
+        <p:nvCxnSpPr>
+          <p:cNvPr id="35" name="Connecteur droit 34">
+            <a:extLst>
+              <a:ext uri="{FF2B5EF4-FFF2-40B4-BE49-F238E27FC236}">
+                <a16:creationId xmlns:a16="http://schemas.microsoft.com/office/drawing/2014/main" id="{FA6741B6-0578-5FE8-5863-F43533E32EC8}"/>
+              </a:ext>
+            </a:extLst>
+          </p:cNvPr>
+          <p:cNvCxnSpPr>
+            <a:cxnSpLocks/>
+            <a:stCxn id="21" idx="0"/>
+            <a:endCxn id="12" idx="2"/>
+          </p:cNvCxnSpPr>
+          <p:nvPr/>
+        </p:nvCxnSpPr>
+        <p:spPr>
+          <a:xfrm flipH="1" flipV="1">
+            <a:off x="4759291" y="4723679"/>
+            <a:ext cx="3243212" cy="990990"/>
+          </a:xfrm>
+          <a:prstGeom prst="line">
+            <a:avLst/>
+          </a:prstGeom>
+          <a:ln w="12700">
+            <a:solidFill>
+              <a:schemeClr val="tx1"/>
+            </a:solidFill>
+          </a:ln>
+        </p:spPr>
+        <p:style>
+          <a:lnRef idx="1">
+            <a:schemeClr val="dk1"/>
+          </a:lnRef>
+          <a:fillRef idx="0">
+            <a:schemeClr val="dk1"/>
+          </a:fillRef>
+          <a:effectRef idx="0">
+            <a:schemeClr val="dk1"/>
+          </a:effectRef>
+          <a:fontRef idx="minor">
+            <a:schemeClr val="tx1"/>
+          </a:fontRef>
+        </p:style>
+      </p:cxnSp>
+      <p:cxnSp>
+        <p:nvCxnSpPr>
+          <p:cNvPr id="38" name="Connecteur droit 37">
+            <a:extLst>
+              <a:ext uri="{FF2B5EF4-FFF2-40B4-BE49-F238E27FC236}">
+                <a16:creationId xmlns:a16="http://schemas.microsoft.com/office/drawing/2014/main" id="{31F114B9-D6D5-5237-1CE3-E7078E1E033D}"/>
+              </a:ext>
+            </a:extLst>
+          </p:cNvPr>
+          <p:cNvCxnSpPr>
+            <a:cxnSpLocks/>
+            <a:stCxn id="20" idx="1"/>
+            <a:endCxn id="12" idx="2"/>
+          </p:cNvCxnSpPr>
+          <p:nvPr/>
+        </p:nvCxnSpPr>
+        <p:spPr>
+          <a:xfrm flipH="1" flipV="1">
+            <a:off x="4759291" y="4723679"/>
+            <a:ext cx="4610851" cy="239303"/>
+          </a:xfrm>
+          <a:prstGeom prst="line">
+            <a:avLst/>
+          </a:prstGeom>
+          <a:ln w="12700">
+            <a:solidFill>
+              <a:schemeClr val="tx1"/>
+            </a:solidFill>
+          </a:ln>
+        </p:spPr>
+        <p:style>
+          <a:lnRef idx="1">
+            <a:schemeClr val="dk1"/>
+          </a:lnRef>
+          <a:fillRef idx="0">
+            <a:schemeClr val="dk1"/>
+          </a:fillRef>
+          <a:effectRef idx="0">
+            <a:schemeClr val="dk1"/>
+          </a:effectRef>
+          <a:fontRef idx="minor">
+            <a:schemeClr val="tx1"/>
+          </a:fontRef>
+        </p:style>
+      </p:cxnSp>
+      <p:cxnSp>
+        <p:nvCxnSpPr>
+          <p:cNvPr id="41" name="Connecteur droit 40">
+            <a:extLst>
+              <a:ext uri="{FF2B5EF4-FFF2-40B4-BE49-F238E27FC236}">
+                <a16:creationId xmlns:a16="http://schemas.microsoft.com/office/drawing/2014/main" id="{0746A249-7876-3F30-E3CF-02D0F6BD1CF3}"/>
+              </a:ext>
+            </a:extLst>
+          </p:cNvPr>
+          <p:cNvCxnSpPr>
+            <a:cxnSpLocks/>
+            <a:stCxn id="20" idx="2"/>
+            <a:endCxn id="21" idx="7"/>
+          </p:cNvCxnSpPr>
+          <p:nvPr/>
+        </p:nvCxnSpPr>
+        <p:spPr>
+          <a:xfrm flipH="1">
+            <a:off x="9201801" y="5469343"/>
+            <a:ext cx="1579270" cy="405368"/>
+          </a:xfrm>
+          <a:prstGeom prst="line">
+            <a:avLst/>
+          </a:prstGeom>
+          <a:ln w="12700">
+            <a:solidFill>
+              <a:schemeClr val="tx1"/>
+            </a:solidFill>
+          </a:ln>
+        </p:spPr>
+        <p:style>
+          <a:lnRef idx="1">
+            <a:schemeClr val="dk1"/>
+          </a:lnRef>
+          <a:fillRef idx="0">
+            <a:schemeClr val="dk1"/>
+          </a:fillRef>
+          <a:effectRef idx="0">
+            <a:schemeClr val="dk1"/>
+          </a:effectRef>
+          <a:fontRef idx="minor">
+            <a:schemeClr val="tx1"/>
+          </a:fontRef>
+        </p:style>
+      </p:cxnSp>
     </p:spTree>
     <p:extLst>
       <p:ext uri="{BB962C8B-B14F-4D97-AF65-F5344CB8AC3E}">
-        <p14:creationId xmlns:p14="http://schemas.microsoft.com/office/powerpoint/2010/main" val="4099815530"/>
+        <p14:creationId xmlns:p14="http://schemas.microsoft.com/office/powerpoint/2010/main" val="1060675782"/>
       </p:ext>
     </p:extLst>
   </p:cSld>
   <p:clrMapOvr>
     <a:masterClrMapping/>
   </p:clrMapOvr>
+  <mc:AlternateContent xmlns:mc="http://schemas.openxmlformats.org/markup-compatibility/2006" xmlns:p159="http://schemas.microsoft.com/office/powerpoint/2015/09/main">
+    <mc:Choice Requires="p159">
+      <p:transition xmlns:p14="http://schemas.microsoft.com/office/powerpoint/2010/main" spd="slow" p14:dur="2000">
+        <p159:morph option="byObject"/>
+      </p:transition>
+    </mc:Choice>
+    <mc:Fallback xmlns="">
+      <p:transition spd="slow">
+        <p:fade/>
+      </p:transition>
+    </mc:Fallback>
+  </mc:AlternateContent>
+</p:sld>
+</file>
+
+<file path=ppt/slides/slide3.xml><?xml version="1.0" encoding="utf-8"?>
+<p:sld xmlns:a="http://schemas.openxmlformats.org/drawingml/2006/main" xmlns:r="http://schemas.openxmlformats.org/officeDocument/2006/relationships" xmlns:p="http://schemas.openxmlformats.org/presentationml/2006/main">
+  <p:cSld>
+    <p:spTree>
+      <p:nvGrpSpPr>
+        <p:cNvPr id="1" name=""/>
+        <p:cNvGrpSpPr/>
+        <p:nvPr/>
+      </p:nvGrpSpPr>
+      <p:grpSpPr>
+        <a:xfrm>
+          <a:off x="0" y="0"/>
+          <a:ext cx="0" cy="0"/>
+          <a:chOff x="0" y="0"/>
+          <a:chExt cx="0" cy="0"/>
+        </a:xfrm>
+      </p:grpSpPr>
+      <p:sp>
+        <p:nvSpPr>
+          <p:cNvPr id="2" name="Titre 1">
+            <a:extLst>
+              <a:ext uri="{FF2B5EF4-FFF2-40B4-BE49-F238E27FC236}">
+                <a16:creationId xmlns:a16="http://schemas.microsoft.com/office/drawing/2014/main" id="{908824E3-784E-32B4-4A74-A080E0933394}"/>
+              </a:ext>
+            </a:extLst>
+          </p:cNvPr>
+          <p:cNvSpPr>
+            <a:spLocks noGrp="1"/>
+          </p:cNvSpPr>
+          <p:nvPr>
+            <p:ph type="title"/>
+          </p:nvPr>
+        </p:nvSpPr>
+        <p:spPr/>
+        <p:txBody>
+          <a:bodyPr>
+            <a:normAutofit fontScale="90000"/>
+          </a:bodyPr>
+          <a:lstStyle/>
+          <a:p>
+            <a:r>
+              <a:rPr lang="fr-FR" dirty="0"/>
+              <a:t>Aspect technique de nos développements</a:t>
+            </a:r>
+          </a:p>
+        </p:txBody>
+      </p:sp>
+      <p:sp>
+        <p:nvSpPr>
+          <p:cNvPr id="4" name="Rectangle 3">
+            <a:extLst>
+              <a:ext uri="{FF2B5EF4-FFF2-40B4-BE49-F238E27FC236}">
+                <a16:creationId xmlns:a16="http://schemas.microsoft.com/office/drawing/2014/main" id="{35DA644B-78A7-5E89-9E6F-7BFFDE143F50}"/>
+              </a:ext>
+            </a:extLst>
+          </p:cNvPr>
+          <p:cNvSpPr/>
+          <p:nvPr/>
+        </p:nvSpPr>
+        <p:spPr>
+          <a:xfrm>
+            <a:off x="5853403" y="6067959"/>
+            <a:ext cx="485192" cy="642858"/>
+          </a:xfrm>
+          <a:prstGeom prst="rect">
+            <a:avLst/>
+          </a:prstGeom>
+          <a:ln>
+            <a:solidFill>
+              <a:schemeClr val="bg1"/>
+            </a:solidFill>
+          </a:ln>
+        </p:spPr>
+        <p:style>
+          <a:lnRef idx="2">
+            <a:schemeClr val="accent6"/>
+          </a:lnRef>
+          <a:fillRef idx="1">
+            <a:schemeClr val="lt1"/>
+          </a:fillRef>
+          <a:effectRef idx="0">
+            <a:schemeClr val="accent6"/>
+          </a:effectRef>
+          <a:fontRef idx="minor">
+            <a:schemeClr val="dk1"/>
+          </a:fontRef>
+        </p:style>
+        <p:txBody>
+          <a:bodyPr rtlCol="0" anchor="ctr"/>
+          <a:lstStyle/>
+          <a:p>
+            <a:pPr algn="ctr"/>
+            <a:r>
+              <a:rPr lang="fr-FR" dirty="0"/>
+              <a:t>3</a:t>
+            </a:r>
+          </a:p>
+        </p:txBody>
+      </p:sp>
+      <p:pic>
+        <p:nvPicPr>
+          <p:cNvPr id="6" name="Image 5">
+            <a:extLst>
+              <a:ext uri="{FF2B5EF4-FFF2-40B4-BE49-F238E27FC236}">
+                <a16:creationId xmlns:a16="http://schemas.microsoft.com/office/drawing/2014/main" id="{73E1BE27-436A-6D3F-CFE7-104255F2B59A}"/>
+              </a:ext>
+            </a:extLst>
+          </p:cNvPr>
+          <p:cNvPicPr>
+            <a:picLocks noChangeAspect="1"/>
+          </p:cNvPicPr>
+          <p:nvPr/>
+        </p:nvPicPr>
+        <p:blipFill>
+          <a:blip r:embed="rId2"/>
+          <a:stretch>
+            <a:fillRect/>
+          </a:stretch>
+        </p:blipFill>
+        <p:spPr>
+          <a:xfrm>
+            <a:off x="5335228" y="2415452"/>
+            <a:ext cx="2263336" cy="2027096"/>
+          </a:xfrm>
+          <a:prstGeom prst="rect">
+            <a:avLst/>
+          </a:prstGeom>
+        </p:spPr>
+      </p:pic>
+      <p:sp>
+        <p:nvSpPr>
+          <p:cNvPr id="7" name="Rectangle 6">
+            <a:extLst>
+              <a:ext uri="{FF2B5EF4-FFF2-40B4-BE49-F238E27FC236}">
+                <a16:creationId xmlns:a16="http://schemas.microsoft.com/office/drawing/2014/main" id="{CBF97828-7E11-2EDB-4CC4-17F898170769}"/>
+              </a:ext>
+            </a:extLst>
+          </p:cNvPr>
+          <p:cNvSpPr/>
+          <p:nvPr/>
+        </p:nvSpPr>
+        <p:spPr>
+          <a:xfrm>
+            <a:off x="1594054" y="1755725"/>
+            <a:ext cx="2263336" cy="900779"/>
+          </a:xfrm>
+          <a:prstGeom prst="rect">
+            <a:avLst/>
+          </a:prstGeom>
+          <a:ln>
+            <a:solidFill>
+              <a:schemeClr val="tx1"/>
+            </a:solidFill>
+          </a:ln>
+        </p:spPr>
+        <p:style>
+          <a:lnRef idx="2">
+            <a:schemeClr val="accent6"/>
+          </a:lnRef>
+          <a:fillRef idx="1">
+            <a:schemeClr val="lt1"/>
+          </a:fillRef>
+          <a:effectRef idx="0">
+            <a:schemeClr val="accent6"/>
+          </a:effectRef>
+          <a:fontRef idx="minor">
+            <a:schemeClr val="dk1"/>
+          </a:fontRef>
+        </p:style>
+        <p:txBody>
+          <a:bodyPr rtlCol="0" anchor="ctr"/>
+          <a:lstStyle/>
+          <a:p>
+            <a:pPr algn="ctr"/>
+            <a:r>
+              <a:rPr lang="fr-FR" dirty="0"/>
+              <a:t>Lecture du fichier non compressé</a:t>
+            </a:r>
+          </a:p>
+        </p:txBody>
+      </p:sp>
+      <p:sp>
+        <p:nvSpPr>
+          <p:cNvPr id="8" name="Rectangle 7">
+            <a:extLst>
+              <a:ext uri="{FF2B5EF4-FFF2-40B4-BE49-F238E27FC236}">
+                <a16:creationId xmlns:a16="http://schemas.microsoft.com/office/drawing/2014/main" id="{30991DC9-FE03-51E4-A2F0-01DC2C501D9B}"/>
+              </a:ext>
+            </a:extLst>
+          </p:cNvPr>
+          <p:cNvSpPr/>
+          <p:nvPr/>
+        </p:nvSpPr>
+        <p:spPr>
+          <a:xfrm>
+            <a:off x="1594054" y="3300718"/>
+            <a:ext cx="2263336" cy="900779"/>
+          </a:xfrm>
+          <a:prstGeom prst="rect">
+            <a:avLst/>
+          </a:prstGeom>
+          <a:ln>
+            <a:solidFill>
+              <a:schemeClr val="tx1"/>
+            </a:solidFill>
+          </a:ln>
+        </p:spPr>
+        <p:style>
+          <a:lnRef idx="2">
+            <a:schemeClr val="accent6"/>
+          </a:lnRef>
+          <a:fillRef idx="1">
+            <a:schemeClr val="lt1"/>
+          </a:fillRef>
+          <a:effectRef idx="0">
+            <a:schemeClr val="accent6"/>
+          </a:effectRef>
+          <a:fontRef idx="minor">
+            <a:schemeClr val="dk1"/>
+          </a:fontRef>
+        </p:style>
+        <p:txBody>
+          <a:bodyPr rtlCol="0" anchor="ctr"/>
+          <a:lstStyle/>
+          <a:p>
+            <a:pPr algn="ctr"/>
+            <a:r>
+              <a:rPr lang="fr-FR" dirty="0"/>
+              <a:t>Transformation d’une liste des textes en dictionnaire</a:t>
+            </a:r>
+          </a:p>
+        </p:txBody>
+      </p:sp>
+      <p:pic>
+        <p:nvPicPr>
+          <p:cNvPr id="10" name="Image 9">
+            <a:extLst>
+              <a:ext uri="{FF2B5EF4-FFF2-40B4-BE49-F238E27FC236}">
+                <a16:creationId xmlns:a16="http://schemas.microsoft.com/office/drawing/2014/main" id="{BFAE8E87-0A67-D539-3254-37319C1A366C}"/>
+              </a:ext>
+            </a:extLst>
+          </p:cNvPr>
+          <p:cNvPicPr>
+            <a:picLocks noChangeAspect="1"/>
+          </p:cNvPicPr>
+          <p:nvPr/>
+        </p:nvPicPr>
+        <p:blipFill>
+          <a:blip r:embed="rId3"/>
+          <a:stretch>
+            <a:fillRect/>
+          </a:stretch>
+        </p:blipFill>
+        <p:spPr>
+          <a:xfrm>
+            <a:off x="1520430" y="4201498"/>
+            <a:ext cx="2336960" cy="1035972"/>
+          </a:xfrm>
+          <a:prstGeom prst="rect">
+            <a:avLst/>
+          </a:prstGeom>
+        </p:spPr>
+      </p:pic>
+      <p:sp>
+        <p:nvSpPr>
+          <p:cNvPr id="11" name="Rectangle 10">
+            <a:extLst>
+              <a:ext uri="{FF2B5EF4-FFF2-40B4-BE49-F238E27FC236}">
+                <a16:creationId xmlns:a16="http://schemas.microsoft.com/office/drawing/2014/main" id="{7706F3F2-131A-13BB-9C69-7DBC51AE7BD8}"/>
+              </a:ext>
+            </a:extLst>
+          </p:cNvPr>
+          <p:cNvSpPr/>
+          <p:nvPr/>
+        </p:nvSpPr>
+        <p:spPr>
+          <a:xfrm>
+            <a:off x="1594054" y="5810038"/>
+            <a:ext cx="2263336" cy="900779"/>
+          </a:xfrm>
+          <a:prstGeom prst="rect">
+            <a:avLst/>
+          </a:prstGeom>
+          <a:ln>
+            <a:solidFill>
+              <a:schemeClr val="tx1"/>
+            </a:solidFill>
+          </a:ln>
+        </p:spPr>
+        <p:style>
+          <a:lnRef idx="2">
+            <a:schemeClr val="accent6"/>
+          </a:lnRef>
+          <a:fillRef idx="1">
+            <a:schemeClr val="lt1"/>
+          </a:fillRef>
+          <a:effectRef idx="0">
+            <a:schemeClr val="accent6"/>
+          </a:effectRef>
+          <a:fontRef idx="minor">
+            <a:schemeClr val="dk1"/>
+          </a:fontRef>
+        </p:style>
+        <p:txBody>
+          <a:bodyPr rtlCol="0" anchor="ctr"/>
+          <a:lstStyle/>
+          <a:p>
+            <a:pPr algn="ctr"/>
+            <a:r>
+              <a:rPr lang="fr-FR" dirty="0"/>
+              <a:t>Transformation du dictionnaire en liste des nœuds</a:t>
+            </a:r>
+          </a:p>
+        </p:txBody>
+      </p:sp>
+      <p:sp>
+        <p:nvSpPr>
+          <p:cNvPr id="12" name="Rectangle 11">
+            <a:extLst>
+              <a:ext uri="{FF2B5EF4-FFF2-40B4-BE49-F238E27FC236}">
+                <a16:creationId xmlns:a16="http://schemas.microsoft.com/office/drawing/2014/main" id="{1A5B77BE-F6EB-BE0F-F94B-AC21B71C52C0}"/>
+              </a:ext>
+            </a:extLst>
+          </p:cNvPr>
+          <p:cNvSpPr/>
+          <p:nvPr/>
+        </p:nvSpPr>
+        <p:spPr>
+          <a:xfrm>
+            <a:off x="5335228" y="1594923"/>
+            <a:ext cx="2263336" cy="900779"/>
+          </a:xfrm>
+          <a:prstGeom prst="rect">
+            <a:avLst/>
+          </a:prstGeom>
+          <a:ln>
+            <a:solidFill>
+              <a:schemeClr val="tx1"/>
+            </a:solidFill>
+          </a:ln>
+        </p:spPr>
+        <p:style>
+          <a:lnRef idx="2">
+            <a:schemeClr val="accent6"/>
+          </a:lnRef>
+          <a:fillRef idx="1">
+            <a:schemeClr val="lt1"/>
+          </a:fillRef>
+          <a:effectRef idx="0">
+            <a:schemeClr val="accent6"/>
+          </a:effectRef>
+          <a:fontRef idx="minor">
+            <a:schemeClr val="dk1"/>
+          </a:fontRef>
+        </p:style>
+        <p:txBody>
+          <a:bodyPr rtlCol="0" anchor="ctr"/>
+          <a:lstStyle/>
+          <a:p>
+            <a:pPr algn="ctr"/>
+            <a:r>
+              <a:rPr lang="fr-FR" dirty="0"/>
+              <a:t>Tri à l’ordre croissant et construction d’arbre</a:t>
+            </a:r>
+          </a:p>
+        </p:txBody>
+      </p:sp>
+      <p:sp>
+        <p:nvSpPr>
+          <p:cNvPr id="13" name="Rectangle 12">
+            <a:extLst>
+              <a:ext uri="{FF2B5EF4-FFF2-40B4-BE49-F238E27FC236}">
+                <a16:creationId xmlns:a16="http://schemas.microsoft.com/office/drawing/2014/main" id="{BD4C9859-1CA1-974A-D762-C7D03147957D}"/>
+              </a:ext>
+            </a:extLst>
+          </p:cNvPr>
+          <p:cNvSpPr/>
+          <p:nvPr/>
+        </p:nvSpPr>
+        <p:spPr>
+          <a:xfrm>
+            <a:off x="5206927" y="5263077"/>
+            <a:ext cx="2263336" cy="900779"/>
+          </a:xfrm>
+          <a:prstGeom prst="rect">
+            <a:avLst/>
+          </a:prstGeom>
+          <a:ln>
+            <a:solidFill>
+              <a:schemeClr val="tx1"/>
+            </a:solidFill>
+          </a:ln>
+        </p:spPr>
+        <p:style>
+          <a:lnRef idx="2">
+            <a:schemeClr val="accent6"/>
+          </a:lnRef>
+          <a:fillRef idx="1">
+            <a:schemeClr val="lt1"/>
+          </a:fillRef>
+          <a:effectRef idx="0">
+            <a:schemeClr val="accent6"/>
+          </a:effectRef>
+          <a:fontRef idx="minor">
+            <a:schemeClr val="dk1"/>
+          </a:fontRef>
+        </p:style>
+        <p:txBody>
+          <a:bodyPr rtlCol="0" anchor="ctr"/>
+          <a:lstStyle/>
+          <a:p>
+            <a:pPr algn="ctr"/>
+            <a:r>
+              <a:rPr lang="fr-FR" dirty="0"/>
+              <a:t>Encodage</a:t>
+            </a:r>
+          </a:p>
+        </p:txBody>
+      </p:sp>
+      <p:sp>
+        <p:nvSpPr>
+          <p:cNvPr id="14" name="Rectangle 13">
+            <a:extLst>
+              <a:ext uri="{FF2B5EF4-FFF2-40B4-BE49-F238E27FC236}">
+                <a16:creationId xmlns:a16="http://schemas.microsoft.com/office/drawing/2014/main" id="{05488AE1-4C2C-587F-2F4A-CE28801F9D82}"/>
+              </a:ext>
+            </a:extLst>
+          </p:cNvPr>
+          <p:cNvSpPr/>
+          <p:nvPr/>
+        </p:nvSpPr>
+        <p:spPr>
+          <a:xfrm>
+            <a:off x="8584308" y="1594922"/>
+            <a:ext cx="2263336" cy="1325563"/>
+          </a:xfrm>
+          <a:prstGeom prst="rect">
+            <a:avLst/>
+          </a:prstGeom>
+          <a:ln>
+            <a:solidFill>
+              <a:schemeClr val="tx1"/>
+            </a:solidFill>
+          </a:ln>
+        </p:spPr>
+        <p:style>
+          <a:lnRef idx="2">
+            <a:schemeClr val="accent6"/>
+          </a:lnRef>
+          <a:fillRef idx="1">
+            <a:schemeClr val="lt1"/>
+          </a:fillRef>
+          <a:effectRef idx="0">
+            <a:schemeClr val="accent6"/>
+          </a:effectRef>
+          <a:fontRef idx="minor">
+            <a:schemeClr val="dk1"/>
+          </a:fontRef>
+        </p:style>
+        <p:txBody>
+          <a:bodyPr rtlCol="0" anchor="ctr"/>
+          <a:lstStyle/>
+          <a:p>
+            <a:pPr algn="ctr"/>
+            <a:r>
+              <a:rPr lang="fr-FR" dirty="0"/>
+              <a:t>Calcul taux de compression + moyenne de compression</a:t>
+            </a:r>
+          </a:p>
+        </p:txBody>
+      </p:sp>
+      <p:sp>
+        <p:nvSpPr>
+          <p:cNvPr id="15" name="Rectangle 14">
+            <a:extLst>
+              <a:ext uri="{FF2B5EF4-FFF2-40B4-BE49-F238E27FC236}">
+                <a16:creationId xmlns:a16="http://schemas.microsoft.com/office/drawing/2014/main" id="{EADF891F-90C1-D026-7E4C-D7558E03B51B}"/>
+              </a:ext>
+            </a:extLst>
+          </p:cNvPr>
+          <p:cNvSpPr/>
+          <p:nvPr/>
+        </p:nvSpPr>
+        <p:spPr>
+          <a:xfrm>
+            <a:off x="8584308" y="3992158"/>
+            <a:ext cx="2263336" cy="900779"/>
+          </a:xfrm>
+          <a:prstGeom prst="rect">
+            <a:avLst/>
+          </a:prstGeom>
+          <a:ln>
+            <a:solidFill>
+              <a:schemeClr val="tx1"/>
+            </a:solidFill>
+          </a:ln>
+        </p:spPr>
+        <p:style>
+          <a:lnRef idx="2">
+            <a:schemeClr val="accent6"/>
+          </a:lnRef>
+          <a:fillRef idx="1">
+            <a:schemeClr val="lt1"/>
+          </a:fillRef>
+          <a:effectRef idx="0">
+            <a:schemeClr val="accent6"/>
+          </a:effectRef>
+          <a:fontRef idx="minor">
+            <a:schemeClr val="dk1"/>
+          </a:fontRef>
+        </p:style>
+        <p:txBody>
+          <a:bodyPr rtlCol="0" anchor="ctr"/>
+          <a:lstStyle/>
+          <a:p>
+            <a:pPr algn="ctr"/>
+            <a:r>
+              <a:rPr lang="fr-FR" dirty="0"/>
+              <a:t>Enregistrement du fichier .bin et .txt</a:t>
+            </a:r>
+          </a:p>
+        </p:txBody>
+      </p:sp>
+      <p:pic>
+        <p:nvPicPr>
+          <p:cNvPr id="17" name="Image 16">
+            <a:extLst>
+              <a:ext uri="{FF2B5EF4-FFF2-40B4-BE49-F238E27FC236}">
+                <a16:creationId xmlns:a16="http://schemas.microsoft.com/office/drawing/2014/main" id="{79677D8B-4EDA-07CC-4FC8-F6A64C43C84D}"/>
+              </a:ext>
+            </a:extLst>
+          </p:cNvPr>
+          <p:cNvPicPr>
+            <a:picLocks noChangeAspect="1"/>
+          </p:cNvPicPr>
+          <p:nvPr/>
+        </p:nvPicPr>
+        <p:blipFill>
+          <a:blip r:embed="rId4"/>
+          <a:stretch>
+            <a:fillRect/>
+          </a:stretch>
+        </p:blipFill>
+        <p:spPr>
+          <a:xfrm>
+            <a:off x="7978392" y="4993023"/>
+            <a:ext cx="3982638" cy="1214563"/>
+          </a:xfrm>
+          <a:prstGeom prst="rect">
+            <a:avLst/>
+          </a:prstGeom>
+        </p:spPr>
+      </p:pic>
+      <p:cxnSp>
+        <p:nvCxnSpPr>
+          <p:cNvPr id="21" name="Connecteur droit avec flèche 20">
+            <a:extLst>
+              <a:ext uri="{FF2B5EF4-FFF2-40B4-BE49-F238E27FC236}">
+                <a16:creationId xmlns:a16="http://schemas.microsoft.com/office/drawing/2014/main" id="{95930F9F-D943-6870-5E88-3C4ED8DED222}"/>
+              </a:ext>
+            </a:extLst>
+          </p:cNvPr>
+          <p:cNvCxnSpPr>
+            <a:stCxn id="7" idx="2"/>
+            <a:endCxn id="8" idx="0"/>
+          </p:cNvCxnSpPr>
+          <p:nvPr/>
+        </p:nvCxnSpPr>
+        <p:spPr>
+          <a:xfrm>
+            <a:off x="2725722" y="2656504"/>
+            <a:ext cx="0" cy="644214"/>
+          </a:xfrm>
+          <a:prstGeom prst="straightConnector1">
+            <a:avLst/>
+          </a:prstGeom>
+          <a:ln w="12700">
+            <a:solidFill>
+              <a:schemeClr val="tx1"/>
+            </a:solidFill>
+            <a:tailEnd type="triangle"/>
+          </a:ln>
+        </p:spPr>
+        <p:style>
+          <a:lnRef idx="1">
+            <a:schemeClr val="dk1"/>
+          </a:lnRef>
+          <a:fillRef idx="0">
+            <a:schemeClr val="dk1"/>
+          </a:fillRef>
+          <a:effectRef idx="0">
+            <a:schemeClr val="dk1"/>
+          </a:effectRef>
+          <a:fontRef idx="minor">
+            <a:schemeClr val="tx1"/>
+          </a:fontRef>
+        </p:style>
+      </p:cxnSp>
+      <p:cxnSp>
+        <p:nvCxnSpPr>
+          <p:cNvPr id="22" name="Connecteur droit avec flèche 21">
+            <a:extLst>
+              <a:ext uri="{FF2B5EF4-FFF2-40B4-BE49-F238E27FC236}">
+                <a16:creationId xmlns:a16="http://schemas.microsoft.com/office/drawing/2014/main" id="{39F07DFD-BBFE-9BF3-BC57-45AFD2D972C3}"/>
+              </a:ext>
+            </a:extLst>
+          </p:cNvPr>
+          <p:cNvCxnSpPr>
+            <a:cxnSpLocks/>
+            <a:stCxn id="10" idx="2"/>
+            <a:endCxn id="11" idx="0"/>
+          </p:cNvCxnSpPr>
+          <p:nvPr/>
+        </p:nvCxnSpPr>
+        <p:spPr>
+          <a:xfrm>
+            <a:off x="2688910" y="5237470"/>
+            <a:ext cx="36812" cy="572568"/>
+          </a:xfrm>
+          <a:prstGeom prst="straightConnector1">
+            <a:avLst/>
+          </a:prstGeom>
+          <a:ln w="12700">
+            <a:solidFill>
+              <a:schemeClr val="tx1"/>
+            </a:solidFill>
+            <a:tailEnd type="triangle"/>
+          </a:ln>
+        </p:spPr>
+        <p:style>
+          <a:lnRef idx="1">
+            <a:schemeClr val="dk1"/>
+          </a:lnRef>
+          <a:fillRef idx="0">
+            <a:schemeClr val="dk1"/>
+          </a:fillRef>
+          <a:effectRef idx="0">
+            <a:schemeClr val="dk1"/>
+          </a:effectRef>
+          <a:fontRef idx="minor">
+            <a:schemeClr val="tx1"/>
+          </a:fontRef>
+        </p:style>
+      </p:cxnSp>
+      <p:cxnSp>
+        <p:nvCxnSpPr>
+          <p:cNvPr id="25" name="Connecteur droit avec flèche 24">
+            <a:extLst>
+              <a:ext uri="{FF2B5EF4-FFF2-40B4-BE49-F238E27FC236}">
+                <a16:creationId xmlns:a16="http://schemas.microsoft.com/office/drawing/2014/main" id="{6797B76E-D278-3DEB-44E6-8A4F283910D8}"/>
+              </a:ext>
+            </a:extLst>
+          </p:cNvPr>
+          <p:cNvCxnSpPr>
+            <a:cxnSpLocks/>
+            <a:stCxn id="11" idx="3"/>
+            <a:endCxn id="12" idx="1"/>
+          </p:cNvCxnSpPr>
+          <p:nvPr/>
+        </p:nvCxnSpPr>
+        <p:spPr>
+          <a:xfrm flipV="1">
+            <a:off x="3857390" y="2045313"/>
+            <a:ext cx="1477838" cy="4215115"/>
+          </a:xfrm>
+          <a:prstGeom prst="straightConnector1">
+            <a:avLst/>
+          </a:prstGeom>
+          <a:ln w="12700">
+            <a:solidFill>
+              <a:schemeClr val="tx1"/>
+            </a:solidFill>
+            <a:tailEnd type="triangle"/>
+          </a:ln>
+        </p:spPr>
+        <p:style>
+          <a:lnRef idx="1">
+            <a:schemeClr val="dk1"/>
+          </a:lnRef>
+          <a:fillRef idx="0">
+            <a:schemeClr val="dk1"/>
+          </a:fillRef>
+          <a:effectRef idx="0">
+            <a:schemeClr val="dk1"/>
+          </a:effectRef>
+          <a:fontRef idx="minor">
+            <a:schemeClr val="tx1"/>
+          </a:fontRef>
+        </p:style>
+      </p:cxnSp>
+      <p:cxnSp>
+        <p:nvCxnSpPr>
+          <p:cNvPr id="28" name="Connecteur droit avec flèche 27">
+            <a:extLst>
+              <a:ext uri="{FF2B5EF4-FFF2-40B4-BE49-F238E27FC236}">
+                <a16:creationId xmlns:a16="http://schemas.microsoft.com/office/drawing/2014/main" id="{CFEF9B04-AB26-ABCD-F977-C5580D279A97}"/>
+              </a:ext>
+            </a:extLst>
+          </p:cNvPr>
+          <p:cNvCxnSpPr>
+            <a:cxnSpLocks/>
+            <a:stCxn id="6" idx="2"/>
+            <a:endCxn id="13" idx="0"/>
+          </p:cNvCxnSpPr>
+          <p:nvPr/>
+        </p:nvCxnSpPr>
+        <p:spPr>
+          <a:xfrm flipH="1">
+            <a:off x="6338595" y="4442548"/>
+            <a:ext cx="128301" cy="820529"/>
+          </a:xfrm>
+          <a:prstGeom prst="straightConnector1">
+            <a:avLst/>
+          </a:prstGeom>
+          <a:ln w="12700">
+            <a:solidFill>
+              <a:schemeClr val="tx1"/>
+            </a:solidFill>
+            <a:tailEnd type="triangle"/>
+          </a:ln>
+        </p:spPr>
+        <p:style>
+          <a:lnRef idx="1">
+            <a:schemeClr val="dk1"/>
+          </a:lnRef>
+          <a:fillRef idx="0">
+            <a:schemeClr val="dk1"/>
+          </a:fillRef>
+          <a:effectRef idx="0">
+            <a:schemeClr val="dk1"/>
+          </a:effectRef>
+          <a:fontRef idx="minor">
+            <a:schemeClr val="tx1"/>
+          </a:fontRef>
+        </p:style>
+      </p:cxnSp>
+      <p:cxnSp>
+        <p:nvCxnSpPr>
+          <p:cNvPr id="31" name="Connecteur droit avec flèche 30">
+            <a:extLst>
+              <a:ext uri="{FF2B5EF4-FFF2-40B4-BE49-F238E27FC236}">
+                <a16:creationId xmlns:a16="http://schemas.microsoft.com/office/drawing/2014/main" id="{12CFC4BB-ADA5-6C29-8F44-A88C659B9EB7}"/>
+              </a:ext>
+            </a:extLst>
+          </p:cNvPr>
+          <p:cNvCxnSpPr>
+            <a:cxnSpLocks/>
+            <a:stCxn id="13" idx="3"/>
+            <a:endCxn id="14" idx="1"/>
+          </p:cNvCxnSpPr>
+          <p:nvPr/>
+        </p:nvCxnSpPr>
+        <p:spPr>
+          <a:xfrm flipV="1">
+            <a:off x="7470263" y="2257704"/>
+            <a:ext cx="1114045" cy="3455763"/>
+          </a:xfrm>
+          <a:prstGeom prst="straightConnector1">
+            <a:avLst/>
+          </a:prstGeom>
+          <a:ln w="12700">
+            <a:solidFill>
+              <a:schemeClr val="tx1"/>
+            </a:solidFill>
+            <a:tailEnd type="triangle"/>
+          </a:ln>
+        </p:spPr>
+        <p:style>
+          <a:lnRef idx="1">
+            <a:schemeClr val="dk1"/>
+          </a:lnRef>
+          <a:fillRef idx="0">
+            <a:schemeClr val="dk1"/>
+          </a:fillRef>
+          <a:effectRef idx="0">
+            <a:schemeClr val="dk1"/>
+          </a:effectRef>
+          <a:fontRef idx="minor">
+            <a:schemeClr val="tx1"/>
+          </a:fontRef>
+        </p:style>
+      </p:cxnSp>
+      <p:cxnSp>
+        <p:nvCxnSpPr>
+          <p:cNvPr id="35" name="Connecteur droit avec flèche 34">
+            <a:extLst>
+              <a:ext uri="{FF2B5EF4-FFF2-40B4-BE49-F238E27FC236}">
+                <a16:creationId xmlns:a16="http://schemas.microsoft.com/office/drawing/2014/main" id="{356B5C59-A8B1-7DC3-D57F-9EF81292C431}"/>
+              </a:ext>
+            </a:extLst>
+          </p:cNvPr>
+          <p:cNvCxnSpPr>
+            <a:cxnSpLocks/>
+            <a:stCxn id="14" idx="2"/>
+            <a:endCxn id="15" idx="0"/>
+          </p:cNvCxnSpPr>
+          <p:nvPr/>
+        </p:nvCxnSpPr>
+        <p:spPr>
+          <a:xfrm>
+            <a:off x="9715976" y="2920485"/>
+            <a:ext cx="0" cy="1071673"/>
+          </a:xfrm>
+          <a:prstGeom prst="straightConnector1">
+            <a:avLst/>
+          </a:prstGeom>
+          <a:ln w="12700">
+            <a:solidFill>
+              <a:schemeClr val="tx1"/>
+            </a:solidFill>
+            <a:tailEnd type="triangle"/>
+          </a:ln>
+        </p:spPr>
+        <p:style>
+          <a:lnRef idx="1">
+            <a:schemeClr val="dk1"/>
+          </a:lnRef>
+          <a:fillRef idx="0">
+            <a:schemeClr val="dk1"/>
+          </a:fillRef>
+          <a:effectRef idx="0">
+            <a:schemeClr val="dk1"/>
+          </a:effectRef>
+          <a:fontRef idx="minor">
+            <a:schemeClr val="tx1"/>
+          </a:fontRef>
+        </p:style>
+      </p:cxnSp>
+    </p:spTree>
+    <p:extLst>
+      <p:ext uri="{BB962C8B-B14F-4D97-AF65-F5344CB8AC3E}">
+        <p14:creationId xmlns:p14="http://schemas.microsoft.com/office/powerpoint/2010/main" val="569174058"/>
+      </p:ext>
+    </p:extLst>
+  </p:cSld>
+  <p:clrMapOvr>
+    <a:masterClrMapping/>
+  </p:clrMapOvr>
+  <mc:AlternateContent xmlns:mc="http://schemas.openxmlformats.org/markup-compatibility/2006" xmlns:p159="http://schemas.microsoft.com/office/powerpoint/2015/09/main">
+    <mc:Choice Requires="p159">
+      <p:transition xmlns:p14="http://schemas.microsoft.com/office/powerpoint/2010/main" spd="slow" p14:dur="2000">
+        <p159:morph option="byObject"/>
+      </p:transition>
+    </mc:Choice>
+    <mc:Fallback xmlns="">
+      <p:transition spd="slow">
+        <p:fade/>
+      </p:transition>
+    </mc:Fallback>
+  </mc:AlternateContent>
+</p:sld>
+</file>
+
+<file path=ppt/slides/slide4.xml><?xml version="1.0" encoding="utf-8"?>
+<p:sld xmlns:a="http://schemas.openxmlformats.org/drawingml/2006/main" xmlns:r="http://schemas.openxmlformats.org/officeDocument/2006/relationships" xmlns:p="http://schemas.openxmlformats.org/presentationml/2006/main">
+  <p:cSld>
+    <p:spTree>
+      <p:nvGrpSpPr>
+        <p:cNvPr id="1" name=""/>
+        <p:cNvGrpSpPr/>
+        <p:nvPr/>
+      </p:nvGrpSpPr>
+      <p:grpSpPr>
+        <a:xfrm>
+          <a:off x="0" y="0"/>
+          <a:ext cx="0" cy="0"/>
+          <a:chOff x="0" y="0"/>
+          <a:chExt cx="0" cy="0"/>
+        </a:xfrm>
+      </p:grpSpPr>
+      <p:sp>
+        <p:nvSpPr>
+          <p:cNvPr id="2" name="Titre 1">
+            <a:extLst>
+              <a:ext uri="{FF2B5EF4-FFF2-40B4-BE49-F238E27FC236}">
+                <a16:creationId xmlns:a16="http://schemas.microsoft.com/office/drawing/2014/main" id="{39562E00-64D7-EBEE-71D8-36F94B3FF3A1}"/>
+              </a:ext>
+            </a:extLst>
+          </p:cNvPr>
+          <p:cNvSpPr>
+            <a:spLocks noGrp="1"/>
+          </p:cNvSpPr>
+          <p:nvPr>
+            <p:ph type="title"/>
+          </p:nvPr>
+        </p:nvSpPr>
+        <p:spPr/>
+        <p:txBody>
+          <a:bodyPr/>
+          <a:lstStyle/>
+          <a:p>
+            <a:r>
+              <a:rPr lang="fr-FR" dirty="0"/>
+              <a:t>Mode d’emploi de notre programme</a:t>
+            </a:r>
+          </a:p>
+        </p:txBody>
+      </p:sp>
+      <p:sp>
+        <p:nvSpPr>
+          <p:cNvPr id="4" name="Rectangle 3">
+            <a:extLst>
+              <a:ext uri="{FF2B5EF4-FFF2-40B4-BE49-F238E27FC236}">
+                <a16:creationId xmlns:a16="http://schemas.microsoft.com/office/drawing/2014/main" id="{8D8395A5-930B-5D05-E8BA-601B453DC802}"/>
+              </a:ext>
+            </a:extLst>
+          </p:cNvPr>
+          <p:cNvSpPr/>
+          <p:nvPr/>
+        </p:nvSpPr>
+        <p:spPr>
+          <a:xfrm>
+            <a:off x="5853403" y="6067959"/>
+            <a:ext cx="485192" cy="642858"/>
+          </a:xfrm>
+          <a:prstGeom prst="rect">
+            <a:avLst/>
+          </a:prstGeom>
+          <a:ln>
+            <a:solidFill>
+              <a:schemeClr val="bg1"/>
+            </a:solidFill>
+          </a:ln>
+        </p:spPr>
+        <p:style>
+          <a:lnRef idx="2">
+            <a:schemeClr val="accent6"/>
+          </a:lnRef>
+          <a:fillRef idx="1">
+            <a:schemeClr val="lt1"/>
+          </a:fillRef>
+          <a:effectRef idx="0">
+            <a:schemeClr val="accent6"/>
+          </a:effectRef>
+          <a:fontRef idx="minor">
+            <a:schemeClr val="dk1"/>
+          </a:fontRef>
+        </p:style>
+        <p:txBody>
+          <a:bodyPr rtlCol="0" anchor="ctr"/>
+          <a:lstStyle/>
+          <a:p>
+            <a:pPr algn="ctr"/>
+            <a:r>
+              <a:rPr lang="fr-FR" dirty="0"/>
+              <a:t>4</a:t>
+            </a:r>
+          </a:p>
+        </p:txBody>
+      </p:sp>
+      <p:pic>
+        <p:nvPicPr>
+          <p:cNvPr id="10" name="Image 9">
+            <a:extLst>
+              <a:ext uri="{FF2B5EF4-FFF2-40B4-BE49-F238E27FC236}">
+                <a16:creationId xmlns:a16="http://schemas.microsoft.com/office/drawing/2014/main" id="{985FF475-C1F0-980A-6EE8-AED2F281D1EE}"/>
+              </a:ext>
+            </a:extLst>
+          </p:cNvPr>
+          <p:cNvPicPr>
+            <a:picLocks noChangeAspect="1"/>
+          </p:cNvPicPr>
+          <p:nvPr/>
+        </p:nvPicPr>
+        <p:blipFill>
+          <a:blip r:embed="rId2"/>
+          <a:stretch>
+            <a:fillRect/>
+          </a:stretch>
+        </p:blipFill>
+        <p:spPr>
+          <a:xfrm>
+            <a:off x="1646449" y="1857787"/>
+            <a:ext cx="342930" cy="236240"/>
+          </a:xfrm>
+          <a:prstGeom prst="rect">
+            <a:avLst/>
+          </a:prstGeom>
+        </p:spPr>
+      </p:pic>
+      <p:pic>
+        <p:nvPicPr>
+          <p:cNvPr id="12" name="Image 11">
+            <a:extLst>
+              <a:ext uri="{FF2B5EF4-FFF2-40B4-BE49-F238E27FC236}">
+                <a16:creationId xmlns:a16="http://schemas.microsoft.com/office/drawing/2014/main" id="{A0F2AC8B-A343-1DE8-162F-CDB4DBB592DC}"/>
+              </a:ext>
+            </a:extLst>
+          </p:cNvPr>
+          <p:cNvPicPr>
+            <a:picLocks noChangeAspect="1"/>
+          </p:cNvPicPr>
+          <p:nvPr/>
+        </p:nvPicPr>
+        <p:blipFill>
+          <a:blip r:embed="rId3"/>
+          <a:stretch>
+            <a:fillRect/>
+          </a:stretch>
+        </p:blipFill>
+        <p:spPr>
+          <a:xfrm>
+            <a:off x="3787908" y="1266197"/>
+            <a:ext cx="4645805" cy="3899344"/>
+          </a:xfrm>
+          <a:prstGeom prst="rect">
+            <a:avLst/>
+          </a:prstGeom>
+        </p:spPr>
+      </p:pic>
+      <p:pic>
+        <p:nvPicPr>
+          <p:cNvPr id="14" name="Image 13">
+            <a:extLst>
+              <a:ext uri="{FF2B5EF4-FFF2-40B4-BE49-F238E27FC236}">
+                <a16:creationId xmlns:a16="http://schemas.microsoft.com/office/drawing/2014/main" id="{88E14FA3-06D1-E32F-7B3E-5010441A7328}"/>
+              </a:ext>
+            </a:extLst>
+          </p:cNvPr>
+          <p:cNvPicPr>
+            <a:picLocks noChangeAspect="1"/>
+          </p:cNvPicPr>
+          <p:nvPr/>
+        </p:nvPicPr>
+        <p:blipFill>
+          <a:blip r:embed="rId4"/>
+          <a:stretch>
+            <a:fillRect/>
+          </a:stretch>
+        </p:blipFill>
+        <p:spPr>
+          <a:xfrm>
+            <a:off x="334474" y="3922442"/>
+            <a:ext cx="3185785" cy="2254478"/>
+          </a:xfrm>
+          <a:prstGeom prst="rect">
+            <a:avLst/>
+          </a:prstGeom>
+        </p:spPr>
+      </p:pic>
+      <p:pic>
+        <p:nvPicPr>
+          <p:cNvPr id="16" name="Image 15">
+            <a:extLst>
+              <a:ext uri="{FF2B5EF4-FFF2-40B4-BE49-F238E27FC236}">
+                <a16:creationId xmlns:a16="http://schemas.microsoft.com/office/drawing/2014/main" id="{26569B9C-C9E0-2C5D-BDB8-1D622BC6C210}"/>
+              </a:ext>
+            </a:extLst>
+          </p:cNvPr>
+          <p:cNvPicPr>
+            <a:picLocks noChangeAspect="1"/>
+          </p:cNvPicPr>
+          <p:nvPr/>
+        </p:nvPicPr>
+        <p:blipFill>
+          <a:blip r:embed="rId5"/>
+          <a:stretch>
+            <a:fillRect/>
+          </a:stretch>
+        </p:blipFill>
+        <p:spPr>
+          <a:xfrm>
+            <a:off x="8681777" y="1740609"/>
+            <a:ext cx="3383280" cy="1004829"/>
+          </a:xfrm>
+          <a:prstGeom prst="rect">
+            <a:avLst/>
+          </a:prstGeom>
+        </p:spPr>
+      </p:pic>
+      <p:pic>
+        <p:nvPicPr>
+          <p:cNvPr id="18" name="Image 17">
+            <a:extLst>
+              <a:ext uri="{FF2B5EF4-FFF2-40B4-BE49-F238E27FC236}">
+                <a16:creationId xmlns:a16="http://schemas.microsoft.com/office/drawing/2014/main" id="{0D14A331-8B16-D53A-E742-7E542EBF3358}"/>
+              </a:ext>
+            </a:extLst>
+          </p:cNvPr>
+          <p:cNvPicPr>
+            <a:picLocks noChangeAspect="1"/>
+          </p:cNvPicPr>
+          <p:nvPr/>
+        </p:nvPicPr>
+        <p:blipFill rotWithShape="1">
+          <a:blip r:embed="rId6"/>
+          <a:srcRect t="1" r="27069" b="-3033"/>
+          <a:stretch/>
+        </p:blipFill>
+        <p:spPr>
+          <a:xfrm>
+            <a:off x="7162363" y="5451402"/>
+            <a:ext cx="4071879" cy="484093"/>
+          </a:xfrm>
+          <a:prstGeom prst="rect">
+            <a:avLst/>
+          </a:prstGeom>
+          <a:solidFill>
+            <a:srgbClr val="FFFFFF">
+              <a:shade val="85000"/>
+            </a:srgbClr>
+          </a:solidFill>
+          <a:ln w="88900" cap="sq">
+            <a:solidFill>
+              <a:srgbClr val="FFFFFF"/>
+            </a:solidFill>
+            <a:miter lim="800000"/>
+          </a:ln>
+          <a:effectLst>
+            <a:outerShdw blurRad="55000" dist="18000" dir="5400000" algn="tl" rotWithShape="0">
+              <a:srgbClr val="000000">
+                <a:alpha val="40000"/>
+              </a:srgbClr>
+            </a:outerShdw>
+          </a:effectLst>
+          <a:scene3d>
+            <a:camera prst="orthographicFront"/>
+            <a:lightRig rig="twoPt" dir="t">
+              <a:rot lat="0" lon="0" rev="7200000"/>
+            </a:lightRig>
+          </a:scene3d>
+          <a:sp3d>
+            <a:bevelT w="25400" h="19050"/>
+            <a:contourClr>
+              <a:srgbClr val="FFFFFF"/>
+            </a:contourClr>
+          </a:sp3d>
+        </p:spPr>
+      </p:pic>
+      <p:sp>
+        <p:nvSpPr>
+          <p:cNvPr id="19" name="Rectangle 18">
+            <a:extLst>
+              <a:ext uri="{FF2B5EF4-FFF2-40B4-BE49-F238E27FC236}">
+                <a16:creationId xmlns:a16="http://schemas.microsoft.com/office/drawing/2014/main" id="{D882CC90-4CEC-BEB2-9622-CC66310A7557}"/>
+              </a:ext>
+            </a:extLst>
+          </p:cNvPr>
+          <p:cNvSpPr/>
+          <p:nvPr/>
+        </p:nvSpPr>
+        <p:spPr>
+          <a:xfrm>
+            <a:off x="8999303" y="5384699"/>
+            <a:ext cx="1175657" cy="507839"/>
+          </a:xfrm>
+          <a:prstGeom prst="rect">
+            <a:avLst/>
+          </a:prstGeom>
+          <a:ln>
+            <a:solidFill>
+              <a:schemeClr val="bg1"/>
+            </a:solidFill>
+          </a:ln>
+        </p:spPr>
+        <p:style>
+          <a:lnRef idx="2">
+            <a:schemeClr val="accent6"/>
+          </a:lnRef>
+          <a:fillRef idx="1">
+            <a:schemeClr val="lt1"/>
+          </a:fillRef>
+          <a:effectRef idx="0">
+            <a:schemeClr val="accent6"/>
+          </a:effectRef>
+          <a:fontRef idx="minor">
+            <a:schemeClr val="dk1"/>
+          </a:fontRef>
+        </p:style>
+        <p:txBody>
+          <a:bodyPr rtlCol="0" anchor="ctr"/>
+          <a:lstStyle/>
+          <a:p>
+            <a:pPr algn="ctr"/>
+            <a:endParaRPr lang="fr-FR"/>
+          </a:p>
+        </p:txBody>
+      </p:sp>
+      <p:sp>
+        <p:nvSpPr>
+          <p:cNvPr id="20" name="Rectangle 19">
+            <a:extLst>
+              <a:ext uri="{FF2B5EF4-FFF2-40B4-BE49-F238E27FC236}">
+                <a16:creationId xmlns:a16="http://schemas.microsoft.com/office/drawing/2014/main" id="{5485F50F-C484-984A-BFA2-23C94A2AE55D}"/>
+              </a:ext>
+            </a:extLst>
+          </p:cNvPr>
+          <p:cNvSpPr/>
+          <p:nvPr/>
+        </p:nvSpPr>
+        <p:spPr>
+          <a:xfrm>
+            <a:off x="838200" y="1461715"/>
+            <a:ext cx="1959428" cy="311604"/>
+          </a:xfrm>
+          <a:prstGeom prst="rect">
+            <a:avLst/>
+          </a:prstGeom>
+          <a:ln>
+            <a:solidFill>
+              <a:schemeClr val="tx1"/>
+            </a:solidFill>
+          </a:ln>
+        </p:spPr>
+        <p:style>
+          <a:lnRef idx="2">
+            <a:schemeClr val="accent6"/>
+          </a:lnRef>
+          <a:fillRef idx="1">
+            <a:schemeClr val="lt1"/>
+          </a:fillRef>
+          <a:effectRef idx="0">
+            <a:schemeClr val="accent6"/>
+          </a:effectRef>
+          <a:fontRef idx="minor">
+            <a:schemeClr val="dk1"/>
+          </a:fontRef>
+        </p:style>
+        <p:txBody>
+          <a:bodyPr rtlCol="0" anchor="ctr"/>
+          <a:lstStyle/>
+          <a:p>
+            <a:pPr algn="ctr"/>
+            <a:r>
+              <a:rPr lang="fr-FR" dirty="0"/>
+              <a:t>Exécution</a:t>
+            </a:r>
+          </a:p>
+        </p:txBody>
+      </p:sp>
+      <p:sp>
+        <p:nvSpPr>
+          <p:cNvPr id="21" name="Rectangle 20">
+            <a:extLst>
+              <a:ext uri="{FF2B5EF4-FFF2-40B4-BE49-F238E27FC236}">
+                <a16:creationId xmlns:a16="http://schemas.microsoft.com/office/drawing/2014/main" id="{4002BB28-7F5C-3CB0-656B-5DAF3C4C9AAF}"/>
+              </a:ext>
+            </a:extLst>
+          </p:cNvPr>
+          <p:cNvSpPr/>
+          <p:nvPr/>
+        </p:nvSpPr>
+        <p:spPr>
+          <a:xfrm>
+            <a:off x="353008" y="6318213"/>
+            <a:ext cx="4819022" cy="392604"/>
+          </a:xfrm>
+          <a:prstGeom prst="rect">
+            <a:avLst/>
+          </a:prstGeom>
+          <a:ln>
+            <a:solidFill>
+              <a:schemeClr val="tx1"/>
+            </a:solidFill>
+          </a:ln>
+        </p:spPr>
+        <p:style>
+          <a:lnRef idx="2">
+            <a:schemeClr val="accent6"/>
+          </a:lnRef>
+          <a:fillRef idx="1">
+            <a:schemeClr val="lt1"/>
+          </a:fillRef>
+          <a:effectRef idx="0">
+            <a:schemeClr val="accent6"/>
+          </a:effectRef>
+          <a:fontRef idx="minor">
+            <a:schemeClr val="dk1"/>
+          </a:fontRef>
+        </p:style>
+        <p:txBody>
+          <a:bodyPr rtlCol="0" anchor="ctr"/>
+          <a:lstStyle/>
+          <a:p>
+            <a:r>
+              <a:rPr lang="fr-FR" sz="1800" dirty="0">
+                <a:solidFill>
+                  <a:schemeClr val="tx1"/>
+                </a:solidFill>
+              </a:rPr>
+              <a:t>https://github.com/Mathieu-Lin/Huffman-Codage</a:t>
+            </a:r>
+            <a:endParaRPr lang="fr-FR" dirty="0">
+              <a:solidFill>
+                <a:schemeClr val="tx1"/>
+              </a:solidFill>
+            </a:endParaRPr>
+          </a:p>
+        </p:txBody>
+      </p:sp>
+      <p:cxnSp>
+        <p:nvCxnSpPr>
+          <p:cNvPr id="23" name="Connecteur droit avec flèche 22">
+            <a:extLst>
+              <a:ext uri="{FF2B5EF4-FFF2-40B4-BE49-F238E27FC236}">
+                <a16:creationId xmlns:a16="http://schemas.microsoft.com/office/drawing/2014/main" id="{732272BA-BCCC-91D7-63B5-7227CF83B1AE}"/>
+              </a:ext>
+            </a:extLst>
+          </p:cNvPr>
+          <p:cNvCxnSpPr>
+            <a:stCxn id="10" idx="3"/>
+            <a:endCxn id="12" idx="1"/>
+          </p:cNvCxnSpPr>
+          <p:nvPr/>
+        </p:nvCxnSpPr>
+        <p:spPr>
+          <a:xfrm>
+            <a:off x="1989379" y="1975907"/>
+            <a:ext cx="1798529" cy="1239962"/>
+          </a:xfrm>
+          <a:prstGeom prst="straightConnector1">
+            <a:avLst/>
+          </a:prstGeom>
+          <a:ln w="38100">
+            <a:tailEnd type="triangle"/>
+          </a:ln>
+        </p:spPr>
+        <p:style>
+          <a:lnRef idx="1">
+            <a:schemeClr val="dk1"/>
+          </a:lnRef>
+          <a:fillRef idx="0">
+            <a:schemeClr val="dk1"/>
+          </a:fillRef>
+          <a:effectRef idx="0">
+            <a:schemeClr val="dk1"/>
+          </a:effectRef>
+          <a:fontRef idx="minor">
+            <a:schemeClr val="tx1"/>
+          </a:fontRef>
+        </p:style>
+      </p:cxnSp>
+      <p:cxnSp>
+        <p:nvCxnSpPr>
+          <p:cNvPr id="26" name="Connecteur droit avec flèche 25">
+            <a:extLst>
+              <a:ext uri="{FF2B5EF4-FFF2-40B4-BE49-F238E27FC236}">
+                <a16:creationId xmlns:a16="http://schemas.microsoft.com/office/drawing/2014/main" id="{6F08FDF0-5130-BA1C-285F-274B2B7D75E1}"/>
+              </a:ext>
+            </a:extLst>
+          </p:cNvPr>
+          <p:cNvCxnSpPr>
+            <a:endCxn id="14" idx="3"/>
+          </p:cNvCxnSpPr>
+          <p:nvPr/>
+        </p:nvCxnSpPr>
+        <p:spPr>
+          <a:xfrm flipH="1">
+            <a:off x="3520259" y="4300695"/>
+            <a:ext cx="499082" cy="748986"/>
+          </a:xfrm>
+          <a:prstGeom prst="straightConnector1">
+            <a:avLst/>
+          </a:prstGeom>
+          <a:ln w="28575">
+            <a:tailEnd type="triangle"/>
+          </a:ln>
+        </p:spPr>
+        <p:style>
+          <a:lnRef idx="1">
+            <a:schemeClr val="dk1"/>
+          </a:lnRef>
+          <a:fillRef idx="0">
+            <a:schemeClr val="dk1"/>
+          </a:fillRef>
+          <a:effectRef idx="0">
+            <a:schemeClr val="dk1"/>
+          </a:effectRef>
+          <a:fontRef idx="minor">
+            <a:schemeClr val="tx1"/>
+          </a:fontRef>
+        </p:style>
+      </p:cxnSp>
+      <p:cxnSp>
+        <p:nvCxnSpPr>
+          <p:cNvPr id="27" name="Connecteur droit avec flèche 26">
+            <a:extLst>
+              <a:ext uri="{FF2B5EF4-FFF2-40B4-BE49-F238E27FC236}">
+                <a16:creationId xmlns:a16="http://schemas.microsoft.com/office/drawing/2014/main" id="{A46385F5-78D7-2360-6C1A-8CE11020AB77}"/>
+              </a:ext>
+            </a:extLst>
+          </p:cNvPr>
+          <p:cNvCxnSpPr>
+            <a:cxnSpLocks/>
+            <a:endCxn id="16" idx="1"/>
+          </p:cNvCxnSpPr>
+          <p:nvPr/>
+        </p:nvCxnSpPr>
+        <p:spPr>
+          <a:xfrm flipV="1">
+            <a:off x="8028633" y="2243024"/>
+            <a:ext cx="653144" cy="1612532"/>
+          </a:xfrm>
+          <a:prstGeom prst="straightConnector1">
+            <a:avLst/>
+          </a:prstGeom>
+          <a:ln w="28575">
+            <a:tailEnd type="triangle"/>
+          </a:ln>
+        </p:spPr>
+        <p:style>
+          <a:lnRef idx="1">
+            <a:schemeClr val="dk1"/>
+          </a:lnRef>
+          <a:fillRef idx="0">
+            <a:schemeClr val="dk1"/>
+          </a:fillRef>
+          <a:effectRef idx="0">
+            <a:schemeClr val="dk1"/>
+          </a:effectRef>
+          <a:fontRef idx="minor">
+            <a:schemeClr val="tx1"/>
+          </a:fontRef>
+        </p:style>
+      </p:cxnSp>
+      <p:cxnSp>
+        <p:nvCxnSpPr>
+          <p:cNvPr id="30" name="Connecteur droit avec flèche 29">
+            <a:extLst>
+              <a:ext uri="{FF2B5EF4-FFF2-40B4-BE49-F238E27FC236}">
+                <a16:creationId xmlns:a16="http://schemas.microsoft.com/office/drawing/2014/main" id="{9B33C9E9-393A-5F31-AA3D-66B5AE9A4824}"/>
+              </a:ext>
+            </a:extLst>
+          </p:cNvPr>
+          <p:cNvCxnSpPr>
+            <a:cxnSpLocks/>
+            <a:stCxn id="16" idx="2"/>
+            <a:endCxn id="19" idx="0"/>
+          </p:cNvCxnSpPr>
+          <p:nvPr/>
+        </p:nvCxnSpPr>
+        <p:spPr>
+          <a:xfrm flipH="1">
+            <a:off x="9587132" y="2745438"/>
+            <a:ext cx="786285" cy="2639261"/>
+          </a:xfrm>
+          <a:prstGeom prst="straightConnector1">
+            <a:avLst/>
+          </a:prstGeom>
+          <a:ln w="38100">
+            <a:tailEnd type="triangle"/>
+          </a:ln>
+        </p:spPr>
+        <p:style>
+          <a:lnRef idx="1">
+            <a:schemeClr val="dk1"/>
+          </a:lnRef>
+          <a:fillRef idx="0">
+            <a:schemeClr val="dk1"/>
+          </a:fillRef>
+          <a:effectRef idx="0">
+            <a:schemeClr val="dk1"/>
+          </a:effectRef>
+          <a:fontRef idx="minor">
+            <a:schemeClr val="tx1"/>
+          </a:fontRef>
+        </p:style>
+      </p:cxnSp>
+      <p:sp>
+        <p:nvSpPr>
+          <p:cNvPr id="33" name="Rectangle 32">
+            <a:extLst>
+              <a:ext uri="{FF2B5EF4-FFF2-40B4-BE49-F238E27FC236}">
+                <a16:creationId xmlns:a16="http://schemas.microsoft.com/office/drawing/2014/main" id="{0966E145-135B-6D39-E823-9021DE55158F}"/>
+              </a:ext>
+            </a:extLst>
+          </p:cNvPr>
+          <p:cNvSpPr/>
+          <p:nvPr/>
+        </p:nvSpPr>
+        <p:spPr>
+          <a:xfrm>
+            <a:off x="7061517" y="5286325"/>
+            <a:ext cx="1271350" cy="770021"/>
+          </a:xfrm>
+          <a:prstGeom prst="rect">
+            <a:avLst/>
+          </a:prstGeom>
+          <a:noFill/>
+          <a:ln w="38100"/>
+        </p:spPr>
+        <p:style>
+          <a:lnRef idx="2">
+            <a:schemeClr val="accent6"/>
+          </a:lnRef>
+          <a:fillRef idx="1">
+            <a:schemeClr val="lt1"/>
+          </a:fillRef>
+          <a:effectRef idx="0">
+            <a:schemeClr val="accent6"/>
+          </a:effectRef>
+          <a:fontRef idx="minor">
+            <a:schemeClr val="dk1"/>
+          </a:fontRef>
+        </p:style>
+        <p:txBody>
+          <a:bodyPr rtlCol="0" anchor="ctr"/>
+          <a:lstStyle/>
+          <a:p>
+            <a:pPr algn="ctr"/>
+            <a:endParaRPr lang="fr-FR"/>
+          </a:p>
+        </p:txBody>
+      </p:sp>
+      <p:sp>
+        <p:nvSpPr>
+          <p:cNvPr id="34" name="Rectangle 33">
+            <a:extLst>
+              <a:ext uri="{FF2B5EF4-FFF2-40B4-BE49-F238E27FC236}">
+                <a16:creationId xmlns:a16="http://schemas.microsoft.com/office/drawing/2014/main" id="{78B9F6D1-74F1-FF94-A143-3E4E3F25133F}"/>
+              </a:ext>
+            </a:extLst>
+          </p:cNvPr>
+          <p:cNvSpPr/>
+          <p:nvPr/>
+        </p:nvSpPr>
+        <p:spPr>
+          <a:xfrm>
+            <a:off x="3769799" y="4883498"/>
+            <a:ext cx="2568795" cy="484631"/>
+          </a:xfrm>
+          <a:prstGeom prst="rect">
+            <a:avLst/>
+          </a:prstGeom>
+          <a:noFill/>
+          <a:ln w="38100"/>
+        </p:spPr>
+        <p:style>
+          <a:lnRef idx="2">
+            <a:schemeClr val="accent6"/>
+          </a:lnRef>
+          <a:fillRef idx="1">
+            <a:schemeClr val="lt1"/>
+          </a:fillRef>
+          <a:effectRef idx="0">
+            <a:schemeClr val="accent6"/>
+          </a:effectRef>
+          <a:fontRef idx="minor">
+            <a:schemeClr val="dk1"/>
+          </a:fontRef>
+        </p:style>
+        <p:txBody>
+          <a:bodyPr rtlCol="0" anchor="ctr"/>
+          <a:lstStyle/>
+          <a:p>
+            <a:pPr algn="ctr"/>
+            <a:endParaRPr lang="fr-FR"/>
+          </a:p>
+        </p:txBody>
+      </p:sp>
+      <p:cxnSp>
+        <p:nvCxnSpPr>
+          <p:cNvPr id="36" name="Connecteur droit avec flèche 35">
+            <a:extLst>
+              <a:ext uri="{FF2B5EF4-FFF2-40B4-BE49-F238E27FC236}">
+                <a16:creationId xmlns:a16="http://schemas.microsoft.com/office/drawing/2014/main" id="{2AE79D39-A434-B896-780A-20A0117C42C0}"/>
+              </a:ext>
+            </a:extLst>
+          </p:cNvPr>
+          <p:cNvCxnSpPr>
+            <a:cxnSpLocks/>
+            <a:stCxn id="34" idx="2"/>
+            <a:endCxn id="33" idx="1"/>
+          </p:cNvCxnSpPr>
+          <p:nvPr/>
+        </p:nvCxnSpPr>
+        <p:spPr>
+          <a:xfrm>
+            <a:off x="5054197" y="5368129"/>
+            <a:ext cx="2007320" cy="303207"/>
+          </a:xfrm>
+          <a:prstGeom prst="straightConnector1">
+            <a:avLst/>
+          </a:prstGeom>
+          <a:ln>
+            <a:tailEnd type="triangle"/>
+          </a:ln>
+        </p:spPr>
+        <p:style>
+          <a:lnRef idx="1">
+            <a:schemeClr val="accent1"/>
+          </a:lnRef>
+          <a:fillRef idx="0">
+            <a:schemeClr val="accent1"/>
+          </a:fillRef>
+          <a:effectRef idx="0">
+            <a:schemeClr val="accent1"/>
+          </a:effectRef>
+          <a:fontRef idx="minor">
+            <a:schemeClr val="tx1"/>
+          </a:fontRef>
+        </p:style>
+      </p:cxnSp>
+      <p:sp>
+        <p:nvSpPr>
+          <p:cNvPr id="37" name="Rectangle 36">
+            <a:extLst>
+              <a:ext uri="{FF2B5EF4-FFF2-40B4-BE49-F238E27FC236}">
+                <a16:creationId xmlns:a16="http://schemas.microsoft.com/office/drawing/2014/main" id="{81C5CFB5-0436-3EF9-27E7-343DD2BBBD62}"/>
+              </a:ext>
+            </a:extLst>
+          </p:cNvPr>
+          <p:cNvSpPr/>
+          <p:nvPr/>
+        </p:nvSpPr>
+        <p:spPr>
+          <a:xfrm>
+            <a:off x="5463541" y="5471001"/>
+            <a:ext cx="1271349" cy="254910"/>
+          </a:xfrm>
+          <a:prstGeom prst="rect">
+            <a:avLst/>
+          </a:prstGeom>
+        </p:spPr>
+        <p:style>
+          <a:lnRef idx="2">
+            <a:schemeClr val="accent6"/>
+          </a:lnRef>
+          <a:fillRef idx="1">
+            <a:schemeClr val="lt1"/>
+          </a:fillRef>
+          <a:effectRef idx="0">
+            <a:schemeClr val="accent6"/>
+          </a:effectRef>
+          <a:fontRef idx="minor">
+            <a:schemeClr val="dk1"/>
+          </a:fontRef>
+        </p:style>
+        <p:txBody>
+          <a:bodyPr rtlCol="0" anchor="ctr"/>
+          <a:lstStyle/>
+          <a:p>
+            <a:pPr algn="ctr"/>
+            <a:r>
+              <a:rPr lang="fr-FR" dirty="0"/>
+              <a:t>bonjour</a:t>
+            </a:r>
+          </a:p>
+        </p:txBody>
+      </p:sp>
+      <p:pic>
+        <p:nvPicPr>
+          <p:cNvPr id="44" name="Image 43">
+            <a:extLst>
+              <a:ext uri="{FF2B5EF4-FFF2-40B4-BE49-F238E27FC236}">
+                <a16:creationId xmlns:a16="http://schemas.microsoft.com/office/drawing/2014/main" id="{32208547-8D6E-B731-6895-0980FC938424}"/>
+              </a:ext>
+            </a:extLst>
+          </p:cNvPr>
+          <p:cNvPicPr>
+            <a:picLocks noChangeAspect="1"/>
+          </p:cNvPicPr>
+          <p:nvPr/>
+        </p:nvPicPr>
+        <p:blipFill>
+          <a:blip r:embed="rId7"/>
+          <a:stretch>
+            <a:fillRect/>
+          </a:stretch>
+        </p:blipFill>
+        <p:spPr>
+          <a:xfrm>
+            <a:off x="10373417" y="3845599"/>
+            <a:ext cx="2079218" cy="1539100"/>
+          </a:xfrm>
+          <a:prstGeom prst="rect">
+            <a:avLst/>
+          </a:prstGeom>
+        </p:spPr>
+      </p:pic>
+      <p:cxnSp>
+        <p:nvCxnSpPr>
+          <p:cNvPr id="45" name="Connecteur droit avec flèche 44">
+            <a:extLst>
+              <a:ext uri="{FF2B5EF4-FFF2-40B4-BE49-F238E27FC236}">
+                <a16:creationId xmlns:a16="http://schemas.microsoft.com/office/drawing/2014/main" id="{0A3963EA-D0D2-39C8-1C4F-0B1FBC9D29EC}"/>
+              </a:ext>
+            </a:extLst>
+          </p:cNvPr>
+          <p:cNvCxnSpPr>
+            <a:cxnSpLocks/>
+            <a:endCxn id="44" idx="2"/>
+          </p:cNvCxnSpPr>
+          <p:nvPr/>
+        </p:nvCxnSpPr>
+        <p:spPr>
+          <a:xfrm flipV="1">
+            <a:off x="11019883" y="5384699"/>
+            <a:ext cx="393143" cy="165077"/>
+          </a:xfrm>
+          <a:prstGeom prst="straightConnector1">
+            <a:avLst/>
+          </a:prstGeom>
+          <a:ln w="38100">
+            <a:tailEnd type="triangle"/>
+          </a:ln>
+        </p:spPr>
+        <p:style>
+          <a:lnRef idx="1">
+            <a:schemeClr val="dk1"/>
+          </a:lnRef>
+          <a:fillRef idx="0">
+            <a:schemeClr val="dk1"/>
+          </a:fillRef>
+          <a:effectRef idx="0">
+            <a:schemeClr val="dk1"/>
+          </a:effectRef>
+          <a:fontRef idx="minor">
+            <a:schemeClr val="tx1"/>
+          </a:fontRef>
+        </p:style>
+      </p:cxnSp>
+    </p:spTree>
+    <p:extLst>
+      <p:ext uri="{BB962C8B-B14F-4D97-AF65-F5344CB8AC3E}">
+        <p14:creationId xmlns:p14="http://schemas.microsoft.com/office/powerpoint/2010/main" val="3232484766"/>
+      </p:ext>
+    </p:extLst>
+  </p:cSld>
+  <p:clrMapOvr>
+    <a:masterClrMapping/>
+  </p:clrMapOvr>
+  <mc:AlternateContent xmlns:mc="http://schemas.openxmlformats.org/markup-compatibility/2006" xmlns:p159="http://schemas.microsoft.com/office/powerpoint/2015/09/main">
+    <mc:Choice Requires="p159">
+      <p:transition xmlns:p14="http://schemas.microsoft.com/office/powerpoint/2010/main" spd="slow" p14:dur="2000">
+        <p159:morph option="byObject"/>
+      </p:transition>
+    </mc:Choice>
+    <mc:Fallback xmlns="">
+      <p:transition spd="slow">
+        <p:fade/>
+      </p:transition>
+    </mc:Fallback>
+  </mc:AlternateContent>
+</p:sld>
+</file>
+
+<file path=ppt/slides/slide5.xml><?xml version="1.0" encoding="utf-8"?>
+<p:sld xmlns:a="http://schemas.openxmlformats.org/drawingml/2006/main" xmlns:r="http://schemas.openxmlformats.org/officeDocument/2006/relationships" xmlns:p="http://schemas.openxmlformats.org/presentationml/2006/main">
+  <p:cSld>
+    <p:bg>
+      <p:bgPr>
+        <a:solidFill>
+          <a:schemeClr val="bg1"/>
+        </a:solidFill>
+        <a:effectLst/>
+      </p:bgPr>
+    </p:bg>
+    <p:spTree>
+      <p:nvGrpSpPr>
+        <p:cNvPr id="1" name=""/>
+        <p:cNvGrpSpPr/>
+        <p:nvPr/>
+      </p:nvGrpSpPr>
+      <p:grpSpPr>
+        <a:xfrm>
+          <a:off x="0" y="0"/>
+          <a:ext cx="0" cy="0"/>
+          <a:chOff x="0" y="0"/>
+          <a:chExt cx="0" cy="0"/>
+        </a:xfrm>
+      </p:grpSpPr>
+      <p:cxnSp>
+        <p:nvCxnSpPr>
+          <p:cNvPr id="9" name="Straight Connector 8">
+            <a:extLst>
+              <a:ext uri="{FF2B5EF4-FFF2-40B4-BE49-F238E27FC236}">
+                <a16:creationId xmlns:a16="http://schemas.microsoft.com/office/drawing/2014/main" id="{D1B787A8-0D67-4B7E-9B48-86BD906AB6B5}"/>
+              </a:ext>
+              <a:ext uri="{C183D7F6-B498-43B3-948B-1728B52AA6E4}">
+                <adec:decorative xmlns:adec="http://schemas.microsoft.com/office/drawing/2017/decorative" val="1"/>
+              </a:ext>
+            </a:extLst>
+          </p:cNvPr>
+          <p:cNvCxnSpPr>
+            <a:cxnSpLocks noGrp="1" noRot="1" noChangeAspect="1" noMove="1" noResize="1" noEditPoints="1" noAdjustHandles="1" noChangeArrowheads="1" noChangeShapeType="1"/>
+          </p:cNvCxnSpPr>
+          <p:nvPr>
+            <p:extLst>
+              <p:ext uri="{386F3935-93C4-4BCD-93E2-E3B085C9AB24}">
+                <p16:designElem xmlns:p16="http://schemas.microsoft.com/office/powerpoint/2015/main" val="1"/>
+              </p:ext>
+            </p:extLst>
+          </p:nvPr>
+        </p:nvCxnSpPr>
+        <p:spPr>
+          <a:xfrm>
+            <a:off x="715890" y="1114050"/>
+            <a:ext cx="0" cy="5735637"/>
+          </a:xfrm>
+          <a:prstGeom prst="line">
+            <a:avLst/>
+          </a:prstGeom>
+          <a:ln w="25400" cap="sq">
+            <a:gradFill flip="none" rotWithShape="1">
+              <a:gsLst>
+                <a:gs pos="0">
+                  <a:schemeClr val="accent2"/>
+                </a:gs>
+                <a:gs pos="100000">
+                  <a:schemeClr val="accent4"/>
+                </a:gs>
+              </a:gsLst>
+              <a:lin ang="16200000" scaled="1"/>
+              <a:tileRect/>
+            </a:gradFill>
+            <a:bevel/>
+          </a:ln>
+        </p:spPr>
+        <p:style>
+          <a:lnRef idx="1">
+            <a:schemeClr val="accent1"/>
+          </a:lnRef>
+          <a:fillRef idx="0">
+            <a:schemeClr val="accent1"/>
+          </a:fillRef>
+          <a:effectRef idx="0">
+            <a:schemeClr val="accent1"/>
+          </a:effectRef>
+          <a:fontRef idx="minor">
+            <a:schemeClr val="tx1"/>
+          </a:fontRef>
+        </p:style>
+      </p:cxnSp>
+      <p:sp useBgFill="1">
+        <p:nvSpPr>
+          <p:cNvPr id="11" name="Rectangle 10">
+            <a:extLst>
+              <a:ext uri="{FF2B5EF4-FFF2-40B4-BE49-F238E27FC236}">
+                <a16:creationId xmlns:a16="http://schemas.microsoft.com/office/drawing/2014/main" id="{C17278C5-34E8-4293-BE47-73B18483AF7B}"/>
+              </a:ext>
+              <a:ext uri="{C183D7F6-B498-43B3-948B-1728B52AA6E4}">
+                <adec:decorative xmlns:adec="http://schemas.microsoft.com/office/drawing/2017/decorative" val="1"/>
+              </a:ext>
+            </a:extLst>
+          </p:cNvPr>
+          <p:cNvSpPr>
+            <a:spLocks noGrp="1" noRot="1" noChangeAspect="1" noMove="1" noResize="1" noEditPoints="1" noAdjustHandles="1" noChangeArrowheads="1" noChangeShapeType="1" noTextEdit="1"/>
+          </p:cNvSpPr>
+          <p:nvPr>
+            <p:extLst>
+              <p:ext uri="{386F3935-93C4-4BCD-93E2-E3B085C9AB24}">
+                <p16:designElem xmlns:p16="http://schemas.microsoft.com/office/powerpoint/2015/main" val="1"/>
+              </p:ext>
+            </p:extLst>
+          </p:nvPr>
+        </p:nvSpPr>
+        <p:spPr>
+          <a:xfrm>
+            <a:off x="0" y="0"/>
+            <a:ext cx="12192000" cy="6858000"/>
+          </a:xfrm>
+          <a:prstGeom prst="rect">
+            <a:avLst/>
+          </a:prstGeom>
+          <a:ln w="12700" cap="flat" cmpd="sng" algn="ctr">
+            <a:noFill/>
+            <a:prstDash val="solid"/>
+            <a:miter lim="800000"/>
+          </a:ln>
+          <a:effectLst/>
+          <a:extLst>
+            <a:ext uri="{91240B29-F687-4F45-9708-019B960494DF}">
+              <a14:hiddenLine xmlns:a14="http://schemas.microsoft.com/office/drawing/2010/main" w="12700" cap="flat" cmpd="sng" algn="ctr">
+                <a:solidFill>
+                  <a:schemeClr val="accent1">
+                    <a:shade val="50000"/>
+                  </a:schemeClr>
+                </a:solidFill>
+                <a:prstDash val="solid"/>
+                <a:miter lim="800000"/>
+              </a14:hiddenLine>
+            </a:ext>
+          </a:extLst>
+        </p:spPr>
+        <p:style>
+          <a:lnRef idx="2">
+            <a:schemeClr val="accent1">
+              <a:shade val="50000"/>
+            </a:schemeClr>
+          </a:lnRef>
+          <a:fillRef idx="1">
+            <a:schemeClr val="accent1"/>
+          </a:fillRef>
+          <a:effectRef idx="0">
+            <a:schemeClr val="accent1"/>
+          </a:effectRef>
+          <a:fontRef idx="minor">
+            <a:schemeClr val="lt1"/>
+          </a:fontRef>
+        </p:style>
+        <p:txBody>
+          <a:bodyPr rtlCol="0" anchor="ctr"/>
+          <a:lstStyle/>
+          <a:p>
+            <a:pPr algn="ctr"/>
+            <a:endParaRPr lang="en-US"/>
+          </a:p>
+        </p:txBody>
+      </p:sp>
+      <p:sp>
+        <p:nvSpPr>
+          <p:cNvPr id="13" name="!!Rectangle">
+            <a:extLst>
+              <a:ext uri="{FF2B5EF4-FFF2-40B4-BE49-F238E27FC236}">
+                <a16:creationId xmlns:a16="http://schemas.microsoft.com/office/drawing/2014/main" id="{9A3F5928-D955-456A-97B5-AA390B8CE9D5}"/>
+              </a:ext>
+              <a:ext uri="{C183D7F6-B498-43B3-948B-1728B52AA6E4}">
+                <adec:decorative xmlns:adec="http://schemas.microsoft.com/office/drawing/2017/decorative" val="1"/>
+              </a:ext>
+            </a:extLst>
+          </p:cNvPr>
+          <p:cNvSpPr>
+            <a:spLocks noGrp="1" noRot="1" noChangeAspect="1" noMove="1" noResize="1" noEditPoints="1" noAdjustHandles="1" noChangeArrowheads="1" noChangeShapeType="1" noTextEdit="1"/>
+          </p:cNvSpPr>
+          <p:nvPr>
+            <p:extLst>
+              <p:ext uri="{386F3935-93C4-4BCD-93E2-E3B085C9AB24}">
+                <p16:designElem xmlns:p16="http://schemas.microsoft.com/office/powerpoint/2015/main" val="1"/>
+              </p:ext>
+            </p:extLst>
+          </p:nvPr>
+        </p:nvSpPr>
+        <p:spPr>
+          <a:xfrm>
+            <a:off x="0" y="0"/>
+            <a:ext cx="12192000" cy="6858000"/>
+          </a:xfrm>
+          <a:prstGeom prst="rect">
+            <a:avLst/>
+          </a:prstGeom>
+          <a:gradFill flip="none" rotWithShape="1">
+            <a:gsLst>
+              <a:gs pos="100000">
+                <a:schemeClr val="accent4"/>
+              </a:gs>
+              <a:gs pos="0">
+                <a:schemeClr val="accent2"/>
+              </a:gs>
+            </a:gsLst>
+            <a:lin ang="18900000" scaled="1"/>
+            <a:tileRect/>
+          </a:gradFill>
+          <a:ln>
+            <a:noFill/>
+          </a:ln>
+        </p:spPr>
+        <p:style>
+          <a:lnRef idx="2">
+            <a:schemeClr val="accent1">
+              <a:shade val="50000"/>
+            </a:schemeClr>
+          </a:lnRef>
+          <a:fillRef idx="1">
+            <a:schemeClr val="accent1"/>
+          </a:fillRef>
+          <a:effectRef idx="0">
+            <a:schemeClr val="accent1"/>
+          </a:effectRef>
+          <a:fontRef idx="minor">
+            <a:schemeClr val="lt1"/>
+          </a:fontRef>
+        </p:style>
+        <p:txBody>
+          <a:bodyPr rtlCol="0" anchor="ctr"/>
+          <a:lstStyle/>
+          <a:p>
+            <a:pPr marL="0" marR="0" lvl="0" indent="0" algn="ctr" defTabSz="914400" rtl="0" eaLnBrk="1" fontAlgn="auto" latinLnBrk="0" hangingPunct="1">
+              <a:lnSpc>
+                <a:spcPct val="100000"/>
+              </a:lnSpc>
+              <a:spcBef>
+                <a:spcPts val="0"/>
+              </a:spcBef>
+              <a:spcAft>
+                <a:spcPts val="0"/>
+              </a:spcAft>
+              <a:buClrTx/>
+              <a:buSzTx/>
+              <a:buFontTx/>
+              <a:buNone/>
+              <a:tabLst/>
+              <a:defRPr/>
+            </a:pPr>
+            <a:endParaRPr kumimoji="0" lang="en-US" sz="1800" b="0" i="0" u="none" strike="noStrike" kern="1200" cap="none" spc="0" normalizeH="0" baseline="0" noProof="0">
+              <a:ln>
+                <a:noFill/>
+              </a:ln>
+              <a:solidFill>
+                <a:prstClr val="white"/>
+              </a:solidFill>
+              <a:effectLst/>
+              <a:uLnTx/>
+              <a:uFillTx/>
+              <a:latin typeface="Univers"/>
+              <a:ea typeface="+mn-ea"/>
+              <a:cs typeface="+mn-cs"/>
+            </a:endParaRPr>
+          </a:p>
+        </p:txBody>
+      </p:sp>
+      <p:pic>
+        <p:nvPicPr>
+          <p:cNvPr id="5" name="Picture 4" descr="Programmation de données sur un moniteur d’ordinateur">
+            <a:extLst>
+              <a:ext uri="{FF2B5EF4-FFF2-40B4-BE49-F238E27FC236}">
+                <a16:creationId xmlns:a16="http://schemas.microsoft.com/office/drawing/2014/main" id="{7BAED302-7507-22B9-1AEF-84C1275D0741}"/>
+              </a:ext>
+            </a:extLst>
+          </p:cNvPr>
+          <p:cNvPicPr>
+            <a:picLocks noChangeAspect="1"/>
+          </p:cNvPicPr>
+          <p:nvPr/>
+        </p:nvPicPr>
+        <p:blipFill rotWithShape="1">
+          <a:blip r:embed="rId2">
+            <a:duotone>
+              <a:schemeClr val="accent1">
+                <a:shade val="45000"/>
+                <a:satMod val="135000"/>
+              </a:schemeClr>
+              <a:prstClr val="white"/>
+            </a:duotone>
+            <a:alphaModFix amt="35000"/>
+          </a:blip>
+          <a:srcRect t="12054" b="3677"/>
+          <a:stretch/>
+        </p:blipFill>
+        <p:spPr>
+          <a:xfrm>
+            <a:off x="20" y="-8877"/>
+            <a:ext cx="12191980" cy="6858000"/>
+          </a:xfrm>
+          <a:prstGeom prst="rect">
+            <a:avLst/>
+          </a:prstGeom>
+        </p:spPr>
+      </p:pic>
+      <p:sp>
+        <p:nvSpPr>
+          <p:cNvPr id="2" name="Titre 1">
+            <a:extLst>
+              <a:ext uri="{FF2B5EF4-FFF2-40B4-BE49-F238E27FC236}">
+                <a16:creationId xmlns:a16="http://schemas.microsoft.com/office/drawing/2014/main" id="{DA2A7F0B-CEA2-E81C-8F0F-10A507414AED}"/>
+              </a:ext>
+            </a:extLst>
+          </p:cNvPr>
+          <p:cNvSpPr>
+            <a:spLocks noGrp="1"/>
+          </p:cNvSpPr>
+          <p:nvPr>
+            <p:ph type="title"/>
+          </p:nvPr>
+        </p:nvSpPr>
+        <p:spPr>
+          <a:xfrm>
+            <a:off x="1256275" y="2271449"/>
+            <a:ext cx="9679449" cy="2847058"/>
+          </a:xfrm>
+        </p:spPr>
+        <p:txBody>
+          <a:bodyPr vert="horz" lIns="91440" tIns="45720" rIns="91440" bIns="45720" rtlCol="0" anchor="b">
+            <a:normAutofit/>
+          </a:bodyPr>
+          <a:lstStyle/>
+          <a:p>
+            <a:r>
+              <a:rPr lang="en-US" sz="7200" b="1" i="0" kern="1200" cap="all" baseline="0" dirty="0">
+                <a:solidFill>
+                  <a:srgbClr val="FFFFFF"/>
+                </a:solidFill>
+                <a:latin typeface="+mj-lt"/>
+                <a:ea typeface="+mj-ea"/>
+                <a:cs typeface="+mj-cs"/>
+              </a:rPr>
+              <a:t>Merci pour </a:t>
+            </a:r>
+            <a:r>
+              <a:rPr lang="en-US" sz="7200" b="1" i="0" kern="1200" cap="all" baseline="0" dirty="0" err="1">
+                <a:solidFill>
+                  <a:srgbClr val="FFFFFF"/>
+                </a:solidFill>
+                <a:latin typeface="+mj-lt"/>
+                <a:ea typeface="+mj-ea"/>
+                <a:cs typeface="+mj-cs"/>
+              </a:rPr>
+              <a:t>votre</a:t>
+            </a:r>
+            <a:r>
+              <a:rPr lang="en-US" sz="7200" b="1" i="0" kern="1200" cap="all" dirty="0">
+                <a:solidFill>
+                  <a:srgbClr val="FFFFFF"/>
+                </a:solidFill>
+                <a:latin typeface="+mj-lt"/>
+                <a:ea typeface="+mj-ea"/>
+                <a:cs typeface="+mj-cs"/>
+              </a:rPr>
+              <a:t> attention</a:t>
+            </a:r>
+            <a:endParaRPr lang="en-US" sz="7200" b="1" i="0" kern="1200" cap="all" baseline="0" dirty="0">
+              <a:solidFill>
+                <a:srgbClr val="FFFFFF"/>
+              </a:solidFill>
+              <a:latin typeface="+mj-lt"/>
+              <a:ea typeface="+mj-ea"/>
+              <a:cs typeface="+mj-cs"/>
+            </a:endParaRPr>
+          </a:p>
+        </p:txBody>
+      </p:sp>
+      <p:sp>
+        <p:nvSpPr>
+          <p:cNvPr id="3" name="Espace réservé du contenu 2">
+            <a:extLst>
+              <a:ext uri="{FF2B5EF4-FFF2-40B4-BE49-F238E27FC236}">
+                <a16:creationId xmlns:a16="http://schemas.microsoft.com/office/drawing/2014/main" id="{B7DEA20A-F615-A073-598B-5328B3EE3780}"/>
+              </a:ext>
+            </a:extLst>
+          </p:cNvPr>
+          <p:cNvSpPr>
+            <a:spLocks noGrp="1"/>
+          </p:cNvSpPr>
+          <p:nvPr>
+            <p:ph idx="1"/>
+          </p:nvPr>
+        </p:nvSpPr>
+        <p:spPr>
+          <a:xfrm>
+            <a:off x="1256275" y="5098254"/>
+            <a:ext cx="9679449" cy="750259"/>
+          </a:xfrm>
+        </p:spPr>
+        <p:txBody>
+          <a:bodyPr vert="horz" lIns="91440" tIns="45720" rIns="91440" bIns="45720" rtlCol="0" anchor="ctr">
+            <a:normAutofit/>
+          </a:bodyPr>
+          <a:lstStyle/>
+          <a:p>
+            <a:pPr marL="0" indent="0">
+              <a:buNone/>
+            </a:pPr>
+            <a:r>
+              <a:rPr lang="en-US" sz="2000" kern="1200" dirty="0" err="1">
+                <a:solidFill>
+                  <a:srgbClr val="FFFFFF"/>
+                </a:solidFill>
+                <a:latin typeface="+mn-lt"/>
+                <a:ea typeface="+mn-ea"/>
+                <a:cs typeface="+mn-cs"/>
+              </a:rPr>
+              <a:t>Codage</a:t>
+            </a:r>
+            <a:r>
+              <a:rPr lang="en-US" sz="2000" kern="1200" dirty="0">
+                <a:solidFill>
+                  <a:srgbClr val="FFFFFF"/>
+                </a:solidFill>
+                <a:latin typeface="+mn-lt"/>
+                <a:ea typeface="+mn-ea"/>
+                <a:cs typeface="+mn-cs"/>
+              </a:rPr>
+              <a:t> </a:t>
+            </a:r>
+            <a:r>
+              <a:rPr lang="en-US" sz="2000" kern="1200" dirty="0" err="1">
+                <a:solidFill>
+                  <a:srgbClr val="FFFFFF"/>
+                </a:solidFill>
+                <a:latin typeface="+mn-lt"/>
+                <a:ea typeface="+mn-ea"/>
+                <a:cs typeface="+mn-cs"/>
+              </a:rPr>
+              <a:t>huffman</a:t>
+            </a:r>
+            <a:endParaRPr lang="en-US" sz="2000" kern="1200" dirty="0">
+              <a:solidFill>
+                <a:srgbClr val="FFFFFF"/>
+              </a:solidFill>
+              <a:latin typeface="+mn-lt"/>
+              <a:ea typeface="+mn-ea"/>
+              <a:cs typeface="+mn-cs"/>
+            </a:endParaRPr>
+          </a:p>
+        </p:txBody>
+      </p:sp>
+      <p:cxnSp>
+        <p:nvCxnSpPr>
+          <p:cNvPr id="15" name="Straight Connector 14">
+            <a:extLst>
+              <a:ext uri="{FF2B5EF4-FFF2-40B4-BE49-F238E27FC236}">
+                <a16:creationId xmlns:a16="http://schemas.microsoft.com/office/drawing/2014/main" id="{56020367-4FD5-4596-8E10-C5F095CD8DBF}"/>
+              </a:ext>
+              <a:ext uri="{C183D7F6-B498-43B3-948B-1728B52AA6E4}">
+                <adec:decorative xmlns:adec="http://schemas.microsoft.com/office/drawing/2017/decorative" val="1"/>
+              </a:ext>
+            </a:extLst>
+          </p:cNvPr>
+          <p:cNvCxnSpPr>
+            <a:cxnSpLocks noGrp="1" noRot="1" noChangeAspect="1" noMove="1" noResize="1" noEditPoints="1" noAdjustHandles="1" noChangeArrowheads="1" noChangeShapeType="1"/>
+          </p:cNvCxnSpPr>
+          <p:nvPr>
+            <p:extLst>
+              <p:ext uri="{386F3935-93C4-4BCD-93E2-E3B085C9AB24}">
+                <p16:designElem xmlns:p16="http://schemas.microsoft.com/office/powerpoint/2015/main" val="1"/>
+              </p:ext>
+            </p:extLst>
+          </p:nvPr>
+        </p:nvCxnSpPr>
+        <p:spPr>
+          <a:xfrm>
+            <a:off x="8878" y="806470"/>
+            <a:ext cx="8453437" cy="0"/>
+          </a:xfrm>
+          <a:prstGeom prst="line">
+            <a:avLst/>
+          </a:prstGeom>
+          <a:ln w="25400" cap="sq">
+            <a:solidFill>
+              <a:srgbClr val="FFFFFF"/>
+            </a:solidFill>
+            <a:bevel/>
+          </a:ln>
+        </p:spPr>
+        <p:style>
+          <a:lnRef idx="1">
+            <a:schemeClr val="accent1"/>
+          </a:lnRef>
+          <a:fillRef idx="0">
+            <a:schemeClr val="accent1"/>
+          </a:fillRef>
+          <a:effectRef idx="0">
+            <a:schemeClr val="accent1"/>
+          </a:effectRef>
+          <a:fontRef idx="minor">
+            <a:schemeClr val="tx1"/>
+          </a:fontRef>
+        </p:style>
+      </p:cxnSp>
+      <p:sp>
+        <p:nvSpPr>
+          <p:cNvPr id="17" name="Graphic 13">
+            <a:extLst>
+              <a:ext uri="{FF2B5EF4-FFF2-40B4-BE49-F238E27FC236}">
+                <a16:creationId xmlns:a16="http://schemas.microsoft.com/office/drawing/2014/main" id="{C5CB530E-515E-412C-9DF1-5F8FFBD6F383}"/>
+              </a:ext>
+              <a:ext uri="{C183D7F6-B498-43B3-948B-1728B52AA6E4}">
+                <adec:decorative xmlns:adec="http://schemas.microsoft.com/office/drawing/2017/decorative" val="1"/>
+              </a:ext>
+            </a:extLst>
+          </p:cNvPr>
+          <p:cNvSpPr>
+            <a:spLocks noGrp="1" noRot="1" noChangeAspect="1" noMove="1" noResize="1" noEditPoints="1" noAdjustHandles="1" noChangeArrowheads="1" noChangeShapeType="1" noTextEdit="1"/>
+          </p:cNvSpPr>
+          <p:nvPr>
+            <p:extLst>
+              <p:ext uri="{386F3935-93C4-4BCD-93E2-E3B085C9AB24}">
+                <p16:designElem xmlns:p16="http://schemas.microsoft.com/office/powerpoint/2015/main" val="1"/>
+              </p:ext>
+            </p:extLst>
+          </p:nvPr>
+        </p:nvSpPr>
+        <p:spPr>
+          <a:xfrm>
+            <a:off x="544954" y="2875093"/>
+            <a:ext cx="139039" cy="139039"/>
+          </a:xfrm>
+          <a:custGeom>
+            <a:avLst/>
+            <a:gdLst>
+              <a:gd name="connsiteX0" fmla="*/ 129602 w 139039"/>
+              <a:gd name="connsiteY0" fmla="*/ 60082 h 139039"/>
+              <a:gd name="connsiteX1" fmla="*/ 78957 w 139039"/>
+              <a:gd name="connsiteY1" fmla="*/ 60082 h 139039"/>
+              <a:gd name="connsiteX2" fmla="*/ 78957 w 139039"/>
+              <a:gd name="connsiteY2" fmla="*/ 9437 h 139039"/>
+              <a:gd name="connsiteX3" fmla="*/ 69520 w 139039"/>
+              <a:gd name="connsiteY3" fmla="*/ 0 h 139039"/>
+              <a:gd name="connsiteX4" fmla="*/ 60082 w 139039"/>
+              <a:gd name="connsiteY4" fmla="*/ 9437 h 139039"/>
+              <a:gd name="connsiteX5" fmla="*/ 60082 w 139039"/>
+              <a:gd name="connsiteY5" fmla="*/ 60082 h 139039"/>
+              <a:gd name="connsiteX6" fmla="*/ 9437 w 139039"/>
+              <a:gd name="connsiteY6" fmla="*/ 60082 h 139039"/>
+              <a:gd name="connsiteX7" fmla="*/ 0 w 139039"/>
+              <a:gd name="connsiteY7" fmla="*/ 69520 h 139039"/>
+              <a:gd name="connsiteX8" fmla="*/ 9437 w 139039"/>
+              <a:gd name="connsiteY8" fmla="*/ 78957 h 139039"/>
+              <a:gd name="connsiteX9" fmla="*/ 60082 w 139039"/>
+              <a:gd name="connsiteY9" fmla="*/ 78957 h 139039"/>
+              <a:gd name="connsiteX10" fmla="*/ 60082 w 139039"/>
+              <a:gd name="connsiteY10" fmla="*/ 129602 h 139039"/>
+              <a:gd name="connsiteX11" fmla="*/ 69520 w 139039"/>
+              <a:gd name="connsiteY11" fmla="*/ 139039 h 139039"/>
+              <a:gd name="connsiteX12" fmla="*/ 78957 w 139039"/>
+              <a:gd name="connsiteY12" fmla="*/ 129602 h 139039"/>
+              <a:gd name="connsiteX13" fmla="*/ 78957 w 139039"/>
+              <a:gd name="connsiteY13" fmla="*/ 78957 h 139039"/>
+              <a:gd name="connsiteX14" fmla="*/ 129602 w 139039"/>
+              <a:gd name="connsiteY14" fmla="*/ 78957 h 139039"/>
+              <a:gd name="connsiteX15" fmla="*/ 139039 w 139039"/>
+              <a:gd name="connsiteY15" fmla="*/ 69520 h 139039"/>
+              <a:gd name="connsiteX16" fmla="*/ 129602 w 139039"/>
+              <a:gd name="connsiteY16" fmla="*/ 60082 h 139039"/>
+            </a:gdLst>
+            <a:ahLst/>
+            <a:cxnLst>
+              <a:cxn ang="0">
+                <a:pos x="connsiteX0" y="connsiteY0"/>
+              </a:cxn>
+              <a:cxn ang="0">
+                <a:pos x="connsiteX1" y="connsiteY1"/>
+              </a:cxn>
+              <a:cxn ang="0">
+                <a:pos x="connsiteX2" y="connsiteY2"/>
+              </a:cxn>
+              <a:cxn ang="0">
+                <a:pos x="connsiteX3" y="connsiteY3"/>
+              </a:cxn>
+              <a:cxn ang="0">
+                <a:pos x="connsiteX4" y="connsiteY4"/>
+              </a:cxn>
+              <a:cxn ang="0">
+                <a:pos x="connsiteX5" y="connsiteY5"/>
+              </a:cxn>
+              <a:cxn ang="0">
+                <a:pos x="connsiteX6" y="connsiteY6"/>
+              </a:cxn>
+              <a:cxn ang="0">
+                <a:pos x="connsiteX7" y="connsiteY7"/>
+              </a:cxn>
+              <a:cxn ang="0">
+                <a:pos x="connsiteX8" y="connsiteY8"/>
+              </a:cxn>
+              <a:cxn ang="0">
+                <a:pos x="connsiteX9" y="connsiteY9"/>
+              </a:cxn>
+              <a:cxn ang="0">
+                <a:pos x="connsiteX10" y="connsiteY10"/>
+              </a:cxn>
+              <a:cxn ang="0">
+                <a:pos x="connsiteX11" y="connsiteY11"/>
+              </a:cxn>
+              <a:cxn ang="0">
+                <a:pos x="connsiteX12" y="connsiteY12"/>
+              </a:cxn>
+              <a:cxn ang="0">
+                <a:pos x="connsiteX13" y="connsiteY13"/>
+              </a:cxn>
+              <a:cxn ang="0">
+                <a:pos x="connsiteX14" y="connsiteY14"/>
+              </a:cxn>
+              <a:cxn ang="0">
+                <a:pos x="connsiteX15" y="connsiteY15"/>
+              </a:cxn>
+              <a:cxn ang="0">
+                <a:pos x="connsiteX16" y="connsiteY16"/>
+              </a:cxn>
+            </a:cxnLst>
+            <a:rect l="l" t="t" r="r" b="b"/>
+            <a:pathLst>
+              <a:path w="139039" h="139039">
+                <a:moveTo>
+                  <a:pt x="129602" y="60082"/>
+                </a:moveTo>
+                <a:lnTo>
+                  <a:pt x="78957" y="60082"/>
+                </a:lnTo>
+                <a:lnTo>
+                  <a:pt x="78957" y="9437"/>
+                </a:lnTo>
+                <a:cubicBezTo>
+                  <a:pt x="78957" y="4225"/>
+                  <a:pt x="74731" y="0"/>
+                  <a:pt x="69520" y="0"/>
+                </a:cubicBezTo>
+                <a:cubicBezTo>
+                  <a:pt x="64308" y="0"/>
+                  <a:pt x="60082" y="4225"/>
+                  <a:pt x="60082" y="9437"/>
+                </a:cubicBezTo>
+                <a:lnTo>
+                  <a:pt x="60082" y="60082"/>
+                </a:lnTo>
+                <a:lnTo>
+                  <a:pt x="9437" y="60082"/>
+                </a:lnTo>
+                <a:cubicBezTo>
+                  <a:pt x="4225" y="60082"/>
+                  <a:pt x="0" y="64308"/>
+                  <a:pt x="0" y="69520"/>
+                </a:cubicBezTo>
+                <a:cubicBezTo>
+                  <a:pt x="0" y="74731"/>
+                  <a:pt x="4225" y="78957"/>
+                  <a:pt x="9437" y="78957"/>
+                </a:cubicBezTo>
+                <a:lnTo>
+                  <a:pt x="60082" y="78957"/>
+                </a:lnTo>
+                <a:lnTo>
+                  <a:pt x="60082" y="129602"/>
+                </a:lnTo>
+                <a:cubicBezTo>
+                  <a:pt x="60082" y="134814"/>
+                  <a:pt x="64308" y="139039"/>
+                  <a:pt x="69520" y="139039"/>
+                </a:cubicBezTo>
+                <a:cubicBezTo>
+                  <a:pt x="74731" y="139039"/>
+                  <a:pt x="78957" y="134814"/>
+                  <a:pt x="78957" y="129602"/>
+                </a:cubicBezTo>
+                <a:lnTo>
+                  <a:pt x="78957" y="78957"/>
+                </a:lnTo>
+                <a:lnTo>
+                  <a:pt x="129602" y="78957"/>
+                </a:lnTo>
+                <a:cubicBezTo>
+                  <a:pt x="134814" y="78957"/>
+                  <a:pt x="139039" y="74731"/>
+                  <a:pt x="139039" y="69520"/>
+                </a:cubicBezTo>
+                <a:cubicBezTo>
+                  <a:pt x="139039" y="64308"/>
+                  <a:pt x="134814" y="60082"/>
+                  <a:pt x="129602" y="60082"/>
+                </a:cubicBezTo>
+                <a:close/>
+              </a:path>
+            </a:pathLst>
+          </a:custGeom>
+          <a:solidFill>
+            <a:srgbClr val="FFFFFF"/>
+          </a:solidFill>
+          <a:ln w="603" cap="flat">
+            <a:noFill/>
+            <a:prstDash val="solid"/>
+            <a:miter/>
+          </a:ln>
+        </p:spPr>
+        <p:txBody>
+          <a:bodyPr rtlCol="0" anchor="ctr"/>
+          <a:lstStyle/>
+          <a:p>
+            <a:pPr marL="0" marR="0" lvl="0" indent="0" algn="l" defTabSz="914400" rtl="0" eaLnBrk="1" fontAlgn="auto" latinLnBrk="0" hangingPunct="1">
+              <a:lnSpc>
+                <a:spcPct val="100000"/>
+              </a:lnSpc>
+              <a:spcBef>
+                <a:spcPts val="0"/>
+              </a:spcBef>
+              <a:spcAft>
+                <a:spcPts val="0"/>
+              </a:spcAft>
+              <a:buClrTx/>
+              <a:buSzTx/>
+              <a:buFontTx/>
+              <a:buNone/>
+              <a:tabLst/>
+              <a:defRPr/>
+            </a:pPr>
+            <a:endParaRPr kumimoji="0" lang="en-US" sz="1800" b="0" i="0" u="none" strike="noStrike" kern="1200" cap="none" spc="0" normalizeH="0" baseline="0" noProof="0">
+              <a:ln>
+                <a:noFill/>
+              </a:ln>
+              <a:solidFill>
+                <a:prstClr val="black"/>
+              </a:solidFill>
+              <a:effectLst/>
+              <a:uLnTx/>
+              <a:uFillTx/>
+              <a:latin typeface="Univers"/>
+              <a:ea typeface="+mn-ea"/>
+              <a:cs typeface="+mn-cs"/>
+            </a:endParaRPr>
+          </a:p>
+        </p:txBody>
+      </p:sp>
+      <p:sp>
+        <p:nvSpPr>
+          <p:cNvPr id="19" name="Graphic 12">
+            <a:extLst>
+              <a:ext uri="{FF2B5EF4-FFF2-40B4-BE49-F238E27FC236}">
+                <a16:creationId xmlns:a16="http://schemas.microsoft.com/office/drawing/2014/main" id="{712D4376-A578-4FF1-94FC-245E7A6A489F}"/>
+              </a:ext>
+              <a:ext uri="{C183D7F6-B498-43B3-948B-1728B52AA6E4}">
+                <adec:decorative xmlns:adec="http://schemas.microsoft.com/office/drawing/2017/decorative" val="1"/>
+              </a:ext>
+            </a:extLst>
+          </p:cNvPr>
+          <p:cNvSpPr>
+            <a:spLocks noGrp="1" noRot="1" noChangeAspect="1" noMove="1" noResize="1" noEditPoints="1" noAdjustHandles="1" noChangeArrowheads="1" noChangeShapeType="1" noTextEdit="1"/>
+          </p:cNvSpPr>
+          <p:nvPr>
+            <p:extLst>
+              <p:ext uri="{386F3935-93C4-4BCD-93E2-E3B085C9AB24}">
+                <p16:designElem xmlns:p16="http://schemas.microsoft.com/office/powerpoint/2015/main" val="1"/>
+              </p:ext>
+            </p:extLst>
+          </p:nvPr>
+        </p:nvSpPr>
+        <p:spPr>
+          <a:xfrm>
+            <a:off x="903734" y="3104388"/>
+            <a:ext cx="91138" cy="91138"/>
+          </a:xfrm>
+          <a:custGeom>
+            <a:avLst/>
+            <a:gdLst>
+              <a:gd name="connsiteX0" fmla="*/ 91138 w 91138"/>
+              <a:gd name="connsiteY0" fmla="*/ 45569 h 91138"/>
+              <a:gd name="connsiteX1" fmla="*/ 45569 w 91138"/>
+              <a:gd name="connsiteY1" fmla="*/ 91138 h 91138"/>
+              <a:gd name="connsiteX2" fmla="*/ 0 w 91138"/>
+              <a:gd name="connsiteY2" fmla="*/ 45569 h 91138"/>
+              <a:gd name="connsiteX3" fmla="*/ 45569 w 91138"/>
+              <a:gd name="connsiteY3" fmla="*/ 0 h 91138"/>
+              <a:gd name="connsiteX4" fmla="*/ 91138 w 91138"/>
+              <a:gd name="connsiteY4" fmla="*/ 45569 h 91138"/>
+            </a:gdLst>
+            <a:ahLst/>
+            <a:cxnLst>
+              <a:cxn ang="0">
+                <a:pos x="connsiteX0" y="connsiteY0"/>
+              </a:cxn>
+              <a:cxn ang="0">
+                <a:pos x="connsiteX1" y="connsiteY1"/>
+              </a:cxn>
+              <a:cxn ang="0">
+                <a:pos x="connsiteX2" y="connsiteY2"/>
+              </a:cxn>
+              <a:cxn ang="0">
+                <a:pos x="connsiteX3" y="connsiteY3"/>
+              </a:cxn>
+              <a:cxn ang="0">
+                <a:pos x="connsiteX4" y="connsiteY4"/>
+              </a:cxn>
+            </a:cxnLst>
+            <a:rect l="l" t="t" r="r" b="b"/>
+            <a:pathLst>
+              <a:path w="91138" h="91138">
+                <a:moveTo>
+                  <a:pt x="91138" y="45569"/>
+                </a:moveTo>
+                <a:cubicBezTo>
+                  <a:pt x="91138" y="70736"/>
+                  <a:pt x="70736" y="91138"/>
+                  <a:pt x="45569" y="91138"/>
+                </a:cubicBezTo>
+                <a:cubicBezTo>
+                  <a:pt x="20402" y="91138"/>
+                  <a:pt x="0" y="70736"/>
+                  <a:pt x="0" y="45569"/>
+                </a:cubicBezTo>
+                <a:cubicBezTo>
+                  <a:pt x="0" y="20402"/>
+                  <a:pt x="20402" y="0"/>
+                  <a:pt x="45569" y="0"/>
+                </a:cubicBezTo>
+                <a:cubicBezTo>
+                  <a:pt x="70736" y="0"/>
+                  <a:pt x="91138" y="20402"/>
+                  <a:pt x="91138" y="45569"/>
+                </a:cubicBezTo>
+                <a:close/>
+              </a:path>
+            </a:pathLst>
+          </a:custGeom>
+          <a:solidFill>
+            <a:srgbClr val="FFFFFF"/>
+          </a:solidFill>
+          <a:ln w="422" cap="flat">
+            <a:noFill/>
+            <a:prstDash val="solid"/>
+            <a:miter/>
+          </a:ln>
+        </p:spPr>
+        <p:txBody>
+          <a:bodyPr rtlCol="0" anchor="ctr"/>
+          <a:lstStyle/>
+          <a:p>
+            <a:pPr marL="0" marR="0" lvl="0" indent="0" algn="l" defTabSz="914400" rtl="0" eaLnBrk="1" fontAlgn="auto" latinLnBrk="0" hangingPunct="1">
+              <a:lnSpc>
+                <a:spcPct val="100000"/>
+              </a:lnSpc>
+              <a:spcBef>
+                <a:spcPts val="0"/>
+              </a:spcBef>
+              <a:spcAft>
+                <a:spcPts val="0"/>
+              </a:spcAft>
+              <a:buClrTx/>
+              <a:buSzTx/>
+              <a:buFontTx/>
+              <a:buNone/>
+              <a:tabLst/>
+              <a:defRPr/>
+            </a:pPr>
+            <a:endParaRPr kumimoji="0" lang="en-US" sz="1800" b="0" i="0" u="none" strike="noStrike" kern="1200" cap="none" spc="0" normalizeH="0" baseline="0" noProof="0">
+              <a:ln>
+                <a:noFill/>
+              </a:ln>
+              <a:solidFill>
+                <a:prstClr val="black"/>
+              </a:solidFill>
+              <a:effectLst/>
+              <a:uLnTx/>
+              <a:uFillTx/>
+              <a:latin typeface="Univers"/>
+              <a:ea typeface="+mn-ea"/>
+              <a:cs typeface="+mn-cs"/>
+            </a:endParaRPr>
+          </a:p>
+        </p:txBody>
+      </p:sp>
+      <p:sp>
+        <p:nvSpPr>
+          <p:cNvPr id="21" name="Graphic 15">
+            <a:extLst>
+              <a:ext uri="{FF2B5EF4-FFF2-40B4-BE49-F238E27FC236}">
+                <a16:creationId xmlns:a16="http://schemas.microsoft.com/office/drawing/2014/main" id="{AEA7509D-F04F-40CB-A0B3-EEF16499CC9F}"/>
+              </a:ext>
+              <a:ext uri="{C183D7F6-B498-43B3-948B-1728B52AA6E4}">
+                <adec:decorative xmlns:adec="http://schemas.microsoft.com/office/drawing/2017/decorative" val="1"/>
+              </a:ext>
+            </a:extLst>
+          </p:cNvPr>
+          <p:cNvSpPr>
+            <a:spLocks noGrp="1" noRot="1" noChangeAspect="1" noMove="1" noResize="1" noEditPoints="1" noAdjustHandles="1" noChangeArrowheads="1" noChangeShapeType="1" noTextEdit="1"/>
+          </p:cNvSpPr>
+          <p:nvPr>
+            <p:extLst>
+              <p:ext uri="{386F3935-93C4-4BCD-93E2-E3B085C9AB24}">
+                <p16:designElem xmlns:p16="http://schemas.microsoft.com/office/powerpoint/2015/main" val="1"/>
+              </p:ext>
+            </p:extLst>
+          </p:nvPr>
+        </p:nvSpPr>
+        <p:spPr>
+          <a:xfrm>
+            <a:off x="529414" y="3619532"/>
+            <a:ext cx="127714" cy="127714"/>
+          </a:xfrm>
+          <a:custGeom>
+            <a:avLst/>
+            <a:gdLst>
+              <a:gd name="connsiteX0" fmla="*/ 63857 w 127714"/>
+              <a:gd name="connsiteY0" fmla="*/ 18874 h 127714"/>
+              <a:gd name="connsiteX1" fmla="*/ 108840 w 127714"/>
+              <a:gd name="connsiteY1" fmla="*/ 63857 h 127714"/>
+              <a:gd name="connsiteX2" fmla="*/ 63857 w 127714"/>
+              <a:gd name="connsiteY2" fmla="*/ 108840 h 127714"/>
+              <a:gd name="connsiteX3" fmla="*/ 18874 w 127714"/>
+              <a:gd name="connsiteY3" fmla="*/ 63857 h 127714"/>
+              <a:gd name="connsiteX4" fmla="*/ 63857 w 127714"/>
+              <a:gd name="connsiteY4" fmla="*/ 18874 h 127714"/>
+              <a:gd name="connsiteX5" fmla="*/ 63857 w 127714"/>
+              <a:gd name="connsiteY5" fmla="*/ 0 h 127714"/>
+              <a:gd name="connsiteX6" fmla="*/ 0 w 127714"/>
+              <a:gd name="connsiteY6" fmla="*/ 63857 h 127714"/>
+              <a:gd name="connsiteX7" fmla="*/ 63857 w 127714"/>
+              <a:gd name="connsiteY7" fmla="*/ 127714 h 127714"/>
+              <a:gd name="connsiteX8" fmla="*/ 127714 w 127714"/>
+              <a:gd name="connsiteY8" fmla="*/ 63857 h 127714"/>
+              <a:gd name="connsiteX9" fmla="*/ 63857 w 127714"/>
+              <a:gd name="connsiteY9" fmla="*/ 0 h 127714"/>
+            </a:gdLst>
+            <a:ahLst/>
+            <a:cxnLst>
+              <a:cxn ang="0">
+                <a:pos x="connsiteX0" y="connsiteY0"/>
+              </a:cxn>
+              <a:cxn ang="0">
+                <a:pos x="connsiteX1" y="connsiteY1"/>
+              </a:cxn>
+              <a:cxn ang="0">
+                <a:pos x="connsiteX2" y="connsiteY2"/>
+              </a:cxn>
+              <a:cxn ang="0">
+                <a:pos x="connsiteX3" y="connsiteY3"/>
+              </a:cxn>
+              <a:cxn ang="0">
+                <a:pos x="connsiteX4" y="connsiteY4"/>
+              </a:cxn>
+              <a:cxn ang="0">
+                <a:pos x="connsiteX5" y="connsiteY5"/>
+              </a:cxn>
+              <a:cxn ang="0">
+                <a:pos x="connsiteX6" y="connsiteY6"/>
+              </a:cxn>
+              <a:cxn ang="0">
+                <a:pos x="connsiteX7" y="connsiteY7"/>
+              </a:cxn>
+              <a:cxn ang="0">
+                <a:pos x="connsiteX8" y="connsiteY8"/>
+              </a:cxn>
+              <a:cxn ang="0">
+                <a:pos x="connsiteX9" y="connsiteY9"/>
+              </a:cxn>
+            </a:cxnLst>
+            <a:rect l="l" t="t" r="r" b="b"/>
+            <a:pathLst>
+              <a:path w="127714" h="127714">
+                <a:moveTo>
+                  <a:pt x="63857" y="18874"/>
+                </a:moveTo>
+                <a:cubicBezTo>
+                  <a:pt x="88700" y="18874"/>
+                  <a:pt x="108840" y="39014"/>
+                  <a:pt x="108840" y="63857"/>
+                </a:cubicBezTo>
+                <a:cubicBezTo>
+                  <a:pt x="108840" y="88700"/>
+                  <a:pt x="88700" y="108840"/>
+                  <a:pt x="63857" y="108840"/>
+                </a:cubicBezTo>
+                <a:cubicBezTo>
+                  <a:pt x="39014" y="108840"/>
+                  <a:pt x="18874" y="88700"/>
+                  <a:pt x="18874" y="63857"/>
+                </a:cubicBezTo>
+                <a:cubicBezTo>
+                  <a:pt x="18898" y="39024"/>
+                  <a:pt x="39024" y="18898"/>
+                  <a:pt x="63857" y="18874"/>
+                </a:cubicBezTo>
+                <a:moveTo>
+                  <a:pt x="63857" y="0"/>
+                </a:moveTo>
+                <a:cubicBezTo>
+                  <a:pt x="28590" y="0"/>
+                  <a:pt x="0" y="28590"/>
+                  <a:pt x="0" y="63857"/>
+                </a:cubicBezTo>
+                <a:cubicBezTo>
+                  <a:pt x="0" y="99124"/>
+                  <a:pt x="28590" y="127714"/>
+                  <a:pt x="63857" y="127714"/>
+                </a:cubicBezTo>
+                <a:cubicBezTo>
+                  <a:pt x="99124" y="127714"/>
+                  <a:pt x="127714" y="99124"/>
+                  <a:pt x="127714" y="63857"/>
+                </a:cubicBezTo>
+                <a:cubicBezTo>
+                  <a:pt x="127714" y="28590"/>
+                  <a:pt x="99124" y="0"/>
+                  <a:pt x="63857" y="0"/>
+                </a:cubicBezTo>
+                <a:close/>
+              </a:path>
+            </a:pathLst>
+          </a:custGeom>
+          <a:solidFill>
+            <a:srgbClr val="FFFFFF"/>
+          </a:solidFill>
+          <a:ln w="610" cap="flat">
+            <a:noFill/>
+            <a:prstDash val="solid"/>
+            <a:miter/>
+          </a:ln>
+        </p:spPr>
+        <p:txBody>
+          <a:bodyPr rtlCol="0" anchor="ctr"/>
+          <a:lstStyle/>
+          <a:p>
+            <a:pPr marL="0" marR="0" lvl="0" indent="0" algn="l" defTabSz="914400" rtl="0" eaLnBrk="1" fontAlgn="auto" latinLnBrk="0" hangingPunct="1">
+              <a:lnSpc>
+                <a:spcPct val="100000"/>
+              </a:lnSpc>
+              <a:spcBef>
+                <a:spcPts val="0"/>
+              </a:spcBef>
+              <a:spcAft>
+                <a:spcPts val="0"/>
+              </a:spcAft>
+              <a:buClrTx/>
+              <a:buSzTx/>
+              <a:buFontTx/>
+              <a:buNone/>
+              <a:tabLst/>
+              <a:defRPr/>
+            </a:pPr>
+            <a:endParaRPr kumimoji="0" lang="en-US" sz="1800" b="0" i="0" u="none" strike="noStrike" kern="1200" cap="none" spc="0" normalizeH="0" baseline="0" noProof="0">
+              <a:ln>
+                <a:noFill/>
+              </a:ln>
+              <a:solidFill>
+                <a:prstClr val="black"/>
+              </a:solidFill>
+              <a:effectLst/>
+              <a:uLnTx/>
+              <a:uFillTx/>
+              <a:latin typeface="Univers"/>
+              <a:ea typeface="+mn-ea"/>
+              <a:cs typeface="+mn-cs"/>
+            </a:endParaRPr>
+          </a:p>
+        </p:txBody>
+      </p:sp>
+      <p:sp>
+        <p:nvSpPr>
+          <p:cNvPr id="4" name="Rectangle 3">
+            <a:extLst>
+              <a:ext uri="{FF2B5EF4-FFF2-40B4-BE49-F238E27FC236}">
+                <a16:creationId xmlns:a16="http://schemas.microsoft.com/office/drawing/2014/main" id="{BC89F216-5EF9-C161-205C-10E10762BD62}"/>
+              </a:ext>
+            </a:extLst>
+          </p:cNvPr>
+          <p:cNvSpPr/>
+          <p:nvPr/>
+        </p:nvSpPr>
+        <p:spPr>
+          <a:xfrm>
+            <a:off x="5853403" y="6067959"/>
+            <a:ext cx="485192" cy="642858"/>
+          </a:xfrm>
+          <a:prstGeom prst="rect">
+            <a:avLst/>
+          </a:prstGeom>
+          <a:ln>
+            <a:solidFill>
+              <a:schemeClr val="bg1"/>
+            </a:solidFill>
+          </a:ln>
+        </p:spPr>
+        <p:style>
+          <a:lnRef idx="2">
+            <a:schemeClr val="accent6"/>
+          </a:lnRef>
+          <a:fillRef idx="1">
+            <a:schemeClr val="lt1"/>
+          </a:fillRef>
+          <a:effectRef idx="0">
+            <a:schemeClr val="accent6"/>
+          </a:effectRef>
+          <a:fontRef idx="minor">
+            <a:schemeClr val="dk1"/>
+          </a:fontRef>
+        </p:style>
+        <p:txBody>
+          <a:bodyPr rtlCol="0" anchor="ctr"/>
+          <a:lstStyle/>
+          <a:p>
+            <a:pPr algn="ctr"/>
+            <a:r>
+              <a:rPr lang="fr-FR" dirty="0"/>
+              <a:t>5</a:t>
+            </a:r>
+          </a:p>
+        </p:txBody>
+      </p:sp>
+    </p:spTree>
+    <p:extLst>
+      <p:ext uri="{BB962C8B-B14F-4D97-AF65-F5344CB8AC3E}">
+        <p14:creationId xmlns:p14="http://schemas.microsoft.com/office/powerpoint/2010/main" val="1776823881"/>
+      </p:ext>
+    </p:extLst>
+  </p:cSld>
+  <p:clrMapOvr>
+    <a:masterClrMapping/>
+  </p:clrMapOvr>
+  <mc:AlternateContent xmlns:mc="http://schemas.openxmlformats.org/markup-compatibility/2006" xmlns:p159="http://schemas.microsoft.com/office/powerpoint/2015/09/main">
+    <mc:Choice Requires="p159">
+      <p:transition xmlns:p14="http://schemas.microsoft.com/office/powerpoint/2010/main" spd="slow" p14:dur="2000">
+        <p159:morph option="byObject"/>
+      </p:transition>
+    </mc:Choice>
+    <mc:Fallback xmlns="">
+      <p:transition spd="slow">
+        <p:fade/>
+      </p:transition>
+    </mc:Fallback>
+  </mc:AlternateContent>
+  <p:timing>
+    <p:tnLst>
+      <p:par>
+        <p:cTn id="1" dur="indefinite" restart="never" nodeType="tmRoot">
+          <p:childTnLst>
+            <p:seq concurrent="1" nextAc="seek">
+              <p:cTn id="2" dur="indefinite" nodeType="mainSeq">
+                <p:childTnLst>
+                  <p:par>
+                    <p:cTn id="3" fill="hold">
+                      <p:stCondLst>
+                        <p:cond delay="indefinite"/>
+                        <p:cond evt="onBegin" delay="0">
+                          <p:tn val="2"/>
+                        </p:cond>
+                      </p:stCondLst>
+                      <p:childTnLst>
+                        <p:par>
+                          <p:cTn id="4" fill="hold">
+                            <p:stCondLst>
+                              <p:cond delay="0"/>
+                            </p:stCondLst>
+                            <p:childTnLst>
+                              <p:par>
+                                <p:cTn id="5" presetID="10" presetClass="entr" presetSubtype="0" fill="hold" grpId="0" nodeType="withEffect">
+                                  <p:stCondLst>
+                                    <p:cond delay="1000"/>
+                                  </p:stCondLst>
+                                  <p:iterate type="lt">
+                                    <p:tmPct val="10000"/>
+                                  </p:iterate>
+                                  <p:childTnLst>
+                                    <p:set>
+                                      <p:cBhvr>
+                                        <p:cTn id="6" dur="1" fill="hold">
+                                          <p:stCondLst>
+                                            <p:cond delay="0"/>
+                                          </p:stCondLst>
+                                        </p:cTn>
+                                        <p:tgtEl>
+                                          <p:spTgt spid="2"/>
+                                        </p:tgtEl>
+                                        <p:attrNameLst>
+                                          <p:attrName>style.visibility</p:attrName>
+                                        </p:attrNameLst>
+                                      </p:cBhvr>
+                                      <p:to>
+                                        <p:strVal val="visible"/>
+                                      </p:to>
+                                    </p:set>
+                                    <p:animEffect transition="in" filter="fade">
+                                      <p:cBhvr>
+                                        <p:cTn id="7" dur="400"/>
+                                        <p:tgtEl>
+                                          <p:spTgt spid="2"/>
+                                        </p:tgtEl>
+                                      </p:cBhvr>
+                                    </p:animEffect>
+                                  </p:childTnLst>
+                                </p:cTn>
+                              </p:par>
+                            </p:childTnLst>
+                          </p:cTn>
+                        </p:par>
+                      </p:childTnLst>
+                    </p:cTn>
+                  </p:par>
+                </p:childTnLst>
+              </p:cTn>
+              <p:prevCondLst>
+                <p:cond evt="onPrev" delay="0">
+                  <p:tgtEl>
+                    <p:sldTgt/>
+                  </p:tgtEl>
+                </p:cond>
+              </p:prevCondLst>
+              <p:nextCondLst>
+                <p:cond evt="onNext" delay="0">
+                  <p:tgtEl>
+                    <p:sldTgt/>
+                  </p:tgtEl>
+                </p:cond>
+              </p:nextCondLst>
+            </p:seq>
+          </p:childTnLst>
+        </p:cTn>
+      </p:par>
+    </p:tnLst>
+    <p:bldLst>
+      <p:bldP spid="2" grpId="0"/>
+    </p:bldLst>
+  </p:timing>
 </p:sld>
 </file>
 
 <file path=ppt/theme/theme1.xml><?xml version="1.0" encoding="utf-8"?>
-<a:theme xmlns:a="http://schemas.openxmlformats.org/drawingml/2006/main" name="Thème Office">
+<a:theme xmlns:a="http://schemas.openxmlformats.org/drawingml/2006/main" name="GradientVTI">
   <a:themeElements>
     <a:clrScheme name="Office">
       <a:dk1>
-        <a:sysClr val="windowText" lastClr="000000"/>
+        <a:srgbClr val="000000"/>
       </a:dk1>
       <a:lt1>
-        <a:sysClr val="window" lastClr="FFFFFF"/>
+        <a:srgbClr val="FFFFFF"/>
       </a:lt1>
       <a:dk2>
-        <a:srgbClr val="0E2841"/>
+        <a:srgbClr val="281B10"/>
       </a:dk2>
       <a:lt2>
-        <a:srgbClr val="E8E8E8"/>
+        <a:srgbClr val="FFF9F5"/>
       </a:lt2>
       <a:accent1>
-        <a:srgbClr val="156082"/>
+        <a:srgbClr val="EE7661"/>
       </a:accent1>
       <a:accent2>
-        <a:srgbClr val="E97132"/>
+        <a:srgbClr val="4E91F0"/>
       </a:accent2>
       <a:accent3>
-        <a:srgbClr val="196B24"/>
+        <a:srgbClr val="5B5260"/>
       </a:accent3>
       <a:accent4>
-        <a:srgbClr val="0F9ED5"/>
+        <a:srgbClr val="2CC3B4"/>
       </a:accent4>
       <a:accent5>
-        <a:srgbClr val="A02B93"/>
+        <a:srgbClr val="C097F8"/>
       </a:accent5>
       <a:accent6>
-        <a:srgbClr val="4EA72E"/>
+        <a:srgbClr val="FF9514"/>
       </a:accent6>
       <a:hlink>
-        <a:srgbClr val="467886"/>
+        <a:srgbClr val="E50CBC"/>
       </a:hlink>
       <a:folHlink>
-        <a:srgbClr val="96607D"/>
+        <a:srgbClr val="6257FF"/>
       </a:folHlink>
     </a:clrScheme>
-    <a:fontScheme name="Office">
+    <a:fontScheme name="Univers">
       <a:majorFont>
-        <a:latin typeface="Aptos Display" panose="02110004020202020204"/>
+        <a:latin typeface="Gill Sans Nova"/>
         <a:ea typeface=""/>
         <a:cs typeface=""/>
-        <a:font script="Jpan" typeface="游ゴシック Light"/>
-        <a:font script="Hang" typeface="맑은 고딕"/>
-        <a:font script="Hans" typeface="等线 Light"/>
-        <a:font script="Hant" typeface="新細明體"/>
-        <a:font script="Arab" typeface="Times New Roman"/>
-        <a:font script="Hebr" typeface="Times New Roman"/>
-        <a:font script="Thai" typeface="Angsana New"/>
-        <a:font script="Ethi" typeface="Nyala"/>
-        <a:font script="Beng" typeface="Vrinda"/>
-        <a:font script="Gujr" typeface="Shruti"/>
-        <a:font script="Khmr" typeface="MoolBoran"/>
-        <a:font script="Knda" typeface="Tunga"/>
-        <a:font script="Guru" typeface="Raavi"/>
-        <a:font script="Cans" typeface="Euphemia"/>
-        <a:font script="Cher" typeface="Plantagenet Cherokee"/>
-        <a:font script="Yiii" typeface="Microsoft Yi Baiti"/>
-        <a:font script="Tibt" typeface="Microsoft Himalaya"/>
-        <a:font script="Thaa" typeface="MV Boli"/>
-        <a:font script="Deva" typeface="Mangal"/>
-        <a:font script="Telu" typeface="Gautami"/>
-        <a:font script="Taml" typeface="Latha"/>
-        <a:font script="Syrc" typeface="Estrangelo Edessa"/>
-        <a:font script="Orya" typeface="Kalinga"/>
-        <a:font script="Mlym" typeface="Kartika"/>
-        <a:font script="Laoo" typeface="DokChampa"/>
-        <a:font script="Sinh" typeface="Iskoola Pota"/>
-        <a:font script="Mong" typeface="Mongolian Baiti"/>
-        <a:font script="Viet" typeface="Times New Roman"/>
-        <a:font script="Uigh" typeface="Microsoft Uighur"/>
-        <a:font script="Geor" typeface="Sylfaen"/>
-        <a:font script="Armn" typeface="Arial"/>
-        <a:font script="Bugi" typeface="Leelawadee UI"/>
-        <a:font script="Bopo" typeface="Microsoft JhengHei"/>
-        <a:font script="Java" typeface="Javanese Text"/>
-        <a:font script="Lisu" typeface="Segoe UI"/>
-        <a:font script="Mymr" typeface="Myanmar Text"/>
-        <a:font script="Nkoo" typeface="Ebrima"/>
-        <a:font script="Olck" typeface="Nirmala UI"/>
-        <a:font script="Osma" typeface="Ebrima"/>
-        <a:font script="Phag" typeface="Phagspa"/>
-        <a:font script="Syrn" typeface="Estrangelo Edessa"/>
-        <a:font script="Syrj" typeface="Estrangelo Edessa"/>
-        <a:font script="Syre" typeface="Estrangelo Edessa"/>
-        <a:font script="Sora" typeface="Nirmala UI"/>
-        <a:font script="Tale" typeface="Microsoft Tai Le"/>
-        <a:font script="Talu" typeface="Microsoft New Tai Lue"/>
-        <a:font script="Tfng" typeface="Ebrima"/>
       </a:majorFont>
       <a:minorFont>
-        <a:latin typeface="Aptos" panose="02110004020202020204"/>
+        <a:latin typeface="Gill Sans Nova"/>
         <a:ea typeface=""/>
         <a:cs typeface=""/>
-        <a:font script="Jpan" typeface="游ゴシック"/>
-        <a:font script="Hang" typeface="맑은 고딕"/>
-        <a:font script="Hans" typeface="等线"/>
-        <a:font script="Hant" typeface="新細明體"/>
-        <a:font script="Arab" typeface="Arial"/>
-        <a:font script="Hebr" typeface="Arial"/>
-        <a:font script="Thai" typeface="Cordia New"/>
-        <a:font script="Ethi" typeface="Nyala"/>
-        <a:font script="Beng" typeface="Vrinda"/>
-        <a:font script="Gujr" typeface="Shruti"/>
-        <a:font script="Khmr" typeface="DaunPenh"/>
-        <a:font script="Knda" typeface="Tunga"/>
-        <a:font script="Guru" typeface="Raavi"/>
-        <a:font script="Cans" typeface="Euphemia"/>
-        <a:font script="Cher" typeface="Plantagenet Cherokee"/>
-        <a:font script="Yiii" typeface="Microsoft Yi Baiti"/>
-        <a:font script="Tibt" typeface="Microsoft Himalaya"/>
-        <a:font script="Thaa" typeface="MV Boli"/>
-        <a:font script="Deva" typeface="Mangal"/>
-        <a:font script="Telu" typeface="Gautami"/>
-        <a:font script="Taml" typeface="Latha"/>
-        <a:font script="Syrc" typeface="Estrangelo Edessa"/>
-        <a:font script="Orya" typeface="Kalinga"/>
-        <a:font script="Mlym" typeface="Kartika"/>
-        <a:font script="Laoo" typeface="DokChampa"/>
-        <a:font script="Sinh" typeface="Iskoola Pota"/>
-        <a:font script="Mong" typeface="Mongolian Baiti"/>
-        <a:font script="Viet" typeface="Arial"/>
-        <a:font script="Uigh" typeface="Microsoft Uighur"/>
-        <a:font script="Geor" typeface="Sylfaen"/>
-        <a:font script="Armn" typeface="Arial"/>
-        <a:font script="Bugi" typeface="Leelawadee UI"/>
-        <a:font script="Bopo" typeface="Microsoft JhengHei"/>
-        <a:font script="Java" typeface="Javanese Text"/>
-        <a:font script="Lisu" typeface="Segoe UI"/>
-        <a:font script="Mymr" typeface="Myanmar Text"/>
-        <a:font script="Nkoo" typeface="Ebrima"/>
-        <a:font script="Olck" typeface="Nirmala UI"/>
-        <a:font script="Osma" typeface="Ebrima"/>
-        <a:font script="Phag" typeface="Phagspa"/>
-        <a:font script="Syrn" typeface="Estrangelo Edessa"/>
-        <a:font script="Syrj" typeface="Estrangelo Edessa"/>
-        <a:font script="Syre" typeface="Estrangelo Edessa"/>
-        <a:font script="Sora" typeface="Nirmala UI"/>
-        <a:font script="Tale" typeface="Microsoft Tai Le"/>
-        <a:font script="Talu" typeface="Microsoft New Tai Lue"/>
-        <a:font script="Tfng" typeface="Ebrima"/>
       </a:minorFont>
     </a:fontScheme>
     <a:fmtScheme name="Office">
@@ -3590,6 +10049,13 @@
         </a:gradFill>
       </a:fillStyleLst>
       <a:lnStyleLst>
+        <a:ln w="6350" cap="flat" cmpd="sng" algn="ctr">
+          <a:solidFill>
+            <a:schemeClr val="phClr"/>
+          </a:solidFill>
+          <a:prstDash val="solid"/>
+          <a:miter lim="800000"/>
+        </a:ln>
         <a:ln w="12700" cap="flat" cmpd="sng" algn="ctr">
           <a:solidFill>
             <a:schemeClr val="phClr"/>
@@ -3598,13 +10064,6 @@
           <a:miter lim="800000"/>
         </a:ln>
         <a:ln w="19050" cap="flat" cmpd="sng" algn="ctr">
-          <a:solidFill>
-            <a:schemeClr val="phClr"/>
-          </a:solidFill>
-          <a:prstDash val="solid"/>
-          <a:miter lim="800000"/>
-        </a:ln>
-        <a:ln w="25400" cap="flat" cmpd="sng" algn="ctr">
           <a:solidFill>
             <a:schemeClr val="phClr"/>
           </a:solidFill>
@@ -3669,31 +10128,11 @@
       </a:bgFillStyleLst>
     </a:fmtScheme>
   </a:themeElements>
-  <a:objectDefaults>
-    <a:lnDef>
-      <a:spPr/>
-      <a:bodyPr/>
-      <a:lstStyle/>
-      <a:style>
-        <a:lnRef idx="2">
-          <a:schemeClr val="accent1"/>
-        </a:lnRef>
-        <a:fillRef idx="0">
-          <a:schemeClr val="accent1"/>
-        </a:fillRef>
-        <a:effectRef idx="1">
-          <a:schemeClr val="accent1"/>
-        </a:effectRef>
-        <a:fontRef idx="minor">
-          <a:schemeClr val="tx1"/>
-        </a:fontRef>
-      </a:style>
-    </a:lnDef>
-  </a:objectDefaults>
+  <a:objectDefaults/>
   <a:extraClrSchemeLst/>
   <a:extLst>
     <a:ext uri="{05A4C25C-085E-4340-85A3-A5531E510DB2}">
-      <thm15:themeFamily xmlns:thm15="http://schemas.microsoft.com/office/thememl/2012/main" name="Office Theme" id="{2E142A2C-CD16-42D6-873A-C26D2A0506FA}" vid="{1BDDFF52-6CD6-40A5-AB3C-68EB2F1E4D0A}"/>
+      <thm15:themeFamily xmlns:thm15="http://schemas.microsoft.com/office/thememl/2012/main" name="GradientVTI" id="{605F9078-86F9-4258-A3E1-F8EFF02AE8CC}" vid="{4848699B-BB01-41E3-9EC4-3D97DFE5292B}"/>
     </a:ext>
   </a:extLst>
 </a:theme>

--- a/PrésentationMini-Projet.pptx
+++ b/PrésentationMini-Projet.pptx
@@ -6718,16 +6718,15 @@
       </p:sp>
       <p:cxnSp>
         <p:nvCxnSpPr>
-          <p:cNvPr id="29" name="Connecteur droit 28">
-            <a:extLst>
-              <a:ext uri="{FF2B5EF4-FFF2-40B4-BE49-F238E27FC236}">
-                <a16:creationId xmlns:a16="http://schemas.microsoft.com/office/drawing/2014/main" id="{FD65286E-69CE-297D-6F66-B7B242FBC87F}"/>
+          <p:cNvPr id="25" name="Connecteur droit avec flèche 24">
+            <a:extLst>
+              <a:ext uri="{FF2B5EF4-FFF2-40B4-BE49-F238E27FC236}">
+                <a16:creationId xmlns:a16="http://schemas.microsoft.com/office/drawing/2014/main" id="{646617AB-CD05-B045-1BAD-B4A2BF612B6A}"/>
               </a:ext>
             </a:extLst>
           </p:cNvPr>
           <p:cNvCxnSpPr>
             <a:cxnSpLocks/>
-            <a:stCxn id="21" idx="1"/>
             <a:endCxn id="7" idx="3"/>
           </p:cNvCxnSpPr>
           <p:nvPr/>
@@ -6735,15 +6734,13 @@
         <p:spPr>
           <a:xfrm flipH="1" flipV="1">
             <a:off x="2590125" y="5503759"/>
-            <a:ext cx="4213079" cy="370952"/>
-          </a:xfrm>
-          <a:prstGeom prst="line">
+            <a:ext cx="3716313" cy="739005"/>
+          </a:xfrm>
+          <a:prstGeom prst="straightConnector1">
             <a:avLst/>
           </a:prstGeom>
-          <a:ln w="12700">
-            <a:solidFill>
-              <a:schemeClr val="tx1"/>
-            </a:solidFill>
+          <a:ln>
+            <a:tailEnd type="triangle"/>
           </a:ln>
         </p:spPr>
         <p:style>
@@ -6763,32 +6760,30 @@
       </p:cxnSp>
       <p:cxnSp>
         <p:nvCxnSpPr>
-          <p:cNvPr id="31" name="Connecteur droit 30">
-            <a:extLst>
-              <a:ext uri="{FF2B5EF4-FFF2-40B4-BE49-F238E27FC236}">
-                <a16:creationId xmlns:a16="http://schemas.microsoft.com/office/drawing/2014/main" id="{EFC656C6-1DCA-E90E-3841-C842D5EA3977}"/>
+          <p:cNvPr id="32" name="Connecteur droit avec flèche 31">
+            <a:extLst>
+              <a:ext uri="{FF2B5EF4-FFF2-40B4-BE49-F238E27FC236}">
+                <a16:creationId xmlns:a16="http://schemas.microsoft.com/office/drawing/2014/main" id="{C89514C8-5551-E6F3-A566-C09C722F6B1B}"/>
               </a:ext>
             </a:extLst>
           </p:cNvPr>
           <p:cNvCxnSpPr>
             <a:cxnSpLocks/>
-            <a:stCxn id="12" idx="2"/>
-            <a:endCxn id="7" idx="3"/>
+            <a:stCxn id="21" idx="0"/>
+            <a:endCxn id="12" idx="2"/>
           </p:cNvCxnSpPr>
           <p:nvPr/>
         </p:nvCxnSpPr>
         <p:spPr>
-          <a:xfrm flipH="1">
-            <a:off x="2590125" y="4723679"/>
-            <a:ext cx="2169166" cy="780080"/>
-          </a:xfrm>
-          <a:prstGeom prst="line">
+          <a:xfrm flipH="1" flipV="1">
+            <a:off x="4759291" y="4723679"/>
+            <a:ext cx="3243212" cy="990990"/>
+          </a:xfrm>
+          <a:prstGeom prst="straightConnector1">
             <a:avLst/>
           </a:prstGeom>
-          <a:ln w="12700">
-            <a:solidFill>
-              <a:schemeClr val="tx1"/>
-            </a:solidFill>
+          <a:ln>
+            <a:tailEnd type="triangle"/>
           </a:ln>
         </p:spPr>
         <p:style>
@@ -6808,122 +6803,30 @@
       </p:cxnSp>
       <p:cxnSp>
         <p:nvCxnSpPr>
-          <p:cNvPr id="35" name="Connecteur droit 34">
-            <a:extLst>
-              <a:ext uri="{FF2B5EF4-FFF2-40B4-BE49-F238E27FC236}">
-                <a16:creationId xmlns:a16="http://schemas.microsoft.com/office/drawing/2014/main" id="{FA6741B6-0578-5FE8-5863-F43533E32EC8}"/>
+          <p:cNvPr id="37" name="Connecteur droit avec flèche 36">
+            <a:extLst>
+              <a:ext uri="{FF2B5EF4-FFF2-40B4-BE49-F238E27FC236}">
+                <a16:creationId xmlns:a16="http://schemas.microsoft.com/office/drawing/2014/main" id="{D17AF167-E2C6-F128-C59F-9935C48565B4}"/>
               </a:ext>
             </a:extLst>
           </p:cNvPr>
           <p:cNvCxnSpPr>
             <a:cxnSpLocks/>
-            <a:stCxn id="21" idx="0"/>
-            <a:endCxn id="12" idx="2"/>
+            <a:stCxn id="21" idx="6"/>
+            <a:endCxn id="20" idx="2"/>
           </p:cNvCxnSpPr>
           <p:nvPr/>
         </p:nvCxnSpPr>
         <p:spPr>
-          <a:xfrm flipH="1" flipV="1">
-            <a:off x="4759291" y="4723679"/>
-            <a:ext cx="3243212" cy="990990"/>
-          </a:xfrm>
-          <a:prstGeom prst="line">
+          <a:xfrm flipV="1">
+            <a:off x="9698567" y="5469343"/>
+            <a:ext cx="1082504" cy="791744"/>
+          </a:xfrm>
+          <a:prstGeom prst="straightConnector1">
             <a:avLst/>
           </a:prstGeom>
-          <a:ln w="12700">
-            <a:solidFill>
-              <a:schemeClr val="tx1"/>
-            </a:solidFill>
-          </a:ln>
-        </p:spPr>
-        <p:style>
-          <a:lnRef idx="1">
-            <a:schemeClr val="dk1"/>
-          </a:lnRef>
-          <a:fillRef idx="0">
-            <a:schemeClr val="dk1"/>
-          </a:fillRef>
-          <a:effectRef idx="0">
-            <a:schemeClr val="dk1"/>
-          </a:effectRef>
-          <a:fontRef idx="minor">
-            <a:schemeClr val="tx1"/>
-          </a:fontRef>
-        </p:style>
-      </p:cxnSp>
-      <p:cxnSp>
-        <p:nvCxnSpPr>
-          <p:cNvPr id="38" name="Connecteur droit 37">
-            <a:extLst>
-              <a:ext uri="{FF2B5EF4-FFF2-40B4-BE49-F238E27FC236}">
-                <a16:creationId xmlns:a16="http://schemas.microsoft.com/office/drawing/2014/main" id="{31F114B9-D6D5-5237-1CE3-E7078E1E033D}"/>
-              </a:ext>
-            </a:extLst>
-          </p:cNvPr>
-          <p:cNvCxnSpPr>
-            <a:cxnSpLocks/>
-            <a:stCxn id="20" idx="1"/>
-            <a:endCxn id="12" idx="2"/>
-          </p:cNvCxnSpPr>
-          <p:nvPr/>
-        </p:nvCxnSpPr>
-        <p:spPr>
-          <a:xfrm flipH="1" flipV="1">
-            <a:off x="4759291" y="4723679"/>
-            <a:ext cx="4610851" cy="239303"/>
-          </a:xfrm>
-          <a:prstGeom prst="line">
-            <a:avLst/>
-          </a:prstGeom>
-          <a:ln w="12700">
-            <a:solidFill>
-              <a:schemeClr val="tx1"/>
-            </a:solidFill>
-          </a:ln>
-        </p:spPr>
-        <p:style>
-          <a:lnRef idx="1">
-            <a:schemeClr val="dk1"/>
-          </a:lnRef>
-          <a:fillRef idx="0">
-            <a:schemeClr val="dk1"/>
-          </a:fillRef>
-          <a:effectRef idx="0">
-            <a:schemeClr val="dk1"/>
-          </a:effectRef>
-          <a:fontRef idx="minor">
-            <a:schemeClr val="tx1"/>
-          </a:fontRef>
-        </p:style>
-      </p:cxnSp>
-      <p:cxnSp>
-        <p:nvCxnSpPr>
-          <p:cNvPr id="41" name="Connecteur droit 40">
-            <a:extLst>
-              <a:ext uri="{FF2B5EF4-FFF2-40B4-BE49-F238E27FC236}">
-                <a16:creationId xmlns:a16="http://schemas.microsoft.com/office/drawing/2014/main" id="{0746A249-7876-3F30-E3CF-02D0F6BD1CF3}"/>
-              </a:ext>
-            </a:extLst>
-          </p:cNvPr>
-          <p:cNvCxnSpPr>
-            <a:cxnSpLocks/>
-            <a:stCxn id="20" idx="2"/>
-            <a:endCxn id="21" idx="7"/>
-          </p:cNvCxnSpPr>
-          <p:nvPr/>
-        </p:nvCxnSpPr>
-        <p:spPr>
-          <a:xfrm flipH="1">
-            <a:off x="9201801" y="5469343"/>
-            <a:ext cx="1579270" cy="405368"/>
-          </a:xfrm>
-          <a:prstGeom prst="line">
-            <a:avLst/>
-          </a:prstGeom>
-          <a:ln w="12700">
-            <a:solidFill>
-              <a:schemeClr val="tx1"/>
-            </a:solidFill>
+          <a:ln>
+            <a:tailEnd type="triangle"/>
           </a:ln>
         </p:spPr>
         <p:style>
